--- a/教案/第01章.算法与算法复杂性.pptx
+++ b/教案/第01章.算法与算法复杂性.pptx
@@ -12718,36 +12718,6 @@
           </a:p>
         </p:txBody>
       </p:sp>
-      <p:pic>
-        <p:nvPicPr>
-          <p:cNvPr id="2" name="图片 1">
-            <a:extLst>
-              <a:ext uri="{FF2B5EF4-FFF2-40B4-BE49-F238E27FC236}">
-                <a16:creationId xmlns:a16="http://schemas.microsoft.com/office/drawing/2014/main" id="{AB581D35-BB5F-4D8A-BF96-DD726FA4299B}"/>
-              </a:ext>
-            </a:extLst>
-          </p:cNvPr>
-          <p:cNvPicPr>
-            <a:picLocks noChangeAspect="1"/>
-          </p:cNvPicPr>
-          <p:nvPr/>
-        </p:nvPicPr>
-        <p:blipFill>
-          <a:blip r:embed="rId2"/>
-          <a:stretch>
-            <a:fillRect/>
-          </a:stretch>
-        </p:blipFill>
-        <p:spPr>
-          <a:xfrm>
-            <a:off x="9408368" y="44624"/>
-            <a:ext cx="2690849" cy="3607812"/>
-          </a:xfrm>
-          <a:prstGeom prst="rect">
-            <a:avLst/>
-          </a:prstGeom>
-        </p:spPr>
-      </p:pic>
     </p:spTree>
   </p:cSld>
   <p:clrMapOvr>
@@ -12853,7 +12823,7 @@
           <a:graphicData uri="http://schemas.openxmlformats.org/presentationml/2006/ole">
             <mc:AlternateContent xmlns:mc="http://schemas.openxmlformats.org/markup-compatibility/2006">
               <mc:Choice xmlns:v="urn:schemas-microsoft-com:vml" Requires="v">
-                <p:oleObj spid="_x0000_s82996" name="公式" r:id="rId3" imgW="1218960" imgH="431640" progId="Equation.3">
+                <p:oleObj spid="_x0000_s83005" name="公式" r:id="rId3" imgW="1218960" imgH="431640" progId="Equation.3">
                   <p:embed/>
                 </p:oleObj>
               </mc:Choice>
@@ -12952,7 +12922,7 @@
           <a:graphicData uri="http://schemas.openxmlformats.org/presentationml/2006/ole">
             <mc:AlternateContent xmlns:mc="http://schemas.openxmlformats.org/markup-compatibility/2006">
               <mc:Choice xmlns:v="urn:schemas-microsoft-com:vml" Requires="v">
-                <p:oleObj spid="_x0000_s82997" name="公式" r:id="rId5" imgW="787320" imgH="431640" progId="Equation.3">
+                <p:oleObj spid="_x0000_s83006" name="公式" r:id="rId5" imgW="787320" imgH="431640" progId="Equation.3">
                   <p:embed/>
                 </p:oleObj>
               </mc:Choice>
@@ -13051,7 +13021,7 @@
           <a:graphicData uri="http://schemas.openxmlformats.org/presentationml/2006/ole">
             <mc:AlternateContent xmlns:mc="http://schemas.openxmlformats.org/markup-compatibility/2006">
               <mc:Choice xmlns:v="urn:schemas-microsoft-com:vml" Requires="v">
-                <p:oleObj spid="_x0000_s82998" name="公式" r:id="rId7" imgW="1917360" imgH="431640" progId="Equation.3">
+                <p:oleObj spid="_x0000_s83007" name="公式" r:id="rId7" imgW="1917360" imgH="431640" progId="Equation.3">
                   <p:embed/>
                 </p:oleObj>
               </mc:Choice>
@@ -13150,7 +13120,7 @@
           <a:graphicData uri="http://schemas.openxmlformats.org/presentationml/2006/ole">
             <mc:AlternateContent xmlns:mc="http://schemas.openxmlformats.org/markup-compatibility/2006">
               <mc:Choice xmlns:v="urn:schemas-microsoft-com:vml" Requires="v">
-                <p:oleObj spid="_x0000_s82999" name="公式" r:id="rId9" imgW="1346040" imgH="431640" progId="Equation.3">
+                <p:oleObj spid="_x0000_s83008" name="公式" r:id="rId9" imgW="1346040" imgH="431640" progId="Equation.3">
                   <p:embed/>
                 </p:oleObj>
               </mc:Choice>
@@ -13249,7 +13219,7 @@
           <a:graphicData uri="http://schemas.openxmlformats.org/presentationml/2006/ole">
             <mc:AlternateContent xmlns:mc="http://schemas.openxmlformats.org/markup-compatibility/2006">
               <mc:Choice xmlns:v="urn:schemas-microsoft-com:vml" Requires="v">
-                <p:oleObj spid="_x0000_s83000" name="公式" r:id="rId11" imgW="2006280" imgH="431640" progId="Equation.3">
+                <p:oleObj spid="_x0000_s83009" name="公式" r:id="rId11" imgW="2006280" imgH="431640" progId="Equation.3">
                   <p:embed/>
                 </p:oleObj>
               </mc:Choice>
@@ -13348,7 +13318,7 @@
           <a:graphicData uri="http://schemas.openxmlformats.org/presentationml/2006/ole">
             <mc:AlternateContent xmlns:mc="http://schemas.openxmlformats.org/markup-compatibility/2006">
               <mc:Choice xmlns:v="urn:schemas-microsoft-com:vml" Requires="v">
-                <p:oleObj spid="_x0000_s83001" name="公式" r:id="rId13" imgW="2222280" imgH="444240" progId="Equation.3">
+                <p:oleObj spid="_x0000_s83010" name="公式" r:id="rId13" imgW="2222280" imgH="444240" progId="Equation.3">
                   <p:embed/>
                 </p:oleObj>
               </mc:Choice>
@@ -13447,7 +13417,7 @@
           <a:graphicData uri="http://schemas.openxmlformats.org/presentationml/2006/ole">
             <mc:AlternateContent xmlns:mc="http://schemas.openxmlformats.org/markup-compatibility/2006">
               <mc:Choice xmlns:v="urn:schemas-microsoft-com:vml" Requires="v">
-                <p:oleObj spid="_x0000_s83002" name="公式" r:id="rId15" imgW="1574640" imgH="444240" progId="Equation.3">
+                <p:oleObj spid="_x0000_s83011" name="公式" r:id="rId15" imgW="1574640" imgH="444240" progId="Equation.3">
                   <p:embed/>
                 </p:oleObj>
               </mc:Choice>
@@ -13546,7 +13516,7 @@
           <a:graphicData uri="http://schemas.openxmlformats.org/presentationml/2006/ole">
             <mc:AlternateContent xmlns:mc="http://schemas.openxmlformats.org/markup-compatibility/2006">
               <mc:Choice xmlns:v="urn:schemas-microsoft-com:vml" Requires="v">
-                <p:oleObj spid="_x0000_s83003" name="公式" r:id="rId17" imgW="3263760" imgH="419040" progId="Equation.3">
+                <p:oleObj spid="_x0000_s83012" name="公式" r:id="rId17" imgW="3263760" imgH="419040" progId="Equation.3">
                   <p:embed/>
                 </p:oleObj>
               </mc:Choice>
@@ -13645,7 +13615,7 @@
           <a:graphicData uri="http://schemas.openxmlformats.org/presentationml/2006/ole">
             <mc:AlternateContent xmlns:mc="http://schemas.openxmlformats.org/markup-compatibility/2006">
               <mc:Choice xmlns:v="urn:schemas-microsoft-com:vml" Requires="v">
-                <p:oleObj spid="_x0000_s83004" name="公式" r:id="rId19" imgW="1942920" imgH="393480" progId="Equation.3">
+                <p:oleObj spid="_x0000_s83013" name="公式" r:id="rId19" imgW="1942920" imgH="393480" progId="Equation.3">
                   <p:embed/>
                 </p:oleObj>
               </mc:Choice>
@@ -14217,7 +14187,7 @@
           <a:graphicData uri="http://schemas.openxmlformats.org/presentationml/2006/ole">
             <mc:AlternateContent xmlns:mc="http://schemas.openxmlformats.org/markup-compatibility/2006">
               <mc:Choice xmlns:v="urn:schemas-microsoft-com:vml" Requires="v">
-                <p:oleObj spid="_x0000_s84017" name="公式" r:id="rId3" imgW="1942920" imgH="393480" progId="Equation.3">
+                <p:oleObj spid="_x0000_s84024" name="公式" r:id="rId3" imgW="1942920" imgH="393480" progId="Equation.3">
                   <p:embed/>
                 </p:oleObj>
               </mc:Choice>
@@ -14316,7 +14286,7 @@
           <a:graphicData uri="http://schemas.openxmlformats.org/presentationml/2006/ole">
             <mc:AlternateContent xmlns:mc="http://schemas.openxmlformats.org/markup-compatibility/2006">
               <mc:Choice xmlns:v="urn:schemas-microsoft-com:vml" Requires="v">
-                <p:oleObj spid="_x0000_s84018" name="公式" r:id="rId5" imgW="3390840" imgH="431640" progId="Equation.3">
+                <p:oleObj spid="_x0000_s84025" name="公式" r:id="rId5" imgW="3390840" imgH="431640" progId="Equation.3">
                   <p:embed/>
                 </p:oleObj>
               </mc:Choice>
@@ -14415,7 +14385,7 @@
           <a:graphicData uri="http://schemas.openxmlformats.org/presentationml/2006/ole">
             <mc:AlternateContent xmlns:mc="http://schemas.openxmlformats.org/markup-compatibility/2006">
               <mc:Choice xmlns:v="urn:schemas-microsoft-com:vml" Requires="v">
-                <p:oleObj spid="_x0000_s84019" name="公式" r:id="rId7" imgW="3035160" imgH="419040" progId="Equation.3">
+                <p:oleObj spid="_x0000_s84026" name="公式" r:id="rId7" imgW="3035160" imgH="419040" progId="Equation.3">
                   <p:embed/>
                 </p:oleObj>
               </mc:Choice>
@@ -14514,7 +14484,7 @@
           <a:graphicData uri="http://schemas.openxmlformats.org/presentationml/2006/ole">
             <mc:AlternateContent xmlns:mc="http://schemas.openxmlformats.org/markup-compatibility/2006">
               <mc:Choice xmlns:v="urn:schemas-microsoft-com:vml" Requires="v">
-                <p:oleObj spid="_x0000_s84020" name="公式" r:id="rId9" imgW="4495680" imgH="431640" progId="Equation.3">
+                <p:oleObj spid="_x0000_s84027" name="公式" r:id="rId9" imgW="4495680" imgH="431640" progId="Equation.3">
                   <p:embed/>
                 </p:oleObj>
               </mc:Choice>
@@ -14613,7 +14583,7 @@
           <a:graphicData uri="http://schemas.openxmlformats.org/presentationml/2006/ole">
             <mc:AlternateContent xmlns:mc="http://schemas.openxmlformats.org/markup-compatibility/2006">
               <mc:Choice xmlns:v="urn:schemas-microsoft-com:vml" Requires="v">
-                <p:oleObj spid="_x0000_s84021" name="公式" r:id="rId11" imgW="4444920" imgH="419040" progId="Equation.3">
+                <p:oleObj spid="_x0000_s84028" name="公式" r:id="rId11" imgW="4444920" imgH="419040" progId="Equation.3">
                   <p:embed/>
                 </p:oleObj>
               </mc:Choice>
@@ -14787,7 +14757,7 @@
           <a:graphicData uri="http://schemas.openxmlformats.org/presentationml/2006/ole">
             <mc:AlternateContent xmlns:mc="http://schemas.openxmlformats.org/markup-compatibility/2006">
               <mc:Choice xmlns:v="urn:schemas-microsoft-com:vml" Requires="v">
-                <p:oleObj spid="_x0000_s84022" name="公式" r:id="rId13" imgW="4495680" imgH="419040" progId="Equation.3">
+                <p:oleObj spid="_x0000_s84029" name="公式" r:id="rId13" imgW="4495680" imgH="419040" progId="Equation.3">
                   <p:embed/>
                 </p:oleObj>
               </mc:Choice>
@@ -14886,7 +14856,7 @@
           <a:graphicData uri="http://schemas.openxmlformats.org/presentationml/2006/ole">
             <mc:AlternateContent xmlns:mc="http://schemas.openxmlformats.org/markup-compatibility/2006">
               <mc:Choice xmlns:v="urn:schemas-microsoft-com:vml" Requires="v">
-                <p:oleObj spid="_x0000_s84023" name="公式" r:id="rId15" imgW="1981080" imgH="431640" progId="Equation.3">
+                <p:oleObj spid="_x0000_s84030" name="公式" r:id="rId15" imgW="1981080" imgH="431640" progId="Equation.3">
                   <p:embed/>
                 </p:oleObj>
               </mc:Choice>
@@ -15416,7 +15386,7 @@
           <a:graphicData uri="http://schemas.openxmlformats.org/presentationml/2006/ole">
             <mc:AlternateContent xmlns:mc="http://schemas.openxmlformats.org/markup-compatibility/2006">
               <mc:Choice xmlns:v="urn:schemas-microsoft-com:vml" Requires="v">
-                <p:oleObj spid="_x0000_s85034" name="公式" r:id="rId3" imgW="2298600" imgH="431640" progId="Equation.3">
+                <p:oleObj spid="_x0000_s85039" name="公式" r:id="rId3" imgW="2298600" imgH="431640" progId="Equation.3">
                   <p:embed/>
                 </p:oleObj>
               </mc:Choice>
@@ -15515,7 +15485,7 @@
           <a:graphicData uri="http://schemas.openxmlformats.org/presentationml/2006/ole">
             <mc:AlternateContent xmlns:mc="http://schemas.openxmlformats.org/markup-compatibility/2006">
               <mc:Choice xmlns:v="urn:schemas-microsoft-com:vml" Requires="v">
-                <p:oleObj spid="_x0000_s85035" name="公式" r:id="rId5" imgW="1981080" imgH="431640" progId="Equation.3">
+                <p:oleObj spid="_x0000_s85040" name="公式" r:id="rId5" imgW="1981080" imgH="431640" progId="Equation.3">
                   <p:embed/>
                 </p:oleObj>
               </mc:Choice>
@@ -15614,7 +15584,7 @@
           <a:graphicData uri="http://schemas.openxmlformats.org/presentationml/2006/ole">
             <mc:AlternateContent xmlns:mc="http://schemas.openxmlformats.org/markup-compatibility/2006">
               <mc:Choice xmlns:v="urn:schemas-microsoft-com:vml" Requires="v">
-                <p:oleObj spid="_x0000_s85036" name="公式" r:id="rId7" imgW="1866600" imgH="431640" progId="Equation.3">
+                <p:oleObj spid="_x0000_s85041" name="公式" r:id="rId7" imgW="1866600" imgH="431640" progId="Equation.3">
                   <p:embed/>
                 </p:oleObj>
               </mc:Choice>
@@ -15713,7 +15683,7 @@
           <a:graphicData uri="http://schemas.openxmlformats.org/presentationml/2006/ole">
             <mc:AlternateContent xmlns:mc="http://schemas.openxmlformats.org/markup-compatibility/2006">
               <mc:Choice xmlns:v="urn:schemas-microsoft-com:vml" Requires="v">
-                <p:oleObj spid="_x0000_s85037" name="公式" r:id="rId9" imgW="2400120" imgH="393480" progId="Equation.3">
+                <p:oleObj spid="_x0000_s85042" name="公式" r:id="rId9" imgW="2400120" imgH="393480" progId="Equation.3">
                   <p:embed/>
                 </p:oleObj>
               </mc:Choice>
@@ -15812,7 +15782,7 @@
           <a:graphicData uri="http://schemas.openxmlformats.org/presentationml/2006/ole">
             <mc:AlternateContent xmlns:mc="http://schemas.openxmlformats.org/markup-compatibility/2006">
               <mc:Choice xmlns:v="urn:schemas-microsoft-com:vml" Requires="v">
-                <p:oleObj spid="_x0000_s85038" name="公式" r:id="rId11" imgW="1879560" imgH="393480" progId="Equation.3">
+                <p:oleObj spid="_x0000_s85043" name="公式" r:id="rId11" imgW="1879560" imgH="393480" progId="Equation.3">
                   <p:embed/>
                 </p:oleObj>
               </mc:Choice>
@@ -16216,7 +16186,7 @@
           <a:graphicData uri="http://schemas.openxmlformats.org/presentationml/2006/ole">
             <mc:AlternateContent xmlns:mc="http://schemas.openxmlformats.org/markup-compatibility/2006">
               <mc:Choice xmlns:v="urn:schemas-microsoft-com:vml" Requires="v">
-                <p:oleObj spid="_x0000_s86036" name="公式" r:id="rId3" imgW="1968480" imgH="457200" progId="Equation.3">
+                <p:oleObj spid="_x0000_s86038" name="公式" r:id="rId3" imgW="1968480" imgH="457200" progId="Equation.3">
                   <p:embed/>
                 </p:oleObj>
               </mc:Choice>
@@ -16315,7 +16285,7 @@
           <a:graphicData uri="http://schemas.openxmlformats.org/presentationml/2006/ole">
             <mc:AlternateContent xmlns:mc="http://schemas.openxmlformats.org/markup-compatibility/2006">
               <mc:Choice xmlns:v="urn:schemas-microsoft-com:vml" Requires="v">
-                <p:oleObj spid="_x0000_s86037" name="公式" r:id="rId5" imgW="1917360" imgH="457200" progId="Equation.3">
+                <p:oleObj spid="_x0000_s86039" name="公式" r:id="rId5" imgW="1917360" imgH="457200" progId="Equation.3">
                   <p:embed/>
                 </p:oleObj>
               </mc:Choice>
@@ -16725,7 +16695,7 @@
           <a:graphicData uri="http://schemas.openxmlformats.org/presentationml/2006/ole">
             <mc:AlternateContent xmlns:mc="http://schemas.openxmlformats.org/markup-compatibility/2006">
               <mc:Choice xmlns:v="urn:schemas-microsoft-com:vml" Requires="v">
-                <p:oleObj spid="_x0000_s90155" name="公式" r:id="rId3" imgW="1307880" imgH="482400" progId="Equation.3">
+                <p:oleObj spid="_x0000_s90163" name="公式" r:id="rId3" imgW="1307880" imgH="482400" progId="Equation.3">
                   <p:embed/>
                 </p:oleObj>
               </mc:Choice>
@@ -16824,7 +16794,7 @@
           <a:graphicData uri="http://schemas.openxmlformats.org/presentationml/2006/ole">
             <mc:AlternateContent xmlns:mc="http://schemas.openxmlformats.org/markup-compatibility/2006">
               <mc:Choice xmlns:v="urn:schemas-microsoft-com:vml" Requires="v">
-                <p:oleObj spid="_x0000_s90156" name="公式" r:id="rId5" imgW="1447560" imgH="431640" progId="Equation.3">
+                <p:oleObj spid="_x0000_s90164" name="公式" r:id="rId5" imgW="1447560" imgH="431640" progId="Equation.3">
                   <p:embed/>
                 </p:oleObj>
               </mc:Choice>
@@ -16923,7 +16893,7 @@
           <a:graphicData uri="http://schemas.openxmlformats.org/presentationml/2006/ole">
             <mc:AlternateContent xmlns:mc="http://schemas.openxmlformats.org/markup-compatibility/2006">
               <mc:Choice xmlns:v="urn:schemas-microsoft-com:vml" Requires="v">
-                <p:oleObj spid="_x0000_s90157" name="公式" r:id="rId7" imgW="2590560" imgH="241200" progId="Equation.3">
+                <p:oleObj spid="_x0000_s90165" name="公式" r:id="rId7" imgW="2590560" imgH="241200" progId="Equation.3">
                   <p:embed/>
                 </p:oleObj>
               </mc:Choice>
@@ -17022,7 +16992,7 @@
           <a:graphicData uri="http://schemas.openxmlformats.org/presentationml/2006/ole">
             <mc:AlternateContent xmlns:mc="http://schemas.openxmlformats.org/markup-compatibility/2006">
               <mc:Choice xmlns:v="urn:schemas-microsoft-com:vml" Requires="v">
-                <p:oleObj spid="_x0000_s90158" name="公式" r:id="rId9" imgW="3009600" imgH="241200" progId="Equation.3">
+                <p:oleObj spid="_x0000_s90166" name="公式" r:id="rId9" imgW="3009600" imgH="241200" progId="Equation.3">
                   <p:embed/>
                 </p:oleObj>
               </mc:Choice>
@@ -17121,7 +17091,7 @@
           <a:graphicData uri="http://schemas.openxmlformats.org/presentationml/2006/ole">
             <mc:AlternateContent xmlns:mc="http://schemas.openxmlformats.org/markup-compatibility/2006">
               <mc:Choice xmlns:v="urn:schemas-microsoft-com:vml" Requires="v">
-                <p:oleObj spid="_x0000_s90159" name="公式" r:id="rId11" imgW="2286000" imgH="228600" progId="Equation.3">
+                <p:oleObj spid="_x0000_s90167" name="公式" r:id="rId11" imgW="2286000" imgH="228600" progId="Equation.3">
                   <p:embed/>
                 </p:oleObj>
               </mc:Choice>
@@ -17220,7 +17190,7 @@
           <a:graphicData uri="http://schemas.openxmlformats.org/presentationml/2006/ole">
             <mc:AlternateContent xmlns:mc="http://schemas.openxmlformats.org/markup-compatibility/2006">
               <mc:Choice xmlns:v="urn:schemas-microsoft-com:vml" Requires="v">
-                <p:oleObj spid="_x0000_s90160" name="公式" r:id="rId13" imgW="1904760" imgH="431640" progId="Equation.3">
+                <p:oleObj spid="_x0000_s90168" name="公式" r:id="rId13" imgW="1904760" imgH="431640" progId="Equation.3">
                   <p:embed/>
                 </p:oleObj>
               </mc:Choice>
@@ -17319,7 +17289,7 @@
           <a:graphicData uri="http://schemas.openxmlformats.org/presentationml/2006/ole">
             <mc:AlternateContent xmlns:mc="http://schemas.openxmlformats.org/markup-compatibility/2006">
               <mc:Choice xmlns:v="urn:schemas-microsoft-com:vml" Requires="v">
-                <p:oleObj spid="_x0000_s90161" name="公式" r:id="rId15" imgW="2120760" imgH="431640" progId="Equation.3">
+                <p:oleObj spid="_x0000_s90169" name="公式" r:id="rId15" imgW="2120760" imgH="431640" progId="Equation.3">
                   <p:embed/>
                 </p:oleObj>
               </mc:Choice>
@@ -17418,7 +17388,7 @@
           <a:graphicData uri="http://schemas.openxmlformats.org/presentationml/2006/ole">
             <mc:AlternateContent xmlns:mc="http://schemas.openxmlformats.org/markup-compatibility/2006">
               <mc:Choice xmlns:v="urn:schemas-microsoft-com:vml" Requires="v">
-                <p:oleObj spid="_x0000_s90162" name="公式" r:id="rId17" imgW="1409400" imgH="419040" progId="Equation.3">
+                <p:oleObj spid="_x0000_s90170" name="公式" r:id="rId17" imgW="1409400" imgH="419040" progId="Equation.3">
                   <p:embed/>
                 </p:oleObj>
               </mc:Choice>
@@ -17945,7 +17915,7 @@
           <a:graphicData uri="http://schemas.openxmlformats.org/presentationml/2006/ole">
             <mc:AlternateContent xmlns:mc="http://schemas.openxmlformats.org/markup-compatibility/2006">
               <mc:Choice xmlns:v="urn:schemas-microsoft-com:vml" Requires="v">
-                <p:oleObj spid="_x0000_s88106" name="公式" r:id="rId3" imgW="1282680" imgH="419040" progId="Equation.3">
+                <p:oleObj spid="_x0000_s88111" name="公式" r:id="rId3" imgW="1282680" imgH="419040" progId="Equation.3">
                   <p:embed/>
                 </p:oleObj>
               </mc:Choice>
@@ -18044,7 +18014,7 @@
           <a:graphicData uri="http://schemas.openxmlformats.org/presentationml/2006/ole">
             <mc:AlternateContent xmlns:mc="http://schemas.openxmlformats.org/markup-compatibility/2006">
               <mc:Choice xmlns:v="urn:schemas-microsoft-com:vml" Requires="v">
-                <p:oleObj spid="_x0000_s88107" name="公式" r:id="rId5" imgW="4190760" imgH="419040" progId="Equation.3">
+                <p:oleObj spid="_x0000_s88112" name="公式" r:id="rId5" imgW="4190760" imgH="419040" progId="Equation.3">
                   <p:embed/>
                 </p:oleObj>
               </mc:Choice>
@@ -18143,7 +18113,7 @@
           <a:graphicData uri="http://schemas.openxmlformats.org/presentationml/2006/ole">
             <mc:AlternateContent xmlns:mc="http://schemas.openxmlformats.org/markup-compatibility/2006">
               <mc:Choice xmlns:v="urn:schemas-microsoft-com:vml" Requires="v">
-                <p:oleObj spid="_x0000_s88108" name="公式" r:id="rId7" imgW="2286000" imgH="457200" progId="Equation.3">
+                <p:oleObj spid="_x0000_s88113" name="公式" r:id="rId7" imgW="2286000" imgH="457200" progId="Equation.3">
                   <p:embed/>
                 </p:oleObj>
               </mc:Choice>
@@ -18242,7 +18212,7 @@
           <a:graphicData uri="http://schemas.openxmlformats.org/presentationml/2006/ole">
             <mc:AlternateContent xmlns:mc="http://schemas.openxmlformats.org/markup-compatibility/2006">
               <mc:Choice xmlns:v="urn:schemas-microsoft-com:vml" Requires="v">
-                <p:oleObj spid="_x0000_s88109" name="公式" r:id="rId9" imgW="1371600" imgH="393480" progId="Equation.3">
+                <p:oleObj spid="_x0000_s88114" name="公式" r:id="rId9" imgW="1371600" imgH="393480" progId="Equation.3">
                   <p:embed/>
                 </p:oleObj>
               </mc:Choice>
@@ -18341,7 +18311,7 @@
           <a:graphicData uri="http://schemas.openxmlformats.org/presentationml/2006/ole">
             <mc:AlternateContent xmlns:mc="http://schemas.openxmlformats.org/markup-compatibility/2006">
               <mc:Choice xmlns:v="urn:schemas-microsoft-com:vml" Requires="v">
-                <p:oleObj spid="_x0000_s88110" name="公式" r:id="rId11" imgW="2044440" imgH="431640" progId="Equation.3">
+                <p:oleObj spid="_x0000_s88115" name="公式" r:id="rId11" imgW="2044440" imgH="431640" progId="Equation.3">
                   <p:embed/>
                 </p:oleObj>
               </mc:Choice>
@@ -20238,7 +20208,7 @@
           <a:graphicData uri="http://schemas.openxmlformats.org/presentationml/2006/ole">
             <mc:AlternateContent xmlns:mc="http://schemas.openxmlformats.org/markup-compatibility/2006">
               <mc:Choice xmlns:v="urn:schemas-microsoft-com:vml" Requires="v">
-                <p:oleObj spid="_x0000_s92204" name="公式" r:id="rId3" imgW="2311200" imgH="634680" progId="Equation.3">
+                <p:oleObj spid="_x0000_s92205" name="公式" r:id="rId3" imgW="2311200" imgH="634680" progId="Equation.3">
                   <p:embed/>
                 </p:oleObj>
               </mc:Choice>
@@ -20974,7 +20944,7 @@
           <a:graphicData uri="http://schemas.openxmlformats.org/presentationml/2006/ole">
             <mc:AlternateContent xmlns:mc="http://schemas.openxmlformats.org/markup-compatibility/2006">
               <mc:Choice xmlns:v="urn:schemas-microsoft-com:vml" Requires="v">
-                <p:oleObj spid="_x0000_s91196" name="公式" r:id="rId3" imgW="1574640" imgH="634680" progId="Equation.3">
+                <p:oleObj spid="_x0000_s91207" name="公式" r:id="rId3" imgW="1574640" imgH="634680" progId="Equation.3">
                   <p:embed/>
                 </p:oleObj>
               </mc:Choice>
@@ -21073,7 +21043,7 @@
           <a:graphicData uri="http://schemas.openxmlformats.org/presentationml/2006/ole">
             <mc:AlternateContent xmlns:mc="http://schemas.openxmlformats.org/markup-compatibility/2006">
               <mc:Choice xmlns:v="urn:schemas-microsoft-com:vml" Requires="v">
-                <p:oleObj spid="_x0000_s91197" name="公式" r:id="rId5" imgW="1333440" imgH="431640" progId="Equation.3">
+                <p:oleObj spid="_x0000_s91208" name="公式" r:id="rId5" imgW="1333440" imgH="431640" progId="Equation.3">
                   <p:embed/>
                 </p:oleObj>
               </mc:Choice>
@@ -21172,7 +21142,7 @@
           <a:graphicData uri="http://schemas.openxmlformats.org/presentationml/2006/ole">
             <mc:AlternateContent xmlns:mc="http://schemas.openxmlformats.org/markup-compatibility/2006">
               <mc:Choice xmlns:v="urn:schemas-microsoft-com:vml" Requires="v">
-                <p:oleObj spid="_x0000_s91198" name="公式" r:id="rId7" imgW="1981080" imgH="431640" progId="Equation.3">
+                <p:oleObj spid="_x0000_s91209" name="公式" r:id="rId7" imgW="1981080" imgH="431640" progId="Equation.3">
                   <p:embed/>
                 </p:oleObj>
               </mc:Choice>
@@ -21271,7 +21241,7 @@
           <a:graphicData uri="http://schemas.openxmlformats.org/presentationml/2006/ole">
             <mc:AlternateContent xmlns:mc="http://schemas.openxmlformats.org/markup-compatibility/2006">
               <mc:Choice xmlns:v="urn:schemas-microsoft-com:vml" Requires="v">
-                <p:oleObj spid="_x0000_s91199" name="公式" r:id="rId9" imgW="1015920" imgH="431640" progId="Equation.3">
+                <p:oleObj spid="_x0000_s91210" name="公式" r:id="rId9" imgW="1015920" imgH="431640" progId="Equation.3">
                   <p:embed/>
                 </p:oleObj>
               </mc:Choice>
@@ -21370,7 +21340,7 @@
           <a:graphicData uri="http://schemas.openxmlformats.org/presentationml/2006/ole">
             <mc:AlternateContent xmlns:mc="http://schemas.openxmlformats.org/markup-compatibility/2006">
               <mc:Choice xmlns:v="urn:schemas-microsoft-com:vml" Requires="v">
-                <p:oleObj spid="_x0000_s91200" name="公式" r:id="rId11" imgW="368280" imgH="228600" progId="Equation.3">
+                <p:oleObj spid="_x0000_s91211" name="公式" r:id="rId11" imgW="368280" imgH="228600" progId="Equation.3">
                   <p:embed/>
                 </p:oleObj>
               </mc:Choice>
@@ -21469,7 +21439,7 @@
           <a:graphicData uri="http://schemas.openxmlformats.org/presentationml/2006/ole">
             <mc:AlternateContent xmlns:mc="http://schemas.openxmlformats.org/markup-compatibility/2006">
               <mc:Choice xmlns:v="urn:schemas-microsoft-com:vml" Requires="v">
-                <p:oleObj spid="_x0000_s91201" name="公式" r:id="rId13" imgW="1282680" imgH="431640" progId="Equation.3">
+                <p:oleObj spid="_x0000_s91212" name="公式" r:id="rId13" imgW="1282680" imgH="431640" progId="Equation.3">
                   <p:embed/>
                 </p:oleObj>
               </mc:Choice>
@@ -21568,7 +21538,7 @@
           <a:graphicData uri="http://schemas.openxmlformats.org/presentationml/2006/ole">
             <mc:AlternateContent xmlns:mc="http://schemas.openxmlformats.org/markup-compatibility/2006">
               <mc:Choice xmlns:v="urn:schemas-microsoft-com:vml" Requires="v">
-                <p:oleObj spid="_x0000_s91202" name="公式" r:id="rId15" imgW="2082600" imgH="431640" progId="Equation.3">
+                <p:oleObj spid="_x0000_s91213" name="公式" r:id="rId15" imgW="2082600" imgH="431640" progId="Equation.3">
                   <p:embed/>
                 </p:oleObj>
               </mc:Choice>
@@ -21667,7 +21637,7 @@
           <a:graphicData uri="http://schemas.openxmlformats.org/presentationml/2006/ole">
             <mc:AlternateContent xmlns:mc="http://schemas.openxmlformats.org/markup-compatibility/2006">
               <mc:Choice xmlns:v="urn:schemas-microsoft-com:vml" Requires="v">
-                <p:oleObj spid="_x0000_s91203" name="公式" r:id="rId17" imgW="1434960" imgH="241200" progId="Equation.3">
+                <p:oleObj spid="_x0000_s91214" name="公式" r:id="rId17" imgW="1434960" imgH="241200" progId="Equation.3">
                   <p:embed/>
                 </p:oleObj>
               </mc:Choice>
@@ -21766,7 +21736,7 @@
           <a:graphicData uri="http://schemas.openxmlformats.org/presentationml/2006/ole">
             <mc:AlternateContent xmlns:mc="http://schemas.openxmlformats.org/markup-compatibility/2006">
               <mc:Choice xmlns:v="urn:schemas-microsoft-com:vml" Requires="v">
-                <p:oleObj spid="_x0000_s91204" name="公式" r:id="rId19" imgW="1892160" imgH="228600" progId="Equation.3">
+                <p:oleObj spid="_x0000_s91215" name="公式" r:id="rId19" imgW="1892160" imgH="228600" progId="Equation.3">
                   <p:embed/>
                 </p:oleObj>
               </mc:Choice>
@@ -21865,7 +21835,7 @@
           <a:graphicData uri="http://schemas.openxmlformats.org/presentationml/2006/ole">
             <mc:AlternateContent xmlns:mc="http://schemas.openxmlformats.org/markup-compatibility/2006">
               <mc:Choice xmlns:v="urn:schemas-microsoft-com:vml" Requires="v">
-                <p:oleObj spid="_x0000_s91205" name="公式" r:id="rId21" imgW="1828800" imgH="431640" progId="Equation.3">
+                <p:oleObj spid="_x0000_s91216" name="公式" r:id="rId21" imgW="1828800" imgH="431640" progId="Equation.3">
                   <p:embed/>
                 </p:oleObj>
               </mc:Choice>
@@ -21964,7 +21934,7 @@
           <a:graphicData uri="http://schemas.openxmlformats.org/presentationml/2006/ole">
             <mc:AlternateContent xmlns:mc="http://schemas.openxmlformats.org/markup-compatibility/2006">
               <mc:Choice xmlns:v="urn:schemas-microsoft-com:vml" Requires="v">
-                <p:oleObj spid="_x0000_s91206" name="公式" r:id="rId23" imgW="2197080" imgH="431640" progId="Equation.3">
+                <p:oleObj spid="_x0000_s91217" name="公式" r:id="rId23" imgW="2197080" imgH="431640" progId="Equation.3">
                   <p:embed/>
                 </p:oleObj>
               </mc:Choice>
@@ -22626,7 +22596,7 @@
           <a:graphicData uri="http://schemas.openxmlformats.org/presentationml/2006/ole">
             <mc:AlternateContent xmlns:mc="http://schemas.openxmlformats.org/markup-compatibility/2006">
               <mc:Choice xmlns:v="urn:schemas-microsoft-com:vml" Requires="v">
-                <p:oleObj spid="_x0000_s93249" name="公式" r:id="rId3" imgW="1130040" imgH="431640" progId="Equation.3">
+                <p:oleObj spid="_x0000_s93259" name="公式" r:id="rId3" imgW="1130040" imgH="431640" progId="Equation.3">
                   <p:embed/>
                 </p:oleObj>
               </mc:Choice>
@@ -22725,7 +22695,7 @@
           <a:graphicData uri="http://schemas.openxmlformats.org/presentationml/2006/ole">
             <mc:AlternateContent xmlns:mc="http://schemas.openxmlformats.org/markup-compatibility/2006">
               <mc:Choice xmlns:v="urn:schemas-microsoft-com:vml" Requires="v">
-                <p:oleObj spid="_x0000_s93250" name="公式" r:id="rId5" imgW="1346040" imgH="444240" progId="Equation.3">
+                <p:oleObj spid="_x0000_s93260" name="公式" r:id="rId5" imgW="1346040" imgH="444240" progId="Equation.3">
                   <p:embed/>
                 </p:oleObj>
               </mc:Choice>
@@ -22824,7 +22794,7 @@
           <a:graphicData uri="http://schemas.openxmlformats.org/presentationml/2006/ole">
             <mc:AlternateContent xmlns:mc="http://schemas.openxmlformats.org/markup-compatibility/2006">
               <mc:Choice xmlns:v="urn:schemas-microsoft-com:vml" Requires="v">
-                <p:oleObj spid="_x0000_s93251" name="公式" r:id="rId7" imgW="1638000" imgH="419040" progId="Equation.3">
+                <p:oleObj spid="_x0000_s93261" name="公式" r:id="rId7" imgW="1638000" imgH="419040" progId="Equation.3">
                   <p:embed/>
                 </p:oleObj>
               </mc:Choice>
@@ -22923,7 +22893,7 @@
           <a:graphicData uri="http://schemas.openxmlformats.org/presentationml/2006/ole">
             <mc:AlternateContent xmlns:mc="http://schemas.openxmlformats.org/markup-compatibility/2006">
               <mc:Choice xmlns:v="urn:schemas-microsoft-com:vml" Requires="v">
-                <p:oleObj spid="_x0000_s93252" name="公式" r:id="rId9" imgW="2158920" imgH="419040" progId="Equation.3">
+                <p:oleObj spid="_x0000_s93262" name="公式" r:id="rId9" imgW="2158920" imgH="419040" progId="Equation.3">
                   <p:embed/>
                 </p:oleObj>
               </mc:Choice>
@@ -23022,7 +22992,7 @@
           <a:graphicData uri="http://schemas.openxmlformats.org/presentationml/2006/ole">
             <mc:AlternateContent xmlns:mc="http://schemas.openxmlformats.org/markup-compatibility/2006">
               <mc:Choice xmlns:v="urn:schemas-microsoft-com:vml" Requires="v">
-                <p:oleObj spid="_x0000_s93253" name="公式" r:id="rId11" imgW="2616120" imgH="419040" progId="Equation.3">
+                <p:oleObj spid="_x0000_s93263" name="公式" r:id="rId11" imgW="2616120" imgH="419040" progId="Equation.3">
                   <p:embed/>
                 </p:oleObj>
               </mc:Choice>
@@ -23121,7 +23091,7 @@
           <a:graphicData uri="http://schemas.openxmlformats.org/presentationml/2006/ole">
             <mc:AlternateContent xmlns:mc="http://schemas.openxmlformats.org/markup-compatibility/2006">
               <mc:Choice xmlns:v="urn:schemas-microsoft-com:vml" Requires="v">
-                <p:oleObj spid="_x0000_s93254" name="公式" r:id="rId13" imgW="2336760" imgH="444240" progId="Equation.3">
+                <p:oleObj spid="_x0000_s93264" name="公式" r:id="rId13" imgW="2336760" imgH="444240" progId="Equation.3">
                   <p:embed/>
                 </p:oleObj>
               </mc:Choice>
@@ -23295,7 +23265,7 @@
           <a:graphicData uri="http://schemas.openxmlformats.org/presentationml/2006/ole">
             <mc:AlternateContent xmlns:mc="http://schemas.openxmlformats.org/markup-compatibility/2006">
               <mc:Choice xmlns:v="urn:schemas-microsoft-com:vml" Requires="v">
-                <p:oleObj spid="_x0000_s93255" name="公式" r:id="rId15" imgW="1168200" imgH="330120" progId="Equation.3">
+                <p:oleObj spid="_x0000_s93265" name="公式" r:id="rId15" imgW="1168200" imgH="330120" progId="Equation.3">
                   <p:embed/>
                 </p:oleObj>
               </mc:Choice>
@@ -23394,7 +23364,7 @@
           <a:graphicData uri="http://schemas.openxmlformats.org/presentationml/2006/ole">
             <mc:AlternateContent xmlns:mc="http://schemas.openxmlformats.org/markup-compatibility/2006">
               <mc:Choice xmlns:v="urn:schemas-microsoft-com:vml" Requires="v">
-                <p:oleObj spid="_x0000_s93256" name="公式" r:id="rId17" imgW="2590560" imgH="609480" progId="Equation.3">
+                <p:oleObj spid="_x0000_s93266" name="公式" r:id="rId17" imgW="2590560" imgH="609480" progId="Equation.3">
                   <p:embed/>
                 </p:oleObj>
               </mc:Choice>
@@ -23493,7 +23463,7 @@
           <a:graphicData uri="http://schemas.openxmlformats.org/presentationml/2006/ole">
             <mc:AlternateContent xmlns:mc="http://schemas.openxmlformats.org/markup-compatibility/2006">
               <mc:Choice xmlns:v="urn:schemas-microsoft-com:vml" Requires="v">
-                <p:oleObj spid="_x0000_s93257" name="公式" r:id="rId19" imgW="1714320" imgH="444240" progId="Equation.3">
+                <p:oleObj spid="_x0000_s93267" name="公式" r:id="rId19" imgW="1714320" imgH="444240" progId="Equation.3">
                   <p:embed/>
                 </p:oleObj>
               </mc:Choice>
@@ -23592,7 +23562,7 @@
           <a:graphicData uri="http://schemas.openxmlformats.org/presentationml/2006/ole">
             <mc:AlternateContent xmlns:mc="http://schemas.openxmlformats.org/markup-compatibility/2006">
               <mc:Choice xmlns:v="urn:schemas-microsoft-com:vml" Requires="v">
-                <p:oleObj spid="_x0000_s93258" name="公式" r:id="rId21" imgW="1600200" imgH="431640" progId="Equation.3">
+                <p:oleObj spid="_x0000_s93268" name="公式" r:id="rId21" imgW="1600200" imgH="431640" progId="Equation.3">
                   <p:embed/>
                 </p:oleObj>
               </mc:Choice>
@@ -24350,7 +24320,7 @@
           <a:graphicData uri="http://schemas.openxmlformats.org/presentationml/2006/ole">
             <mc:AlternateContent xmlns:mc="http://schemas.openxmlformats.org/markup-compatibility/2006">
               <mc:Choice xmlns:v="urn:schemas-microsoft-com:vml" Requires="v">
-                <p:oleObj spid="_x0000_s94256" name="公式" r:id="rId3" imgW="3136680" imgH="444240" progId="Equation.3">
+                <p:oleObj spid="_x0000_s94263" name="公式" r:id="rId3" imgW="3136680" imgH="444240" progId="Equation.3">
                   <p:embed/>
                 </p:oleObj>
               </mc:Choice>
@@ -24449,7 +24419,7 @@
           <a:graphicData uri="http://schemas.openxmlformats.org/presentationml/2006/ole">
             <mc:AlternateContent xmlns:mc="http://schemas.openxmlformats.org/markup-compatibility/2006">
               <mc:Choice xmlns:v="urn:schemas-microsoft-com:vml" Requires="v">
-                <p:oleObj spid="_x0000_s94257" name="公式" r:id="rId5" imgW="2006280" imgH="634680" progId="Equation.3">
+                <p:oleObj spid="_x0000_s94264" name="公式" r:id="rId5" imgW="2006280" imgH="634680" progId="Equation.3">
                   <p:embed/>
                 </p:oleObj>
               </mc:Choice>
@@ -24548,7 +24518,7 @@
           <a:graphicData uri="http://schemas.openxmlformats.org/presentationml/2006/ole">
             <mc:AlternateContent xmlns:mc="http://schemas.openxmlformats.org/markup-compatibility/2006">
               <mc:Choice xmlns:v="urn:schemas-microsoft-com:vml" Requires="v">
-                <p:oleObj spid="_x0000_s94258" name="公式" r:id="rId7" imgW="1638000" imgH="634680" progId="Equation.3">
+                <p:oleObj spid="_x0000_s94265" name="公式" r:id="rId7" imgW="1638000" imgH="634680" progId="Equation.3">
                   <p:embed/>
                 </p:oleObj>
               </mc:Choice>
@@ -24647,7 +24617,7 @@
           <a:graphicData uri="http://schemas.openxmlformats.org/presentationml/2006/ole">
             <mc:AlternateContent xmlns:mc="http://schemas.openxmlformats.org/markup-compatibility/2006">
               <mc:Choice xmlns:v="urn:schemas-microsoft-com:vml" Requires="v">
-                <p:oleObj spid="_x0000_s94259" name="公式" r:id="rId9" imgW="2781000" imgH="812520" progId="Equation.3">
+                <p:oleObj spid="_x0000_s94266" name="公式" r:id="rId9" imgW="2781000" imgH="812520" progId="Equation.3">
                   <p:embed/>
                 </p:oleObj>
               </mc:Choice>
@@ -24746,7 +24716,7 @@
           <a:graphicData uri="http://schemas.openxmlformats.org/presentationml/2006/ole">
             <mc:AlternateContent xmlns:mc="http://schemas.openxmlformats.org/markup-compatibility/2006">
               <mc:Choice xmlns:v="urn:schemas-microsoft-com:vml" Requires="v">
-                <p:oleObj spid="_x0000_s94260" name="公式" r:id="rId11" imgW="1739880" imgH="634680" progId="Equation.3">
+                <p:oleObj spid="_x0000_s94267" name="公式" r:id="rId11" imgW="1739880" imgH="634680" progId="Equation.3">
                   <p:embed/>
                 </p:oleObj>
               </mc:Choice>
@@ -24845,7 +24815,7 @@
           <a:graphicData uri="http://schemas.openxmlformats.org/presentationml/2006/ole">
             <mc:AlternateContent xmlns:mc="http://schemas.openxmlformats.org/markup-compatibility/2006">
               <mc:Choice xmlns:v="urn:schemas-microsoft-com:vml" Requires="v">
-                <p:oleObj spid="_x0000_s94261" name="公式" r:id="rId13" imgW="1562040" imgH="634680" progId="Equation.3">
+                <p:oleObj spid="_x0000_s94268" name="公式" r:id="rId13" imgW="1562040" imgH="634680" progId="Equation.3">
                   <p:embed/>
                 </p:oleObj>
               </mc:Choice>
@@ -24944,7 +24914,7 @@
           <a:graphicData uri="http://schemas.openxmlformats.org/presentationml/2006/ole">
             <mc:AlternateContent xmlns:mc="http://schemas.openxmlformats.org/markup-compatibility/2006">
               <mc:Choice xmlns:v="urn:schemas-microsoft-com:vml" Requires="v">
-                <p:oleObj spid="_x0000_s94262" name="公式" r:id="rId15" imgW="1600200" imgH="634680" progId="Equation.3">
+                <p:oleObj spid="_x0000_s94269" name="公式" r:id="rId15" imgW="1600200" imgH="634680" progId="Equation.3">
                   <p:embed/>
                 </p:oleObj>
               </mc:Choice>
@@ -25426,7 +25396,7 @@
           <a:graphicData uri="http://schemas.openxmlformats.org/presentationml/2006/ole">
             <mc:AlternateContent xmlns:mc="http://schemas.openxmlformats.org/markup-compatibility/2006">
               <mc:Choice xmlns:v="urn:schemas-microsoft-com:vml" Requires="v">
-                <p:oleObj spid="_x0000_s95276" name="公式" r:id="rId3" imgW="1485720" imgH="634680" progId="Equation.3">
+                <p:oleObj spid="_x0000_s95283" name="公式" r:id="rId3" imgW="1485720" imgH="634680" progId="Equation.3">
                   <p:embed/>
                 </p:oleObj>
               </mc:Choice>
@@ -25525,7 +25495,7 @@
           <a:graphicData uri="http://schemas.openxmlformats.org/presentationml/2006/ole">
             <mc:AlternateContent xmlns:mc="http://schemas.openxmlformats.org/markup-compatibility/2006">
               <mc:Choice xmlns:v="urn:schemas-microsoft-com:vml" Requires="v">
-                <p:oleObj spid="_x0000_s95277" name="公式" r:id="rId5" imgW="1638000" imgH="444240" progId="Equation.3">
+                <p:oleObj spid="_x0000_s95284" name="公式" r:id="rId5" imgW="1638000" imgH="444240" progId="Equation.3">
                   <p:embed/>
                 </p:oleObj>
               </mc:Choice>
@@ -25624,7 +25594,7 @@
           <a:graphicData uri="http://schemas.openxmlformats.org/presentationml/2006/ole">
             <mc:AlternateContent xmlns:mc="http://schemas.openxmlformats.org/markup-compatibility/2006">
               <mc:Choice xmlns:v="urn:schemas-microsoft-com:vml" Requires="v">
-                <p:oleObj spid="_x0000_s95278" name="公式" r:id="rId7" imgW="1409400" imgH="444240" progId="Equation.3">
+                <p:oleObj spid="_x0000_s95285" name="公式" r:id="rId7" imgW="1409400" imgH="444240" progId="Equation.3">
                   <p:embed/>
                 </p:oleObj>
               </mc:Choice>
@@ -25723,7 +25693,7 @@
           <a:graphicData uri="http://schemas.openxmlformats.org/presentationml/2006/ole">
             <mc:AlternateContent xmlns:mc="http://schemas.openxmlformats.org/markup-compatibility/2006">
               <mc:Choice xmlns:v="urn:schemas-microsoft-com:vml" Requires="v">
-                <p:oleObj spid="_x0000_s95279" name="公式" r:id="rId9" imgW="1612800" imgH="419040" progId="Equation.3">
+                <p:oleObj spid="_x0000_s95286" name="公式" r:id="rId9" imgW="1612800" imgH="419040" progId="Equation.3">
                   <p:embed/>
                 </p:oleObj>
               </mc:Choice>
@@ -25822,7 +25792,7 @@
           <a:graphicData uri="http://schemas.openxmlformats.org/presentationml/2006/ole">
             <mc:AlternateContent xmlns:mc="http://schemas.openxmlformats.org/markup-compatibility/2006">
               <mc:Choice xmlns:v="urn:schemas-microsoft-com:vml" Requires="v">
-                <p:oleObj spid="_x0000_s95280" name="公式" r:id="rId11" imgW="723600" imgH="419040" progId="Equation.3">
+                <p:oleObj spid="_x0000_s95287" name="公式" r:id="rId11" imgW="723600" imgH="419040" progId="Equation.3">
                   <p:embed/>
                 </p:oleObj>
               </mc:Choice>
@@ -25921,7 +25891,7 @@
           <a:graphicData uri="http://schemas.openxmlformats.org/presentationml/2006/ole">
             <mc:AlternateContent xmlns:mc="http://schemas.openxmlformats.org/markup-compatibility/2006">
               <mc:Choice xmlns:v="urn:schemas-microsoft-com:vml" Requires="v">
-                <p:oleObj spid="_x0000_s95281" name="公式" r:id="rId13" imgW="672840" imgH="393480" progId="Equation.3">
+                <p:oleObj spid="_x0000_s95288" name="公式" r:id="rId13" imgW="672840" imgH="393480" progId="Equation.3">
                   <p:embed/>
                 </p:oleObj>
               </mc:Choice>
@@ -26020,7 +25990,7 @@
           <a:graphicData uri="http://schemas.openxmlformats.org/presentationml/2006/ole">
             <mc:AlternateContent xmlns:mc="http://schemas.openxmlformats.org/markup-compatibility/2006">
               <mc:Choice xmlns:v="urn:schemas-microsoft-com:vml" Requires="v">
-                <p:oleObj spid="_x0000_s95282" name="公式" r:id="rId15" imgW="3225600" imgH="393480" progId="Equation.3">
+                <p:oleObj spid="_x0000_s95289" name="公式" r:id="rId15" imgW="3225600" imgH="393480" progId="Equation.3">
                   <p:embed/>
                 </p:oleObj>
               </mc:Choice>
@@ -27660,7 +27630,7 @@
           <a:graphicData uri="http://schemas.openxmlformats.org/presentationml/2006/ole">
             <mc:AlternateContent xmlns:mc="http://schemas.openxmlformats.org/markup-compatibility/2006">
               <mc:Choice xmlns:v="urn:schemas-microsoft-com:vml" Requires="v">
-                <p:oleObj spid="_x0000_s73740" name="公式" r:id="rId3" imgW="1650960" imgH="457200" progId="Equation.3">
+                <p:oleObj spid="_x0000_s73741" name="公式" r:id="rId3" imgW="1650960" imgH="457200" progId="Equation.3">
                   <p:embed/>
                 </p:oleObj>
               </mc:Choice>
@@ -28030,7 +28000,7 @@
           <a:graphicData uri="http://schemas.openxmlformats.org/presentationml/2006/ole">
             <mc:AlternateContent xmlns:mc="http://schemas.openxmlformats.org/markup-compatibility/2006">
               <mc:Choice xmlns:v="urn:schemas-microsoft-com:vml" Requires="v">
-                <p:oleObj spid="_x0000_s77834" name="公式" r:id="rId3" imgW="1752480" imgH="457200" progId="Equation.3">
+                <p:oleObj spid="_x0000_s77835" name="公式" r:id="rId3" imgW="1752480" imgH="457200" progId="Equation.3">
                   <p:embed/>
                 </p:oleObj>
               </mc:Choice>
@@ -28434,7 +28404,7 @@
           <a:graphicData uri="http://schemas.openxmlformats.org/presentationml/2006/ole">
             <mc:AlternateContent xmlns:mc="http://schemas.openxmlformats.org/markup-compatibility/2006">
               <mc:Choice xmlns:v="urn:schemas-microsoft-com:vml" Requires="v">
-                <p:oleObj spid="_x0000_s75786" name="公式" r:id="rId3" imgW="1726920" imgH="457200" progId="Equation.3">
+                <p:oleObj spid="_x0000_s75787" name="公式" r:id="rId3" imgW="1726920" imgH="457200" progId="Equation.3">
                   <p:embed/>
                 </p:oleObj>
               </mc:Choice>
@@ -28703,7 +28673,7 @@
           <a:graphicData uri="http://schemas.openxmlformats.org/presentationml/2006/ole">
             <mc:AlternateContent xmlns:mc="http://schemas.openxmlformats.org/markup-compatibility/2006">
               <mc:Choice xmlns:v="urn:schemas-microsoft-com:vml" Requires="v">
-                <p:oleObj spid="_x0000_s78865" name="公式" r:id="rId3" imgW="2387520" imgH="457200" progId="Equation.3">
+                <p:oleObj spid="_x0000_s78867" name="公式" r:id="rId3" imgW="2387520" imgH="457200" progId="Equation.3">
                   <p:embed/>
                 </p:oleObj>
               </mc:Choice>
@@ -28804,7 +28774,7 @@
           <a:graphicData uri="http://schemas.openxmlformats.org/presentationml/2006/ole">
             <mc:AlternateContent xmlns:mc="http://schemas.openxmlformats.org/markup-compatibility/2006">
               <mc:Choice xmlns:v="urn:schemas-microsoft-com:vml" Requires="v">
-                <p:oleObj spid="_x0000_s78866" name="公式" r:id="rId5" imgW="1218960" imgH="431640" progId="Equation.3">
+                <p:oleObj spid="_x0000_s78868" name="公式" r:id="rId5" imgW="1218960" imgH="431640" progId="Equation.3">
                   <p:embed/>
                 </p:oleObj>
               </mc:Choice>

--- a/教案/第01章.算法与算法复杂性.pptx
+++ b/教案/第01章.算法与算法复杂性.pptx
@@ -27,6 +27,7 @@
     <p:sldId id="275" r:id="rId21"/>
     <p:sldId id="276" r:id="rId22"/>
     <p:sldId id="277" r:id="rId23"/>
+    <p:sldId id="278" r:id="rId24"/>
   </p:sldIdLst>
   <p:sldSz cx="12192000" cy="6858000"/>
   <p:notesSz cx="6858000" cy="9144000"/>
@@ -926,6 +927,753 @@
 </dgm:colorsDef>
 </file>
 
+<file path=ppt/diagrams/colors2.xml><?xml version="1.0" encoding="utf-8"?>
+<dgm:colorsDef xmlns:dgm="http://schemas.openxmlformats.org/drawingml/2006/diagram" xmlns:a="http://schemas.openxmlformats.org/drawingml/2006/main" uniqueId="urn:microsoft.com/office/officeart/2005/8/colors/accent1_2">
+  <dgm:title val=""/>
+  <dgm:desc val=""/>
+  <dgm:catLst>
+    <dgm:cat type="accent1" pri="11200"/>
+  </dgm:catLst>
+  <dgm:styleLbl name="node0">
+    <dgm:fillClrLst meth="repeat">
+      <a:schemeClr val="accent1"/>
+    </dgm:fillClrLst>
+    <dgm:linClrLst meth="repeat">
+      <a:schemeClr val="lt1"/>
+    </dgm:linClrLst>
+    <dgm:effectClrLst/>
+    <dgm:txLinClrLst/>
+    <dgm:txFillClrLst/>
+    <dgm:txEffectClrLst/>
+  </dgm:styleLbl>
+  <dgm:styleLbl name="alignNode1">
+    <dgm:fillClrLst meth="repeat">
+      <a:schemeClr val="accent1"/>
+    </dgm:fillClrLst>
+    <dgm:linClrLst meth="repeat">
+      <a:schemeClr val="accent1"/>
+    </dgm:linClrLst>
+    <dgm:effectClrLst/>
+    <dgm:txLinClrLst/>
+    <dgm:txFillClrLst/>
+    <dgm:txEffectClrLst/>
+  </dgm:styleLbl>
+  <dgm:styleLbl name="node1">
+    <dgm:fillClrLst meth="repeat">
+      <a:schemeClr val="accent1"/>
+    </dgm:fillClrLst>
+    <dgm:linClrLst meth="repeat">
+      <a:schemeClr val="lt1"/>
+    </dgm:linClrLst>
+    <dgm:effectClrLst/>
+    <dgm:txLinClrLst/>
+    <dgm:txFillClrLst/>
+    <dgm:txEffectClrLst/>
+  </dgm:styleLbl>
+  <dgm:styleLbl name="lnNode1">
+    <dgm:fillClrLst meth="repeat">
+      <a:schemeClr val="accent1"/>
+    </dgm:fillClrLst>
+    <dgm:linClrLst meth="repeat">
+      <a:schemeClr val="lt1"/>
+    </dgm:linClrLst>
+    <dgm:effectClrLst/>
+    <dgm:txLinClrLst/>
+    <dgm:txFillClrLst/>
+    <dgm:txEffectClrLst/>
+  </dgm:styleLbl>
+  <dgm:styleLbl name="vennNode1">
+    <dgm:fillClrLst meth="repeat">
+      <a:schemeClr val="accent1">
+        <a:alpha val="50000"/>
+      </a:schemeClr>
+    </dgm:fillClrLst>
+    <dgm:linClrLst meth="repeat">
+      <a:schemeClr val="lt1"/>
+    </dgm:linClrLst>
+    <dgm:effectClrLst/>
+    <dgm:txLinClrLst/>
+    <dgm:txFillClrLst/>
+    <dgm:txEffectClrLst/>
+  </dgm:styleLbl>
+  <dgm:styleLbl name="node2">
+    <dgm:fillClrLst meth="repeat">
+      <a:schemeClr val="accent1"/>
+    </dgm:fillClrLst>
+    <dgm:linClrLst meth="repeat">
+      <a:schemeClr val="lt1"/>
+    </dgm:linClrLst>
+    <dgm:effectClrLst/>
+    <dgm:txLinClrLst/>
+    <dgm:txFillClrLst/>
+    <dgm:txEffectClrLst/>
+  </dgm:styleLbl>
+  <dgm:styleLbl name="node3">
+    <dgm:fillClrLst meth="repeat">
+      <a:schemeClr val="accent1"/>
+    </dgm:fillClrLst>
+    <dgm:linClrLst meth="repeat">
+      <a:schemeClr val="lt1"/>
+    </dgm:linClrLst>
+    <dgm:effectClrLst/>
+    <dgm:txLinClrLst/>
+    <dgm:txFillClrLst/>
+    <dgm:txEffectClrLst/>
+  </dgm:styleLbl>
+  <dgm:styleLbl name="node4">
+    <dgm:fillClrLst meth="repeat">
+      <a:schemeClr val="accent1"/>
+    </dgm:fillClrLst>
+    <dgm:linClrLst meth="repeat">
+      <a:schemeClr val="lt1"/>
+    </dgm:linClrLst>
+    <dgm:effectClrLst/>
+    <dgm:txLinClrLst/>
+    <dgm:txFillClrLst/>
+    <dgm:txEffectClrLst/>
+  </dgm:styleLbl>
+  <dgm:styleLbl name="fgImgPlace1">
+    <dgm:fillClrLst meth="repeat">
+      <a:schemeClr val="accent1">
+        <a:tint val="50000"/>
+      </a:schemeClr>
+    </dgm:fillClrLst>
+    <dgm:linClrLst meth="repeat">
+      <a:schemeClr val="lt1"/>
+    </dgm:linClrLst>
+    <dgm:effectClrLst/>
+    <dgm:txLinClrLst/>
+    <dgm:txFillClrLst meth="repeat">
+      <a:schemeClr val="lt1"/>
+    </dgm:txFillClrLst>
+    <dgm:txEffectClrLst/>
+  </dgm:styleLbl>
+  <dgm:styleLbl name="alignImgPlace1">
+    <dgm:fillClrLst meth="repeat">
+      <a:schemeClr val="accent1">
+        <a:tint val="50000"/>
+      </a:schemeClr>
+    </dgm:fillClrLst>
+    <dgm:linClrLst meth="repeat">
+      <a:schemeClr val="lt1"/>
+    </dgm:linClrLst>
+    <dgm:effectClrLst/>
+    <dgm:txLinClrLst/>
+    <dgm:txFillClrLst meth="repeat">
+      <a:schemeClr val="lt1"/>
+    </dgm:txFillClrLst>
+    <dgm:txEffectClrLst/>
+  </dgm:styleLbl>
+  <dgm:styleLbl name="bgImgPlace1">
+    <dgm:fillClrLst meth="repeat">
+      <a:schemeClr val="accent1">
+        <a:tint val="50000"/>
+      </a:schemeClr>
+    </dgm:fillClrLst>
+    <dgm:linClrLst meth="repeat">
+      <a:schemeClr val="lt1"/>
+    </dgm:linClrLst>
+    <dgm:effectClrLst/>
+    <dgm:txLinClrLst/>
+    <dgm:txFillClrLst meth="repeat">
+      <a:schemeClr val="lt1"/>
+    </dgm:txFillClrLst>
+    <dgm:txEffectClrLst/>
+  </dgm:styleLbl>
+  <dgm:styleLbl name="sibTrans2D1">
+    <dgm:fillClrLst meth="repeat">
+      <a:schemeClr val="accent1">
+        <a:tint val="60000"/>
+      </a:schemeClr>
+    </dgm:fillClrLst>
+    <dgm:linClrLst meth="repeat">
+      <a:schemeClr val="accent1">
+        <a:tint val="60000"/>
+      </a:schemeClr>
+    </dgm:linClrLst>
+    <dgm:effectClrLst/>
+    <dgm:txLinClrLst/>
+    <dgm:txFillClrLst/>
+    <dgm:txEffectClrLst/>
+  </dgm:styleLbl>
+  <dgm:styleLbl name="fgSibTrans2D1">
+    <dgm:fillClrLst meth="repeat">
+      <a:schemeClr val="accent1">
+        <a:tint val="60000"/>
+      </a:schemeClr>
+    </dgm:fillClrLst>
+    <dgm:linClrLst meth="repeat">
+      <a:schemeClr val="accent1">
+        <a:tint val="60000"/>
+      </a:schemeClr>
+    </dgm:linClrLst>
+    <dgm:effectClrLst/>
+    <dgm:txLinClrLst/>
+    <dgm:txFillClrLst/>
+    <dgm:txEffectClrLst/>
+  </dgm:styleLbl>
+  <dgm:styleLbl name="bgSibTrans2D1">
+    <dgm:fillClrLst meth="repeat">
+      <a:schemeClr val="accent1">
+        <a:tint val="60000"/>
+      </a:schemeClr>
+    </dgm:fillClrLst>
+    <dgm:linClrLst meth="repeat">
+      <a:schemeClr val="accent1">
+        <a:tint val="60000"/>
+      </a:schemeClr>
+    </dgm:linClrLst>
+    <dgm:effectClrLst/>
+    <dgm:txLinClrLst/>
+    <dgm:txFillClrLst/>
+    <dgm:txEffectClrLst/>
+  </dgm:styleLbl>
+  <dgm:styleLbl name="sibTrans1D1">
+    <dgm:fillClrLst meth="repeat">
+      <a:schemeClr val="accent1"/>
+    </dgm:fillClrLst>
+    <dgm:linClrLst meth="repeat">
+      <a:schemeClr val="accent1"/>
+    </dgm:linClrLst>
+    <dgm:effectClrLst/>
+    <dgm:txLinClrLst/>
+    <dgm:txFillClrLst meth="repeat">
+      <a:schemeClr val="tx1"/>
+    </dgm:txFillClrLst>
+    <dgm:txEffectClrLst/>
+  </dgm:styleLbl>
+  <dgm:styleLbl name="callout">
+    <dgm:fillClrLst meth="repeat">
+      <a:schemeClr val="accent1"/>
+    </dgm:fillClrLst>
+    <dgm:linClrLst meth="repeat">
+      <a:schemeClr val="accent1">
+        <a:tint val="50000"/>
+      </a:schemeClr>
+    </dgm:linClrLst>
+    <dgm:effectClrLst/>
+    <dgm:txLinClrLst/>
+    <dgm:txFillClrLst meth="repeat">
+      <a:schemeClr val="tx1"/>
+    </dgm:txFillClrLst>
+    <dgm:txEffectClrLst/>
+  </dgm:styleLbl>
+  <dgm:styleLbl name="asst0">
+    <dgm:fillClrLst meth="repeat">
+      <a:schemeClr val="accent1"/>
+    </dgm:fillClrLst>
+    <dgm:linClrLst meth="repeat">
+      <a:schemeClr val="lt1"/>
+    </dgm:linClrLst>
+    <dgm:effectClrLst/>
+    <dgm:txLinClrLst/>
+    <dgm:txFillClrLst/>
+    <dgm:txEffectClrLst/>
+  </dgm:styleLbl>
+  <dgm:styleLbl name="asst1">
+    <dgm:fillClrLst meth="repeat">
+      <a:schemeClr val="accent1"/>
+    </dgm:fillClrLst>
+    <dgm:linClrLst meth="repeat">
+      <a:schemeClr val="lt1"/>
+    </dgm:linClrLst>
+    <dgm:effectClrLst/>
+    <dgm:txLinClrLst/>
+    <dgm:txFillClrLst/>
+    <dgm:txEffectClrLst/>
+  </dgm:styleLbl>
+  <dgm:styleLbl name="asst2">
+    <dgm:fillClrLst meth="repeat">
+      <a:schemeClr val="accent1"/>
+    </dgm:fillClrLst>
+    <dgm:linClrLst meth="repeat">
+      <a:schemeClr val="lt1"/>
+    </dgm:linClrLst>
+    <dgm:effectClrLst/>
+    <dgm:txLinClrLst/>
+    <dgm:txFillClrLst/>
+    <dgm:txEffectClrLst/>
+  </dgm:styleLbl>
+  <dgm:styleLbl name="asst3">
+    <dgm:fillClrLst meth="repeat">
+      <a:schemeClr val="accent1"/>
+    </dgm:fillClrLst>
+    <dgm:linClrLst meth="repeat">
+      <a:schemeClr val="lt1"/>
+    </dgm:linClrLst>
+    <dgm:effectClrLst/>
+    <dgm:txLinClrLst/>
+    <dgm:txFillClrLst/>
+    <dgm:txEffectClrLst/>
+  </dgm:styleLbl>
+  <dgm:styleLbl name="asst4">
+    <dgm:fillClrLst meth="repeat">
+      <a:schemeClr val="accent1"/>
+    </dgm:fillClrLst>
+    <dgm:linClrLst meth="repeat">
+      <a:schemeClr val="lt1"/>
+    </dgm:linClrLst>
+    <dgm:effectClrLst/>
+    <dgm:txLinClrLst/>
+    <dgm:txFillClrLst/>
+    <dgm:txEffectClrLst/>
+  </dgm:styleLbl>
+  <dgm:styleLbl name="parChTrans2D1">
+    <dgm:fillClrLst meth="repeat">
+      <a:schemeClr val="accent1">
+        <a:tint val="60000"/>
+      </a:schemeClr>
+    </dgm:fillClrLst>
+    <dgm:linClrLst meth="repeat">
+      <a:schemeClr val="accent1">
+        <a:tint val="60000"/>
+      </a:schemeClr>
+    </dgm:linClrLst>
+    <dgm:effectClrLst/>
+    <dgm:txLinClrLst/>
+    <dgm:txFillClrLst meth="repeat">
+      <a:schemeClr val="lt1"/>
+    </dgm:txFillClrLst>
+    <dgm:txEffectClrLst/>
+  </dgm:styleLbl>
+  <dgm:styleLbl name="parChTrans2D2">
+    <dgm:fillClrLst meth="repeat">
+      <a:schemeClr val="accent1"/>
+    </dgm:fillClrLst>
+    <dgm:linClrLst meth="repeat">
+      <a:schemeClr val="accent1"/>
+    </dgm:linClrLst>
+    <dgm:effectClrLst/>
+    <dgm:txLinClrLst/>
+    <dgm:txFillClrLst meth="repeat">
+      <a:schemeClr val="lt1"/>
+    </dgm:txFillClrLst>
+    <dgm:txEffectClrLst/>
+  </dgm:styleLbl>
+  <dgm:styleLbl name="parChTrans2D3">
+    <dgm:fillClrLst meth="repeat">
+      <a:schemeClr val="accent1"/>
+    </dgm:fillClrLst>
+    <dgm:linClrLst meth="repeat">
+      <a:schemeClr val="accent1"/>
+    </dgm:linClrLst>
+    <dgm:effectClrLst/>
+    <dgm:txLinClrLst/>
+    <dgm:txFillClrLst meth="repeat">
+      <a:schemeClr val="lt1"/>
+    </dgm:txFillClrLst>
+    <dgm:txEffectClrLst/>
+  </dgm:styleLbl>
+  <dgm:styleLbl name="parChTrans2D4">
+    <dgm:fillClrLst meth="repeat">
+      <a:schemeClr val="accent1"/>
+    </dgm:fillClrLst>
+    <dgm:linClrLst meth="repeat">
+      <a:schemeClr val="accent1"/>
+    </dgm:linClrLst>
+    <dgm:effectClrLst/>
+    <dgm:txLinClrLst/>
+    <dgm:txFillClrLst meth="repeat">
+      <a:schemeClr val="lt1"/>
+    </dgm:txFillClrLst>
+    <dgm:txEffectClrLst/>
+  </dgm:styleLbl>
+  <dgm:styleLbl name="parChTrans1D1">
+    <dgm:fillClrLst meth="repeat">
+      <a:schemeClr val="accent1"/>
+    </dgm:fillClrLst>
+    <dgm:linClrLst meth="repeat">
+      <a:schemeClr val="accent1">
+        <a:shade val="60000"/>
+      </a:schemeClr>
+    </dgm:linClrLst>
+    <dgm:effectClrLst/>
+    <dgm:txLinClrLst/>
+    <dgm:txFillClrLst meth="repeat">
+      <a:schemeClr val="tx1"/>
+    </dgm:txFillClrLst>
+    <dgm:txEffectClrLst/>
+  </dgm:styleLbl>
+  <dgm:styleLbl name="parChTrans1D2">
+    <dgm:fillClrLst meth="repeat">
+      <a:schemeClr val="accent1"/>
+    </dgm:fillClrLst>
+    <dgm:linClrLst meth="repeat">
+      <a:schemeClr val="accent1">
+        <a:shade val="60000"/>
+      </a:schemeClr>
+    </dgm:linClrLst>
+    <dgm:effectClrLst/>
+    <dgm:txLinClrLst/>
+    <dgm:txFillClrLst meth="repeat">
+      <a:schemeClr val="tx1"/>
+    </dgm:txFillClrLst>
+    <dgm:txEffectClrLst/>
+  </dgm:styleLbl>
+  <dgm:styleLbl name="parChTrans1D3">
+    <dgm:fillClrLst meth="repeat">
+      <a:schemeClr val="accent1"/>
+    </dgm:fillClrLst>
+    <dgm:linClrLst meth="repeat">
+      <a:schemeClr val="accent1">
+        <a:shade val="80000"/>
+      </a:schemeClr>
+    </dgm:linClrLst>
+    <dgm:effectClrLst/>
+    <dgm:txLinClrLst/>
+    <dgm:txFillClrLst meth="repeat">
+      <a:schemeClr val="tx1"/>
+    </dgm:txFillClrLst>
+    <dgm:txEffectClrLst/>
+  </dgm:styleLbl>
+  <dgm:styleLbl name="parChTrans1D4">
+    <dgm:fillClrLst meth="repeat">
+      <a:schemeClr val="accent1"/>
+    </dgm:fillClrLst>
+    <dgm:linClrLst meth="repeat">
+      <a:schemeClr val="accent1">
+        <a:shade val="80000"/>
+      </a:schemeClr>
+    </dgm:linClrLst>
+    <dgm:effectClrLst/>
+    <dgm:txLinClrLst/>
+    <dgm:txFillClrLst meth="repeat">
+      <a:schemeClr val="tx1"/>
+    </dgm:txFillClrLst>
+    <dgm:txEffectClrLst/>
+  </dgm:styleLbl>
+  <dgm:styleLbl name="fgAcc1">
+    <dgm:fillClrLst meth="repeat">
+      <a:schemeClr val="lt1">
+        <a:alpha val="90000"/>
+      </a:schemeClr>
+    </dgm:fillClrLst>
+    <dgm:linClrLst meth="repeat">
+      <a:schemeClr val="accent1"/>
+    </dgm:linClrLst>
+    <dgm:effectClrLst/>
+    <dgm:txLinClrLst/>
+    <dgm:txFillClrLst meth="repeat">
+      <a:schemeClr val="dk1"/>
+    </dgm:txFillClrLst>
+    <dgm:txEffectClrLst/>
+  </dgm:styleLbl>
+  <dgm:styleLbl name="conFgAcc1">
+    <dgm:fillClrLst meth="repeat">
+      <a:schemeClr val="lt1">
+        <a:alpha val="90000"/>
+      </a:schemeClr>
+    </dgm:fillClrLst>
+    <dgm:linClrLst meth="repeat">
+      <a:schemeClr val="accent1"/>
+    </dgm:linClrLst>
+    <dgm:effectClrLst/>
+    <dgm:txLinClrLst/>
+    <dgm:txFillClrLst meth="repeat">
+      <a:schemeClr val="dk1"/>
+    </dgm:txFillClrLst>
+    <dgm:txEffectClrLst/>
+  </dgm:styleLbl>
+  <dgm:styleLbl name="alignAcc1">
+    <dgm:fillClrLst meth="repeat">
+      <a:schemeClr val="lt1">
+        <a:alpha val="90000"/>
+      </a:schemeClr>
+    </dgm:fillClrLst>
+    <dgm:linClrLst meth="repeat">
+      <a:schemeClr val="accent1"/>
+    </dgm:linClrLst>
+    <dgm:effectClrLst/>
+    <dgm:txLinClrLst/>
+    <dgm:txFillClrLst meth="repeat">
+      <a:schemeClr val="dk1"/>
+    </dgm:txFillClrLst>
+    <dgm:txEffectClrLst/>
+  </dgm:styleLbl>
+  <dgm:styleLbl name="trAlignAcc1">
+    <dgm:fillClrLst meth="repeat">
+      <a:schemeClr val="lt1">
+        <a:alpha val="40000"/>
+      </a:schemeClr>
+    </dgm:fillClrLst>
+    <dgm:linClrLst meth="repeat">
+      <a:schemeClr val="accent1"/>
+    </dgm:linClrLst>
+    <dgm:effectClrLst/>
+    <dgm:txLinClrLst/>
+    <dgm:txFillClrLst meth="repeat">
+      <a:schemeClr val="dk1"/>
+    </dgm:txFillClrLst>
+    <dgm:txEffectClrLst/>
+  </dgm:styleLbl>
+  <dgm:styleLbl name="bgAcc1">
+    <dgm:fillClrLst meth="repeat">
+      <a:schemeClr val="lt1">
+        <a:alpha val="90000"/>
+      </a:schemeClr>
+    </dgm:fillClrLst>
+    <dgm:linClrLst meth="repeat">
+      <a:schemeClr val="accent1"/>
+    </dgm:linClrLst>
+    <dgm:effectClrLst/>
+    <dgm:txLinClrLst/>
+    <dgm:txFillClrLst meth="repeat">
+      <a:schemeClr val="dk1"/>
+    </dgm:txFillClrLst>
+    <dgm:txEffectClrLst/>
+  </dgm:styleLbl>
+  <dgm:styleLbl name="solidFgAcc1">
+    <dgm:fillClrLst meth="repeat">
+      <a:schemeClr val="lt1"/>
+    </dgm:fillClrLst>
+    <dgm:linClrLst meth="repeat">
+      <a:schemeClr val="accent1"/>
+    </dgm:linClrLst>
+    <dgm:effectClrLst/>
+    <dgm:txLinClrLst/>
+    <dgm:txFillClrLst meth="repeat">
+      <a:schemeClr val="dk1"/>
+    </dgm:txFillClrLst>
+    <dgm:txEffectClrLst/>
+  </dgm:styleLbl>
+  <dgm:styleLbl name="solidAlignAcc1">
+    <dgm:fillClrLst meth="repeat">
+      <a:schemeClr val="lt1"/>
+    </dgm:fillClrLst>
+    <dgm:linClrLst meth="repeat">
+      <a:schemeClr val="accent1"/>
+    </dgm:linClrLst>
+    <dgm:effectClrLst/>
+    <dgm:txLinClrLst/>
+    <dgm:txFillClrLst meth="repeat">
+      <a:schemeClr val="dk1"/>
+    </dgm:txFillClrLst>
+    <dgm:txEffectClrLst/>
+  </dgm:styleLbl>
+  <dgm:styleLbl name="solidBgAcc1">
+    <dgm:fillClrLst meth="repeat">
+      <a:schemeClr val="lt1"/>
+    </dgm:fillClrLst>
+    <dgm:linClrLst meth="repeat">
+      <a:schemeClr val="accent1"/>
+    </dgm:linClrLst>
+    <dgm:effectClrLst/>
+    <dgm:txLinClrLst/>
+    <dgm:txFillClrLst meth="repeat">
+      <a:schemeClr val="dk1"/>
+    </dgm:txFillClrLst>
+    <dgm:txEffectClrLst/>
+  </dgm:styleLbl>
+  <dgm:styleLbl name="fgAccFollowNode1">
+    <dgm:fillClrLst meth="repeat">
+      <a:schemeClr val="accent1">
+        <a:alpha val="90000"/>
+        <a:tint val="40000"/>
+      </a:schemeClr>
+    </dgm:fillClrLst>
+    <dgm:linClrLst meth="repeat">
+      <a:schemeClr val="accent1">
+        <a:alpha val="90000"/>
+        <a:tint val="40000"/>
+      </a:schemeClr>
+    </dgm:linClrLst>
+    <dgm:effectClrLst/>
+    <dgm:txLinClrLst/>
+    <dgm:txFillClrLst meth="repeat">
+      <a:schemeClr val="dk1"/>
+    </dgm:txFillClrLst>
+    <dgm:txEffectClrLst/>
+  </dgm:styleLbl>
+  <dgm:styleLbl name="alignAccFollowNode1">
+    <dgm:fillClrLst meth="repeat">
+      <a:schemeClr val="accent1">
+        <a:alpha val="90000"/>
+        <a:tint val="40000"/>
+      </a:schemeClr>
+    </dgm:fillClrLst>
+    <dgm:linClrLst meth="repeat">
+      <a:schemeClr val="accent1">
+        <a:alpha val="90000"/>
+        <a:tint val="40000"/>
+      </a:schemeClr>
+    </dgm:linClrLst>
+    <dgm:effectClrLst/>
+    <dgm:txLinClrLst/>
+    <dgm:txFillClrLst meth="repeat">
+      <a:schemeClr val="dk1"/>
+    </dgm:txFillClrLst>
+    <dgm:txEffectClrLst/>
+  </dgm:styleLbl>
+  <dgm:styleLbl name="bgAccFollowNode1">
+    <dgm:fillClrLst meth="repeat">
+      <a:schemeClr val="accent1">
+        <a:alpha val="90000"/>
+        <a:tint val="40000"/>
+      </a:schemeClr>
+    </dgm:fillClrLst>
+    <dgm:linClrLst meth="repeat">
+      <a:schemeClr val="accent1">
+        <a:alpha val="90000"/>
+        <a:tint val="40000"/>
+      </a:schemeClr>
+    </dgm:linClrLst>
+    <dgm:effectClrLst/>
+    <dgm:txLinClrLst/>
+    <dgm:txFillClrLst meth="repeat">
+      <a:schemeClr val="dk1"/>
+    </dgm:txFillClrLst>
+    <dgm:txEffectClrLst/>
+  </dgm:styleLbl>
+  <dgm:styleLbl name="fgAcc0">
+    <dgm:fillClrLst meth="repeat">
+      <a:schemeClr val="lt1">
+        <a:alpha val="90000"/>
+      </a:schemeClr>
+    </dgm:fillClrLst>
+    <dgm:linClrLst meth="repeat">
+      <a:schemeClr val="accent1"/>
+    </dgm:linClrLst>
+    <dgm:effectClrLst/>
+    <dgm:txLinClrLst/>
+    <dgm:txFillClrLst meth="repeat">
+      <a:schemeClr val="dk1"/>
+    </dgm:txFillClrLst>
+    <dgm:txEffectClrLst/>
+  </dgm:styleLbl>
+  <dgm:styleLbl name="fgAcc2">
+    <dgm:fillClrLst meth="repeat">
+      <a:schemeClr val="lt1">
+        <a:alpha val="90000"/>
+      </a:schemeClr>
+    </dgm:fillClrLst>
+    <dgm:linClrLst meth="repeat">
+      <a:schemeClr val="accent1"/>
+    </dgm:linClrLst>
+    <dgm:effectClrLst/>
+    <dgm:txLinClrLst/>
+    <dgm:txFillClrLst meth="repeat">
+      <a:schemeClr val="dk1"/>
+    </dgm:txFillClrLst>
+    <dgm:txEffectClrLst/>
+  </dgm:styleLbl>
+  <dgm:styleLbl name="fgAcc3">
+    <dgm:fillClrLst meth="repeat">
+      <a:schemeClr val="lt1">
+        <a:alpha val="90000"/>
+      </a:schemeClr>
+    </dgm:fillClrLst>
+    <dgm:linClrLst meth="repeat">
+      <a:schemeClr val="accent1"/>
+    </dgm:linClrLst>
+    <dgm:effectClrLst/>
+    <dgm:txLinClrLst/>
+    <dgm:txFillClrLst meth="repeat">
+      <a:schemeClr val="dk1"/>
+    </dgm:txFillClrLst>
+    <dgm:txEffectClrLst/>
+  </dgm:styleLbl>
+  <dgm:styleLbl name="fgAcc4">
+    <dgm:fillClrLst meth="repeat">
+      <a:schemeClr val="lt1">
+        <a:alpha val="90000"/>
+      </a:schemeClr>
+    </dgm:fillClrLst>
+    <dgm:linClrLst meth="repeat">
+      <a:schemeClr val="accent1"/>
+    </dgm:linClrLst>
+    <dgm:effectClrLst/>
+    <dgm:txLinClrLst/>
+    <dgm:txFillClrLst meth="repeat">
+      <a:schemeClr val="dk1"/>
+    </dgm:txFillClrLst>
+    <dgm:txEffectClrLst/>
+  </dgm:styleLbl>
+  <dgm:styleLbl name="bgShp">
+    <dgm:fillClrLst meth="repeat">
+      <a:schemeClr val="accent1">
+        <a:tint val="40000"/>
+      </a:schemeClr>
+    </dgm:fillClrLst>
+    <dgm:linClrLst meth="repeat">
+      <a:schemeClr val="accent1"/>
+    </dgm:linClrLst>
+    <dgm:effectClrLst/>
+    <dgm:txLinClrLst/>
+    <dgm:txFillClrLst meth="repeat">
+      <a:schemeClr val="dk1"/>
+    </dgm:txFillClrLst>
+    <dgm:txEffectClrLst/>
+  </dgm:styleLbl>
+  <dgm:styleLbl name="dkBgShp">
+    <dgm:fillClrLst meth="repeat">
+      <a:schemeClr val="accent1">
+        <a:shade val="80000"/>
+      </a:schemeClr>
+    </dgm:fillClrLst>
+    <dgm:linClrLst meth="repeat">
+      <a:schemeClr val="accent1"/>
+    </dgm:linClrLst>
+    <dgm:effectClrLst/>
+    <dgm:txLinClrLst/>
+    <dgm:txFillClrLst meth="repeat">
+      <a:schemeClr val="lt1"/>
+    </dgm:txFillClrLst>
+    <dgm:txEffectClrLst/>
+  </dgm:styleLbl>
+  <dgm:styleLbl name="trBgShp">
+    <dgm:fillClrLst meth="repeat">
+      <a:schemeClr val="accent1">
+        <a:tint val="50000"/>
+        <a:alpha val="40000"/>
+      </a:schemeClr>
+    </dgm:fillClrLst>
+    <dgm:linClrLst meth="repeat">
+      <a:schemeClr val="accent1"/>
+    </dgm:linClrLst>
+    <dgm:effectClrLst/>
+    <dgm:txLinClrLst/>
+    <dgm:txFillClrLst meth="repeat">
+      <a:schemeClr val="lt1"/>
+    </dgm:txFillClrLst>
+    <dgm:txEffectClrLst/>
+  </dgm:styleLbl>
+  <dgm:styleLbl name="fgShp">
+    <dgm:fillClrLst meth="repeat">
+      <a:schemeClr val="accent1">
+        <a:tint val="60000"/>
+      </a:schemeClr>
+    </dgm:fillClrLst>
+    <dgm:linClrLst meth="repeat">
+      <a:schemeClr val="lt1"/>
+    </dgm:linClrLst>
+    <dgm:effectClrLst/>
+    <dgm:txLinClrLst/>
+    <dgm:txFillClrLst meth="repeat">
+      <a:schemeClr val="dk1"/>
+    </dgm:txFillClrLst>
+    <dgm:txEffectClrLst/>
+  </dgm:styleLbl>
+  <dgm:styleLbl name="revTx">
+    <dgm:fillClrLst meth="repeat">
+      <a:schemeClr val="lt1">
+        <a:alpha val="0"/>
+      </a:schemeClr>
+    </dgm:fillClrLst>
+    <dgm:linClrLst meth="repeat">
+      <a:schemeClr val="dk1">
+        <a:alpha val="0"/>
+      </a:schemeClr>
+    </dgm:linClrLst>
+    <dgm:effectClrLst/>
+    <dgm:txLinClrLst/>
+    <dgm:txFillClrLst meth="repeat">
+      <a:schemeClr val="tx1"/>
+    </dgm:txFillClrLst>
+    <dgm:txEffectClrLst/>
+  </dgm:styleLbl>
+</dgm:colorsDef>
+</file>
+
 <file path=ppt/diagrams/data1.xml><?xml version="1.0" encoding="utf-8"?>
 <dgm:dataModel xmlns:dgm="http://schemas.openxmlformats.org/drawingml/2006/diagram" xmlns:a="http://schemas.openxmlformats.org/drawingml/2006/main">
   <dgm:ptLst>
@@ -1564,6 +2312,419 @@
     <dgm:cxn modelId="{9EB1547D-F4F2-4ECA-B5F0-B2D8BAFB0A0D}" type="presParOf" srcId="{FE9D7307-C6C4-4499-B361-6FA205886ADF}" destId="{F8E1ADD4-7ED8-43EB-97C6-C2370C4C4072}" srcOrd="5" destOrd="0" presId="urn:microsoft.com/office/officeart/2005/8/layout/hierarchy2"/>
     <dgm:cxn modelId="{5396C331-6828-4817-8B81-AECA33F1B2FA}" type="presParOf" srcId="{F8E1ADD4-7ED8-43EB-97C6-C2370C4C4072}" destId="{A23F1816-3D23-4C4E-BB0D-7C34316EDCD3}" srcOrd="0" destOrd="0" presId="urn:microsoft.com/office/officeart/2005/8/layout/hierarchy2"/>
     <dgm:cxn modelId="{ECEBEC7B-2AF0-4741-A621-C8E9F04F5C64}" type="presParOf" srcId="{F8E1ADD4-7ED8-43EB-97C6-C2370C4C4072}" destId="{6C40C7E4-EBA5-4874-B070-3D43DE2F77E5}" srcOrd="1" destOrd="0" presId="urn:microsoft.com/office/officeart/2005/8/layout/hierarchy2"/>
+  </dgm:cxnLst>
+  <dgm:bg/>
+  <dgm:whole/>
+  <dgm:extLst>
+    <a:ext uri="http://schemas.microsoft.com/office/drawing/2008/diagram">
+      <dsp:dataModelExt xmlns:dsp="http://schemas.microsoft.com/office/drawing/2008/diagram" relId="rId6" minVer="http://schemas.openxmlformats.org/drawingml/2006/diagram"/>
+    </a:ext>
+  </dgm:extLst>
+</dgm:dataModel>
+</file>
+
+<file path=ppt/diagrams/data2.xml><?xml version="1.0" encoding="utf-8"?>
+<dgm:dataModel xmlns:dgm="http://schemas.openxmlformats.org/drawingml/2006/diagram" xmlns:a="http://schemas.openxmlformats.org/drawingml/2006/main">
+  <dgm:ptLst>
+    <dgm:pt modelId="{F07452DF-D25B-4170-B9AE-AE7F855CE9F2}" type="doc">
+      <dgm:prSet loTypeId="urn:microsoft.com/office/officeart/2005/8/layout/hierarchy2" loCatId="hierarchy" qsTypeId="urn:microsoft.com/office/officeart/2005/8/quickstyle/simple1" qsCatId="simple" csTypeId="urn:microsoft.com/office/officeart/2005/8/colors/accent1_2" csCatId="accent1" phldr="1"/>
+      <dgm:spPr/>
+      <dgm:t>
+        <a:bodyPr/>
+        <a:lstStyle/>
+        <a:p>
+          <a:endParaRPr lang="zh-CN" altLang="en-US"/>
+        </a:p>
+      </dgm:t>
+    </dgm:pt>
+    <dgm:pt modelId="{3FCE574F-1EE2-431B-A409-13D5E2AD0718}">
+      <dgm:prSet phldrT="[文本]" custT="1"/>
+      <dgm:spPr>
+        <a:solidFill>
+          <a:srgbClr val="92D050"/>
+        </a:solidFill>
+      </dgm:spPr>
+      <dgm:t>
+        <a:bodyPr/>
+        <a:lstStyle/>
+        <a:p>
+          <a:r>
+            <a:rPr lang="zh-CN" altLang="en-US" sz="2400" dirty="0">
+              <a:solidFill>
+                <a:schemeClr val="tx1"/>
+              </a:solidFill>
+            </a:rPr>
+            <a:t>算法策略</a:t>
+          </a:r>
+        </a:p>
+      </dgm:t>
+    </dgm:pt>
+    <dgm:pt modelId="{4BED258C-CAB7-4B0D-935B-AAEBE1896251}" type="parTrans" cxnId="{E050EC70-A960-41F5-8C8E-A7B421989202}">
+      <dgm:prSet/>
+      <dgm:spPr/>
+      <dgm:t>
+        <a:bodyPr/>
+        <a:lstStyle/>
+        <a:p>
+          <a:endParaRPr lang="zh-CN" altLang="en-US" sz="2400"/>
+        </a:p>
+      </dgm:t>
+    </dgm:pt>
+    <dgm:pt modelId="{41EA5574-587E-47A8-8E59-3A25A49DBE91}" type="sibTrans" cxnId="{E050EC70-A960-41F5-8C8E-A7B421989202}">
+      <dgm:prSet/>
+      <dgm:spPr/>
+      <dgm:t>
+        <a:bodyPr/>
+        <a:lstStyle/>
+        <a:p>
+          <a:endParaRPr lang="zh-CN" altLang="en-US" sz="2400"/>
+        </a:p>
+      </dgm:t>
+    </dgm:pt>
+    <dgm:pt modelId="{752E7604-46AE-4067-A2BB-94E07CE5ECAF}">
+      <dgm:prSet phldrT="[文本]" custT="1"/>
+      <dgm:spPr>
+        <a:solidFill>
+          <a:srgbClr val="00B0F0"/>
+        </a:solidFill>
+      </dgm:spPr>
+      <dgm:t>
+        <a:bodyPr/>
+        <a:lstStyle/>
+        <a:p>
+          <a:r>
+            <a:rPr lang="zh-CN" altLang="en-US" sz="2400" dirty="0">
+              <a:solidFill>
+                <a:schemeClr val="tx1"/>
+              </a:solidFill>
+            </a:rPr>
+            <a:t>策略思想</a:t>
+          </a:r>
+        </a:p>
+      </dgm:t>
+    </dgm:pt>
+    <dgm:pt modelId="{94A3FDBB-26DF-4D9F-B498-90FDE6FFD6AB}" type="parTrans" cxnId="{9ED31DBF-8932-4D27-95EC-8B5EC554FBE6}">
+      <dgm:prSet custT="1"/>
+      <dgm:spPr/>
+      <dgm:t>
+        <a:bodyPr/>
+        <a:lstStyle/>
+        <a:p>
+          <a:endParaRPr lang="zh-CN" altLang="en-US" sz="2400"/>
+        </a:p>
+      </dgm:t>
+    </dgm:pt>
+    <dgm:pt modelId="{F8CAD121-AFBA-47A6-90F8-46278AD144A3}" type="sibTrans" cxnId="{9ED31DBF-8932-4D27-95EC-8B5EC554FBE6}">
+      <dgm:prSet/>
+      <dgm:spPr/>
+      <dgm:t>
+        <a:bodyPr/>
+        <a:lstStyle/>
+        <a:p>
+          <a:endParaRPr lang="zh-CN" altLang="en-US" sz="2400"/>
+        </a:p>
+      </dgm:t>
+    </dgm:pt>
+    <dgm:pt modelId="{86F583CB-F6EB-477B-BFF6-AEE692A5DCF8}">
+      <dgm:prSet phldrT="[文本]" custT="1"/>
+      <dgm:spPr>
+        <a:solidFill>
+          <a:srgbClr val="00B0F0"/>
+        </a:solidFill>
+      </dgm:spPr>
+      <dgm:t>
+        <a:bodyPr/>
+        <a:lstStyle/>
+        <a:p>
+          <a:r>
+            <a:rPr lang="zh-CN" altLang="en-US" sz="2400" dirty="0">
+              <a:solidFill>
+                <a:schemeClr val="tx1"/>
+              </a:solidFill>
+            </a:rPr>
+            <a:t>应用模式</a:t>
+          </a:r>
+        </a:p>
+      </dgm:t>
+    </dgm:pt>
+    <dgm:pt modelId="{88F7C5BF-A02C-407B-B978-41C05663B097}" type="parTrans" cxnId="{30210711-389E-4D03-91F0-BC0132E7AE47}">
+      <dgm:prSet custT="1"/>
+      <dgm:spPr/>
+      <dgm:t>
+        <a:bodyPr/>
+        <a:lstStyle/>
+        <a:p>
+          <a:endParaRPr lang="zh-CN" altLang="en-US" sz="2400"/>
+        </a:p>
+      </dgm:t>
+    </dgm:pt>
+    <dgm:pt modelId="{3D4115D9-8799-4A46-8C4C-58FF48ABA28B}" type="sibTrans" cxnId="{30210711-389E-4D03-91F0-BC0132E7AE47}">
+      <dgm:prSet/>
+      <dgm:spPr/>
+      <dgm:t>
+        <a:bodyPr/>
+        <a:lstStyle/>
+        <a:p>
+          <a:endParaRPr lang="zh-CN" altLang="en-US" sz="2400"/>
+        </a:p>
+      </dgm:t>
+    </dgm:pt>
+    <dgm:pt modelId="{9899800E-6B34-4A5C-9521-B8A38287841D}">
+      <dgm:prSet phldrT="[文本]" custT="1"/>
+      <dgm:spPr>
+        <a:solidFill>
+          <a:srgbClr val="00B0F0"/>
+        </a:solidFill>
+      </dgm:spPr>
+      <dgm:t>
+        <a:bodyPr/>
+        <a:lstStyle/>
+        <a:p>
+          <a:r>
+            <a:rPr lang="zh-CN" altLang="en-US" sz="2400" dirty="0">
+              <a:solidFill>
+                <a:schemeClr val="tx1"/>
+              </a:solidFill>
+            </a:rPr>
+            <a:t>示例分析</a:t>
+          </a:r>
+        </a:p>
+      </dgm:t>
+    </dgm:pt>
+    <dgm:pt modelId="{041C3D35-8F0E-4470-8D04-DA8D7DE689D8}" type="parTrans" cxnId="{4AB9079F-158B-4EE5-AEC6-3FE7A136F5D1}">
+      <dgm:prSet custT="1"/>
+      <dgm:spPr/>
+      <dgm:t>
+        <a:bodyPr/>
+        <a:lstStyle/>
+        <a:p>
+          <a:endParaRPr lang="zh-CN" altLang="en-US" sz="2400"/>
+        </a:p>
+      </dgm:t>
+    </dgm:pt>
+    <dgm:pt modelId="{4848F422-19E2-49EA-BE90-0CD3266C2ACA}" type="sibTrans" cxnId="{4AB9079F-158B-4EE5-AEC6-3FE7A136F5D1}">
+      <dgm:prSet/>
+      <dgm:spPr/>
+      <dgm:t>
+        <a:bodyPr/>
+        <a:lstStyle/>
+        <a:p>
+          <a:endParaRPr lang="zh-CN" altLang="en-US" sz="2400"/>
+        </a:p>
+      </dgm:t>
+    </dgm:pt>
+    <dgm:pt modelId="{590C0210-850D-4EE1-B75A-B58F6B935DC4}">
+      <dgm:prSet phldrT="[文本]" custT="1"/>
+      <dgm:spPr>
+        <a:solidFill>
+          <a:srgbClr val="00B0F0"/>
+        </a:solidFill>
+      </dgm:spPr>
+      <dgm:t>
+        <a:bodyPr/>
+        <a:lstStyle/>
+        <a:p>
+          <a:r>
+            <a:rPr lang="zh-CN" altLang="en-US" sz="2400" dirty="0">
+              <a:solidFill>
+                <a:schemeClr val="tx1"/>
+              </a:solidFill>
+            </a:rPr>
+            <a:t>适用问题</a:t>
+          </a:r>
+        </a:p>
+      </dgm:t>
+    </dgm:pt>
+    <dgm:pt modelId="{A6CC5E14-E7E5-4059-B302-E773AF6737BB}" type="parTrans" cxnId="{EC66AE50-6DED-4A6A-A3F1-6162FBED8F7C}">
+      <dgm:prSet custT="1"/>
+      <dgm:spPr/>
+      <dgm:t>
+        <a:bodyPr/>
+        <a:lstStyle/>
+        <a:p>
+          <a:endParaRPr lang="zh-CN" altLang="en-US" sz="2400"/>
+        </a:p>
+      </dgm:t>
+    </dgm:pt>
+    <dgm:pt modelId="{E8625CFE-5B0E-497E-BEDE-DB29D09CFF63}" type="sibTrans" cxnId="{EC66AE50-6DED-4A6A-A3F1-6162FBED8F7C}">
+      <dgm:prSet/>
+      <dgm:spPr/>
+      <dgm:t>
+        <a:bodyPr/>
+        <a:lstStyle/>
+        <a:p>
+          <a:endParaRPr lang="zh-CN" altLang="en-US" sz="2400"/>
+        </a:p>
+      </dgm:t>
+    </dgm:pt>
+    <dgm:pt modelId="{066A79D1-E858-4B5C-8FF0-155F885447E1}" type="pres">
+      <dgm:prSet presAssocID="{F07452DF-D25B-4170-B9AE-AE7F855CE9F2}" presName="diagram" presStyleCnt="0">
+        <dgm:presLayoutVars>
+          <dgm:chPref val="1"/>
+          <dgm:dir/>
+          <dgm:animOne val="branch"/>
+          <dgm:animLvl val="lvl"/>
+          <dgm:resizeHandles val="exact"/>
+        </dgm:presLayoutVars>
+      </dgm:prSet>
+      <dgm:spPr/>
+    </dgm:pt>
+    <dgm:pt modelId="{B9009271-4D23-4429-954C-A3558D28837B}" type="pres">
+      <dgm:prSet presAssocID="{3FCE574F-1EE2-431B-A409-13D5E2AD0718}" presName="root1" presStyleCnt="0"/>
+      <dgm:spPr/>
+    </dgm:pt>
+    <dgm:pt modelId="{088B302D-76C9-426A-ABFB-830C2EB3462B}" type="pres">
+      <dgm:prSet presAssocID="{3FCE574F-1EE2-431B-A409-13D5E2AD0718}" presName="LevelOneTextNode" presStyleLbl="node0" presStyleIdx="0" presStyleCnt="1">
+        <dgm:presLayoutVars>
+          <dgm:chPref val="3"/>
+        </dgm:presLayoutVars>
+      </dgm:prSet>
+      <dgm:spPr/>
+    </dgm:pt>
+    <dgm:pt modelId="{FF912CAD-445F-4BE0-8EA0-29B65CECF175}" type="pres">
+      <dgm:prSet presAssocID="{3FCE574F-1EE2-431B-A409-13D5E2AD0718}" presName="level2hierChild" presStyleCnt="0"/>
+      <dgm:spPr/>
+    </dgm:pt>
+    <dgm:pt modelId="{E85BEFDD-33C2-4DB7-9AAF-0CE94F2F8E3A}" type="pres">
+      <dgm:prSet presAssocID="{94A3FDBB-26DF-4D9F-B498-90FDE6FFD6AB}" presName="conn2-1" presStyleLbl="parChTrans1D2" presStyleIdx="0" presStyleCnt="4"/>
+      <dgm:spPr/>
+    </dgm:pt>
+    <dgm:pt modelId="{65310EE2-1497-4B19-808F-852D03FE40B8}" type="pres">
+      <dgm:prSet presAssocID="{94A3FDBB-26DF-4D9F-B498-90FDE6FFD6AB}" presName="connTx" presStyleLbl="parChTrans1D2" presStyleIdx="0" presStyleCnt="4"/>
+      <dgm:spPr/>
+    </dgm:pt>
+    <dgm:pt modelId="{7BFAD459-A82C-4296-93C8-0255AE9859A0}" type="pres">
+      <dgm:prSet presAssocID="{752E7604-46AE-4067-A2BB-94E07CE5ECAF}" presName="root2" presStyleCnt="0"/>
+      <dgm:spPr/>
+    </dgm:pt>
+    <dgm:pt modelId="{181B2230-D234-4ED3-8E6D-3206581FA7AD}" type="pres">
+      <dgm:prSet presAssocID="{752E7604-46AE-4067-A2BB-94E07CE5ECAF}" presName="LevelTwoTextNode" presStyleLbl="node2" presStyleIdx="0" presStyleCnt="4">
+        <dgm:presLayoutVars>
+          <dgm:chPref val="3"/>
+        </dgm:presLayoutVars>
+      </dgm:prSet>
+      <dgm:spPr/>
+    </dgm:pt>
+    <dgm:pt modelId="{A2471757-E6F5-49FA-87F6-A8AF1FC4D070}" type="pres">
+      <dgm:prSet presAssocID="{752E7604-46AE-4067-A2BB-94E07CE5ECAF}" presName="level3hierChild" presStyleCnt="0"/>
+      <dgm:spPr/>
+    </dgm:pt>
+    <dgm:pt modelId="{C400A8CE-BF16-4B4F-83DD-0A4EE1865938}" type="pres">
+      <dgm:prSet presAssocID="{A6CC5E14-E7E5-4059-B302-E773AF6737BB}" presName="conn2-1" presStyleLbl="parChTrans1D2" presStyleIdx="1" presStyleCnt="4"/>
+      <dgm:spPr/>
+    </dgm:pt>
+    <dgm:pt modelId="{0D98B56E-8F8A-450A-8C7A-34D1F7F362FC}" type="pres">
+      <dgm:prSet presAssocID="{A6CC5E14-E7E5-4059-B302-E773AF6737BB}" presName="connTx" presStyleLbl="parChTrans1D2" presStyleIdx="1" presStyleCnt="4"/>
+      <dgm:spPr/>
+    </dgm:pt>
+    <dgm:pt modelId="{A80EF852-D2C1-4290-BB92-C2A16C86797B}" type="pres">
+      <dgm:prSet presAssocID="{590C0210-850D-4EE1-B75A-B58F6B935DC4}" presName="root2" presStyleCnt="0"/>
+      <dgm:spPr/>
+    </dgm:pt>
+    <dgm:pt modelId="{C37EB72D-69CF-4D8E-834C-66087DC2B55B}" type="pres">
+      <dgm:prSet presAssocID="{590C0210-850D-4EE1-B75A-B58F6B935DC4}" presName="LevelTwoTextNode" presStyleLbl="node2" presStyleIdx="1" presStyleCnt="4">
+        <dgm:presLayoutVars>
+          <dgm:chPref val="3"/>
+        </dgm:presLayoutVars>
+      </dgm:prSet>
+      <dgm:spPr/>
+    </dgm:pt>
+    <dgm:pt modelId="{DBB0831D-0C0F-4363-AE5C-60F0651B8C98}" type="pres">
+      <dgm:prSet presAssocID="{590C0210-850D-4EE1-B75A-B58F6B935DC4}" presName="level3hierChild" presStyleCnt="0"/>
+      <dgm:spPr/>
+    </dgm:pt>
+    <dgm:pt modelId="{F3E47278-14AA-4133-98C0-D5C4172BA0E5}" type="pres">
+      <dgm:prSet presAssocID="{88F7C5BF-A02C-407B-B978-41C05663B097}" presName="conn2-1" presStyleLbl="parChTrans1D2" presStyleIdx="2" presStyleCnt="4"/>
+      <dgm:spPr/>
+    </dgm:pt>
+    <dgm:pt modelId="{E52C1EE8-0720-4681-B411-0DACF078E4B5}" type="pres">
+      <dgm:prSet presAssocID="{88F7C5BF-A02C-407B-B978-41C05663B097}" presName="connTx" presStyleLbl="parChTrans1D2" presStyleIdx="2" presStyleCnt="4"/>
+      <dgm:spPr/>
+    </dgm:pt>
+    <dgm:pt modelId="{A9D425F0-65B4-4036-B389-935BAF1F3366}" type="pres">
+      <dgm:prSet presAssocID="{86F583CB-F6EB-477B-BFF6-AEE692A5DCF8}" presName="root2" presStyleCnt="0"/>
+      <dgm:spPr/>
+    </dgm:pt>
+    <dgm:pt modelId="{307013C0-D7DF-4559-86A8-2C5E86CA4C6C}" type="pres">
+      <dgm:prSet presAssocID="{86F583CB-F6EB-477B-BFF6-AEE692A5DCF8}" presName="LevelTwoTextNode" presStyleLbl="node2" presStyleIdx="2" presStyleCnt="4">
+        <dgm:presLayoutVars>
+          <dgm:chPref val="3"/>
+        </dgm:presLayoutVars>
+      </dgm:prSet>
+      <dgm:spPr/>
+    </dgm:pt>
+    <dgm:pt modelId="{F770C5FA-56CE-4B52-A4CD-F6A61E24D6A0}" type="pres">
+      <dgm:prSet presAssocID="{86F583CB-F6EB-477B-BFF6-AEE692A5DCF8}" presName="level3hierChild" presStyleCnt="0"/>
+      <dgm:spPr/>
+    </dgm:pt>
+    <dgm:pt modelId="{B96B0C6D-3EA1-4DB6-8C65-D73C5C5FFFB1}" type="pres">
+      <dgm:prSet presAssocID="{041C3D35-8F0E-4470-8D04-DA8D7DE689D8}" presName="conn2-1" presStyleLbl="parChTrans1D2" presStyleIdx="3" presStyleCnt="4"/>
+      <dgm:spPr/>
+    </dgm:pt>
+    <dgm:pt modelId="{6A5B75CB-A432-45C9-A167-AE7A0C5E8DDF}" type="pres">
+      <dgm:prSet presAssocID="{041C3D35-8F0E-4470-8D04-DA8D7DE689D8}" presName="connTx" presStyleLbl="parChTrans1D2" presStyleIdx="3" presStyleCnt="4"/>
+      <dgm:spPr/>
+    </dgm:pt>
+    <dgm:pt modelId="{63FC245F-B439-4C94-90C3-039476C59D6E}" type="pres">
+      <dgm:prSet presAssocID="{9899800E-6B34-4A5C-9521-B8A38287841D}" presName="root2" presStyleCnt="0"/>
+      <dgm:spPr/>
+    </dgm:pt>
+    <dgm:pt modelId="{5A000580-2FB7-42D2-B0F0-FE73A782FCDC}" type="pres">
+      <dgm:prSet presAssocID="{9899800E-6B34-4A5C-9521-B8A38287841D}" presName="LevelTwoTextNode" presStyleLbl="node2" presStyleIdx="3" presStyleCnt="4">
+        <dgm:presLayoutVars>
+          <dgm:chPref val="3"/>
+        </dgm:presLayoutVars>
+      </dgm:prSet>
+      <dgm:spPr/>
+    </dgm:pt>
+    <dgm:pt modelId="{0729FF59-185F-4611-98AB-69119C3B826F}" type="pres">
+      <dgm:prSet presAssocID="{9899800E-6B34-4A5C-9521-B8A38287841D}" presName="level3hierChild" presStyleCnt="0"/>
+      <dgm:spPr/>
+    </dgm:pt>
+  </dgm:ptLst>
+  <dgm:cxnLst>
+    <dgm:cxn modelId="{6B39CC02-8856-49DA-AD63-E58EB1FA99C4}" type="presOf" srcId="{A6CC5E14-E7E5-4059-B302-E773AF6737BB}" destId="{0D98B56E-8F8A-450A-8C7A-34D1F7F362FC}" srcOrd="1" destOrd="0" presId="urn:microsoft.com/office/officeart/2005/8/layout/hierarchy2"/>
+    <dgm:cxn modelId="{4EF93704-79EB-4006-9FD7-09B2BA3E4917}" type="presOf" srcId="{590C0210-850D-4EE1-B75A-B58F6B935DC4}" destId="{C37EB72D-69CF-4D8E-834C-66087DC2B55B}" srcOrd="0" destOrd="0" presId="urn:microsoft.com/office/officeart/2005/8/layout/hierarchy2"/>
+    <dgm:cxn modelId="{30210711-389E-4D03-91F0-BC0132E7AE47}" srcId="{3FCE574F-1EE2-431B-A409-13D5E2AD0718}" destId="{86F583CB-F6EB-477B-BFF6-AEE692A5DCF8}" srcOrd="2" destOrd="0" parTransId="{88F7C5BF-A02C-407B-B978-41C05663B097}" sibTransId="{3D4115D9-8799-4A46-8C4C-58FF48ABA28B}"/>
+    <dgm:cxn modelId="{FAEAF62E-B2A6-4298-9F67-566BAC62302F}" type="presOf" srcId="{88F7C5BF-A02C-407B-B978-41C05663B097}" destId="{E52C1EE8-0720-4681-B411-0DACF078E4B5}" srcOrd="1" destOrd="0" presId="urn:microsoft.com/office/officeart/2005/8/layout/hierarchy2"/>
+    <dgm:cxn modelId="{A32FEA32-01E7-4E16-B8EB-E729C8FB5CD4}" type="presOf" srcId="{752E7604-46AE-4067-A2BB-94E07CE5ECAF}" destId="{181B2230-D234-4ED3-8E6D-3206581FA7AD}" srcOrd="0" destOrd="0" presId="urn:microsoft.com/office/officeart/2005/8/layout/hierarchy2"/>
+    <dgm:cxn modelId="{63C9CD39-D3AC-488F-9712-BA47D2F92B38}" type="presOf" srcId="{041C3D35-8F0E-4470-8D04-DA8D7DE689D8}" destId="{6A5B75CB-A432-45C9-A167-AE7A0C5E8DDF}" srcOrd="1" destOrd="0" presId="urn:microsoft.com/office/officeart/2005/8/layout/hierarchy2"/>
+    <dgm:cxn modelId="{3484E83E-5702-4C34-A921-37C6B8A042FE}" type="presOf" srcId="{88F7C5BF-A02C-407B-B978-41C05663B097}" destId="{F3E47278-14AA-4133-98C0-D5C4172BA0E5}" srcOrd="0" destOrd="0" presId="urn:microsoft.com/office/officeart/2005/8/layout/hierarchy2"/>
+    <dgm:cxn modelId="{61EA0265-A843-4DC2-AC18-BF0011600C37}" type="presOf" srcId="{86F583CB-F6EB-477B-BFF6-AEE692A5DCF8}" destId="{307013C0-D7DF-4559-86A8-2C5E86CA4C6C}" srcOrd="0" destOrd="0" presId="urn:microsoft.com/office/officeart/2005/8/layout/hierarchy2"/>
+    <dgm:cxn modelId="{EC66AE50-6DED-4A6A-A3F1-6162FBED8F7C}" srcId="{3FCE574F-1EE2-431B-A409-13D5E2AD0718}" destId="{590C0210-850D-4EE1-B75A-B58F6B935DC4}" srcOrd="1" destOrd="0" parTransId="{A6CC5E14-E7E5-4059-B302-E773AF6737BB}" sibTransId="{E8625CFE-5B0E-497E-BEDE-DB29D09CFF63}"/>
+    <dgm:cxn modelId="{E050EC70-A960-41F5-8C8E-A7B421989202}" srcId="{F07452DF-D25B-4170-B9AE-AE7F855CE9F2}" destId="{3FCE574F-1EE2-431B-A409-13D5E2AD0718}" srcOrd="0" destOrd="0" parTransId="{4BED258C-CAB7-4B0D-935B-AAEBE1896251}" sibTransId="{41EA5574-587E-47A8-8E59-3A25A49DBE91}"/>
+    <dgm:cxn modelId="{D842D755-85B8-4403-89F4-650B65269E75}" type="presOf" srcId="{A6CC5E14-E7E5-4059-B302-E773AF6737BB}" destId="{C400A8CE-BF16-4B4F-83DD-0A4EE1865938}" srcOrd="0" destOrd="0" presId="urn:microsoft.com/office/officeart/2005/8/layout/hierarchy2"/>
+    <dgm:cxn modelId="{C0A97679-AAD0-4403-96E2-0202269F592D}" type="presOf" srcId="{94A3FDBB-26DF-4D9F-B498-90FDE6FFD6AB}" destId="{E85BEFDD-33C2-4DB7-9AAF-0CE94F2F8E3A}" srcOrd="0" destOrd="0" presId="urn:microsoft.com/office/officeart/2005/8/layout/hierarchy2"/>
+    <dgm:cxn modelId="{4AB9079F-158B-4EE5-AEC6-3FE7A136F5D1}" srcId="{3FCE574F-1EE2-431B-A409-13D5E2AD0718}" destId="{9899800E-6B34-4A5C-9521-B8A38287841D}" srcOrd="3" destOrd="0" parTransId="{041C3D35-8F0E-4470-8D04-DA8D7DE689D8}" sibTransId="{4848F422-19E2-49EA-BE90-0CD3266C2ACA}"/>
+    <dgm:cxn modelId="{A7E520A3-E815-421B-A392-6F93FA3746BC}" type="presOf" srcId="{9899800E-6B34-4A5C-9521-B8A38287841D}" destId="{5A000580-2FB7-42D2-B0F0-FE73A782FCDC}" srcOrd="0" destOrd="0" presId="urn:microsoft.com/office/officeart/2005/8/layout/hierarchy2"/>
+    <dgm:cxn modelId="{9ED31DBF-8932-4D27-95EC-8B5EC554FBE6}" srcId="{3FCE574F-1EE2-431B-A409-13D5E2AD0718}" destId="{752E7604-46AE-4067-A2BB-94E07CE5ECAF}" srcOrd="0" destOrd="0" parTransId="{94A3FDBB-26DF-4D9F-B498-90FDE6FFD6AB}" sibTransId="{F8CAD121-AFBA-47A6-90F8-46278AD144A3}"/>
+    <dgm:cxn modelId="{356E3BC6-20AE-4739-AA9E-B32F3A61C5FD}" type="presOf" srcId="{041C3D35-8F0E-4470-8D04-DA8D7DE689D8}" destId="{B96B0C6D-3EA1-4DB6-8C65-D73C5C5FFFB1}" srcOrd="0" destOrd="0" presId="urn:microsoft.com/office/officeart/2005/8/layout/hierarchy2"/>
+    <dgm:cxn modelId="{CC1C64D1-4AB8-47F7-9CA1-A36CDB39F4A4}" type="presOf" srcId="{F07452DF-D25B-4170-B9AE-AE7F855CE9F2}" destId="{066A79D1-E858-4B5C-8FF0-155F885447E1}" srcOrd="0" destOrd="0" presId="urn:microsoft.com/office/officeart/2005/8/layout/hierarchy2"/>
+    <dgm:cxn modelId="{BFAA90DE-A528-4EC9-A7D4-B6C050F390BA}" type="presOf" srcId="{3FCE574F-1EE2-431B-A409-13D5E2AD0718}" destId="{088B302D-76C9-426A-ABFB-830C2EB3462B}" srcOrd="0" destOrd="0" presId="urn:microsoft.com/office/officeart/2005/8/layout/hierarchy2"/>
+    <dgm:cxn modelId="{98DD28E4-A5EF-4228-8AB5-346AC7BD1BD4}" type="presOf" srcId="{94A3FDBB-26DF-4D9F-B498-90FDE6FFD6AB}" destId="{65310EE2-1497-4B19-808F-852D03FE40B8}" srcOrd="1" destOrd="0" presId="urn:microsoft.com/office/officeart/2005/8/layout/hierarchy2"/>
+    <dgm:cxn modelId="{E781E662-6872-400D-8EAD-51C8455642B1}" type="presParOf" srcId="{066A79D1-E858-4B5C-8FF0-155F885447E1}" destId="{B9009271-4D23-4429-954C-A3558D28837B}" srcOrd="0" destOrd="0" presId="urn:microsoft.com/office/officeart/2005/8/layout/hierarchy2"/>
+    <dgm:cxn modelId="{CE42EDD4-A72D-4389-B09A-EDB76729CDCB}" type="presParOf" srcId="{B9009271-4D23-4429-954C-A3558D28837B}" destId="{088B302D-76C9-426A-ABFB-830C2EB3462B}" srcOrd="0" destOrd="0" presId="urn:microsoft.com/office/officeart/2005/8/layout/hierarchy2"/>
+    <dgm:cxn modelId="{C7491836-1EBE-4802-A731-385B727E1460}" type="presParOf" srcId="{B9009271-4D23-4429-954C-A3558D28837B}" destId="{FF912CAD-445F-4BE0-8EA0-29B65CECF175}" srcOrd="1" destOrd="0" presId="urn:microsoft.com/office/officeart/2005/8/layout/hierarchy2"/>
+    <dgm:cxn modelId="{E4A311EE-82CC-4E2D-80AA-B0E0B0694C79}" type="presParOf" srcId="{FF912CAD-445F-4BE0-8EA0-29B65CECF175}" destId="{E85BEFDD-33C2-4DB7-9AAF-0CE94F2F8E3A}" srcOrd="0" destOrd="0" presId="urn:microsoft.com/office/officeart/2005/8/layout/hierarchy2"/>
+    <dgm:cxn modelId="{11FA3A32-F848-44D5-B576-F4A3208D9F7A}" type="presParOf" srcId="{E85BEFDD-33C2-4DB7-9AAF-0CE94F2F8E3A}" destId="{65310EE2-1497-4B19-808F-852D03FE40B8}" srcOrd="0" destOrd="0" presId="urn:microsoft.com/office/officeart/2005/8/layout/hierarchy2"/>
+    <dgm:cxn modelId="{77272B30-F147-45DD-9D37-623A7D98F613}" type="presParOf" srcId="{FF912CAD-445F-4BE0-8EA0-29B65CECF175}" destId="{7BFAD459-A82C-4296-93C8-0255AE9859A0}" srcOrd="1" destOrd="0" presId="urn:microsoft.com/office/officeart/2005/8/layout/hierarchy2"/>
+    <dgm:cxn modelId="{A6D02A76-FD3C-4351-A4BE-C33F5D33B566}" type="presParOf" srcId="{7BFAD459-A82C-4296-93C8-0255AE9859A0}" destId="{181B2230-D234-4ED3-8E6D-3206581FA7AD}" srcOrd="0" destOrd="0" presId="urn:microsoft.com/office/officeart/2005/8/layout/hierarchy2"/>
+    <dgm:cxn modelId="{B2B39C78-4D36-428E-9A9C-0B0457949542}" type="presParOf" srcId="{7BFAD459-A82C-4296-93C8-0255AE9859A0}" destId="{A2471757-E6F5-49FA-87F6-A8AF1FC4D070}" srcOrd="1" destOrd="0" presId="urn:microsoft.com/office/officeart/2005/8/layout/hierarchy2"/>
+    <dgm:cxn modelId="{7EB92675-7FFF-4C14-9663-463D6875013A}" type="presParOf" srcId="{FF912CAD-445F-4BE0-8EA0-29B65CECF175}" destId="{C400A8CE-BF16-4B4F-83DD-0A4EE1865938}" srcOrd="2" destOrd="0" presId="urn:microsoft.com/office/officeart/2005/8/layout/hierarchy2"/>
+    <dgm:cxn modelId="{8CCA14A0-E446-46AD-A479-F66118E66FE0}" type="presParOf" srcId="{C400A8CE-BF16-4B4F-83DD-0A4EE1865938}" destId="{0D98B56E-8F8A-450A-8C7A-34D1F7F362FC}" srcOrd="0" destOrd="0" presId="urn:microsoft.com/office/officeart/2005/8/layout/hierarchy2"/>
+    <dgm:cxn modelId="{9B836083-A9D2-4985-9C54-AB36164B4DB8}" type="presParOf" srcId="{FF912CAD-445F-4BE0-8EA0-29B65CECF175}" destId="{A80EF852-D2C1-4290-BB92-C2A16C86797B}" srcOrd="3" destOrd="0" presId="urn:microsoft.com/office/officeart/2005/8/layout/hierarchy2"/>
+    <dgm:cxn modelId="{EE3EA0B9-3B2E-4613-9ED7-944BCFC084DF}" type="presParOf" srcId="{A80EF852-D2C1-4290-BB92-C2A16C86797B}" destId="{C37EB72D-69CF-4D8E-834C-66087DC2B55B}" srcOrd="0" destOrd="0" presId="urn:microsoft.com/office/officeart/2005/8/layout/hierarchy2"/>
+    <dgm:cxn modelId="{F5E81284-B05E-4896-B85F-F0D71DDB6FF7}" type="presParOf" srcId="{A80EF852-D2C1-4290-BB92-C2A16C86797B}" destId="{DBB0831D-0C0F-4363-AE5C-60F0651B8C98}" srcOrd="1" destOrd="0" presId="urn:microsoft.com/office/officeart/2005/8/layout/hierarchy2"/>
+    <dgm:cxn modelId="{63E3F221-8831-431B-87FD-B9E9C870CE75}" type="presParOf" srcId="{FF912CAD-445F-4BE0-8EA0-29B65CECF175}" destId="{F3E47278-14AA-4133-98C0-D5C4172BA0E5}" srcOrd="4" destOrd="0" presId="urn:microsoft.com/office/officeart/2005/8/layout/hierarchy2"/>
+    <dgm:cxn modelId="{4770C210-5F2D-4502-86A8-407CD80E80A5}" type="presParOf" srcId="{F3E47278-14AA-4133-98C0-D5C4172BA0E5}" destId="{E52C1EE8-0720-4681-B411-0DACF078E4B5}" srcOrd="0" destOrd="0" presId="urn:microsoft.com/office/officeart/2005/8/layout/hierarchy2"/>
+    <dgm:cxn modelId="{63014B26-4CF3-4316-B82C-021F2D08FF86}" type="presParOf" srcId="{FF912CAD-445F-4BE0-8EA0-29B65CECF175}" destId="{A9D425F0-65B4-4036-B389-935BAF1F3366}" srcOrd="5" destOrd="0" presId="urn:microsoft.com/office/officeart/2005/8/layout/hierarchy2"/>
+    <dgm:cxn modelId="{869852DD-7B0D-4DFB-8839-C4E25AA8CABB}" type="presParOf" srcId="{A9D425F0-65B4-4036-B389-935BAF1F3366}" destId="{307013C0-D7DF-4559-86A8-2C5E86CA4C6C}" srcOrd="0" destOrd="0" presId="urn:microsoft.com/office/officeart/2005/8/layout/hierarchy2"/>
+    <dgm:cxn modelId="{FE804A5B-4B90-48F5-B51D-9316C078F24D}" type="presParOf" srcId="{A9D425F0-65B4-4036-B389-935BAF1F3366}" destId="{F770C5FA-56CE-4B52-A4CD-F6A61E24D6A0}" srcOrd="1" destOrd="0" presId="urn:microsoft.com/office/officeart/2005/8/layout/hierarchy2"/>
+    <dgm:cxn modelId="{9851EA64-CCE9-4FEA-8732-992A4AC45862}" type="presParOf" srcId="{FF912CAD-445F-4BE0-8EA0-29B65CECF175}" destId="{B96B0C6D-3EA1-4DB6-8C65-D73C5C5FFFB1}" srcOrd="6" destOrd="0" presId="urn:microsoft.com/office/officeart/2005/8/layout/hierarchy2"/>
+    <dgm:cxn modelId="{24D4B503-CF07-4099-A227-86810A23307D}" type="presParOf" srcId="{B96B0C6D-3EA1-4DB6-8C65-D73C5C5FFFB1}" destId="{6A5B75CB-A432-45C9-A167-AE7A0C5E8DDF}" srcOrd="0" destOrd="0" presId="urn:microsoft.com/office/officeart/2005/8/layout/hierarchy2"/>
+    <dgm:cxn modelId="{AC9C3CCE-0414-44CE-BD34-91C924EBA795}" type="presParOf" srcId="{FF912CAD-445F-4BE0-8EA0-29B65CECF175}" destId="{63FC245F-B439-4C94-90C3-039476C59D6E}" srcOrd="7" destOrd="0" presId="urn:microsoft.com/office/officeart/2005/8/layout/hierarchy2"/>
+    <dgm:cxn modelId="{A3288D8A-F30E-416D-9910-F6D41B87940C}" type="presParOf" srcId="{63FC245F-B439-4C94-90C3-039476C59D6E}" destId="{5A000580-2FB7-42D2-B0F0-FE73A782FCDC}" srcOrd="0" destOrd="0" presId="urn:microsoft.com/office/officeart/2005/8/layout/hierarchy2"/>
+    <dgm:cxn modelId="{B79103C2-CB70-4AD9-8828-76F86F04ABEF}" type="presParOf" srcId="{63FC245F-B439-4C94-90C3-039476C59D6E}" destId="{0729FF59-185F-4611-98AB-69119C3B826F}" srcOrd="1" destOrd="0" presId="urn:microsoft.com/office/officeart/2005/8/layout/hierarchy2"/>
   </dgm:cxnLst>
   <dgm:bg/>
   <dgm:whole/>
@@ -2930,6 +4091,728 @@
 </dsp:drawing>
 </file>
 
+<file path=ppt/diagrams/drawing2.xml><?xml version="1.0" encoding="utf-8"?>
+<dsp:drawing xmlns:dgm="http://schemas.openxmlformats.org/drawingml/2006/diagram" xmlns:dsp="http://schemas.microsoft.com/office/drawing/2008/diagram" xmlns:a="http://schemas.openxmlformats.org/drawingml/2006/main">
+  <dsp:spTree>
+    <dsp:nvGrpSpPr>
+      <dsp:cNvPr id="0" name=""/>
+      <dsp:cNvGrpSpPr/>
+    </dsp:nvGrpSpPr>
+    <dsp:grpSpPr/>
+    <dsp:sp modelId="{088B302D-76C9-426A-ABFB-830C2EB3462B}">
+      <dsp:nvSpPr>
+        <dsp:cNvPr id="0" name=""/>
+        <dsp:cNvSpPr/>
+      </dsp:nvSpPr>
+      <dsp:spPr>
+        <a:xfrm>
+          <a:off x="958543" y="1497070"/>
+          <a:ext cx="1734640" cy="867320"/>
+        </a:xfrm>
+        <a:prstGeom prst="roundRect">
+          <a:avLst>
+            <a:gd name="adj" fmla="val 10000"/>
+          </a:avLst>
+        </a:prstGeom>
+        <a:solidFill>
+          <a:srgbClr val="92D050"/>
+        </a:solidFill>
+        <a:ln w="15875" cap="rnd" cmpd="sng" algn="ctr">
+          <a:solidFill>
+            <a:schemeClr val="lt1">
+              <a:hueOff val="0"/>
+              <a:satOff val="0"/>
+              <a:lumOff val="0"/>
+              <a:alphaOff val="0"/>
+            </a:schemeClr>
+          </a:solidFill>
+          <a:prstDash val="solid"/>
+        </a:ln>
+        <a:effectLst/>
+      </dsp:spPr>
+      <dsp:style>
+        <a:lnRef idx="2">
+          <a:scrgbClr r="0" g="0" b="0"/>
+        </a:lnRef>
+        <a:fillRef idx="1">
+          <a:scrgbClr r="0" g="0" b="0"/>
+        </a:fillRef>
+        <a:effectRef idx="0">
+          <a:scrgbClr r="0" g="0" b="0"/>
+        </a:effectRef>
+        <a:fontRef idx="minor">
+          <a:schemeClr val="lt1"/>
+        </a:fontRef>
+      </dsp:style>
+      <dsp:txBody>
+        <a:bodyPr spcFirstLastPara="0" vert="horz" wrap="square" lIns="15240" tIns="15240" rIns="15240" bIns="15240" numCol="1" spcCol="1270" anchor="ctr" anchorCtr="0">
+          <a:noAutofit/>
+        </a:bodyPr>
+        <a:lstStyle/>
+        <a:p>
+          <a:pPr marL="0" lvl="0" indent="0" algn="ctr" defTabSz="1066800">
+            <a:lnSpc>
+              <a:spcPct val="90000"/>
+            </a:lnSpc>
+            <a:spcBef>
+              <a:spcPct val="0"/>
+            </a:spcBef>
+            <a:spcAft>
+              <a:spcPct val="35000"/>
+            </a:spcAft>
+            <a:buNone/>
+          </a:pPr>
+          <a:r>
+            <a:rPr lang="zh-CN" altLang="en-US" sz="2400" kern="1200" dirty="0">
+              <a:solidFill>
+                <a:schemeClr val="tx1"/>
+              </a:solidFill>
+            </a:rPr>
+            <a:t>算法策略</a:t>
+          </a:r>
+        </a:p>
+      </dsp:txBody>
+      <dsp:txXfrm>
+        <a:off x="983946" y="1522473"/>
+        <a:ext cx="1683834" cy="816514"/>
+      </dsp:txXfrm>
+    </dsp:sp>
+    <dsp:sp modelId="{E85BEFDD-33C2-4DB7-9AAF-0CE94F2F8E3A}">
+      <dsp:nvSpPr>
+        <dsp:cNvPr id="0" name=""/>
+        <dsp:cNvSpPr/>
+      </dsp:nvSpPr>
+      <dsp:spPr>
+        <a:xfrm rot="17692822">
+          <a:off x="2215515" y="1162451"/>
+          <a:ext cx="1649192" cy="40429"/>
+        </a:xfrm>
+        <a:custGeom>
+          <a:avLst/>
+          <a:gdLst/>
+          <a:ahLst/>
+          <a:cxnLst/>
+          <a:rect l="0" t="0" r="0" b="0"/>
+          <a:pathLst>
+            <a:path>
+              <a:moveTo>
+                <a:pt x="0" y="20214"/>
+              </a:moveTo>
+              <a:lnTo>
+                <a:pt x="1649192" y="20214"/>
+              </a:lnTo>
+            </a:path>
+          </a:pathLst>
+        </a:custGeom>
+        <a:noFill/>
+        <a:ln w="15875" cap="rnd" cmpd="sng" algn="ctr">
+          <a:solidFill>
+            <a:schemeClr val="accent1">
+              <a:shade val="60000"/>
+              <a:hueOff val="0"/>
+              <a:satOff val="0"/>
+              <a:lumOff val="0"/>
+              <a:alphaOff val="0"/>
+            </a:schemeClr>
+          </a:solidFill>
+          <a:prstDash val="solid"/>
+        </a:ln>
+        <a:effectLst/>
+      </dsp:spPr>
+      <dsp:style>
+        <a:lnRef idx="2">
+          <a:scrgbClr r="0" g="0" b="0"/>
+        </a:lnRef>
+        <a:fillRef idx="0">
+          <a:scrgbClr r="0" g="0" b="0"/>
+        </a:fillRef>
+        <a:effectRef idx="0">
+          <a:scrgbClr r="0" g="0" b="0"/>
+        </a:effectRef>
+        <a:fontRef idx="minor"/>
+      </dsp:style>
+      <dsp:txBody>
+        <a:bodyPr spcFirstLastPara="0" vert="horz" wrap="square" lIns="12700" tIns="0" rIns="12700" bIns="0" numCol="1" spcCol="1270" anchor="ctr" anchorCtr="0">
+          <a:noAutofit/>
+        </a:bodyPr>
+        <a:lstStyle/>
+        <a:p>
+          <a:pPr marL="0" lvl="0" indent="0" algn="ctr" defTabSz="1066800">
+            <a:lnSpc>
+              <a:spcPct val="90000"/>
+            </a:lnSpc>
+            <a:spcBef>
+              <a:spcPct val="0"/>
+            </a:spcBef>
+            <a:spcAft>
+              <a:spcPct val="35000"/>
+            </a:spcAft>
+            <a:buNone/>
+          </a:pPr>
+          <a:endParaRPr lang="zh-CN" altLang="en-US" sz="2400" kern="1200"/>
+        </a:p>
+      </dsp:txBody>
+      <dsp:txXfrm>
+        <a:off x="2998882" y="1141436"/>
+        <a:ext cx="82459" cy="82459"/>
+      </dsp:txXfrm>
+    </dsp:sp>
+    <dsp:sp modelId="{181B2230-D234-4ED3-8E6D-3206581FA7AD}">
+      <dsp:nvSpPr>
+        <dsp:cNvPr id="0" name=""/>
+        <dsp:cNvSpPr/>
+      </dsp:nvSpPr>
+      <dsp:spPr>
+        <a:xfrm>
+          <a:off x="3387040" y="942"/>
+          <a:ext cx="1734640" cy="867320"/>
+        </a:xfrm>
+        <a:prstGeom prst="roundRect">
+          <a:avLst>
+            <a:gd name="adj" fmla="val 10000"/>
+          </a:avLst>
+        </a:prstGeom>
+        <a:solidFill>
+          <a:srgbClr val="00B0F0"/>
+        </a:solidFill>
+        <a:ln w="15875" cap="rnd" cmpd="sng" algn="ctr">
+          <a:solidFill>
+            <a:schemeClr val="lt1">
+              <a:hueOff val="0"/>
+              <a:satOff val="0"/>
+              <a:lumOff val="0"/>
+              <a:alphaOff val="0"/>
+            </a:schemeClr>
+          </a:solidFill>
+          <a:prstDash val="solid"/>
+        </a:ln>
+        <a:effectLst/>
+      </dsp:spPr>
+      <dsp:style>
+        <a:lnRef idx="2">
+          <a:scrgbClr r="0" g="0" b="0"/>
+        </a:lnRef>
+        <a:fillRef idx="1">
+          <a:scrgbClr r="0" g="0" b="0"/>
+        </a:fillRef>
+        <a:effectRef idx="0">
+          <a:scrgbClr r="0" g="0" b="0"/>
+        </a:effectRef>
+        <a:fontRef idx="minor">
+          <a:schemeClr val="lt1"/>
+        </a:fontRef>
+      </dsp:style>
+      <dsp:txBody>
+        <a:bodyPr spcFirstLastPara="0" vert="horz" wrap="square" lIns="15240" tIns="15240" rIns="15240" bIns="15240" numCol="1" spcCol="1270" anchor="ctr" anchorCtr="0">
+          <a:noAutofit/>
+        </a:bodyPr>
+        <a:lstStyle/>
+        <a:p>
+          <a:pPr marL="0" lvl="0" indent="0" algn="ctr" defTabSz="1066800">
+            <a:lnSpc>
+              <a:spcPct val="90000"/>
+            </a:lnSpc>
+            <a:spcBef>
+              <a:spcPct val="0"/>
+            </a:spcBef>
+            <a:spcAft>
+              <a:spcPct val="35000"/>
+            </a:spcAft>
+            <a:buNone/>
+          </a:pPr>
+          <a:r>
+            <a:rPr lang="zh-CN" altLang="en-US" sz="2400" kern="1200" dirty="0">
+              <a:solidFill>
+                <a:schemeClr val="tx1"/>
+              </a:solidFill>
+            </a:rPr>
+            <a:t>策略思想</a:t>
+          </a:r>
+        </a:p>
+      </dsp:txBody>
+      <dsp:txXfrm>
+        <a:off x="3412443" y="26345"/>
+        <a:ext cx="1683834" cy="816514"/>
+      </dsp:txXfrm>
+    </dsp:sp>
+    <dsp:sp modelId="{C400A8CE-BF16-4B4F-83DD-0A4EE1865938}">
+      <dsp:nvSpPr>
+        <dsp:cNvPr id="0" name=""/>
+        <dsp:cNvSpPr/>
+      </dsp:nvSpPr>
+      <dsp:spPr>
+        <a:xfrm rot="19457599">
+          <a:off x="2612868" y="1661161"/>
+          <a:ext cx="854486" cy="40429"/>
+        </a:xfrm>
+        <a:custGeom>
+          <a:avLst/>
+          <a:gdLst/>
+          <a:ahLst/>
+          <a:cxnLst/>
+          <a:rect l="0" t="0" r="0" b="0"/>
+          <a:pathLst>
+            <a:path>
+              <a:moveTo>
+                <a:pt x="0" y="20214"/>
+              </a:moveTo>
+              <a:lnTo>
+                <a:pt x="854486" y="20214"/>
+              </a:lnTo>
+            </a:path>
+          </a:pathLst>
+        </a:custGeom>
+        <a:noFill/>
+        <a:ln w="15875" cap="rnd" cmpd="sng" algn="ctr">
+          <a:solidFill>
+            <a:schemeClr val="accent1">
+              <a:shade val="60000"/>
+              <a:hueOff val="0"/>
+              <a:satOff val="0"/>
+              <a:lumOff val="0"/>
+              <a:alphaOff val="0"/>
+            </a:schemeClr>
+          </a:solidFill>
+          <a:prstDash val="solid"/>
+        </a:ln>
+        <a:effectLst/>
+      </dsp:spPr>
+      <dsp:style>
+        <a:lnRef idx="2">
+          <a:scrgbClr r="0" g="0" b="0"/>
+        </a:lnRef>
+        <a:fillRef idx="0">
+          <a:scrgbClr r="0" g="0" b="0"/>
+        </a:fillRef>
+        <a:effectRef idx="0">
+          <a:scrgbClr r="0" g="0" b="0"/>
+        </a:effectRef>
+        <a:fontRef idx="minor"/>
+      </dsp:style>
+      <dsp:txBody>
+        <a:bodyPr spcFirstLastPara="0" vert="horz" wrap="square" lIns="12700" tIns="0" rIns="12700" bIns="0" numCol="1" spcCol="1270" anchor="ctr" anchorCtr="0">
+          <a:noAutofit/>
+        </a:bodyPr>
+        <a:lstStyle/>
+        <a:p>
+          <a:pPr marL="0" lvl="0" indent="0" algn="ctr" defTabSz="1066800">
+            <a:lnSpc>
+              <a:spcPct val="90000"/>
+            </a:lnSpc>
+            <a:spcBef>
+              <a:spcPct val="0"/>
+            </a:spcBef>
+            <a:spcAft>
+              <a:spcPct val="35000"/>
+            </a:spcAft>
+            <a:buNone/>
+          </a:pPr>
+          <a:endParaRPr lang="zh-CN" altLang="en-US" sz="2400" kern="1200"/>
+        </a:p>
+      </dsp:txBody>
+      <dsp:txXfrm>
+        <a:off x="3018749" y="1660013"/>
+        <a:ext cx="42724" cy="42724"/>
+      </dsp:txXfrm>
+    </dsp:sp>
+    <dsp:sp modelId="{C37EB72D-69CF-4D8E-834C-66087DC2B55B}">
+      <dsp:nvSpPr>
+        <dsp:cNvPr id="0" name=""/>
+        <dsp:cNvSpPr/>
+      </dsp:nvSpPr>
+      <dsp:spPr>
+        <a:xfrm>
+          <a:off x="3387040" y="998361"/>
+          <a:ext cx="1734640" cy="867320"/>
+        </a:xfrm>
+        <a:prstGeom prst="roundRect">
+          <a:avLst>
+            <a:gd name="adj" fmla="val 10000"/>
+          </a:avLst>
+        </a:prstGeom>
+        <a:solidFill>
+          <a:srgbClr val="00B0F0"/>
+        </a:solidFill>
+        <a:ln w="15875" cap="rnd" cmpd="sng" algn="ctr">
+          <a:solidFill>
+            <a:schemeClr val="lt1">
+              <a:hueOff val="0"/>
+              <a:satOff val="0"/>
+              <a:lumOff val="0"/>
+              <a:alphaOff val="0"/>
+            </a:schemeClr>
+          </a:solidFill>
+          <a:prstDash val="solid"/>
+        </a:ln>
+        <a:effectLst/>
+      </dsp:spPr>
+      <dsp:style>
+        <a:lnRef idx="2">
+          <a:scrgbClr r="0" g="0" b="0"/>
+        </a:lnRef>
+        <a:fillRef idx="1">
+          <a:scrgbClr r="0" g="0" b="0"/>
+        </a:fillRef>
+        <a:effectRef idx="0">
+          <a:scrgbClr r="0" g="0" b="0"/>
+        </a:effectRef>
+        <a:fontRef idx="minor">
+          <a:schemeClr val="lt1"/>
+        </a:fontRef>
+      </dsp:style>
+      <dsp:txBody>
+        <a:bodyPr spcFirstLastPara="0" vert="horz" wrap="square" lIns="15240" tIns="15240" rIns="15240" bIns="15240" numCol="1" spcCol="1270" anchor="ctr" anchorCtr="0">
+          <a:noAutofit/>
+        </a:bodyPr>
+        <a:lstStyle/>
+        <a:p>
+          <a:pPr marL="0" lvl="0" indent="0" algn="ctr" defTabSz="1066800">
+            <a:lnSpc>
+              <a:spcPct val="90000"/>
+            </a:lnSpc>
+            <a:spcBef>
+              <a:spcPct val="0"/>
+            </a:spcBef>
+            <a:spcAft>
+              <a:spcPct val="35000"/>
+            </a:spcAft>
+            <a:buNone/>
+          </a:pPr>
+          <a:r>
+            <a:rPr lang="zh-CN" altLang="en-US" sz="2400" kern="1200" dirty="0">
+              <a:solidFill>
+                <a:schemeClr val="tx1"/>
+              </a:solidFill>
+            </a:rPr>
+            <a:t>适用问题</a:t>
+          </a:r>
+        </a:p>
+      </dsp:txBody>
+      <dsp:txXfrm>
+        <a:off x="3412443" y="1023764"/>
+        <a:ext cx="1683834" cy="816514"/>
+      </dsp:txXfrm>
+    </dsp:sp>
+    <dsp:sp modelId="{F3E47278-14AA-4133-98C0-D5C4172BA0E5}">
+      <dsp:nvSpPr>
+        <dsp:cNvPr id="0" name=""/>
+        <dsp:cNvSpPr/>
+      </dsp:nvSpPr>
+      <dsp:spPr>
+        <a:xfrm rot="2142401">
+          <a:off x="2612868" y="2159870"/>
+          <a:ext cx="854486" cy="40429"/>
+        </a:xfrm>
+        <a:custGeom>
+          <a:avLst/>
+          <a:gdLst/>
+          <a:ahLst/>
+          <a:cxnLst/>
+          <a:rect l="0" t="0" r="0" b="0"/>
+          <a:pathLst>
+            <a:path>
+              <a:moveTo>
+                <a:pt x="0" y="20214"/>
+              </a:moveTo>
+              <a:lnTo>
+                <a:pt x="854486" y="20214"/>
+              </a:lnTo>
+            </a:path>
+          </a:pathLst>
+        </a:custGeom>
+        <a:noFill/>
+        <a:ln w="15875" cap="rnd" cmpd="sng" algn="ctr">
+          <a:solidFill>
+            <a:schemeClr val="accent1">
+              <a:shade val="60000"/>
+              <a:hueOff val="0"/>
+              <a:satOff val="0"/>
+              <a:lumOff val="0"/>
+              <a:alphaOff val="0"/>
+            </a:schemeClr>
+          </a:solidFill>
+          <a:prstDash val="solid"/>
+        </a:ln>
+        <a:effectLst/>
+      </dsp:spPr>
+      <dsp:style>
+        <a:lnRef idx="2">
+          <a:scrgbClr r="0" g="0" b="0"/>
+        </a:lnRef>
+        <a:fillRef idx="0">
+          <a:scrgbClr r="0" g="0" b="0"/>
+        </a:fillRef>
+        <a:effectRef idx="0">
+          <a:scrgbClr r="0" g="0" b="0"/>
+        </a:effectRef>
+        <a:fontRef idx="minor"/>
+      </dsp:style>
+      <dsp:txBody>
+        <a:bodyPr spcFirstLastPara="0" vert="horz" wrap="square" lIns="12700" tIns="0" rIns="12700" bIns="0" numCol="1" spcCol="1270" anchor="ctr" anchorCtr="0">
+          <a:noAutofit/>
+        </a:bodyPr>
+        <a:lstStyle/>
+        <a:p>
+          <a:pPr marL="0" lvl="0" indent="0" algn="ctr" defTabSz="1066800">
+            <a:lnSpc>
+              <a:spcPct val="90000"/>
+            </a:lnSpc>
+            <a:spcBef>
+              <a:spcPct val="0"/>
+            </a:spcBef>
+            <a:spcAft>
+              <a:spcPct val="35000"/>
+            </a:spcAft>
+            <a:buNone/>
+          </a:pPr>
+          <a:endParaRPr lang="zh-CN" altLang="en-US" sz="2400" kern="1200"/>
+        </a:p>
+      </dsp:txBody>
+      <dsp:txXfrm>
+        <a:off x="3018749" y="2158722"/>
+        <a:ext cx="42724" cy="42724"/>
+      </dsp:txXfrm>
+    </dsp:sp>
+    <dsp:sp modelId="{307013C0-D7DF-4559-86A8-2C5E86CA4C6C}">
+      <dsp:nvSpPr>
+        <dsp:cNvPr id="0" name=""/>
+        <dsp:cNvSpPr/>
+      </dsp:nvSpPr>
+      <dsp:spPr>
+        <a:xfrm>
+          <a:off x="3387040" y="1995779"/>
+          <a:ext cx="1734640" cy="867320"/>
+        </a:xfrm>
+        <a:prstGeom prst="roundRect">
+          <a:avLst>
+            <a:gd name="adj" fmla="val 10000"/>
+          </a:avLst>
+        </a:prstGeom>
+        <a:solidFill>
+          <a:srgbClr val="00B0F0"/>
+        </a:solidFill>
+        <a:ln w="15875" cap="rnd" cmpd="sng" algn="ctr">
+          <a:solidFill>
+            <a:schemeClr val="lt1">
+              <a:hueOff val="0"/>
+              <a:satOff val="0"/>
+              <a:lumOff val="0"/>
+              <a:alphaOff val="0"/>
+            </a:schemeClr>
+          </a:solidFill>
+          <a:prstDash val="solid"/>
+        </a:ln>
+        <a:effectLst/>
+      </dsp:spPr>
+      <dsp:style>
+        <a:lnRef idx="2">
+          <a:scrgbClr r="0" g="0" b="0"/>
+        </a:lnRef>
+        <a:fillRef idx="1">
+          <a:scrgbClr r="0" g="0" b="0"/>
+        </a:fillRef>
+        <a:effectRef idx="0">
+          <a:scrgbClr r="0" g="0" b="0"/>
+        </a:effectRef>
+        <a:fontRef idx="minor">
+          <a:schemeClr val="lt1"/>
+        </a:fontRef>
+      </dsp:style>
+      <dsp:txBody>
+        <a:bodyPr spcFirstLastPara="0" vert="horz" wrap="square" lIns="15240" tIns="15240" rIns="15240" bIns="15240" numCol="1" spcCol="1270" anchor="ctr" anchorCtr="0">
+          <a:noAutofit/>
+        </a:bodyPr>
+        <a:lstStyle/>
+        <a:p>
+          <a:pPr marL="0" lvl="0" indent="0" algn="ctr" defTabSz="1066800">
+            <a:lnSpc>
+              <a:spcPct val="90000"/>
+            </a:lnSpc>
+            <a:spcBef>
+              <a:spcPct val="0"/>
+            </a:spcBef>
+            <a:spcAft>
+              <a:spcPct val="35000"/>
+            </a:spcAft>
+            <a:buNone/>
+          </a:pPr>
+          <a:r>
+            <a:rPr lang="zh-CN" altLang="en-US" sz="2400" kern="1200" dirty="0">
+              <a:solidFill>
+                <a:schemeClr val="tx1"/>
+              </a:solidFill>
+            </a:rPr>
+            <a:t>应用模式</a:t>
+          </a:r>
+        </a:p>
+      </dsp:txBody>
+      <dsp:txXfrm>
+        <a:off x="3412443" y="2021182"/>
+        <a:ext cx="1683834" cy="816514"/>
+      </dsp:txXfrm>
+    </dsp:sp>
+    <dsp:sp modelId="{B96B0C6D-3EA1-4DB6-8C65-D73C5C5FFFB1}">
+      <dsp:nvSpPr>
+        <dsp:cNvPr id="0" name=""/>
+        <dsp:cNvSpPr/>
+      </dsp:nvSpPr>
+      <dsp:spPr>
+        <a:xfrm rot="3907178">
+          <a:off x="2215515" y="2658579"/>
+          <a:ext cx="1649192" cy="40429"/>
+        </a:xfrm>
+        <a:custGeom>
+          <a:avLst/>
+          <a:gdLst/>
+          <a:ahLst/>
+          <a:cxnLst/>
+          <a:rect l="0" t="0" r="0" b="0"/>
+          <a:pathLst>
+            <a:path>
+              <a:moveTo>
+                <a:pt x="0" y="20214"/>
+              </a:moveTo>
+              <a:lnTo>
+                <a:pt x="1649192" y="20214"/>
+              </a:lnTo>
+            </a:path>
+          </a:pathLst>
+        </a:custGeom>
+        <a:noFill/>
+        <a:ln w="15875" cap="rnd" cmpd="sng" algn="ctr">
+          <a:solidFill>
+            <a:schemeClr val="accent1">
+              <a:shade val="60000"/>
+              <a:hueOff val="0"/>
+              <a:satOff val="0"/>
+              <a:lumOff val="0"/>
+              <a:alphaOff val="0"/>
+            </a:schemeClr>
+          </a:solidFill>
+          <a:prstDash val="solid"/>
+        </a:ln>
+        <a:effectLst/>
+      </dsp:spPr>
+      <dsp:style>
+        <a:lnRef idx="2">
+          <a:scrgbClr r="0" g="0" b="0"/>
+        </a:lnRef>
+        <a:fillRef idx="0">
+          <a:scrgbClr r="0" g="0" b="0"/>
+        </a:fillRef>
+        <a:effectRef idx="0">
+          <a:scrgbClr r="0" g="0" b="0"/>
+        </a:effectRef>
+        <a:fontRef idx="minor"/>
+      </dsp:style>
+      <dsp:txBody>
+        <a:bodyPr spcFirstLastPara="0" vert="horz" wrap="square" lIns="12700" tIns="0" rIns="12700" bIns="0" numCol="1" spcCol="1270" anchor="ctr" anchorCtr="0">
+          <a:noAutofit/>
+        </a:bodyPr>
+        <a:lstStyle/>
+        <a:p>
+          <a:pPr marL="0" lvl="0" indent="0" algn="ctr" defTabSz="1066800">
+            <a:lnSpc>
+              <a:spcPct val="90000"/>
+            </a:lnSpc>
+            <a:spcBef>
+              <a:spcPct val="0"/>
+            </a:spcBef>
+            <a:spcAft>
+              <a:spcPct val="35000"/>
+            </a:spcAft>
+            <a:buNone/>
+          </a:pPr>
+          <a:endParaRPr lang="zh-CN" altLang="en-US" sz="2400" kern="1200"/>
+        </a:p>
+      </dsp:txBody>
+      <dsp:txXfrm>
+        <a:off x="2998882" y="2637564"/>
+        <a:ext cx="82459" cy="82459"/>
+      </dsp:txXfrm>
+    </dsp:sp>
+    <dsp:sp modelId="{5A000580-2FB7-42D2-B0F0-FE73A782FCDC}">
+      <dsp:nvSpPr>
+        <dsp:cNvPr id="0" name=""/>
+        <dsp:cNvSpPr/>
+      </dsp:nvSpPr>
+      <dsp:spPr>
+        <a:xfrm>
+          <a:off x="3387040" y="2993197"/>
+          <a:ext cx="1734640" cy="867320"/>
+        </a:xfrm>
+        <a:prstGeom prst="roundRect">
+          <a:avLst>
+            <a:gd name="adj" fmla="val 10000"/>
+          </a:avLst>
+        </a:prstGeom>
+        <a:solidFill>
+          <a:srgbClr val="00B0F0"/>
+        </a:solidFill>
+        <a:ln w="15875" cap="rnd" cmpd="sng" algn="ctr">
+          <a:solidFill>
+            <a:schemeClr val="lt1">
+              <a:hueOff val="0"/>
+              <a:satOff val="0"/>
+              <a:lumOff val="0"/>
+              <a:alphaOff val="0"/>
+            </a:schemeClr>
+          </a:solidFill>
+          <a:prstDash val="solid"/>
+        </a:ln>
+        <a:effectLst/>
+      </dsp:spPr>
+      <dsp:style>
+        <a:lnRef idx="2">
+          <a:scrgbClr r="0" g="0" b="0"/>
+        </a:lnRef>
+        <a:fillRef idx="1">
+          <a:scrgbClr r="0" g="0" b="0"/>
+        </a:fillRef>
+        <a:effectRef idx="0">
+          <a:scrgbClr r="0" g="0" b="0"/>
+        </a:effectRef>
+        <a:fontRef idx="minor">
+          <a:schemeClr val="lt1"/>
+        </a:fontRef>
+      </dsp:style>
+      <dsp:txBody>
+        <a:bodyPr spcFirstLastPara="0" vert="horz" wrap="square" lIns="15240" tIns="15240" rIns="15240" bIns="15240" numCol="1" spcCol="1270" anchor="ctr" anchorCtr="0">
+          <a:noAutofit/>
+        </a:bodyPr>
+        <a:lstStyle/>
+        <a:p>
+          <a:pPr marL="0" lvl="0" indent="0" algn="ctr" defTabSz="1066800">
+            <a:lnSpc>
+              <a:spcPct val="90000"/>
+            </a:lnSpc>
+            <a:spcBef>
+              <a:spcPct val="0"/>
+            </a:spcBef>
+            <a:spcAft>
+              <a:spcPct val="35000"/>
+            </a:spcAft>
+            <a:buNone/>
+          </a:pPr>
+          <a:r>
+            <a:rPr lang="zh-CN" altLang="en-US" sz="2400" kern="1200" dirty="0">
+              <a:solidFill>
+                <a:schemeClr val="tx1"/>
+              </a:solidFill>
+            </a:rPr>
+            <a:t>示例分析</a:t>
+          </a:r>
+        </a:p>
+      </dsp:txBody>
+      <dsp:txXfrm>
+        <a:off x="3412443" y="3018600"/>
+        <a:ext cx="1683834" cy="816514"/>
+      </dsp:txXfrm>
+    </dsp:sp>
+  </dsp:spTree>
+</dsp:drawing>
+</file>
+
 <file path=ppt/diagrams/layout1.xml><?xml version="1.0" encoding="utf-8"?>
 <dgm:layoutDef xmlns:dgm="http://schemas.openxmlformats.org/drawingml/2006/diagram" xmlns:a="http://schemas.openxmlformats.org/drawingml/2006/main" uniqueId="urn:microsoft.com/office/officeart/2005/8/layout/hierarchy2">
   <dgm:title val=""/>
@@ -3250,7 +5133,1361 @@
 </dgm:layoutDef>
 </file>
 
+<file path=ppt/diagrams/layout2.xml><?xml version="1.0" encoding="utf-8"?>
+<dgm:layoutDef xmlns:dgm="http://schemas.openxmlformats.org/drawingml/2006/diagram" xmlns:a="http://schemas.openxmlformats.org/drawingml/2006/main" uniqueId="urn:microsoft.com/office/officeart/2005/8/layout/hierarchy2">
+  <dgm:title val=""/>
+  <dgm:desc val=""/>
+  <dgm:catLst>
+    <dgm:cat type="hierarchy" pri="5000"/>
+  </dgm:catLst>
+  <dgm:sampData>
+    <dgm:dataModel>
+      <dgm:ptLst>
+        <dgm:pt modelId="0" type="doc"/>
+        <dgm:pt modelId="1">
+          <dgm:prSet phldr="1"/>
+        </dgm:pt>
+        <dgm:pt modelId="2">
+          <dgm:prSet phldr="1"/>
+        </dgm:pt>
+        <dgm:pt modelId="21">
+          <dgm:prSet phldr="1"/>
+        </dgm:pt>
+        <dgm:pt modelId="22">
+          <dgm:prSet phldr="1"/>
+        </dgm:pt>
+        <dgm:pt modelId="3">
+          <dgm:prSet phldr="1"/>
+        </dgm:pt>
+        <dgm:pt modelId="31">
+          <dgm:prSet phldr="1"/>
+        </dgm:pt>
+      </dgm:ptLst>
+      <dgm:cxnLst>
+        <dgm:cxn modelId="4" srcId="0" destId="1" srcOrd="0" destOrd="0"/>
+        <dgm:cxn modelId="5" srcId="1" destId="2" srcOrd="0" destOrd="0"/>
+        <dgm:cxn modelId="6" srcId="1" destId="3" srcOrd="1" destOrd="0"/>
+        <dgm:cxn modelId="23" srcId="2" destId="21" srcOrd="0" destOrd="0"/>
+        <dgm:cxn modelId="24" srcId="2" destId="22" srcOrd="1" destOrd="0"/>
+        <dgm:cxn modelId="33" srcId="3" destId="31" srcOrd="0" destOrd="0"/>
+      </dgm:cxnLst>
+      <dgm:bg/>
+      <dgm:whole/>
+    </dgm:dataModel>
+  </dgm:sampData>
+  <dgm:styleData>
+    <dgm:dataModel>
+      <dgm:ptLst>
+        <dgm:pt modelId="0" type="doc"/>
+        <dgm:pt modelId="1"/>
+        <dgm:pt modelId="11"/>
+        <dgm:pt modelId="12"/>
+      </dgm:ptLst>
+      <dgm:cxnLst>
+        <dgm:cxn modelId="2" srcId="0" destId="1" srcOrd="0" destOrd="0"/>
+        <dgm:cxn modelId="13" srcId="1" destId="11" srcOrd="0" destOrd="0"/>
+        <dgm:cxn modelId="14" srcId="1" destId="12" srcOrd="1" destOrd="0"/>
+      </dgm:cxnLst>
+      <dgm:bg/>
+      <dgm:whole/>
+    </dgm:dataModel>
+  </dgm:styleData>
+  <dgm:clrData>
+    <dgm:dataModel>
+      <dgm:ptLst>
+        <dgm:pt modelId="0" type="doc"/>
+        <dgm:pt modelId="1"/>
+        <dgm:pt modelId="2"/>
+        <dgm:pt modelId="21"/>
+        <dgm:pt modelId="211"/>
+        <dgm:pt modelId="3"/>
+        <dgm:pt modelId="31"/>
+        <dgm:pt modelId="311"/>
+      </dgm:ptLst>
+      <dgm:cxnLst>
+        <dgm:cxn modelId="4" srcId="0" destId="1" srcOrd="0" destOrd="0"/>
+        <dgm:cxn modelId="5" srcId="1" destId="2" srcOrd="0" destOrd="0"/>
+        <dgm:cxn modelId="6" srcId="1" destId="3" srcOrd="1" destOrd="0"/>
+        <dgm:cxn modelId="23" srcId="2" destId="21" srcOrd="0" destOrd="0"/>
+        <dgm:cxn modelId="24" srcId="21" destId="211" srcOrd="0" destOrd="0"/>
+        <dgm:cxn modelId="33" srcId="3" destId="31" srcOrd="0" destOrd="0"/>
+        <dgm:cxn modelId="34" srcId="31" destId="311" srcOrd="0" destOrd="0"/>
+      </dgm:cxnLst>
+      <dgm:bg/>
+      <dgm:whole/>
+    </dgm:dataModel>
+  </dgm:clrData>
+  <dgm:layoutNode name="diagram">
+    <dgm:varLst>
+      <dgm:chPref val="1"/>
+      <dgm:dir/>
+      <dgm:animOne val="branch"/>
+      <dgm:animLvl val="lvl"/>
+      <dgm:resizeHandles val="exact"/>
+    </dgm:varLst>
+    <dgm:choose name="Name0">
+      <dgm:if name="Name1" func="var" arg="dir" op="equ" val="norm">
+        <dgm:alg type="hierChild">
+          <dgm:param type="linDir" val="fromT"/>
+          <dgm:param type="chAlign" val="l"/>
+        </dgm:alg>
+      </dgm:if>
+      <dgm:else name="Name2">
+        <dgm:alg type="hierChild">
+          <dgm:param type="linDir" val="fromT"/>
+          <dgm:param type="chAlign" val="r"/>
+        </dgm:alg>
+      </dgm:else>
+    </dgm:choose>
+    <dgm:shape xmlns:r="http://schemas.openxmlformats.org/officeDocument/2006/relationships" r:blip="">
+      <dgm:adjLst/>
+    </dgm:shape>
+    <dgm:presOf/>
+    <dgm:constrLst>
+      <dgm:constr type="h" for="des" ptType="node" refType="h"/>
+      <dgm:constr type="w" for="des" ptType="node" refType="h" refFor="des" refPtType="node" fact="2"/>
+      <dgm:constr type="sibSp" refType="h" refFor="des" refPtType="node" op="equ" fact="0.15"/>
+      <dgm:constr type="sibSp" for="des" forName="level2hierChild" refType="h" refFor="des" refPtType="node" op="equ" fact="0.15"/>
+      <dgm:constr type="sibSp" for="des" forName="level3hierChild" refType="h" refFor="des" refPtType="node" op="equ" fact="0.15"/>
+      <dgm:constr type="sp" for="des" forName="root1" refType="w" refFor="des" refPtType="node" fact="0.4"/>
+      <dgm:constr type="sp" for="des" forName="root2" refType="sp" refFor="des" refForName="root1" op="equ"/>
+      <dgm:constr type="primFontSz" for="des" ptType="node" op="equ" val="65"/>
+      <dgm:constr type="primFontSz" for="des" forName="connTx" op="equ" val="55"/>
+      <dgm:constr type="primFontSz" for="des" forName="connTx" refType="primFontSz" refFor="des" refPtType="node" op="lte" fact="0.8"/>
+    </dgm:constrLst>
+    <dgm:ruleLst/>
+    <dgm:forEach name="Name3" axis="ch">
+      <dgm:forEach name="Name4" axis="self" ptType="node">
+        <dgm:layoutNode name="root1">
+          <dgm:choose name="Name5">
+            <dgm:if name="Name6" func="var" arg="dir" op="equ" val="norm">
+              <dgm:alg type="hierRoot">
+                <dgm:param type="hierAlign" val="lCtrCh"/>
+              </dgm:alg>
+            </dgm:if>
+            <dgm:else name="Name7">
+              <dgm:alg type="hierRoot">
+                <dgm:param type="hierAlign" val="rCtrCh"/>
+              </dgm:alg>
+            </dgm:else>
+          </dgm:choose>
+          <dgm:shape xmlns:r="http://schemas.openxmlformats.org/officeDocument/2006/relationships" r:blip="">
+            <dgm:adjLst/>
+          </dgm:shape>
+          <dgm:presOf/>
+          <dgm:constrLst/>
+          <dgm:ruleLst/>
+          <dgm:layoutNode name="LevelOneTextNode" styleLbl="node0">
+            <dgm:varLst>
+              <dgm:chPref val="3"/>
+            </dgm:varLst>
+            <dgm:alg type="tx"/>
+            <dgm:shape xmlns:r="http://schemas.openxmlformats.org/officeDocument/2006/relationships" type="roundRect" r:blip="">
+              <dgm:adjLst>
+                <dgm:adj idx="1" val="0.1"/>
+              </dgm:adjLst>
+            </dgm:shape>
+            <dgm:presOf axis="self"/>
+            <dgm:constrLst>
+              <dgm:constr type="tMarg" refType="primFontSz" fact="0.05"/>
+              <dgm:constr type="bMarg" refType="primFontSz" fact="0.05"/>
+              <dgm:constr type="lMarg" refType="primFontSz" fact="0.05"/>
+              <dgm:constr type="rMarg" refType="primFontSz" fact="0.05"/>
+            </dgm:constrLst>
+            <dgm:ruleLst>
+              <dgm:rule type="primFontSz" val="5" fact="NaN" max="NaN"/>
+            </dgm:ruleLst>
+          </dgm:layoutNode>
+          <dgm:layoutNode name="level2hierChild">
+            <dgm:choose name="Name8">
+              <dgm:if name="Name9" func="var" arg="dir" op="equ" val="norm">
+                <dgm:alg type="hierChild">
+                  <dgm:param type="linDir" val="fromT"/>
+                  <dgm:param type="chAlign" val="l"/>
+                </dgm:alg>
+              </dgm:if>
+              <dgm:else name="Name10">
+                <dgm:alg type="hierChild">
+                  <dgm:param type="linDir" val="fromT"/>
+                  <dgm:param type="chAlign" val="r"/>
+                </dgm:alg>
+              </dgm:else>
+            </dgm:choose>
+            <dgm:shape xmlns:r="http://schemas.openxmlformats.org/officeDocument/2006/relationships" r:blip="">
+              <dgm:adjLst/>
+            </dgm:shape>
+            <dgm:presOf/>
+            <dgm:constrLst/>
+            <dgm:ruleLst/>
+            <dgm:forEach name="repeat" axis="ch">
+              <dgm:forEach name="Name11" axis="self" ptType="parTrans" cnt="1">
+                <dgm:layoutNode name="conn2-1">
+                  <dgm:choose name="Name12">
+                    <dgm:if name="Name13" func="var" arg="dir" op="equ" val="norm">
+                      <dgm:alg type="conn">
+                        <dgm:param type="dim" val="1D"/>
+                        <dgm:param type="begPts" val="midR"/>
+                        <dgm:param type="endPts" val="midL"/>
+                        <dgm:param type="endSty" val="noArr"/>
+                      </dgm:alg>
+                    </dgm:if>
+                    <dgm:else name="Name14">
+                      <dgm:alg type="conn">
+                        <dgm:param type="dim" val="1D"/>
+                        <dgm:param type="begPts" val="midL"/>
+                        <dgm:param type="endPts" val="midR"/>
+                        <dgm:param type="endSty" val="noArr"/>
+                      </dgm:alg>
+                    </dgm:else>
+                  </dgm:choose>
+                  <dgm:shape xmlns:r="http://schemas.openxmlformats.org/officeDocument/2006/relationships" type="conn" r:blip="">
+                    <dgm:adjLst/>
+                  </dgm:shape>
+                  <dgm:presOf axis="self"/>
+                  <dgm:constrLst>
+                    <dgm:constr type="w" val="1"/>
+                    <dgm:constr type="h" val="5"/>
+                    <dgm:constr type="connDist"/>
+                    <dgm:constr type="begPad"/>
+                    <dgm:constr type="endPad"/>
+                    <dgm:constr type="userA" for="ch" refType="connDist"/>
+                  </dgm:constrLst>
+                  <dgm:ruleLst/>
+                  <dgm:layoutNode name="connTx">
+                    <dgm:alg type="tx">
+                      <dgm:param type="autoTxRot" val="grav"/>
+                    </dgm:alg>
+                    <dgm:shape xmlns:r="http://schemas.openxmlformats.org/officeDocument/2006/relationships" type="rect" r:blip="" hideGeom="1">
+                      <dgm:adjLst/>
+                    </dgm:shape>
+                    <dgm:presOf axis="self"/>
+                    <dgm:constrLst>
+                      <dgm:constr type="userA"/>
+                      <dgm:constr type="w" refType="userA" fact="0.05"/>
+                      <dgm:constr type="h" refType="userA" fact="0.05"/>
+                      <dgm:constr type="lMarg" val="1"/>
+                      <dgm:constr type="rMarg" val="1"/>
+                      <dgm:constr type="tMarg"/>
+                      <dgm:constr type="bMarg"/>
+                    </dgm:constrLst>
+                    <dgm:ruleLst>
+                      <dgm:rule type="h" val="NaN" fact="0.25" max="NaN"/>
+                      <dgm:rule type="w" val="NaN" fact="0.8" max="NaN"/>
+                      <dgm:rule type="primFontSz" val="5" fact="NaN" max="NaN"/>
+                    </dgm:ruleLst>
+                  </dgm:layoutNode>
+                </dgm:layoutNode>
+              </dgm:forEach>
+              <dgm:forEach name="Name15" axis="self" ptType="node">
+                <dgm:layoutNode name="root2">
+                  <dgm:choose name="Name16">
+                    <dgm:if name="Name17" func="var" arg="dir" op="equ" val="norm">
+                      <dgm:alg type="hierRoot">
+                        <dgm:param type="hierAlign" val="lCtrCh"/>
+                      </dgm:alg>
+                    </dgm:if>
+                    <dgm:else name="Name18">
+                      <dgm:alg type="hierRoot">
+                        <dgm:param type="hierAlign" val="rCtrCh"/>
+                      </dgm:alg>
+                    </dgm:else>
+                  </dgm:choose>
+                  <dgm:shape xmlns:r="http://schemas.openxmlformats.org/officeDocument/2006/relationships" r:blip="">
+                    <dgm:adjLst/>
+                  </dgm:shape>
+                  <dgm:presOf/>
+                  <dgm:constrLst/>
+                  <dgm:ruleLst/>
+                  <dgm:layoutNode name="LevelTwoTextNode">
+                    <dgm:varLst>
+                      <dgm:chPref val="3"/>
+                    </dgm:varLst>
+                    <dgm:alg type="tx"/>
+                    <dgm:shape xmlns:r="http://schemas.openxmlformats.org/officeDocument/2006/relationships" type="roundRect" r:blip="">
+                      <dgm:adjLst>
+                        <dgm:adj idx="1" val="0.1"/>
+                      </dgm:adjLst>
+                    </dgm:shape>
+                    <dgm:presOf axis="self"/>
+                    <dgm:constrLst>
+                      <dgm:constr type="tMarg" refType="primFontSz" fact="0.05"/>
+                      <dgm:constr type="bMarg" refType="primFontSz" fact="0.05"/>
+                      <dgm:constr type="lMarg" refType="primFontSz" fact="0.05"/>
+                      <dgm:constr type="rMarg" refType="primFontSz" fact="0.05"/>
+                    </dgm:constrLst>
+                    <dgm:ruleLst>
+                      <dgm:rule type="primFontSz" val="5" fact="NaN" max="NaN"/>
+                    </dgm:ruleLst>
+                  </dgm:layoutNode>
+                  <dgm:layoutNode name="level3hierChild">
+                    <dgm:choose name="Name19">
+                      <dgm:if name="Name20" func="var" arg="dir" op="equ" val="norm">
+                        <dgm:alg type="hierChild">
+                          <dgm:param type="linDir" val="fromT"/>
+                          <dgm:param type="chAlign" val="l"/>
+                        </dgm:alg>
+                      </dgm:if>
+                      <dgm:else name="Name21">
+                        <dgm:alg type="hierChild">
+                          <dgm:param type="linDir" val="fromT"/>
+                          <dgm:param type="chAlign" val="r"/>
+                        </dgm:alg>
+                      </dgm:else>
+                    </dgm:choose>
+                    <dgm:shape xmlns:r="http://schemas.openxmlformats.org/officeDocument/2006/relationships" r:blip="">
+                      <dgm:adjLst/>
+                    </dgm:shape>
+                    <dgm:presOf/>
+                    <dgm:constrLst/>
+                    <dgm:ruleLst/>
+                    <dgm:forEach name="Name22" ref="repeat"/>
+                  </dgm:layoutNode>
+                </dgm:layoutNode>
+              </dgm:forEach>
+            </dgm:forEach>
+          </dgm:layoutNode>
+        </dgm:layoutNode>
+      </dgm:forEach>
+    </dgm:forEach>
+  </dgm:layoutNode>
+</dgm:layoutDef>
+</file>
+
 <file path=ppt/diagrams/quickStyle1.xml><?xml version="1.0" encoding="utf-8"?>
+<dgm:styleDef xmlns:dgm="http://schemas.openxmlformats.org/drawingml/2006/diagram" xmlns:a="http://schemas.openxmlformats.org/drawingml/2006/main" uniqueId="urn:microsoft.com/office/officeart/2005/8/quickstyle/simple1">
+  <dgm:title val=""/>
+  <dgm:desc val=""/>
+  <dgm:catLst>
+    <dgm:cat type="simple" pri="10100"/>
+  </dgm:catLst>
+  <dgm:scene3d>
+    <a:camera prst="orthographicFront"/>
+    <a:lightRig rig="threePt" dir="t"/>
+  </dgm:scene3d>
+  <dgm:styleLbl name="node0">
+    <dgm:scene3d>
+      <a:camera prst="orthographicFront"/>
+      <a:lightRig rig="threePt" dir="t"/>
+    </dgm:scene3d>
+    <dgm:sp3d/>
+    <dgm:txPr/>
+    <dgm:style>
+      <a:lnRef idx="2">
+        <a:scrgbClr r="0" g="0" b="0"/>
+      </a:lnRef>
+      <a:fillRef idx="1">
+        <a:scrgbClr r="0" g="0" b="0"/>
+      </a:fillRef>
+      <a:effectRef idx="0">
+        <a:scrgbClr r="0" g="0" b="0"/>
+      </a:effectRef>
+      <a:fontRef idx="minor">
+        <a:schemeClr val="lt1"/>
+      </a:fontRef>
+    </dgm:style>
+  </dgm:styleLbl>
+  <dgm:styleLbl name="lnNode1">
+    <dgm:scene3d>
+      <a:camera prst="orthographicFront"/>
+      <a:lightRig rig="threePt" dir="t"/>
+    </dgm:scene3d>
+    <dgm:sp3d/>
+    <dgm:txPr/>
+    <dgm:style>
+      <a:lnRef idx="2">
+        <a:scrgbClr r="0" g="0" b="0"/>
+      </a:lnRef>
+      <a:fillRef idx="1">
+        <a:scrgbClr r="0" g="0" b="0"/>
+      </a:fillRef>
+      <a:effectRef idx="0">
+        <a:scrgbClr r="0" g="0" b="0"/>
+      </a:effectRef>
+      <a:fontRef idx="minor">
+        <a:schemeClr val="lt1"/>
+      </a:fontRef>
+    </dgm:style>
+  </dgm:styleLbl>
+  <dgm:styleLbl name="vennNode1">
+    <dgm:scene3d>
+      <a:camera prst="orthographicFront"/>
+      <a:lightRig rig="threePt" dir="t"/>
+    </dgm:scene3d>
+    <dgm:sp3d/>
+    <dgm:txPr/>
+    <dgm:style>
+      <a:lnRef idx="2">
+        <a:scrgbClr r="0" g="0" b="0"/>
+      </a:lnRef>
+      <a:fillRef idx="1">
+        <a:scrgbClr r="0" g="0" b="0"/>
+      </a:fillRef>
+      <a:effectRef idx="0">
+        <a:scrgbClr r="0" g="0" b="0"/>
+      </a:effectRef>
+      <a:fontRef idx="minor">
+        <a:schemeClr val="tx1"/>
+      </a:fontRef>
+    </dgm:style>
+  </dgm:styleLbl>
+  <dgm:styleLbl name="alignNode1">
+    <dgm:scene3d>
+      <a:camera prst="orthographicFront"/>
+      <a:lightRig rig="threePt" dir="t"/>
+    </dgm:scene3d>
+    <dgm:sp3d/>
+    <dgm:txPr/>
+    <dgm:style>
+      <a:lnRef idx="2">
+        <a:scrgbClr r="0" g="0" b="0"/>
+      </a:lnRef>
+      <a:fillRef idx="1">
+        <a:scrgbClr r="0" g="0" b="0"/>
+      </a:fillRef>
+      <a:effectRef idx="0">
+        <a:scrgbClr r="0" g="0" b="0"/>
+      </a:effectRef>
+      <a:fontRef idx="minor">
+        <a:schemeClr val="lt1"/>
+      </a:fontRef>
+    </dgm:style>
+  </dgm:styleLbl>
+  <dgm:styleLbl name="node1">
+    <dgm:scene3d>
+      <a:camera prst="orthographicFront"/>
+      <a:lightRig rig="threePt" dir="t"/>
+    </dgm:scene3d>
+    <dgm:sp3d/>
+    <dgm:txPr/>
+    <dgm:style>
+      <a:lnRef idx="2">
+        <a:scrgbClr r="0" g="0" b="0"/>
+      </a:lnRef>
+      <a:fillRef idx="1">
+        <a:scrgbClr r="0" g="0" b="0"/>
+      </a:fillRef>
+      <a:effectRef idx="0">
+        <a:scrgbClr r="0" g="0" b="0"/>
+      </a:effectRef>
+      <a:fontRef idx="minor">
+        <a:schemeClr val="lt1"/>
+      </a:fontRef>
+    </dgm:style>
+  </dgm:styleLbl>
+  <dgm:styleLbl name="node2">
+    <dgm:scene3d>
+      <a:camera prst="orthographicFront"/>
+      <a:lightRig rig="threePt" dir="t"/>
+    </dgm:scene3d>
+    <dgm:sp3d/>
+    <dgm:txPr/>
+    <dgm:style>
+      <a:lnRef idx="2">
+        <a:scrgbClr r="0" g="0" b="0"/>
+      </a:lnRef>
+      <a:fillRef idx="1">
+        <a:scrgbClr r="0" g="0" b="0"/>
+      </a:fillRef>
+      <a:effectRef idx="0">
+        <a:scrgbClr r="0" g="0" b="0"/>
+      </a:effectRef>
+      <a:fontRef idx="minor">
+        <a:schemeClr val="lt1"/>
+      </a:fontRef>
+    </dgm:style>
+  </dgm:styleLbl>
+  <dgm:styleLbl name="node3">
+    <dgm:scene3d>
+      <a:camera prst="orthographicFront"/>
+      <a:lightRig rig="threePt" dir="t"/>
+    </dgm:scene3d>
+    <dgm:sp3d/>
+    <dgm:txPr/>
+    <dgm:style>
+      <a:lnRef idx="2">
+        <a:scrgbClr r="0" g="0" b="0"/>
+      </a:lnRef>
+      <a:fillRef idx="1">
+        <a:scrgbClr r="0" g="0" b="0"/>
+      </a:fillRef>
+      <a:effectRef idx="0">
+        <a:scrgbClr r="0" g="0" b="0"/>
+      </a:effectRef>
+      <a:fontRef idx="minor">
+        <a:schemeClr val="lt1"/>
+      </a:fontRef>
+    </dgm:style>
+  </dgm:styleLbl>
+  <dgm:styleLbl name="node4">
+    <dgm:scene3d>
+      <a:camera prst="orthographicFront"/>
+      <a:lightRig rig="threePt" dir="t"/>
+    </dgm:scene3d>
+    <dgm:sp3d/>
+    <dgm:txPr/>
+    <dgm:style>
+      <a:lnRef idx="2">
+        <a:scrgbClr r="0" g="0" b="0"/>
+      </a:lnRef>
+      <a:fillRef idx="1">
+        <a:scrgbClr r="0" g="0" b="0"/>
+      </a:fillRef>
+      <a:effectRef idx="0">
+        <a:scrgbClr r="0" g="0" b="0"/>
+      </a:effectRef>
+      <a:fontRef idx="minor">
+        <a:schemeClr val="lt1"/>
+      </a:fontRef>
+    </dgm:style>
+  </dgm:styleLbl>
+  <dgm:styleLbl name="fgImgPlace1">
+    <dgm:scene3d>
+      <a:camera prst="orthographicFront"/>
+      <a:lightRig rig="threePt" dir="t"/>
+    </dgm:scene3d>
+    <dgm:sp3d/>
+    <dgm:txPr/>
+    <dgm:style>
+      <a:lnRef idx="2">
+        <a:scrgbClr r="0" g="0" b="0"/>
+      </a:lnRef>
+      <a:fillRef idx="1">
+        <a:scrgbClr r="0" g="0" b="0"/>
+      </a:fillRef>
+      <a:effectRef idx="0">
+        <a:scrgbClr r="0" g="0" b="0"/>
+      </a:effectRef>
+      <a:fontRef idx="minor"/>
+    </dgm:style>
+  </dgm:styleLbl>
+  <dgm:styleLbl name="alignImgPlace1">
+    <dgm:scene3d>
+      <a:camera prst="orthographicFront"/>
+      <a:lightRig rig="threePt" dir="t"/>
+    </dgm:scene3d>
+    <dgm:sp3d/>
+    <dgm:txPr/>
+    <dgm:style>
+      <a:lnRef idx="2">
+        <a:scrgbClr r="0" g="0" b="0"/>
+      </a:lnRef>
+      <a:fillRef idx="1">
+        <a:scrgbClr r="0" g="0" b="0"/>
+      </a:fillRef>
+      <a:effectRef idx="0">
+        <a:scrgbClr r="0" g="0" b="0"/>
+      </a:effectRef>
+      <a:fontRef idx="minor"/>
+    </dgm:style>
+  </dgm:styleLbl>
+  <dgm:styleLbl name="bgImgPlace1">
+    <dgm:scene3d>
+      <a:camera prst="orthographicFront"/>
+      <a:lightRig rig="threePt" dir="t"/>
+    </dgm:scene3d>
+    <dgm:sp3d/>
+    <dgm:txPr/>
+    <dgm:style>
+      <a:lnRef idx="2">
+        <a:scrgbClr r="0" g="0" b="0"/>
+      </a:lnRef>
+      <a:fillRef idx="1">
+        <a:scrgbClr r="0" g="0" b="0"/>
+      </a:fillRef>
+      <a:effectRef idx="0">
+        <a:scrgbClr r="0" g="0" b="0"/>
+      </a:effectRef>
+      <a:fontRef idx="minor"/>
+    </dgm:style>
+  </dgm:styleLbl>
+  <dgm:styleLbl name="sibTrans2D1">
+    <dgm:scene3d>
+      <a:camera prst="orthographicFront"/>
+      <a:lightRig rig="threePt" dir="t"/>
+    </dgm:scene3d>
+    <dgm:sp3d/>
+    <dgm:txPr/>
+    <dgm:style>
+      <a:lnRef idx="0">
+        <a:scrgbClr r="0" g="0" b="0"/>
+      </a:lnRef>
+      <a:fillRef idx="1">
+        <a:scrgbClr r="0" g="0" b="0"/>
+      </a:fillRef>
+      <a:effectRef idx="0">
+        <a:scrgbClr r="0" g="0" b="0"/>
+      </a:effectRef>
+      <a:fontRef idx="minor">
+        <a:schemeClr val="lt1"/>
+      </a:fontRef>
+    </dgm:style>
+  </dgm:styleLbl>
+  <dgm:styleLbl name="fgSibTrans2D1">
+    <dgm:scene3d>
+      <a:camera prst="orthographicFront"/>
+      <a:lightRig rig="threePt" dir="t"/>
+    </dgm:scene3d>
+    <dgm:sp3d/>
+    <dgm:txPr/>
+    <dgm:style>
+      <a:lnRef idx="0">
+        <a:scrgbClr r="0" g="0" b="0"/>
+      </a:lnRef>
+      <a:fillRef idx="1">
+        <a:scrgbClr r="0" g="0" b="0"/>
+      </a:fillRef>
+      <a:effectRef idx="0">
+        <a:scrgbClr r="0" g="0" b="0"/>
+      </a:effectRef>
+      <a:fontRef idx="minor">
+        <a:schemeClr val="lt1"/>
+      </a:fontRef>
+    </dgm:style>
+  </dgm:styleLbl>
+  <dgm:styleLbl name="bgSibTrans2D1">
+    <dgm:scene3d>
+      <a:camera prst="orthographicFront"/>
+      <a:lightRig rig="threePt" dir="t"/>
+    </dgm:scene3d>
+    <dgm:sp3d/>
+    <dgm:txPr/>
+    <dgm:style>
+      <a:lnRef idx="0">
+        <a:scrgbClr r="0" g="0" b="0"/>
+      </a:lnRef>
+      <a:fillRef idx="1">
+        <a:scrgbClr r="0" g="0" b="0"/>
+      </a:fillRef>
+      <a:effectRef idx="0">
+        <a:scrgbClr r="0" g="0" b="0"/>
+      </a:effectRef>
+      <a:fontRef idx="minor">
+        <a:schemeClr val="lt1"/>
+      </a:fontRef>
+    </dgm:style>
+  </dgm:styleLbl>
+  <dgm:styleLbl name="sibTrans1D1">
+    <dgm:scene3d>
+      <a:camera prst="orthographicFront"/>
+      <a:lightRig rig="threePt" dir="t"/>
+    </dgm:scene3d>
+    <dgm:sp3d/>
+    <dgm:txPr/>
+    <dgm:style>
+      <a:lnRef idx="1">
+        <a:scrgbClr r="0" g="0" b="0"/>
+      </a:lnRef>
+      <a:fillRef idx="0">
+        <a:scrgbClr r="0" g="0" b="0"/>
+      </a:fillRef>
+      <a:effectRef idx="0">
+        <a:scrgbClr r="0" g="0" b="0"/>
+      </a:effectRef>
+      <a:fontRef idx="minor"/>
+    </dgm:style>
+  </dgm:styleLbl>
+  <dgm:styleLbl name="callout">
+    <dgm:scene3d>
+      <a:camera prst="orthographicFront"/>
+      <a:lightRig rig="threePt" dir="t"/>
+    </dgm:scene3d>
+    <dgm:sp3d/>
+    <dgm:txPr/>
+    <dgm:style>
+      <a:lnRef idx="2">
+        <a:scrgbClr r="0" g="0" b="0"/>
+      </a:lnRef>
+      <a:fillRef idx="1">
+        <a:scrgbClr r="0" g="0" b="0"/>
+      </a:fillRef>
+      <a:effectRef idx="0">
+        <a:scrgbClr r="0" g="0" b="0"/>
+      </a:effectRef>
+      <a:fontRef idx="minor"/>
+    </dgm:style>
+  </dgm:styleLbl>
+  <dgm:styleLbl name="asst0">
+    <dgm:scene3d>
+      <a:camera prst="orthographicFront"/>
+      <a:lightRig rig="threePt" dir="t"/>
+    </dgm:scene3d>
+    <dgm:sp3d/>
+    <dgm:txPr/>
+    <dgm:style>
+      <a:lnRef idx="2">
+        <a:scrgbClr r="0" g="0" b="0"/>
+      </a:lnRef>
+      <a:fillRef idx="1">
+        <a:scrgbClr r="0" g="0" b="0"/>
+      </a:fillRef>
+      <a:effectRef idx="0">
+        <a:scrgbClr r="0" g="0" b="0"/>
+      </a:effectRef>
+      <a:fontRef idx="minor">
+        <a:schemeClr val="lt1"/>
+      </a:fontRef>
+    </dgm:style>
+  </dgm:styleLbl>
+  <dgm:styleLbl name="asst1">
+    <dgm:scene3d>
+      <a:camera prst="orthographicFront"/>
+      <a:lightRig rig="threePt" dir="t"/>
+    </dgm:scene3d>
+    <dgm:sp3d/>
+    <dgm:txPr/>
+    <dgm:style>
+      <a:lnRef idx="2">
+        <a:scrgbClr r="0" g="0" b="0"/>
+      </a:lnRef>
+      <a:fillRef idx="1">
+        <a:scrgbClr r="0" g="0" b="0"/>
+      </a:fillRef>
+      <a:effectRef idx="0">
+        <a:scrgbClr r="0" g="0" b="0"/>
+      </a:effectRef>
+      <a:fontRef idx="minor">
+        <a:schemeClr val="lt1"/>
+      </a:fontRef>
+    </dgm:style>
+  </dgm:styleLbl>
+  <dgm:styleLbl name="asst2">
+    <dgm:scene3d>
+      <a:camera prst="orthographicFront"/>
+      <a:lightRig rig="threePt" dir="t"/>
+    </dgm:scene3d>
+    <dgm:sp3d/>
+    <dgm:txPr/>
+    <dgm:style>
+      <a:lnRef idx="2">
+        <a:scrgbClr r="0" g="0" b="0"/>
+      </a:lnRef>
+      <a:fillRef idx="1">
+        <a:scrgbClr r="0" g="0" b="0"/>
+      </a:fillRef>
+      <a:effectRef idx="0">
+        <a:scrgbClr r="0" g="0" b="0"/>
+      </a:effectRef>
+      <a:fontRef idx="minor">
+        <a:schemeClr val="lt1"/>
+      </a:fontRef>
+    </dgm:style>
+  </dgm:styleLbl>
+  <dgm:styleLbl name="asst3">
+    <dgm:scene3d>
+      <a:camera prst="orthographicFront"/>
+      <a:lightRig rig="threePt" dir="t"/>
+    </dgm:scene3d>
+    <dgm:sp3d/>
+    <dgm:txPr/>
+    <dgm:style>
+      <a:lnRef idx="2">
+        <a:scrgbClr r="0" g="0" b="0"/>
+      </a:lnRef>
+      <a:fillRef idx="1">
+        <a:scrgbClr r="0" g="0" b="0"/>
+      </a:fillRef>
+      <a:effectRef idx="0">
+        <a:scrgbClr r="0" g="0" b="0"/>
+      </a:effectRef>
+      <a:fontRef idx="minor">
+        <a:schemeClr val="lt1"/>
+      </a:fontRef>
+    </dgm:style>
+  </dgm:styleLbl>
+  <dgm:styleLbl name="asst4">
+    <dgm:scene3d>
+      <a:camera prst="orthographicFront"/>
+      <a:lightRig rig="threePt" dir="t"/>
+    </dgm:scene3d>
+    <dgm:sp3d/>
+    <dgm:txPr/>
+    <dgm:style>
+      <a:lnRef idx="2">
+        <a:scrgbClr r="0" g="0" b="0"/>
+      </a:lnRef>
+      <a:fillRef idx="1">
+        <a:scrgbClr r="0" g="0" b="0"/>
+      </a:fillRef>
+      <a:effectRef idx="0">
+        <a:scrgbClr r="0" g="0" b="0"/>
+      </a:effectRef>
+      <a:fontRef idx="minor">
+        <a:schemeClr val="lt1"/>
+      </a:fontRef>
+    </dgm:style>
+  </dgm:styleLbl>
+  <dgm:styleLbl name="parChTrans2D1">
+    <dgm:scene3d>
+      <a:camera prst="orthographicFront"/>
+      <a:lightRig rig="threePt" dir="t"/>
+    </dgm:scene3d>
+    <dgm:sp3d/>
+    <dgm:txPr/>
+    <dgm:style>
+      <a:lnRef idx="2">
+        <a:scrgbClr r="0" g="0" b="0"/>
+      </a:lnRef>
+      <a:fillRef idx="1">
+        <a:scrgbClr r="0" g="0" b="0"/>
+      </a:fillRef>
+      <a:effectRef idx="0">
+        <a:scrgbClr r="0" g="0" b="0"/>
+      </a:effectRef>
+      <a:fontRef idx="minor">
+        <a:schemeClr val="lt1"/>
+      </a:fontRef>
+    </dgm:style>
+  </dgm:styleLbl>
+  <dgm:styleLbl name="parChTrans2D2">
+    <dgm:scene3d>
+      <a:camera prst="orthographicFront"/>
+      <a:lightRig rig="threePt" dir="t"/>
+    </dgm:scene3d>
+    <dgm:sp3d/>
+    <dgm:txPr/>
+    <dgm:style>
+      <a:lnRef idx="2">
+        <a:scrgbClr r="0" g="0" b="0"/>
+      </a:lnRef>
+      <a:fillRef idx="1">
+        <a:scrgbClr r="0" g="0" b="0"/>
+      </a:fillRef>
+      <a:effectRef idx="0">
+        <a:scrgbClr r="0" g="0" b="0"/>
+      </a:effectRef>
+      <a:fontRef idx="minor">
+        <a:schemeClr val="lt1"/>
+      </a:fontRef>
+    </dgm:style>
+  </dgm:styleLbl>
+  <dgm:styleLbl name="parChTrans2D3">
+    <dgm:scene3d>
+      <a:camera prst="orthographicFront"/>
+      <a:lightRig rig="threePt" dir="t"/>
+    </dgm:scene3d>
+    <dgm:sp3d/>
+    <dgm:txPr/>
+    <dgm:style>
+      <a:lnRef idx="2">
+        <a:scrgbClr r="0" g="0" b="0"/>
+      </a:lnRef>
+      <a:fillRef idx="1">
+        <a:scrgbClr r="0" g="0" b="0"/>
+      </a:fillRef>
+      <a:effectRef idx="0">
+        <a:scrgbClr r="0" g="0" b="0"/>
+      </a:effectRef>
+      <a:fontRef idx="minor">
+        <a:schemeClr val="lt1"/>
+      </a:fontRef>
+    </dgm:style>
+  </dgm:styleLbl>
+  <dgm:styleLbl name="parChTrans2D4">
+    <dgm:scene3d>
+      <a:camera prst="orthographicFront"/>
+      <a:lightRig rig="threePt" dir="t"/>
+    </dgm:scene3d>
+    <dgm:sp3d/>
+    <dgm:txPr/>
+    <dgm:style>
+      <a:lnRef idx="2">
+        <a:scrgbClr r="0" g="0" b="0"/>
+      </a:lnRef>
+      <a:fillRef idx="1">
+        <a:scrgbClr r="0" g="0" b="0"/>
+      </a:fillRef>
+      <a:effectRef idx="0">
+        <a:scrgbClr r="0" g="0" b="0"/>
+      </a:effectRef>
+      <a:fontRef idx="minor">
+        <a:schemeClr val="lt1"/>
+      </a:fontRef>
+    </dgm:style>
+  </dgm:styleLbl>
+  <dgm:styleLbl name="parChTrans1D1">
+    <dgm:scene3d>
+      <a:camera prst="orthographicFront"/>
+      <a:lightRig rig="threePt" dir="t"/>
+    </dgm:scene3d>
+    <dgm:sp3d/>
+    <dgm:txPr/>
+    <dgm:style>
+      <a:lnRef idx="2">
+        <a:scrgbClr r="0" g="0" b="0"/>
+      </a:lnRef>
+      <a:fillRef idx="0">
+        <a:scrgbClr r="0" g="0" b="0"/>
+      </a:fillRef>
+      <a:effectRef idx="0">
+        <a:scrgbClr r="0" g="0" b="0"/>
+      </a:effectRef>
+      <a:fontRef idx="minor"/>
+    </dgm:style>
+  </dgm:styleLbl>
+  <dgm:styleLbl name="parChTrans1D2">
+    <dgm:scene3d>
+      <a:camera prst="orthographicFront"/>
+      <a:lightRig rig="threePt" dir="t"/>
+    </dgm:scene3d>
+    <dgm:sp3d/>
+    <dgm:txPr/>
+    <dgm:style>
+      <a:lnRef idx="2">
+        <a:scrgbClr r="0" g="0" b="0"/>
+      </a:lnRef>
+      <a:fillRef idx="0">
+        <a:scrgbClr r="0" g="0" b="0"/>
+      </a:fillRef>
+      <a:effectRef idx="0">
+        <a:scrgbClr r="0" g="0" b="0"/>
+      </a:effectRef>
+      <a:fontRef idx="minor"/>
+    </dgm:style>
+  </dgm:styleLbl>
+  <dgm:styleLbl name="parChTrans1D3">
+    <dgm:scene3d>
+      <a:camera prst="orthographicFront"/>
+      <a:lightRig rig="threePt" dir="t"/>
+    </dgm:scene3d>
+    <dgm:sp3d/>
+    <dgm:txPr/>
+    <dgm:style>
+      <a:lnRef idx="2">
+        <a:scrgbClr r="0" g="0" b="0"/>
+      </a:lnRef>
+      <a:fillRef idx="0">
+        <a:scrgbClr r="0" g="0" b="0"/>
+      </a:fillRef>
+      <a:effectRef idx="0">
+        <a:scrgbClr r="0" g="0" b="0"/>
+      </a:effectRef>
+      <a:fontRef idx="minor"/>
+    </dgm:style>
+  </dgm:styleLbl>
+  <dgm:styleLbl name="parChTrans1D4">
+    <dgm:scene3d>
+      <a:camera prst="orthographicFront"/>
+      <a:lightRig rig="threePt" dir="t"/>
+    </dgm:scene3d>
+    <dgm:sp3d/>
+    <dgm:txPr/>
+    <dgm:style>
+      <a:lnRef idx="2">
+        <a:scrgbClr r="0" g="0" b="0"/>
+      </a:lnRef>
+      <a:fillRef idx="0">
+        <a:scrgbClr r="0" g="0" b="0"/>
+      </a:fillRef>
+      <a:effectRef idx="0">
+        <a:scrgbClr r="0" g="0" b="0"/>
+      </a:effectRef>
+      <a:fontRef idx="minor"/>
+    </dgm:style>
+  </dgm:styleLbl>
+  <dgm:styleLbl name="fgAcc1">
+    <dgm:scene3d>
+      <a:camera prst="orthographicFront"/>
+      <a:lightRig rig="threePt" dir="t"/>
+    </dgm:scene3d>
+    <dgm:sp3d/>
+    <dgm:txPr/>
+    <dgm:style>
+      <a:lnRef idx="2">
+        <a:scrgbClr r="0" g="0" b="0"/>
+      </a:lnRef>
+      <a:fillRef idx="1">
+        <a:scrgbClr r="0" g="0" b="0"/>
+      </a:fillRef>
+      <a:effectRef idx="0">
+        <a:scrgbClr r="0" g="0" b="0"/>
+      </a:effectRef>
+      <a:fontRef idx="minor"/>
+    </dgm:style>
+  </dgm:styleLbl>
+  <dgm:styleLbl name="conFgAcc1">
+    <dgm:scene3d>
+      <a:camera prst="orthographicFront"/>
+      <a:lightRig rig="threePt" dir="t"/>
+    </dgm:scene3d>
+    <dgm:sp3d/>
+    <dgm:txPr/>
+    <dgm:style>
+      <a:lnRef idx="2">
+        <a:scrgbClr r="0" g="0" b="0"/>
+      </a:lnRef>
+      <a:fillRef idx="1">
+        <a:scrgbClr r="0" g="0" b="0"/>
+      </a:fillRef>
+      <a:effectRef idx="0">
+        <a:scrgbClr r="0" g="0" b="0"/>
+      </a:effectRef>
+      <a:fontRef idx="minor"/>
+    </dgm:style>
+  </dgm:styleLbl>
+  <dgm:styleLbl name="alignAcc1">
+    <dgm:scene3d>
+      <a:camera prst="orthographicFront"/>
+      <a:lightRig rig="threePt" dir="t"/>
+    </dgm:scene3d>
+    <dgm:sp3d/>
+    <dgm:txPr/>
+    <dgm:style>
+      <a:lnRef idx="2">
+        <a:scrgbClr r="0" g="0" b="0"/>
+      </a:lnRef>
+      <a:fillRef idx="1">
+        <a:scrgbClr r="0" g="0" b="0"/>
+      </a:fillRef>
+      <a:effectRef idx="0">
+        <a:scrgbClr r="0" g="0" b="0"/>
+      </a:effectRef>
+      <a:fontRef idx="minor"/>
+    </dgm:style>
+  </dgm:styleLbl>
+  <dgm:styleLbl name="trAlignAcc1">
+    <dgm:scene3d>
+      <a:camera prst="orthographicFront"/>
+      <a:lightRig rig="threePt" dir="t"/>
+    </dgm:scene3d>
+    <dgm:sp3d/>
+    <dgm:txPr/>
+    <dgm:style>
+      <a:lnRef idx="1">
+        <a:scrgbClr r="0" g="0" b="0"/>
+      </a:lnRef>
+      <a:fillRef idx="1">
+        <a:scrgbClr r="0" g="0" b="0"/>
+      </a:fillRef>
+      <a:effectRef idx="0">
+        <a:scrgbClr r="0" g="0" b="0"/>
+      </a:effectRef>
+      <a:fontRef idx="minor"/>
+    </dgm:style>
+  </dgm:styleLbl>
+  <dgm:styleLbl name="bgAcc1">
+    <dgm:scene3d>
+      <a:camera prst="orthographicFront"/>
+      <a:lightRig rig="threePt" dir="t"/>
+    </dgm:scene3d>
+    <dgm:sp3d/>
+    <dgm:txPr/>
+    <dgm:style>
+      <a:lnRef idx="2">
+        <a:scrgbClr r="0" g="0" b="0"/>
+      </a:lnRef>
+      <a:fillRef idx="1">
+        <a:scrgbClr r="0" g="0" b="0"/>
+      </a:fillRef>
+      <a:effectRef idx="0">
+        <a:scrgbClr r="0" g="0" b="0"/>
+      </a:effectRef>
+      <a:fontRef idx="minor"/>
+    </dgm:style>
+  </dgm:styleLbl>
+  <dgm:styleLbl name="solidFgAcc1">
+    <dgm:scene3d>
+      <a:camera prst="orthographicFront"/>
+      <a:lightRig rig="threePt" dir="t"/>
+    </dgm:scene3d>
+    <dgm:sp3d/>
+    <dgm:txPr/>
+    <dgm:style>
+      <a:lnRef idx="2">
+        <a:scrgbClr r="0" g="0" b="0"/>
+      </a:lnRef>
+      <a:fillRef idx="1">
+        <a:scrgbClr r="0" g="0" b="0"/>
+      </a:fillRef>
+      <a:effectRef idx="0">
+        <a:scrgbClr r="0" g="0" b="0"/>
+      </a:effectRef>
+      <a:fontRef idx="minor"/>
+    </dgm:style>
+  </dgm:styleLbl>
+  <dgm:styleLbl name="solidAlignAcc1">
+    <dgm:scene3d>
+      <a:camera prst="orthographicFront"/>
+      <a:lightRig rig="threePt" dir="t"/>
+    </dgm:scene3d>
+    <dgm:sp3d/>
+    <dgm:txPr/>
+    <dgm:style>
+      <a:lnRef idx="2">
+        <a:scrgbClr r="0" g="0" b="0"/>
+      </a:lnRef>
+      <a:fillRef idx="1">
+        <a:scrgbClr r="0" g="0" b="0"/>
+      </a:fillRef>
+      <a:effectRef idx="0">
+        <a:scrgbClr r="0" g="0" b="0"/>
+      </a:effectRef>
+      <a:fontRef idx="minor"/>
+    </dgm:style>
+  </dgm:styleLbl>
+  <dgm:styleLbl name="solidBgAcc1">
+    <dgm:scene3d>
+      <a:camera prst="orthographicFront"/>
+      <a:lightRig rig="threePt" dir="t"/>
+    </dgm:scene3d>
+    <dgm:sp3d/>
+    <dgm:txPr/>
+    <dgm:style>
+      <a:lnRef idx="2">
+        <a:scrgbClr r="0" g="0" b="0"/>
+      </a:lnRef>
+      <a:fillRef idx="1">
+        <a:scrgbClr r="0" g="0" b="0"/>
+      </a:fillRef>
+      <a:effectRef idx="0">
+        <a:scrgbClr r="0" g="0" b="0"/>
+      </a:effectRef>
+      <a:fontRef idx="minor"/>
+    </dgm:style>
+  </dgm:styleLbl>
+  <dgm:styleLbl name="fgAccFollowNode1">
+    <dgm:scene3d>
+      <a:camera prst="orthographicFront"/>
+      <a:lightRig rig="threePt" dir="t"/>
+    </dgm:scene3d>
+    <dgm:sp3d/>
+    <dgm:txPr/>
+    <dgm:style>
+      <a:lnRef idx="2">
+        <a:scrgbClr r="0" g="0" b="0"/>
+      </a:lnRef>
+      <a:fillRef idx="1">
+        <a:scrgbClr r="0" g="0" b="0"/>
+      </a:fillRef>
+      <a:effectRef idx="0">
+        <a:scrgbClr r="0" g="0" b="0"/>
+      </a:effectRef>
+      <a:fontRef idx="minor"/>
+    </dgm:style>
+  </dgm:styleLbl>
+  <dgm:styleLbl name="alignAccFollowNode1">
+    <dgm:scene3d>
+      <a:camera prst="orthographicFront"/>
+      <a:lightRig rig="threePt" dir="t"/>
+    </dgm:scene3d>
+    <dgm:sp3d/>
+    <dgm:txPr/>
+    <dgm:style>
+      <a:lnRef idx="2">
+        <a:scrgbClr r="0" g="0" b="0"/>
+      </a:lnRef>
+      <a:fillRef idx="1">
+        <a:scrgbClr r="0" g="0" b="0"/>
+      </a:fillRef>
+      <a:effectRef idx="0">
+        <a:scrgbClr r="0" g="0" b="0"/>
+      </a:effectRef>
+      <a:fontRef idx="minor"/>
+    </dgm:style>
+  </dgm:styleLbl>
+  <dgm:styleLbl name="bgAccFollowNode1">
+    <dgm:scene3d>
+      <a:camera prst="orthographicFront"/>
+      <a:lightRig rig="threePt" dir="t"/>
+    </dgm:scene3d>
+    <dgm:sp3d/>
+    <dgm:txPr/>
+    <dgm:style>
+      <a:lnRef idx="2">
+        <a:scrgbClr r="0" g="0" b="0"/>
+      </a:lnRef>
+      <a:fillRef idx="1">
+        <a:scrgbClr r="0" g="0" b="0"/>
+      </a:fillRef>
+      <a:effectRef idx="0">
+        <a:scrgbClr r="0" g="0" b="0"/>
+      </a:effectRef>
+      <a:fontRef idx="minor"/>
+    </dgm:style>
+  </dgm:styleLbl>
+  <dgm:styleLbl name="fgAcc0">
+    <dgm:scene3d>
+      <a:camera prst="orthographicFront"/>
+      <a:lightRig rig="threePt" dir="t"/>
+    </dgm:scene3d>
+    <dgm:sp3d/>
+    <dgm:txPr/>
+    <dgm:style>
+      <a:lnRef idx="2">
+        <a:scrgbClr r="0" g="0" b="0"/>
+      </a:lnRef>
+      <a:fillRef idx="1">
+        <a:scrgbClr r="0" g="0" b="0"/>
+      </a:fillRef>
+      <a:effectRef idx="0">
+        <a:scrgbClr r="0" g="0" b="0"/>
+      </a:effectRef>
+      <a:fontRef idx="minor"/>
+    </dgm:style>
+  </dgm:styleLbl>
+  <dgm:styleLbl name="fgAcc2">
+    <dgm:scene3d>
+      <a:camera prst="orthographicFront"/>
+      <a:lightRig rig="threePt" dir="t"/>
+    </dgm:scene3d>
+    <dgm:sp3d/>
+    <dgm:txPr/>
+    <dgm:style>
+      <a:lnRef idx="2">
+        <a:scrgbClr r="0" g="0" b="0"/>
+      </a:lnRef>
+      <a:fillRef idx="1">
+        <a:scrgbClr r="0" g="0" b="0"/>
+      </a:fillRef>
+      <a:effectRef idx="0">
+        <a:scrgbClr r="0" g="0" b="0"/>
+      </a:effectRef>
+      <a:fontRef idx="minor"/>
+    </dgm:style>
+  </dgm:styleLbl>
+  <dgm:styleLbl name="fgAcc3">
+    <dgm:scene3d>
+      <a:camera prst="orthographicFront"/>
+      <a:lightRig rig="threePt" dir="t"/>
+    </dgm:scene3d>
+    <dgm:sp3d/>
+    <dgm:txPr/>
+    <dgm:style>
+      <a:lnRef idx="2">
+        <a:scrgbClr r="0" g="0" b="0"/>
+      </a:lnRef>
+      <a:fillRef idx="1">
+        <a:scrgbClr r="0" g="0" b="0"/>
+      </a:fillRef>
+      <a:effectRef idx="0">
+        <a:scrgbClr r="0" g="0" b="0"/>
+      </a:effectRef>
+      <a:fontRef idx="minor"/>
+    </dgm:style>
+  </dgm:styleLbl>
+  <dgm:styleLbl name="fgAcc4">
+    <dgm:scene3d>
+      <a:camera prst="orthographicFront"/>
+      <a:lightRig rig="threePt" dir="t"/>
+    </dgm:scene3d>
+    <dgm:sp3d/>
+    <dgm:txPr/>
+    <dgm:style>
+      <a:lnRef idx="2">
+        <a:scrgbClr r="0" g="0" b="0"/>
+      </a:lnRef>
+      <a:fillRef idx="1">
+        <a:scrgbClr r="0" g="0" b="0"/>
+      </a:fillRef>
+      <a:effectRef idx="0">
+        <a:scrgbClr r="0" g="0" b="0"/>
+      </a:effectRef>
+      <a:fontRef idx="minor"/>
+    </dgm:style>
+  </dgm:styleLbl>
+  <dgm:styleLbl name="bgShp">
+    <dgm:scene3d>
+      <a:camera prst="orthographicFront"/>
+      <a:lightRig rig="threePt" dir="t"/>
+    </dgm:scene3d>
+    <dgm:sp3d/>
+    <dgm:txPr/>
+    <dgm:style>
+      <a:lnRef idx="0">
+        <a:scrgbClr r="0" g="0" b="0"/>
+      </a:lnRef>
+      <a:fillRef idx="1">
+        <a:scrgbClr r="0" g="0" b="0"/>
+      </a:fillRef>
+      <a:effectRef idx="0">
+        <a:scrgbClr r="0" g="0" b="0"/>
+      </a:effectRef>
+      <a:fontRef idx="minor"/>
+    </dgm:style>
+  </dgm:styleLbl>
+  <dgm:styleLbl name="dkBgShp">
+    <dgm:scene3d>
+      <a:camera prst="orthographicFront"/>
+      <a:lightRig rig="threePt" dir="t"/>
+    </dgm:scene3d>
+    <dgm:sp3d/>
+    <dgm:txPr/>
+    <dgm:style>
+      <a:lnRef idx="0">
+        <a:scrgbClr r="0" g="0" b="0"/>
+      </a:lnRef>
+      <a:fillRef idx="1">
+        <a:scrgbClr r="0" g="0" b="0"/>
+      </a:fillRef>
+      <a:effectRef idx="0">
+        <a:scrgbClr r="0" g="0" b="0"/>
+      </a:effectRef>
+      <a:fontRef idx="minor"/>
+    </dgm:style>
+  </dgm:styleLbl>
+  <dgm:styleLbl name="trBgShp">
+    <dgm:scene3d>
+      <a:camera prst="orthographicFront"/>
+      <a:lightRig rig="threePt" dir="t"/>
+    </dgm:scene3d>
+    <dgm:sp3d/>
+    <dgm:txPr/>
+    <dgm:style>
+      <a:lnRef idx="0">
+        <a:scrgbClr r="0" g="0" b="0"/>
+      </a:lnRef>
+      <a:fillRef idx="1">
+        <a:scrgbClr r="0" g="0" b="0"/>
+      </a:fillRef>
+      <a:effectRef idx="0">
+        <a:scrgbClr r="0" g="0" b="0"/>
+      </a:effectRef>
+      <a:fontRef idx="minor"/>
+    </dgm:style>
+  </dgm:styleLbl>
+  <dgm:styleLbl name="fgShp">
+    <dgm:scene3d>
+      <a:camera prst="orthographicFront"/>
+      <a:lightRig rig="threePt" dir="t"/>
+    </dgm:scene3d>
+    <dgm:sp3d/>
+    <dgm:txPr/>
+    <dgm:style>
+      <a:lnRef idx="2">
+        <a:scrgbClr r="0" g="0" b="0"/>
+      </a:lnRef>
+      <a:fillRef idx="1">
+        <a:scrgbClr r="0" g="0" b="0"/>
+      </a:fillRef>
+      <a:effectRef idx="0">
+        <a:scrgbClr r="0" g="0" b="0"/>
+      </a:effectRef>
+      <a:fontRef idx="minor"/>
+    </dgm:style>
+  </dgm:styleLbl>
+  <dgm:styleLbl name="revTx">
+    <dgm:scene3d>
+      <a:camera prst="orthographicFront"/>
+      <a:lightRig rig="threePt" dir="t"/>
+    </dgm:scene3d>
+    <dgm:sp3d/>
+    <dgm:txPr/>
+    <dgm:style>
+      <a:lnRef idx="0">
+        <a:scrgbClr r="0" g="0" b="0"/>
+      </a:lnRef>
+      <a:fillRef idx="0">
+        <a:scrgbClr r="0" g="0" b="0"/>
+      </a:fillRef>
+      <a:effectRef idx="0">
+        <a:scrgbClr r="0" g="0" b="0"/>
+      </a:effectRef>
+      <a:fontRef idx="minor"/>
+    </dgm:style>
+  </dgm:styleLbl>
+</dgm:styleDef>
+</file>
+
+<file path=ppt/diagrams/quickStyle2.xml><?xml version="1.0" encoding="utf-8"?>
 <dgm:styleDef xmlns:dgm="http://schemas.openxmlformats.org/drawingml/2006/diagram" xmlns:a="http://schemas.openxmlformats.org/drawingml/2006/main" uniqueId="urn:microsoft.com/office/officeart/2005/8/quickstyle/simple1">
   <dgm:title val=""/>
   <dgm:desc val=""/>
@@ -12823,7 +16060,7 @@
           <a:graphicData uri="http://schemas.openxmlformats.org/presentationml/2006/ole">
             <mc:AlternateContent xmlns:mc="http://schemas.openxmlformats.org/markup-compatibility/2006">
               <mc:Choice xmlns:v="urn:schemas-microsoft-com:vml" Requires="v">
-                <p:oleObj spid="_x0000_s83005" name="公式" r:id="rId3" imgW="1218960" imgH="431640" progId="Equation.3">
+                <p:oleObj spid="_x0000_s83023" name="公式" r:id="rId3" imgW="1218960" imgH="431640" progId="Equation.3">
                   <p:embed/>
                 </p:oleObj>
               </mc:Choice>
@@ -12922,7 +16159,7 @@
           <a:graphicData uri="http://schemas.openxmlformats.org/presentationml/2006/ole">
             <mc:AlternateContent xmlns:mc="http://schemas.openxmlformats.org/markup-compatibility/2006">
               <mc:Choice xmlns:v="urn:schemas-microsoft-com:vml" Requires="v">
-                <p:oleObj spid="_x0000_s83006" name="公式" r:id="rId5" imgW="787320" imgH="431640" progId="Equation.3">
+                <p:oleObj spid="_x0000_s83024" name="公式" r:id="rId5" imgW="787320" imgH="431640" progId="Equation.3">
                   <p:embed/>
                 </p:oleObj>
               </mc:Choice>
@@ -13021,7 +16258,7 @@
           <a:graphicData uri="http://schemas.openxmlformats.org/presentationml/2006/ole">
             <mc:AlternateContent xmlns:mc="http://schemas.openxmlformats.org/markup-compatibility/2006">
               <mc:Choice xmlns:v="urn:schemas-microsoft-com:vml" Requires="v">
-                <p:oleObj spid="_x0000_s83007" name="公式" r:id="rId7" imgW="1917360" imgH="431640" progId="Equation.3">
+                <p:oleObj spid="_x0000_s83025" name="公式" r:id="rId7" imgW="1917360" imgH="431640" progId="Equation.3">
                   <p:embed/>
                 </p:oleObj>
               </mc:Choice>
@@ -13120,7 +16357,7 @@
           <a:graphicData uri="http://schemas.openxmlformats.org/presentationml/2006/ole">
             <mc:AlternateContent xmlns:mc="http://schemas.openxmlformats.org/markup-compatibility/2006">
               <mc:Choice xmlns:v="urn:schemas-microsoft-com:vml" Requires="v">
-                <p:oleObj spid="_x0000_s83008" name="公式" r:id="rId9" imgW="1346040" imgH="431640" progId="Equation.3">
+                <p:oleObj spid="_x0000_s83026" name="公式" r:id="rId9" imgW="1346040" imgH="431640" progId="Equation.3">
                   <p:embed/>
                 </p:oleObj>
               </mc:Choice>
@@ -13219,7 +16456,7 @@
           <a:graphicData uri="http://schemas.openxmlformats.org/presentationml/2006/ole">
             <mc:AlternateContent xmlns:mc="http://schemas.openxmlformats.org/markup-compatibility/2006">
               <mc:Choice xmlns:v="urn:schemas-microsoft-com:vml" Requires="v">
-                <p:oleObj spid="_x0000_s83009" name="公式" r:id="rId11" imgW="2006280" imgH="431640" progId="Equation.3">
+                <p:oleObj spid="_x0000_s83027" name="公式" r:id="rId11" imgW="2006280" imgH="431640" progId="Equation.3">
                   <p:embed/>
                 </p:oleObj>
               </mc:Choice>
@@ -13318,7 +16555,7 @@
           <a:graphicData uri="http://schemas.openxmlformats.org/presentationml/2006/ole">
             <mc:AlternateContent xmlns:mc="http://schemas.openxmlformats.org/markup-compatibility/2006">
               <mc:Choice xmlns:v="urn:schemas-microsoft-com:vml" Requires="v">
-                <p:oleObj spid="_x0000_s83010" name="公式" r:id="rId13" imgW="2222280" imgH="444240" progId="Equation.3">
+                <p:oleObj spid="_x0000_s83028" name="公式" r:id="rId13" imgW="2222280" imgH="444240" progId="Equation.3">
                   <p:embed/>
                 </p:oleObj>
               </mc:Choice>
@@ -13417,7 +16654,7 @@
           <a:graphicData uri="http://schemas.openxmlformats.org/presentationml/2006/ole">
             <mc:AlternateContent xmlns:mc="http://schemas.openxmlformats.org/markup-compatibility/2006">
               <mc:Choice xmlns:v="urn:schemas-microsoft-com:vml" Requires="v">
-                <p:oleObj spid="_x0000_s83011" name="公式" r:id="rId15" imgW="1574640" imgH="444240" progId="Equation.3">
+                <p:oleObj spid="_x0000_s83029" name="公式" r:id="rId15" imgW="1574640" imgH="444240" progId="Equation.3">
                   <p:embed/>
                 </p:oleObj>
               </mc:Choice>
@@ -13516,7 +16753,7 @@
           <a:graphicData uri="http://schemas.openxmlformats.org/presentationml/2006/ole">
             <mc:AlternateContent xmlns:mc="http://schemas.openxmlformats.org/markup-compatibility/2006">
               <mc:Choice xmlns:v="urn:schemas-microsoft-com:vml" Requires="v">
-                <p:oleObj spid="_x0000_s83012" name="公式" r:id="rId17" imgW="3263760" imgH="419040" progId="Equation.3">
+                <p:oleObj spid="_x0000_s83030" name="公式" r:id="rId17" imgW="3263760" imgH="419040" progId="Equation.3">
                   <p:embed/>
                 </p:oleObj>
               </mc:Choice>
@@ -13615,7 +16852,7 @@
           <a:graphicData uri="http://schemas.openxmlformats.org/presentationml/2006/ole">
             <mc:AlternateContent xmlns:mc="http://schemas.openxmlformats.org/markup-compatibility/2006">
               <mc:Choice xmlns:v="urn:schemas-microsoft-com:vml" Requires="v">
-                <p:oleObj spid="_x0000_s83013" name="公式" r:id="rId19" imgW="1942920" imgH="393480" progId="Equation.3">
+                <p:oleObj spid="_x0000_s83031" name="公式" r:id="rId19" imgW="1942920" imgH="393480" progId="Equation.3">
                   <p:embed/>
                 </p:oleObj>
               </mc:Choice>
@@ -14187,7 +17424,7 @@
           <a:graphicData uri="http://schemas.openxmlformats.org/presentationml/2006/ole">
             <mc:AlternateContent xmlns:mc="http://schemas.openxmlformats.org/markup-compatibility/2006">
               <mc:Choice xmlns:v="urn:schemas-microsoft-com:vml" Requires="v">
-                <p:oleObj spid="_x0000_s84024" name="公式" r:id="rId3" imgW="1942920" imgH="393480" progId="Equation.3">
+                <p:oleObj spid="_x0000_s84038" name="公式" r:id="rId3" imgW="1942920" imgH="393480" progId="Equation.3">
                   <p:embed/>
                 </p:oleObj>
               </mc:Choice>
@@ -14286,7 +17523,7 @@
           <a:graphicData uri="http://schemas.openxmlformats.org/presentationml/2006/ole">
             <mc:AlternateContent xmlns:mc="http://schemas.openxmlformats.org/markup-compatibility/2006">
               <mc:Choice xmlns:v="urn:schemas-microsoft-com:vml" Requires="v">
-                <p:oleObj spid="_x0000_s84025" name="公式" r:id="rId5" imgW="3390840" imgH="431640" progId="Equation.3">
+                <p:oleObj spid="_x0000_s84039" name="公式" r:id="rId5" imgW="3390840" imgH="431640" progId="Equation.3">
                   <p:embed/>
                 </p:oleObj>
               </mc:Choice>
@@ -14385,7 +17622,7 @@
           <a:graphicData uri="http://schemas.openxmlformats.org/presentationml/2006/ole">
             <mc:AlternateContent xmlns:mc="http://schemas.openxmlformats.org/markup-compatibility/2006">
               <mc:Choice xmlns:v="urn:schemas-microsoft-com:vml" Requires="v">
-                <p:oleObj spid="_x0000_s84026" name="公式" r:id="rId7" imgW="3035160" imgH="419040" progId="Equation.3">
+                <p:oleObj spid="_x0000_s84040" name="公式" r:id="rId7" imgW="3035160" imgH="419040" progId="Equation.3">
                   <p:embed/>
                 </p:oleObj>
               </mc:Choice>
@@ -14484,7 +17721,7 @@
           <a:graphicData uri="http://schemas.openxmlformats.org/presentationml/2006/ole">
             <mc:AlternateContent xmlns:mc="http://schemas.openxmlformats.org/markup-compatibility/2006">
               <mc:Choice xmlns:v="urn:schemas-microsoft-com:vml" Requires="v">
-                <p:oleObj spid="_x0000_s84027" name="公式" r:id="rId9" imgW="4495680" imgH="431640" progId="Equation.3">
+                <p:oleObj spid="_x0000_s84041" name="公式" r:id="rId9" imgW="4495680" imgH="431640" progId="Equation.3">
                   <p:embed/>
                 </p:oleObj>
               </mc:Choice>
@@ -14583,7 +17820,7 @@
           <a:graphicData uri="http://schemas.openxmlformats.org/presentationml/2006/ole">
             <mc:AlternateContent xmlns:mc="http://schemas.openxmlformats.org/markup-compatibility/2006">
               <mc:Choice xmlns:v="urn:schemas-microsoft-com:vml" Requires="v">
-                <p:oleObj spid="_x0000_s84028" name="公式" r:id="rId11" imgW="4444920" imgH="419040" progId="Equation.3">
+                <p:oleObj spid="_x0000_s84042" name="公式" r:id="rId11" imgW="4444920" imgH="419040" progId="Equation.3">
                   <p:embed/>
                 </p:oleObj>
               </mc:Choice>
@@ -14757,7 +17994,7 @@
           <a:graphicData uri="http://schemas.openxmlformats.org/presentationml/2006/ole">
             <mc:AlternateContent xmlns:mc="http://schemas.openxmlformats.org/markup-compatibility/2006">
               <mc:Choice xmlns:v="urn:schemas-microsoft-com:vml" Requires="v">
-                <p:oleObj spid="_x0000_s84029" name="公式" r:id="rId13" imgW="4495680" imgH="419040" progId="Equation.3">
+                <p:oleObj spid="_x0000_s84043" name="公式" r:id="rId13" imgW="4495680" imgH="419040" progId="Equation.3">
                   <p:embed/>
                 </p:oleObj>
               </mc:Choice>
@@ -14856,7 +18093,7 @@
           <a:graphicData uri="http://schemas.openxmlformats.org/presentationml/2006/ole">
             <mc:AlternateContent xmlns:mc="http://schemas.openxmlformats.org/markup-compatibility/2006">
               <mc:Choice xmlns:v="urn:schemas-microsoft-com:vml" Requires="v">
-                <p:oleObj spid="_x0000_s84030" name="公式" r:id="rId15" imgW="1981080" imgH="431640" progId="Equation.3">
+                <p:oleObj spid="_x0000_s84044" name="公式" r:id="rId15" imgW="1981080" imgH="431640" progId="Equation.3">
                   <p:embed/>
                 </p:oleObj>
               </mc:Choice>
@@ -15386,7 +18623,7 @@
           <a:graphicData uri="http://schemas.openxmlformats.org/presentationml/2006/ole">
             <mc:AlternateContent xmlns:mc="http://schemas.openxmlformats.org/markup-compatibility/2006">
               <mc:Choice xmlns:v="urn:schemas-microsoft-com:vml" Requires="v">
-                <p:oleObj spid="_x0000_s85039" name="公式" r:id="rId3" imgW="2298600" imgH="431640" progId="Equation.3">
+                <p:oleObj spid="_x0000_s85049" name="公式" r:id="rId3" imgW="2298600" imgH="431640" progId="Equation.3">
                   <p:embed/>
                 </p:oleObj>
               </mc:Choice>
@@ -15485,7 +18722,7 @@
           <a:graphicData uri="http://schemas.openxmlformats.org/presentationml/2006/ole">
             <mc:AlternateContent xmlns:mc="http://schemas.openxmlformats.org/markup-compatibility/2006">
               <mc:Choice xmlns:v="urn:schemas-microsoft-com:vml" Requires="v">
-                <p:oleObj spid="_x0000_s85040" name="公式" r:id="rId5" imgW="1981080" imgH="431640" progId="Equation.3">
+                <p:oleObj spid="_x0000_s85050" name="公式" r:id="rId5" imgW="1981080" imgH="431640" progId="Equation.3">
                   <p:embed/>
                 </p:oleObj>
               </mc:Choice>
@@ -15584,7 +18821,7 @@
           <a:graphicData uri="http://schemas.openxmlformats.org/presentationml/2006/ole">
             <mc:AlternateContent xmlns:mc="http://schemas.openxmlformats.org/markup-compatibility/2006">
               <mc:Choice xmlns:v="urn:schemas-microsoft-com:vml" Requires="v">
-                <p:oleObj spid="_x0000_s85041" name="公式" r:id="rId7" imgW="1866600" imgH="431640" progId="Equation.3">
+                <p:oleObj spid="_x0000_s85051" name="公式" r:id="rId7" imgW="1866600" imgH="431640" progId="Equation.3">
                   <p:embed/>
                 </p:oleObj>
               </mc:Choice>
@@ -15683,7 +18920,7 @@
           <a:graphicData uri="http://schemas.openxmlformats.org/presentationml/2006/ole">
             <mc:AlternateContent xmlns:mc="http://schemas.openxmlformats.org/markup-compatibility/2006">
               <mc:Choice xmlns:v="urn:schemas-microsoft-com:vml" Requires="v">
-                <p:oleObj spid="_x0000_s85042" name="公式" r:id="rId9" imgW="2400120" imgH="393480" progId="Equation.3">
+                <p:oleObj spid="_x0000_s85052" name="公式" r:id="rId9" imgW="2400120" imgH="393480" progId="Equation.3">
                   <p:embed/>
                 </p:oleObj>
               </mc:Choice>
@@ -15782,7 +19019,7 @@
           <a:graphicData uri="http://schemas.openxmlformats.org/presentationml/2006/ole">
             <mc:AlternateContent xmlns:mc="http://schemas.openxmlformats.org/markup-compatibility/2006">
               <mc:Choice xmlns:v="urn:schemas-microsoft-com:vml" Requires="v">
-                <p:oleObj spid="_x0000_s85043" name="公式" r:id="rId11" imgW="1879560" imgH="393480" progId="Equation.3">
+                <p:oleObj spid="_x0000_s85053" name="公式" r:id="rId11" imgW="1879560" imgH="393480" progId="Equation.3">
                   <p:embed/>
                 </p:oleObj>
               </mc:Choice>
@@ -16186,7 +19423,7 @@
           <a:graphicData uri="http://schemas.openxmlformats.org/presentationml/2006/ole">
             <mc:AlternateContent xmlns:mc="http://schemas.openxmlformats.org/markup-compatibility/2006">
               <mc:Choice xmlns:v="urn:schemas-microsoft-com:vml" Requires="v">
-                <p:oleObj spid="_x0000_s86038" name="公式" r:id="rId3" imgW="1968480" imgH="457200" progId="Equation.3">
+                <p:oleObj spid="_x0000_s86042" name="公式" r:id="rId3" imgW="1968480" imgH="457200" progId="Equation.3">
                   <p:embed/>
                 </p:oleObj>
               </mc:Choice>
@@ -16285,7 +19522,7 @@
           <a:graphicData uri="http://schemas.openxmlformats.org/presentationml/2006/ole">
             <mc:AlternateContent xmlns:mc="http://schemas.openxmlformats.org/markup-compatibility/2006">
               <mc:Choice xmlns:v="urn:schemas-microsoft-com:vml" Requires="v">
-                <p:oleObj spid="_x0000_s86039" name="公式" r:id="rId5" imgW="1917360" imgH="457200" progId="Equation.3">
+                <p:oleObj spid="_x0000_s86043" name="公式" r:id="rId5" imgW="1917360" imgH="457200" progId="Equation.3">
                   <p:embed/>
                 </p:oleObj>
               </mc:Choice>
@@ -16695,7 +19932,7 @@
           <a:graphicData uri="http://schemas.openxmlformats.org/presentationml/2006/ole">
             <mc:AlternateContent xmlns:mc="http://schemas.openxmlformats.org/markup-compatibility/2006">
               <mc:Choice xmlns:v="urn:schemas-microsoft-com:vml" Requires="v">
-                <p:oleObj spid="_x0000_s90163" name="公式" r:id="rId3" imgW="1307880" imgH="482400" progId="Equation.3">
+                <p:oleObj spid="_x0000_s90179" name="公式" r:id="rId3" imgW="1307880" imgH="482400" progId="Equation.3">
                   <p:embed/>
                 </p:oleObj>
               </mc:Choice>
@@ -16794,7 +20031,7 @@
           <a:graphicData uri="http://schemas.openxmlformats.org/presentationml/2006/ole">
             <mc:AlternateContent xmlns:mc="http://schemas.openxmlformats.org/markup-compatibility/2006">
               <mc:Choice xmlns:v="urn:schemas-microsoft-com:vml" Requires="v">
-                <p:oleObj spid="_x0000_s90164" name="公式" r:id="rId5" imgW="1447560" imgH="431640" progId="Equation.3">
+                <p:oleObj spid="_x0000_s90180" name="公式" r:id="rId5" imgW="1447560" imgH="431640" progId="Equation.3">
                   <p:embed/>
                 </p:oleObj>
               </mc:Choice>
@@ -16893,7 +20130,7 @@
           <a:graphicData uri="http://schemas.openxmlformats.org/presentationml/2006/ole">
             <mc:AlternateContent xmlns:mc="http://schemas.openxmlformats.org/markup-compatibility/2006">
               <mc:Choice xmlns:v="urn:schemas-microsoft-com:vml" Requires="v">
-                <p:oleObj spid="_x0000_s90165" name="公式" r:id="rId7" imgW="2590560" imgH="241200" progId="Equation.3">
+                <p:oleObj spid="_x0000_s90181" name="公式" r:id="rId7" imgW="2590560" imgH="241200" progId="Equation.3">
                   <p:embed/>
                 </p:oleObj>
               </mc:Choice>
@@ -16992,7 +20229,7 @@
           <a:graphicData uri="http://schemas.openxmlformats.org/presentationml/2006/ole">
             <mc:AlternateContent xmlns:mc="http://schemas.openxmlformats.org/markup-compatibility/2006">
               <mc:Choice xmlns:v="urn:schemas-microsoft-com:vml" Requires="v">
-                <p:oleObj spid="_x0000_s90166" name="公式" r:id="rId9" imgW="3009600" imgH="241200" progId="Equation.3">
+                <p:oleObj spid="_x0000_s90182" name="公式" r:id="rId9" imgW="3009600" imgH="241200" progId="Equation.3">
                   <p:embed/>
                 </p:oleObj>
               </mc:Choice>
@@ -17091,7 +20328,7 @@
           <a:graphicData uri="http://schemas.openxmlformats.org/presentationml/2006/ole">
             <mc:AlternateContent xmlns:mc="http://schemas.openxmlformats.org/markup-compatibility/2006">
               <mc:Choice xmlns:v="urn:schemas-microsoft-com:vml" Requires="v">
-                <p:oleObj spid="_x0000_s90167" name="公式" r:id="rId11" imgW="2286000" imgH="228600" progId="Equation.3">
+                <p:oleObj spid="_x0000_s90183" name="公式" r:id="rId11" imgW="2286000" imgH="228600" progId="Equation.3">
                   <p:embed/>
                 </p:oleObj>
               </mc:Choice>
@@ -17190,7 +20427,7 @@
           <a:graphicData uri="http://schemas.openxmlformats.org/presentationml/2006/ole">
             <mc:AlternateContent xmlns:mc="http://schemas.openxmlformats.org/markup-compatibility/2006">
               <mc:Choice xmlns:v="urn:schemas-microsoft-com:vml" Requires="v">
-                <p:oleObj spid="_x0000_s90168" name="公式" r:id="rId13" imgW="1904760" imgH="431640" progId="Equation.3">
+                <p:oleObj spid="_x0000_s90184" name="公式" r:id="rId13" imgW="1904760" imgH="431640" progId="Equation.3">
                   <p:embed/>
                 </p:oleObj>
               </mc:Choice>
@@ -17289,7 +20526,7 @@
           <a:graphicData uri="http://schemas.openxmlformats.org/presentationml/2006/ole">
             <mc:AlternateContent xmlns:mc="http://schemas.openxmlformats.org/markup-compatibility/2006">
               <mc:Choice xmlns:v="urn:schemas-microsoft-com:vml" Requires="v">
-                <p:oleObj spid="_x0000_s90169" name="公式" r:id="rId15" imgW="2120760" imgH="431640" progId="Equation.3">
+                <p:oleObj spid="_x0000_s90185" name="公式" r:id="rId15" imgW="2120760" imgH="431640" progId="Equation.3">
                   <p:embed/>
                 </p:oleObj>
               </mc:Choice>
@@ -17388,7 +20625,7 @@
           <a:graphicData uri="http://schemas.openxmlformats.org/presentationml/2006/ole">
             <mc:AlternateContent xmlns:mc="http://schemas.openxmlformats.org/markup-compatibility/2006">
               <mc:Choice xmlns:v="urn:schemas-microsoft-com:vml" Requires="v">
-                <p:oleObj spid="_x0000_s90170" name="公式" r:id="rId17" imgW="1409400" imgH="419040" progId="Equation.3">
+                <p:oleObj spid="_x0000_s90186" name="公式" r:id="rId17" imgW="1409400" imgH="419040" progId="Equation.3">
                   <p:embed/>
                 </p:oleObj>
               </mc:Choice>
@@ -17915,7 +21152,7 @@
           <a:graphicData uri="http://schemas.openxmlformats.org/presentationml/2006/ole">
             <mc:AlternateContent xmlns:mc="http://schemas.openxmlformats.org/markup-compatibility/2006">
               <mc:Choice xmlns:v="urn:schemas-microsoft-com:vml" Requires="v">
-                <p:oleObj spid="_x0000_s88111" name="公式" r:id="rId3" imgW="1282680" imgH="419040" progId="Equation.3">
+                <p:oleObj spid="_x0000_s88121" name="公式" r:id="rId3" imgW="1282680" imgH="419040" progId="Equation.3">
                   <p:embed/>
                 </p:oleObj>
               </mc:Choice>
@@ -18014,7 +21251,7 @@
           <a:graphicData uri="http://schemas.openxmlformats.org/presentationml/2006/ole">
             <mc:AlternateContent xmlns:mc="http://schemas.openxmlformats.org/markup-compatibility/2006">
               <mc:Choice xmlns:v="urn:schemas-microsoft-com:vml" Requires="v">
-                <p:oleObj spid="_x0000_s88112" name="公式" r:id="rId5" imgW="4190760" imgH="419040" progId="Equation.3">
+                <p:oleObj spid="_x0000_s88122" name="公式" r:id="rId5" imgW="4190760" imgH="419040" progId="Equation.3">
                   <p:embed/>
                 </p:oleObj>
               </mc:Choice>
@@ -18113,7 +21350,7 @@
           <a:graphicData uri="http://schemas.openxmlformats.org/presentationml/2006/ole">
             <mc:AlternateContent xmlns:mc="http://schemas.openxmlformats.org/markup-compatibility/2006">
               <mc:Choice xmlns:v="urn:schemas-microsoft-com:vml" Requires="v">
-                <p:oleObj spid="_x0000_s88113" name="公式" r:id="rId7" imgW="2286000" imgH="457200" progId="Equation.3">
+                <p:oleObj spid="_x0000_s88123" name="公式" r:id="rId7" imgW="2286000" imgH="457200" progId="Equation.3">
                   <p:embed/>
                 </p:oleObj>
               </mc:Choice>
@@ -18212,7 +21449,7 @@
           <a:graphicData uri="http://schemas.openxmlformats.org/presentationml/2006/ole">
             <mc:AlternateContent xmlns:mc="http://schemas.openxmlformats.org/markup-compatibility/2006">
               <mc:Choice xmlns:v="urn:schemas-microsoft-com:vml" Requires="v">
-                <p:oleObj spid="_x0000_s88114" name="公式" r:id="rId9" imgW="1371600" imgH="393480" progId="Equation.3">
+                <p:oleObj spid="_x0000_s88124" name="公式" r:id="rId9" imgW="1371600" imgH="393480" progId="Equation.3">
                   <p:embed/>
                 </p:oleObj>
               </mc:Choice>
@@ -18311,7 +21548,7 @@
           <a:graphicData uri="http://schemas.openxmlformats.org/presentationml/2006/ole">
             <mc:AlternateContent xmlns:mc="http://schemas.openxmlformats.org/markup-compatibility/2006">
               <mc:Choice xmlns:v="urn:schemas-microsoft-com:vml" Requires="v">
-                <p:oleObj spid="_x0000_s88115" name="公式" r:id="rId11" imgW="2044440" imgH="431640" progId="Equation.3">
+                <p:oleObj spid="_x0000_s88125" name="公式" r:id="rId11" imgW="2044440" imgH="431640" progId="Equation.3">
                   <p:embed/>
                 </p:oleObj>
               </mc:Choice>
@@ -20208,7 +23445,7 @@
           <a:graphicData uri="http://schemas.openxmlformats.org/presentationml/2006/ole">
             <mc:AlternateContent xmlns:mc="http://schemas.openxmlformats.org/markup-compatibility/2006">
               <mc:Choice xmlns:v="urn:schemas-microsoft-com:vml" Requires="v">
-                <p:oleObj spid="_x0000_s92205" name="公式" r:id="rId3" imgW="2311200" imgH="634680" progId="Equation.3">
+                <p:oleObj spid="_x0000_s92207" name="公式" r:id="rId3" imgW="2311200" imgH="634680" progId="Equation.3">
                   <p:embed/>
                 </p:oleObj>
               </mc:Choice>
@@ -20944,7 +24181,7 @@
           <a:graphicData uri="http://schemas.openxmlformats.org/presentationml/2006/ole">
             <mc:AlternateContent xmlns:mc="http://schemas.openxmlformats.org/markup-compatibility/2006">
               <mc:Choice xmlns:v="urn:schemas-microsoft-com:vml" Requires="v">
-                <p:oleObj spid="_x0000_s91207" name="公式" r:id="rId3" imgW="1574640" imgH="634680" progId="Equation.3">
+                <p:oleObj spid="_x0000_s91229" name="公式" r:id="rId3" imgW="1574640" imgH="634680" progId="Equation.3">
                   <p:embed/>
                 </p:oleObj>
               </mc:Choice>
@@ -21043,7 +24280,7 @@
           <a:graphicData uri="http://schemas.openxmlformats.org/presentationml/2006/ole">
             <mc:AlternateContent xmlns:mc="http://schemas.openxmlformats.org/markup-compatibility/2006">
               <mc:Choice xmlns:v="urn:schemas-microsoft-com:vml" Requires="v">
-                <p:oleObj spid="_x0000_s91208" name="公式" r:id="rId5" imgW="1333440" imgH="431640" progId="Equation.3">
+                <p:oleObj spid="_x0000_s91230" name="公式" r:id="rId5" imgW="1333440" imgH="431640" progId="Equation.3">
                   <p:embed/>
                 </p:oleObj>
               </mc:Choice>
@@ -21142,7 +24379,7 @@
           <a:graphicData uri="http://schemas.openxmlformats.org/presentationml/2006/ole">
             <mc:AlternateContent xmlns:mc="http://schemas.openxmlformats.org/markup-compatibility/2006">
               <mc:Choice xmlns:v="urn:schemas-microsoft-com:vml" Requires="v">
-                <p:oleObj spid="_x0000_s91209" name="公式" r:id="rId7" imgW="1981080" imgH="431640" progId="Equation.3">
+                <p:oleObj spid="_x0000_s91231" name="公式" r:id="rId7" imgW="1981080" imgH="431640" progId="Equation.3">
                   <p:embed/>
                 </p:oleObj>
               </mc:Choice>
@@ -21241,7 +24478,7 @@
           <a:graphicData uri="http://schemas.openxmlformats.org/presentationml/2006/ole">
             <mc:AlternateContent xmlns:mc="http://schemas.openxmlformats.org/markup-compatibility/2006">
               <mc:Choice xmlns:v="urn:schemas-microsoft-com:vml" Requires="v">
-                <p:oleObj spid="_x0000_s91210" name="公式" r:id="rId9" imgW="1015920" imgH="431640" progId="Equation.3">
+                <p:oleObj spid="_x0000_s91232" name="公式" r:id="rId9" imgW="1015920" imgH="431640" progId="Equation.3">
                   <p:embed/>
                 </p:oleObj>
               </mc:Choice>
@@ -21340,7 +24577,7 @@
           <a:graphicData uri="http://schemas.openxmlformats.org/presentationml/2006/ole">
             <mc:AlternateContent xmlns:mc="http://schemas.openxmlformats.org/markup-compatibility/2006">
               <mc:Choice xmlns:v="urn:schemas-microsoft-com:vml" Requires="v">
-                <p:oleObj spid="_x0000_s91211" name="公式" r:id="rId11" imgW="368280" imgH="228600" progId="Equation.3">
+                <p:oleObj spid="_x0000_s91233" name="公式" r:id="rId11" imgW="368280" imgH="228600" progId="Equation.3">
                   <p:embed/>
                 </p:oleObj>
               </mc:Choice>
@@ -21439,7 +24676,7 @@
           <a:graphicData uri="http://schemas.openxmlformats.org/presentationml/2006/ole">
             <mc:AlternateContent xmlns:mc="http://schemas.openxmlformats.org/markup-compatibility/2006">
               <mc:Choice xmlns:v="urn:schemas-microsoft-com:vml" Requires="v">
-                <p:oleObj spid="_x0000_s91212" name="公式" r:id="rId13" imgW="1282680" imgH="431640" progId="Equation.3">
+                <p:oleObj spid="_x0000_s91234" name="公式" r:id="rId13" imgW="1282680" imgH="431640" progId="Equation.3">
                   <p:embed/>
                 </p:oleObj>
               </mc:Choice>
@@ -21538,7 +24775,7 @@
           <a:graphicData uri="http://schemas.openxmlformats.org/presentationml/2006/ole">
             <mc:AlternateContent xmlns:mc="http://schemas.openxmlformats.org/markup-compatibility/2006">
               <mc:Choice xmlns:v="urn:schemas-microsoft-com:vml" Requires="v">
-                <p:oleObj spid="_x0000_s91213" name="公式" r:id="rId15" imgW="2082600" imgH="431640" progId="Equation.3">
+                <p:oleObj spid="_x0000_s91235" name="公式" r:id="rId15" imgW="2082600" imgH="431640" progId="Equation.3">
                   <p:embed/>
                 </p:oleObj>
               </mc:Choice>
@@ -21637,7 +24874,7 @@
           <a:graphicData uri="http://schemas.openxmlformats.org/presentationml/2006/ole">
             <mc:AlternateContent xmlns:mc="http://schemas.openxmlformats.org/markup-compatibility/2006">
               <mc:Choice xmlns:v="urn:schemas-microsoft-com:vml" Requires="v">
-                <p:oleObj spid="_x0000_s91214" name="公式" r:id="rId17" imgW="1434960" imgH="241200" progId="Equation.3">
+                <p:oleObj spid="_x0000_s91236" name="公式" r:id="rId17" imgW="1434960" imgH="241200" progId="Equation.3">
                   <p:embed/>
                 </p:oleObj>
               </mc:Choice>
@@ -21736,7 +24973,7 @@
           <a:graphicData uri="http://schemas.openxmlformats.org/presentationml/2006/ole">
             <mc:AlternateContent xmlns:mc="http://schemas.openxmlformats.org/markup-compatibility/2006">
               <mc:Choice xmlns:v="urn:schemas-microsoft-com:vml" Requires="v">
-                <p:oleObj spid="_x0000_s91215" name="公式" r:id="rId19" imgW="1892160" imgH="228600" progId="Equation.3">
+                <p:oleObj spid="_x0000_s91237" name="公式" r:id="rId19" imgW="1892160" imgH="228600" progId="Equation.3">
                   <p:embed/>
                 </p:oleObj>
               </mc:Choice>
@@ -21835,7 +25072,7 @@
           <a:graphicData uri="http://schemas.openxmlformats.org/presentationml/2006/ole">
             <mc:AlternateContent xmlns:mc="http://schemas.openxmlformats.org/markup-compatibility/2006">
               <mc:Choice xmlns:v="urn:schemas-microsoft-com:vml" Requires="v">
-                <p:oleObj spid="_x0000_s91216" name="公式" r:id="rId21" imgW="1828800" imgH="431640" progId="Equation.3">
+                <p:oleObj spid="_x0000_s91238" name="公式" r:id="rId21" imgW="1828800" imgH="431640" progId="Equation.3">
                   <p:embed/>
                 </p:oleObj>
               </mc:Choice>
@@ -21934,7 +25171,7 @@
           <a:graphicData uri="http://schemas.openxmlformats.org/presentationml/2006/ole">
             <mc:AlternateContent xmlns:mc="http://schemas.openxmlformats.org/markup-compatibility/2006">
               <mc:Choice xmlns:v="urn:schemas-microsoft-com:vml" Requires="v">
-                <p:oleObj spid="_x0000_s91217" name="公式" r:id="rId23" imgW="2197080" imgH="431640" progId="Equation.3">
+                <p:oleObj spid="_x0000_s91239" name="公式" r:id="rId23" imgW="2197080" imgH="431640" progId="Equation.3">
                   <p:embed/>
                 </p:oleObj>
               </mc:Choice>
@@ -22596,7 +25833,7 @@
           <a:graphicData uri="http://schemas.openxmlformats.org/presentationml/2006/ole">
             <mc:AlternateContent xmlns:mc="http://schemas.openxmlformats.org/markup-compatibility/2006">
               <mc:Choice xmlns:v="urn:schemas-microsoft-com:vml" Requires="v">
-                <p:oleObj spid="_x0000_s93259" name="公式" r:id="rId3" imgW="1130040" imgH="431640" progId="Equation.3">
+                <p:oleObj spid="_x0000_s93279" name="公式" r:id="rId3" imgW="1130040" imgH="431640" progId="Equation.3">
                   <p:embed/>
                 </p:oleObj>
               </mc:Choice>
@@ -22695,7 +25932,7 @@
           <a:graphicData uri="http://schemas.openxmlformats.org/presentationml/2006/ole">
             <mc:AlternateContent xmlns:mc="http://schemas.openxmlformats.org/markup-compatibility/2006">
               <mc:Choice xmlns:v="urn:schemas-microsoft-com:vml" Requires="v">
-                <p:oleObj spid="_x0000_s93260" name="公式" r:id="rId5" imgW="1346040" imgH="444240" progId="Equation.3">
+                <p:oleObj spid="_x0000_s93280" name="公式" r:id="rId5" imgW="1346040" imgH="444240" progId="Equation.3">
                   <p:embed/>
                 </p:oleObj>
               </mc:Choice>
@@ -22794,7 +26031,7 @@
           <a:graphicData uri="http://schemas.openxmlformats.org/presentationml/2006/ole">
             <mc:AlternateContent xmlns:mc="http://schemas.openxmlformats.org/markup-compatibility/2006">
               <mc:Choice xmlns:v="urn:schemas-microsoft-com:vml" Requires="v">
-                <p:oleObj spid="_x0000_s93261" name="公式" r:id="rId7" imgW="1638000" imgH="419040" progId="Equation.3">
+                <p:oleObj spid="_x0000_s93281" name="公式" r:id="rId7" imgW="1638000" imgH="419040" progId="Equation.3">
                   <p:embed/>
                 </p:oleObj>
               </mc:Choice>
@@ -22893,7 +26130,7 @@
           <a:graphicData uri="http://schemas.openxmlformats.org/presentationml/2006/ole">
             <mc:AlternateContent xmlns:mc="http://schemas.openxmlformats.org/markup-compatibility/2006">
               <mc:Choice xmlns:v="urn:schemas-microsoft-com:vml" Requires="v">
-                <p:oleObj spid="_x0000_s93262" name="公式" r:id="rId9" imgW="2158920" imgH="419040" progId="Equation.3">
+                <p:oleObj spid="_x0000_s93282" name="公式" r:id="rId9" imgW="2158920" imgH="419040" progId="Equation.3">
                   <p:embed/>
                 </p:oleObj>
               </mc:Choice>
@@ -22992,7 +26229,7 @@
           <a:graphicData uri="http://schemas.openxmlformats.org/presentationml/2006/ole">
             <mc:AlternateContent xmlns:mc="http://schemas.openxmlformats.org/markup-compatibility/2006">
               <mc:Choice xmlns:v="urn:schemas-microsoft-com:vml" Requires="v">
-                <p:oleObj spid="_x0000_s93263" name="公式" r:id="rId11" imgW="2616120" imgH="419040" progId="Equation.3">
+                <p:oleObj spid="_x0000_s93283" name="公式" r:id="rId11" imgW="2616120" imgH="419040" progId="Equation.3">
                   <p:embed/>
                 </p:oleObj>
               </mc:Choice>
@@ -23091,7 +26328,7 @@
           <a:graphicData uri="http://schemas.openxmlformats.org/presentationml/2006/ole">
             <mc:AlternateContent xmlns:mc="http://schemas.openxmlformats.org/markup-compatibility/2006">
               <mc:Choice xmlns:v="urn:schemas-microsoft-com:vml" Requires="v">
-                <p:oleObj spid="_x0000_s93264" name="公式" r:id="rId13" imgW="2336760" imgH="444240" progId="Equation.3">
+                <p:oleObj spid="_x0000_s93284" name="公式" r:id="rId13" imgW="2336760" imgH="444240" progId="Equation.3">
                   <p:embed/>
                 </p:oleObj>
               </mc:Choice>
@@ -23265,7 +26502,7 @@
           <a:graphicData uri="http://schemas.openxmlformats.org/presentationml/2006/ole">
             <mc:AlternateContent xmlns:mc="http://schemas.openxmlformats.org/markup-compatibility/2006">
               <mc:Choice xmlns:v="urn:schemas-microsoft-com:vml" Requires="v">
-                <p:oleObj spid="_x0000_s93265" name="公式" r:id="rId15" imgW="1168200" imgH="330120" progId="Equation.3">
+                <p:oleObj spid="_x0000_s93285" name="公式" r:id="rId15" imgW="1168200" imgH="330120" progId="Equation.3">
                   <p:embed/>
                 </p:oleObj>
               </mc:Choice>
@@ -23364,7 +26601,7 @@
           <a:graphicData uri="http://schemas.openxmlformats.org/presentationml/2006/ole">
             <mc:AlternateContent xmlns:mc="http://schemas.openxmlformats.org/markup-compatibility/2006">
               <mc:Choice xmlns:v="urn:schemas-microsoft-com:vml" Requires="v">
-                <p:oleObj spid="_x0000_s93266" name="公式" r:id="rId17" imgW="2590560" imgH="609480" progId="Equation.3">
+                <p:oleObj spid="_x0000_s93286" name="公式" r:id="rId17" imgW="2590560" imgH="609480" progId="Equation.3">
                   <p:embed/>
                 </p:oleObj>
               </mc:Choice>
@@ -23463,7 +26700,7 @@
           <a:graphicData uri="http://schemas.openxmlformats.org/presentationml/2006/ole">
             <mc:AlternateContent xmlns:mc="http://schemas.openxmlformats.org/markup-compatibility/2006">
               <mc:Choice xmlns:v="urn:schemas-microsoft-com:vml" Requires="v">
-                <p:oleObj spid="_x0000_s93267" name="公式" r:id="rId19" imgW="1714320" imgH="444240" progId="Equation.3">
+                <p:oleObj spid="_x0000_s93287" name="公式" r:id="rId19" imgW="1714320" imgH="444240" progId="Equation.3">
                   <p:embed/>
                 </p:oleObj>
               </mc:Choice>
@@ -23562,7 +26799,7 @@
           <a:graphicData uri="http://schemas.openxmlformats.org/presentationml/2006/ole">
             <mc:AlternateContent xmlns:mc="http://schemas.openxmlformats.org/markup-compatibility/2006">
               <mc:Choice xmlns:v="urn:schemas-microsoft-com:vml" Requires="v">
-                <p:oleObj spid="_x0000_s93268" name="公式" r:id="rId21" imgW="1600200" imgH="431640" progId="Equation.3">
+                <p:oleObj spid="_x0000_s93288" name="公式" r:id="rId21" imgW="1600200" imgH="431640" progId="Equation.3">
                   <p:embed/>
                 </p:oleObj>
               </mc:Choice>
@@ -24320,7 +27557,7 @@
           <a:graphicData uri="http://schemas.openxmlformats.org/presentationml/2006/ole">
             <mc:AlternateContent xmlns:mc="http://schemas.openxmlformats.org/markup-compatibility/2006">
               <mc:Choice xmlns:v="urn:schemas-microsoft-com:vml" Requires="v">
-                <p:oleObj spid="_x0000_s94263" name="公式" r:id="rId3" imgW="3136680" imgH="444240" progId="Equation.3">
+                <p:oleObj spid="_x0000_s94277" name="公式" r:id="rId3" imgW="3136680" imgH="444240" progId="Equation.3">
                   <p:embed/>
                 </p:oleObj>
               </mc:Choice>
@@ -24419,7 +27656,7 @@
           <a:graphicData uri="http://schemas.openxmlformats.org/presentationml/2006/ole">
             <mc:AlternateContent xmlns:mc="http://schemas.openxmlformats.org/markup-compatibility/2006">
               <mc:Choice xmlns:v="urn:schemas-microsoft-com:vml" Requires="v">
-                <p:oleObj spid="_x0000_s94264" name="公式" r:id="rId5" imgW="2006280" imgH="634680" progId="Equation.3">
+                <p:oleObj spid="_x0000_s94278" name="公式" r:id="rId5" imgW="2006280" imgH="634680" progId="Equation.3">
                   <p:embed/>
                 </p:oleObj>
               </mc:Choice>
@@ -24518,7 +27755,7 @@
           <a:graphicData uri="http://schemas.openxmlformats.org/presentationml/2006/ole">
             <mc:AlternateContent xmlns:mc="http://schemas.openxmlformats.org/markup-compatibility/2006">
               <mc:Choice xmlns:v="urn:schemas-microsoft-com:vml" Requires="v">
-                <p:oleObj spid="_x0000_s94265" name="公式" r:id="rId7" imgW="1638000" imgH="634680" progId="Equation.3">
+                <p:oleObj spid="_x0000_s94279" name="公式" r:id="rId7" imgW="1638000" imgH="634680" progId="Equation.3">
                   <p:embed/>
                 </p:oleObj>
               </mc:Choice>
@@ -24617,7 +27854,7 @@
           <a:graphicData uri="http://schemas.openxmlformats.org/presentationml/2006/ole">
             <mc:AlternateContent xmlns:mc="http://schemas.openxmlformats.org/markup-compatibility/2006">
               <mc:Choice xmlns:v="urn:schemas-microsoft-com:vml" Requires="v">
-                <p:oleObj spid="_x0000_s94266" name="公式" r:id="rId9" imgW="2781000" imgH="812520" progId="Equation.3">
+                <p:oleObj spid="_x0000_s94280" name="公式" r:id="rId9" imgW="2781000" imgH="812520" progId="Equation.3">
                   <p:embed/>
                 </p:oleObj>
               </mc:Choice>
@@ -24716,7 +27953,7 @@
           <a:graphicData uri="http://schemas.openxmlformats.org/presentationml/2006/ole">
             <mc:AlternateContent xmlns:mc="http://schemas.openxmlformats.org/markup-compatibility/2006">
               <mc:Choice xmlns:v="urn:schemas-microsoft-com:vml" Requires="v">
-                <p:oleObj spid="_x0000_s94267" name="公式" r:id="rId11" imgW="1739880" imgH="634680" progId="Equation.3">
+                <p:oleObj spid="_x0000_s94281" name="公式" r:id="rId11" imgW="1739880" imgH="634680" progId="Equation.3">
                   <p:embed/>
                 </p:oleObj>
               </mc:Choice>
@@ -24815,7 +28052,7 @@
           <a:graphicData uri="http://schemas.openxmlformats.org/presentationml/2006/ole">
             <mc:AlternateContent xmlns:mc="http://schemas.openxmlformats.org/markup-compatibility/2006">
               <mc:Choice xmlns:v="urn:schemas-microsoft-com:vml" Requires="v">
-                <p:oleObj spid="_x0000_s94268" name="公式" r:id="rId13" imgW="1562040" imgH="634680" progId="Equation.3">
+                <p:oleObj spid="_x0000_s94282" name="公式" r:id="rId13" imgW="1562040" imgH="634680" progId="Equation.3">
                   <p:embed/>
                 </p:oleObj>
               </mc:Choice>
@@ -24914,7 +28151,7 @@
           <a:graphicData uri="http://schemas.openxmlformats.org/presentationml/2006/ole">
             <mc:AlternateContent xmlns:mc="http://schemas.openxmlformats.org/markup-compatibility/2006">
               <mc:Choice xmlns:v="urn:schemas-microsoft-com:vml" Requires="v">
-                <p:oleObj spid="_x0000_s94269" name="公式" r:id="rId15" imgW="1600200" imgH="634680" progId="Equation.3">
+                <p:oleObj spid="_x0000_s94283" name="公式" r:id="rId15" imgW="1600200" imgH="634680" progId="Equation.3">
                   <p:embed/>
                 </p:oleObj>
               </mc:Choice>
@@ -25396,7 +28633,7 @@
           <a:graphicData uri="http://schemas.openxmlformats.org/presentationml/2006/ole">
             <mc:AlternateContent xmlns:mc="http://schemas.openxmlformats.org/markup-compatibility/2006">
               <mc:Choice xmlns:v="urn:schemas-microsoft-com:vml" Requires="v">
-                <p:oleObj spid="_x0000_s95283" name="公式" r:id="rId3" imgW="1485720" imgH="634680" progId="Equation.3">
+                <p:oleObj spid="_x0000_s95297" name="公式" r:id="rId3" imgW="1485720" imgH="634680" progId="Equation.3">
                   <p:embed/>
                 </p:oleObj>
               </mc:Choice>
@@ -25495,7 +28732,7 @@
           <a:graphicData uri="http://schemas.openxmlformats.org/presentationml/2006/ole">
             <mc:AlternateContent xmlns:mc="http://schemas.openxmlformats.org/markup-compatibility/2006">
               <mc:Choice xmlns:v="urn:schemas-microsoft-com:vml" Requires="v">
-                <p:oleObj spid="_x0000_s95284" name="公式" r:id="rId5" imgW="1638000" imgH="444240" progId="Equation.3">
+                <p:oleObj spid="_x0000_s95298" name="公式" r:id="rId5" imgW="1638000" imgH="444240" progId="Equation.3">
                   <p:embed/>
                 </p:oleObj>
               </mc:Choice>
@@ -25594,7 +28831,7 @@
           <a:graphicData uri="http://schemas.openxmlformats.org/presentationml/2006/ole">
             <mc:AlternateContent xmlns:mc="http://schemas.openxmlformats.org/markup-compatibility/2006">
               <mc:Choice xmlns:v="urn:schemas-microsoft-com:vml" Requires="v">
-                <p:oleObj spid="_x0000_s95285" name="公式" r:id="rId7" imgW="1409400" imgH="444240" progId="Equation.3">
+                <p:oleObj spid="_x0000_s95299" name="公式" r:id="rId7" imgW="1409400" imgH="444240" progId="Equation.3">
                   <p:embed/>
                 </p:oleObj>
               </mc:Choice>
@@ -25693,7 +28930,7 @@
           <a:graphicData uri="http://schemas.openxmlformats.org/presentationml/2006/ole">
             <mc:AlternateContent xmlns:mc="http://schemas.openxmlformats.org/markup-compatibility/2006">
               <mc:Choice xmlns:v="urn:schemas-microsoft-com:vml" Requires="v">
-                <p:oleObj spid="_x0000_s95286" name="公式" r:id="rId9" imgW="1612800" imgH="419040" progId="Equation.3">
+                <p:oleObj spid="_x0000_s95300" name="公式" r:id="rId9" imgW="1612800" imgH="419040" progId="Equation.3">
                   <p:embed/>
                 </p:oleObj>
               </mc:Choice>
@@ -25792,7 +29029,7 @@
           <a:graphicData uri="http://schemas.openxmlformats.org/presentationml/2006/ole">
             <mc:AlternateContent xmlns:mc="http://schemas.openxmlformats.org/markup-compatibility/2006">
               <mc:Choice xmlns:v="urn:schemas-microsoft-com:vml" Requires="v">
-                <p:oleObj spid="_x0000_s95287" name="公式" r:id="rId11" imgW="723600" imgH="419040" progId="Equation.3">
+                <p:oleObj spid="_x0000_s95301" name="公式" r:id="rId11" imgW="723600" imgH="419040" progId="Equation.3">
                   <p:embed/>
                 </p:oleObj>
               </mc:Choice>
@@ -25891,7 +29128,7 @@
           <a:graphicData uri="http://schemas.openxmlformats.org/presentationml/2006/ole">
             <mc:AlternateContent xmlns:mc="http://schemas.openxmlformats.org/markup-compatibility/2006">
               <mc:Choice xmlns:v="urn:schemas-microsoft-com:vml" Requires="v">
-                <p:oleObj spid="_x0000_s95288" name="公式" r:id="rId13" imgW="672840" imgH="393480" progId="Equation.3">
+                <p:oleObj spid="_x0000_s95302" name="公式" r:id="rId13" imgW="672840" imgH="393480" progId="Equation.3">
                   <p:embed/>
                 </p:oleObj>
               </mc:Choice>
@@ -25990,7 +29227,7 @@
           <a:graphicData uri="http://schemas.openxmlformats.org/presentationml/2006/ole">
             <mc:AlternateContent xmlns:mc="http://schemas.openxmlformats.org/markup-compatibility/2006">
               <mc:Choice xmlns:v="urn:schemas-microsoft-com:vml" Requires="v">
-                <p:oleObj spid="_x0000_s95289" name="公式" r:id="rId15" imgW="3225600" imgH="393480" progId="Equation.3">
+                <p:oleObj spid="_x0000_s95303" name="公式" r:id="rId15" imgW="3225600" imgH="393480" progId="Equation.3">
                   <p:embed/>
                 </p:oleObj>
               </mc:Choice>
@@ -26433,6 +29670,64 @@
 </p:sld>
 </file>
 
+<file path=ppt/slides/slide23.xml><?xml version="1.0" encoding="utf-8"?>
+<p:sld xmlns:a="http://schemas.openxmlformats.org/drawingml/2006/main" xmlns:r="http://schemas.openxmlformats.org/officeDocument/2006/relationships" xmlns:p="http://schemas.openxmlformats.org/presentationml/2006/main">
+  <p:cSld>
+    <p:spTree>
+      <p:nvGrpSpPr>
+        <p:cNvPr id="1" name=""/>
+        <p:cNvGrpSpPr/>
+        <p:nvPr/>
+      </p:nvGrpSpPr>
+      <p:grpSpPr>
+        <a:xfrm>
+          <a:off x="0" y="0"/>
+          <a:ext cx="0" cy="0"/>
+          <a:chOff x="0" y="0"/>
+          <a:chExt cx="0" cy="0"/>
+        </a:xfrm>
+      </p:grpSpPr>
+      <p:graphicFrame>
+        <p:nvGraphicFramePr>
+          <p:cNvPr id="2" name="图示 1">
+            <a:extLst>
+              <a:ext uri="{FF2B5EF4-FFF2-40B4-BE49-F238E27FC236}">
+                <a16:creationId xmlns:a16="http://schemas.microsoft.com/office/drawing/2014/main" id="{E61FB608-3EA3-4FAF-9991-5ACF9CA115C2}"/>
+              </a:ext>
+            </a:extLst>
+          </p:cNvPr>
+          <p:cNvGraphicFramePr/>
+          <p:nvPr>
+            <p:extLst>
+              <p:ext uri="{D42A27DB-BD31-4B8C-83A1-F6EECF244321}">
+                <p14:modId xmlns:p14="http://schemas.microsoft.com/office/powerpoint/2010/main" val="1972511769"/>
+              </p:ext>
+            </p:extLst>
+          </p:nvPr>
+        </p:nvGraphicFramePr>
+        <p:xfrm>
+          <a:off x="3055888" y="1498269"/>
+          <a:ext cx="6080224" cy="3861461"/>
+        </p:xfrm>
+        <a:graphic>
+          <a:graphicData uri="http://schemas.openxmlformats.org/drawingml/2006/diagram">
+            <dgm:relIds xmlns:dgm="http://schemas.openxmlformats.org/drawingml/2006/diagram" xmlns:r="http://schemas.openxmlformats.org/officeDocument/2006/relationships" r:dm="rId2" r:lo="rId3" r:qs="rId4" r:cs="rId5"/>
+          </a:graphicData>
+        </a:graphic>
+      </p:graphicFrame>
+    </p:spTree>
+    <p:extLst>
+      <p:ext uri="{BB962C8B-B14F-4D97-AF65-F5344CB8AC3E}">
+        <p14:creationId xmlns:p14="http://schemas.microsoft.com/office/powerpoint/2010/main" val="2576081873"/>
+      </p:ext>
+    </p:extLst>
+  </p:cSld>
+  <p:clrMapOvr>
+    <a:masterClrMapping/>
+  </p:clrMapOvr>
+</p:sld>
+</file>
+
 <file path=ppt/slides/slide3.xml><?xml version="1.0" encoding="utf-8"?>
 <p:sld xmlns:a="http://schemas.openxmlformats.org/drawingml/2006/main" xmlns:r="http://schemas.openxmlformats.org/officeDocument/2006/relationships" xmlns:p="http://schemas.openxmlformats.org/presentationml/2006/main">
   <p:cSld>
@@ -26500,76 +29795,88 @@
           <a:lstStyle/>
           <a:p>
             <a:r>
-              <a:rPr lang="zh-CN" altLang="en-US"/>
+              <a:rPr lang="zh-CN" altLang="en-US" dirty="0"/>
               <a:t>算法复杂性的概念</a:t>
             </a:r>
           </a:p>
           <a:p>
             <a:pPr lvl="1"/>
             <a:r>
-              <a:rPr lang="en-US" altLang="zh-CN"/>
+              <a:rPr lang="en-US" altLang="zh-CN" dirty="0"/>
               <a:t>C = F(N, I, A)</a:t>
             </a:r>
           </a:p>
           <a:p>
             <a:pPr lvl="1"/>
-            <a:endParaRPr lang="en-US" altLang="zh-CN"/>
+            <a:endParaRPr lang="en-US" altLang="zh-CN" dirty="0"/>
           </a:p>
           <a:p>
             <a:pPr lvl="1"/>
             <a:r>
-              <a:rPr lang="en-US" altLang="zh-CN"/>
-              <a:t>T(N, I) = ∑t</a:t>
+              <a:rPr lang="en-US" altLang="zh-CN" dirty="0"/>
+              <a:t>T(N, I) = ∑</a:t>
             </a:r>
             <a:r>
-              <a:rPr lang="en-US" altLang="zh-CN" baseline="-25000"/>
+              <a:rPr lang="en-US" altLang="zh-CN" dirty="0" err="1"/>
+              <a:t>t</a:t>
+            </a:r>
+            <a:r>
+              <a:rPr lang="en-US" altLang="zh-CN" baseline="-25000" dirty="0" err="1"/>
               <a:t>i</a:t>
             </a:r>
             <a:r>
-              <a:rPr lang="en-US" altLang="zh-CN"/>
+              <a:rPr lang="en-US" altLang="zh-CN" dirty="0" err="1"/>
               <a:t>e</a:t>
             </a:r>
             <a:r>
-              <a:rPr lang="en-US" altLang="zh-CN" baseline="-25000"/>
+              <a:rPr lang="en-US" altLang="zh-CN" baseline="-25000" dirty="0" err="1"/>
               <a:t>i</a:t>
             </a:r>
             <a:r>
-              <a:rPr lang="en-US" altLang="zh-CN"/>
+              <a:rPr lang="en-US" altLang="zh-CN" dirty="0"/>
               <a:t>(N, I)</a:t>
             </a:r>
           </a:p>
           <a:p>
             <a:pPr lvl="1"/>
-            <a:endParaRPr lang="en-US" altLang="zh-CN"/>
+            <a:endParaRPr lang="en-US" altLang="zh-CN" dirty="0"/>
           </a:p>
           <a:p>
             <a:pPr lvl="1"/>
             <a:r>
-              <a:rPr lang="en-US" altLang="zh-CN"/>
+              <a:rPr lang="en-US" altLang="zh-CN" dirty="0" err="1"/>
               <a:t>T</a:t>
             </a:r>
             <a:r>
-              <a:rPr lang="en-US" altLang="zh-CN" baseline="-25000"/>
+              <a:rPr lang="en-US" altLang="zh-CN" baseline="-25000" dirty="0" err="1"/>
               <a:t>max</a:t>
             </a:r>
             <a:r>
-              <a:rPr lang="en-US" altLang="zh-CN"/>
-              <a:t>(N), T</a:t>
+              <a:rPr lang="en-US" altLang="zh-CN" dirty="0"/>
+              <a:t>(N), </a:t>
             </a:r>
             <a:r>
-              <a:rPr lang="en-US" altLang="zh-CN" baseline="-25000"/>
+              <a:rPr lang="en-US" altLang="zh-CN" dirty="0" err="1"/>
+              <a:t>T</a:t>
+            </a:r>
+            <a:r>
+              <a:rPr lang="en-US" altLang="zh-CN" baseline="-25000" dirty="0" err="1"/>
               <a:t>min</a:t>
             </a:r>
             <a:r>
-              <a:rPr lang="en-US" altLang="zh-CN"/>
-              <a:t>(N), T</a:t>
+              <a:rPr lang="en-US" altLang="zh-CN" dirty="0"/>
+              <a:t>(N), </a:t>
             </a:r>
             <a:r>
-              <a:rPr lang="en-US" altLang="zh-CN" baseline="-25000"/>
+              <a:rPr lang="en-US" altLang="zh-CN" dirty="0" err="1"/>
+              <a:t>T</a:t>
+            </a:r>
+            <a:r>
+              <a:rPr lang="en-US" altLang="zh-CN" baseline="-25000" dirty="0" err="1"/>
               <a:t>avg</a:t>
             </a:r>
             <a:r>
-              <a:rPr lang="en-US" altLang="zh-CN"/>
+              <a:rPr lang="en-US" altLang="zh-CN" dirty="0"/>
               <a:t>(N)</a:t>
             </a:r>
           </a:p>
@@ -27630,7 +30937,7 @@
           <a:graphicData uri="http://schemas.openxmlformats.org/presentationml/2006/ole">
             <mc:AlternateContent xmlns:mc="http://schemas.openxmlformats.org/markup-compatibility/2006">
               <mc:Choice xmlns:v="urn:schemas-microsoft-com:vml" Requires="v">
-                <p:oleObj spid="_x0000_s73741" name="公式" r:id="rId3" imgW="1650960" imgH="457200" progId="Equation.3">
+                <p:oleObj spid="_x0000_s73743" name="公式" r:id="rId3" imgW="1650960" imgH="457200" progId="Equation.3">
                   <p:embed/>
                 </p:oleObj>
               </mc:Choice>
@@ -28000,7 +31307,7 @@
           <a:graphicData uri="http://schemas.openxmlformats.org/presentationml/2006/ole">
             <mc:AlternateContent xmlns:mc="http://schemas.openxmlformats.org/markup-compatibility/2006">
               <mc:Choice xmlns:v="urn:schemas-microsoft-com:vml" Requires="v">
-                <p:oleObj spid="_x0000_s77835" name="公式" r:id="rId3" imgW="1752480" imgH="457200" progId="Equation.3">
+                <p:oleObj spid="_x0000_s77837" name="公式" r:id="rId3" imgW="1752480" imgH="457200" progId="Equation.3">
                   <p:embed/>
                 </p:oleObj>
               </mc:Choice>
@@ -28404,7 +31711,7 @@
           <a:graphicData uri="http://schemas.openxmlformats.org/presentationml/2006/ole">
             <mc:AlternateContent xmlns:mc="http://schemas.openxmlformats.org/markup-compatibility/2006">
               <mc:Choice xmlns:v="urn:schemas-microsoft-com:vml" Requires="v">
-                <p:oleObj spid="_x0000_s75787" name="公式" r:id="rId3" imgW="1726920" imgH="457200" progId="Equation.3">
+                <p:oleObj spid="_x0000_s75789" name="公式" r:id="rId3" imgW="1726920" imgH="457200" progId="Equation.3">
                   <p:embed/>
                 </p:oleObj>
               </mc:Choice>
@@ -28673,7 +31980,7 @@
           <a:graphicData uri="http://schemas.openxmlformats.org/presentationml/2006/ole">
             <mc:AlternateContent xmlns:mc="http://schemas.openxmlformats.org/markup-compatibility/2006">
               <mc:Choice xmlns:v="urn:schemas-microsoft-com:vml" Requires="v">
-                <p:oleObj spid="_x0000_s78867" name="公式" r:id="rId3" imgW="2387520" imgH="457200" progId="Equation.3">
+                <p:oleObj spid="_x0000_s78871" name="公式" r:id="rId3" imgW="2387520" imgH="457200" progId="Equation.3">
                   <p:embed/>
                 </p:oleObj>
               </mc:Choice>
@@ -28774,7 +32081,7 @@
           <a:graphicData uri="http://schemas.openxmlformats.org/presentationml/2006/ole">
             <mc:AlternateContent xmlns:mc="http://schemas.openxmlformats.org/markup-compatibility/2006">
               <mc:Choice xmlns:v="urn:schemas-microsoft-com:vml" Requires="v">
-                <p:oleObj spid="_x0000_s78868" name="公式" r:id="rId5" imgW="1218960" imgH="431640" progId="Equation.3">
+                <p:oleObj spid="_x0000_s78872" name="公式" r:id="rId5" imgW="1218960" imgH="431640" progId="Equation.3">
                   <p:embed/>
                 </p:oleObj>
               </mc:Choice>

--- a/教案/第01章.算法与算法复杂性.pptx
+++ b/教案/第01章.算法与算法复杂性.pptx
@@ -16060,7 +16060,7 @@
           <a:graphicData uri="http://schemas.openxmlformats.org/presentationml/2006/ole">
             <mc:AlternateContent xmlns:mc="http://schemas.openxmlformats.org/markup-compatibility/2006">
               <mc:Choice xmlns:v="urn:schemas-microsoft-com:vml" Requires="v">
-                <p:oleObj spid="_x0000_s83023" name="公式" r:id="rId3" imgW="1218960" imgH="431640" progId="Equation.3">
+                <p:oleObj spid="_x0000_s83032" name="公式" r:id="rId3" imgW="1218960" imgH="431640" progId="Equation.3">
                   <p:embed/>
                 </p:oleObj>
               </mc:Choice>
@@ -16159,7 +16159,7 @@
           <a:graphicData uri="http://schemas.openxmlformats.org/presentationml/2006/ole">
             <mc:AlternateContent xmlns:mc="http://schemas.openxmlformats.org/markup-compatibility/2006">
               <mc:Choice xmlns:v="urn:schemas-microsoft-com:vml" Requires="v">
-                <p:oleObj spid="_x0000_s83024" name="公式" r:id="rId5" imgW="787320" imgH="431640" progId="Equation.3">
+                <p:oleObj spid="_x0000_s83033" name="公式" r:id="rId5" imgW="787320" imgH="431640" progId="Equation.3">
                   <p:embed/>
                 </p:oleObj>
               </mc:Choice>
@@ -16258,7 +16258,7 @@
           <a:graphicData uri="http://schemas.openxmlformats.org/presentationml/2006/ole">
             <mc:AlternateContent xmlns:mc="http://schemas.openxmlformats.org/markup-compatibility/2006">
               <mc:Choice xmlns:v="urn:schemas-microsoft-com:vml" Requires="v">
-                <p:oleObj spid="_x0000_s83025" name="公式" r:id="rId7" imgW="1917360" imgH="431640" progId="Equation.3">
+                <p:oleObj spid="_x0000_s83034" name="公式" r:id="rId7" imgW="1917360" imgH="431640" progId="Equation.3">
                   <p:embed/>
                 </p:oleObj>
               </mc:Choice>
@@ -16357,7 +16357,7 @@
           <a:graphicData uri="http://schemas.openxmlformats.org/presentationml/2006/ole">
             <mc:AlternateContent xmlns:mc="http://schemas.openxmlformats.org/markup-compatibility/2006">
               <mc:Choice xmlns:v="urn:schemas-microsoft-com:vml" Requires="v">
-                <p:oleObj spid="_x0000_s83026" name="公式" r:id="rId9" imgW="1346040" imgH="431640" progId="Equation.3">
+                <p:oleObj spid="_x0000_s83035" name="公式" r:id="rId9" imgW="1346040" imgH="431640" progId="Equation.3">
                   <p:embed/>
                 </p:oleObj>
               </mc:Choice>
@@ -16456,7 +16456,7 @@
           <a:graphicData uri="http://schemas.openxmlformats.org/presentationml/2006/ole">
             <mc:AlternateContent xmlns:mc="http://schemas.openxmlformats.org/markup-compatibility/2006">
               <mc:Choice xmlns:v="urn:schemas-microsoft-com:vml" Requires="v">
-                <p:oleObj spid="_x0000_s83027" name="公式" r:id="rId11" imgW="2006280" imgH="431640" progId="Equation.3">
+                <p:oleObj spid="_x0000_s83036" name="公式" r:id="rId11" imgW="2006280" imgH="431640" progId="Equation.3">
                   <p:embed/>
                 </p:oleObj>
               </mc:Choice>
@@ -16555,7 +16555,7 @@
           <a:graphicData uri="http://schemas.openxmlformats.org/presentationml/2006/ole">
             <mc:AlternateContent xmlns:mc="http://schemas.openxmlformats.org/markup-compatibility/2006">
               <mc:Choice xmlns:v="urn:schemas-microsoft-com:vml" Requires="v">
-                <p:oleObj spid="_x0000_s83028" name="公式" r:id="rId13" imgW="2222280" imgH="444240" progId="Equation.3">
+                <p:oleObj spid="_x0000_s83037" name="公式" r:id="rId13" imgW="2222280" imgH="444240" progId="Equation.3">
                   <p:embed/>
                 </p:oleObj>
               </mc:Choice>
@@ -16654,7 +16654,7 @@
           <a:graphicData uri="http://schemas.openxmlformats.org/presentationml/2006/ole">
             <mc:AlternateContent xmlns:mc="http://schemas.openxmlformats.org/markup-compatibility/2006">
               <mc:Choice xmlns:v="urn:schemas-microsoft-com:vml" Requires="v">
-                <p:oleObj spid="_x0000_s83029" name="公式" r:id="rId15" imgW="1574640" imgH="444240" progId="Equation.3">
+                <p:oleObj spid="_x0000_s83038" name="公式" r:id="rId15" imgW="1574640" imgH="444240" progId="Equation.3">
                   <p:embed/>
                 </p:oleObj>
               </mc:Choice>
@@ -16753,7 +16753,7 @@
           <a:graphicData uri="http://schemas.openxmlformats.org/presentationml/2006/ole">
             <mc:AlternateContent xmlns:mc="http://schemas.openxmlformats.org/markup-compatibility/2006">
               <mc:Choice xmlns:v="urn:schemas-microsoft-com:vml" Requires="v">
-                <p:oleObj spid="_x0000_s83030" name="公式" r:id="rId17" imgW="3263760" imgH="419040" progId="Equation.3">
+                <p:oleObj spid="_x0000_s83039" name="公式" r:id="rId17" imgW="3263760" imgH="419040" progId="Equation.3">
                   <p:embed/>
                 </p:oleObj>
               </mc:Choice>
@@ -16852,7 +16852,7 @@
           <a:graphicData uri="http://schemas.openxmlformats.org/presentationml/2006/ole">
             <mc:AlternateContent xmlns:mc="http://schemas.openxmlformats.org/markup-compatibility/2006">
               <mc:Choice xmlns:v="urn:schemas-microsoft-com:vml" Requires="v">
-                <p:oleObj spid="_x0000_s83031" name="公式" r:id="rId19" imgW="1942920" imgH="393480" progId="Equation.3">
+                <p:oleObj spid="_x0000_s83040" name="公式" r:id="rId19" imgW="1942920" imgH="393480" progId="Equation.3">
                   <p:embed/>
                 </p:oleObj>
               </mc:Choice>
@@ -17424,7 +17424,7 @@
           <a:graphicData uri="http://schemas.openxmlformats.org/presentationml/2006/ole">
             <mc:AlternateContent xmlns:mc="http://schemas.openxmlformats.org/markup-compatibility/2006">
               <mc:Choice xmlns:v="urn:schemas-microsoft-com:vml" Requires="v">
-                <p:oleObj spid="_x0000_s84038" name="公式" r:id="rId3" imgW="1942920" imgH="393480" progId="Equation.3">
+                <p:oleObj spid="_x0000_s84045" name="公式" r:id="rId3" imgW="1942920" imgH="393480" progId="Equation.3">
                   <p:embed/>
                 </p:oleObj>
               </mc:Choice>
@@ -17523,7 +17523,7 @@
           <a:graphicData uri="http://schemas.openxmlformats.org/presentationml/2006/ole">
             <mc:AlternateContent xmlns:mc="http://schemas.openxmlformats.org/markup-compatibility/2006">
               <mc:Choice xmlns:v="urn:schemas-microsoft-com:vml" Requires="v">
-                <p:oleObj spid="_x0000_s84039" name="公式" r:id="rId5" imgW="3390840" imgH="431640" progId="Equation.3">
+                <p:oleObj spid="_x0000_s84046" name="公式" r:id="rId5" imgW="3390840" imgH="431640" progId="Equation.3">
                   <p:embed/>
                 </p:oleObj>
               </mc:Choice>
@@ -17622,7 +17622,7 @@
           <a:graphicData uri="http://schemas.openxmlformats.org/presentationml/2006/ole">
             <mc:AlternateContent xmlns:mc="http://schemas.openxmlformats.org/markup-compatibility/2006">
               <mc:Choice xmlns:v="urn:schemas-microsoft-com:vml" Requires="v">
-                <p:oleObj spid="_x0000_s84040" name="公式" r:id="rId7" imgW="3035160" imgH="419040" progId="Equation.3">
+                <p:oleObj spid="_x0000_s84047" name="公式" r:id="rId7" imgW="3035160" imgH="419040" progId="Equation.3">
                   <p:embed/>
                 </p:oleObj>
               </mc:Choice>
@@ -17721,7 +17721,7 @@
           <a:graphicData uri="http://schemas.openxmlformats.org/presentationml/2006/ole">
             <mc:AlternateContent xmlns:mc="http://schemas.openxmlformats.org/markup-compatibility/2006">
               <mc:Choice xmlns:v="urn:schemas-microsoft-com:vml" Requires="v">
-                <p:oleObj spid="_x0000_s84041" name="公式" r:id="rId9" imgW="4495680" imgH="431640" progId="Equation.3">
+                <p:oleObj spid="_x0000_s84048" name="公式" r:id="rId9" imgW="4495680" imgH="431640" progId="Equation.3">
                   <p:embed/>
                 </p:oleObj>
               </mc:Choice>
@@ -17820,7 +17820,7 @@
           <a:graphicData uri="http://schemas.openxmlformats.org/presentationml/2006/ole">
             <mc:AlternateContent xmlns:mc="http://schemas.openxmlformats.org/markup-compatibility/2006">
               <mc:Choice xmlns:v="urn:schemas-microsoft-com:vml" Requires="v">
-                <p:oleObj spid="_x0000_s84042" name="公式" r:id="rId11" imgW="4444920" imgH="419040" progId="Equation.3">
+                <p:oleObj spid="_x0000_s84049" name="公式" r:id="rId11" imgW="4444920" imgH="419040" progId="Equation.3">
                   <p:embed/>
                 </p:oleObj>
               </mc:Choice>
@@ -17972,204 +17972,769 @@
           </a:p>
         </p:txBody>
       </p:sp>
-      <p:graphicFrame>
-        <p:nvGraphicFramePr>
-          <p:cNvPr id="83987" name="Object 19">
-            <a:extLst>
-              <a:ext uri="{FF2B5EF4-FFF2-40B4-BE49-F238E27FC236}">
-                <a16:creationId xmlns:a16="http://schemas.microsoft.com/office/drawing/2014/main" id="{4DB3A856-F609-4860-BA40-4F1FFE8B31E3}"/>
-              </a:ext>
-            </a:extLst>
-          </p:cNvPr>
-          <p:cNvGraphicFramePr>
-            <a:graphicFrameLocks noChangeAspect="1"/>
-          </p:cNvGraphicFramePr>
-          <p:nvPr/>
-        </p:nvGraphicFramePr>
-        <p:xfrm>
-          <a:off x="2373313" y="4868864"/>
-          <a:ext cx="7810500" cy="727075"/>
-        </p:xfrm>
-        <a:graphic>
-          <a:graphicData uri="http://schemas.openxmlformats.org/presentationml/2006/ole">
-            <mc:AlternateContent xmlns:mc="http://schemas.openxmlformats.org/markup-compatibility/2006">
-              <mc:Choice xmlns:v="urn:schemas-microsoft-com:vml" Requires="v">
-                <p:oleObj spid="_x0000_s84043" name="公式" r:id="rId13" imgW="4495680" imgH="419040" progId="Equation.3">
-                  <p:embed/>
-                </p:oleObj>
-              </mc:Choice>
-              <mc:Fallback>
-                <p:oleObj name="公式" r:id="rId13" imgW="4495680" imgH="419040" progId="Equation.3">
-                  <p:embed/>
-                  <p:pic>
-                    <p:nvPicPr>
-                      <p:cNvPr id="0" name="Object 19"/>
-                      <p:cNvPicPr>
-                        <a:picLocks noChangeAspect="1" noChangeArrowheads="1"/>
-                      </p:cNvPicPr>
-                      <p:nvPr/>
-                    </p:nvPicPr>
-                    <p:blipFill>
-                      <a:blip r:embed="rId14">
-                        <a:extLst>
-                          <a:ext uri="{28A0092B-C50C-407E-A947-70E740481C1C}">
-                            <a14:useLocalDpi xmlns:a14="http://schemas.microsoft.com/office/drawing/2010/main" val="0"/>
-                          </a:ext>
-                        </a:extLst>
-                      </a:blip>
-                      <a:srcRect/>
-                      <a:stretch>
-                        <a:fillRect/>
-                      </a:stretch>
-                    </p:blipFill>
-                    <p:spPr bwMode="auto">
-                      <a:xfrm>
-                        <a:off x="2373313" y="4868864"/>
-                        <a:ext cx="7810500" cy="727075"/>
-                      </a:xfrm>
-                      <a:prstGeom prst="rect">
-                        <a:avLst/>
-                      </a:prstGeom>
-                      <a:noFill/>
-                      <a:ln>
-                        <a:noFill/>
-                      </a:ln>
-                      <a:effectLst/>
-                      <a:extLst>
-                        <a:ext uri="{909E8E84-426E-40DD-AFC4-6F175D3DCCD1}">
-                          <a14:hiddenFill xmlns:a14="http://schemas.microsoft.com/office/drawing/2010/main">
-                            <a:solidFill>
-                              <a:srgbClr val="FFFFFF"/>
-                            </a:solidFill>
-                          </a14:hiddenFill>
-                        </a:ext>
-                        <a:ext uri="{91240B29-F687-4F45-9708-019B960494DF}">
-                          <a14:hiddenLine xmlns:a14="http://schemas.microsoft.com/office/drawing/2010/main" w="9525">
-                            <a:solidFill>
-                              <a:srgbClr val="000000"/>
-                            </a:solidFill>
-                            <a:miter lim="800000"/>
-                            <a:headEnd/>
-                            <a:tailEnd/>
-                          </a14:hiddenLine>
-                        </a:ext>
-                        <a:ext uri="{AF507438-7753-43E0-B8FC-AC1667EBCBE1}">
-                          <a14:hiddenEffects xmlns:a14="http://schemas.microsoft.com/office/drawing/2010/main">
-                            <a:effectLst>
-                              <a:outerShdw dist="35921" dir="2700000" algn="ctr" rotWithShape="0">
-                                <a:srgbClr val="808080"/>
-                              </a:outerShdw>
-                            </a:effectLst>
-                          </a14:hiddenEffects>
-                        </a:ext>
-                      </a:extLst>
-                    </p:spPr>
-                  </p:pic>
-                </p:oleObj>
-              </mc:Fallback>
-            </mc:AlternateContent>
-          </a:graphicData>
-        </a:graphic>
-      </p:graphicFrame>
-      <p:graphicFrame>
-        <p:nvGraphicFramePr>
-          <p:cNvPr id="83988" name="Object 20">
-            <a:extLst>
-              <a:ext uri="{FF2B5EF4-FFF2-40B4-BE49-F238E27FC236}">
-                <a16:creationId xmlns:a16="http://schemas.microsoft.com/office/drawing/2014/main" id="{5EC98775-6334-4E10-BABD-3385F3A573DC}"/>
-              </a:ext>
-            </a:extLst>
-          </p:cNvPr>
-          <p:cNvGraphicFramePr>
-            <a:graphicFrameLocks noChangeAspect="1"/>
-          </p:cNvGraphicFramePr>
-          <p:nvPr/>
-        </p:nvGraphicFramePr>
-        <p:xfrm>
-          <a:off x="2381250" y="5675313"/>
-          <a:ext cx="3441700" cy="749300"/>
-        </p:xfrm>
-        <a:graphic>
-          <a:graphicData uri="http://schemas.openxmlformats.org/presentationml/2006/ole">
-            <mc:AlternateContent xmlns:mc="http://schemas.openxmlformats.org/markup-compatibility/2006">
-              <mc:Choice xmlns:v="urn:schemas-microsoft-com:vml" Requires="v">
-                <p:oleObj spid="_x0000_s84044" name="公式" r:id="rId15" imgW="1981080" imgH="431640" progId="Equation.3">
-                  <p:embed/>
-                </p:oleObj>
-              </mc:Choice>
-              <mc:Fallback>
-                <p:oleObj name="公式" r:id="rId15" imgW="1981080" imgH="431640" progId="Equation.3">
-                  <p:embed/>
-                  <p:pic>
-                    <p:nvPicPr>
-                      <p:cNvPr id="0" name="Object 20"/>
-                      <p:cNvPicPr>
-                        <a:picLocks noChangeAspect="1" noChangeArrowheads="1"/>
-                      </p:cNvPicPr>
-                      <p:nvPr/>
-                    </p:nvPicPr>
-                    <p:blipFill>
-                      <a:blip r:embed="rId16">
-                        <a:extLst>
-                          <a:ext uri="{28A0092B-C50C-407E-A947-70E740481C1C}">
-                            <a14:useLocalDpi xmlns:a14="http://schemas.microsoft.com/office/drawing/2010/main" val="0"/>
-                          </a:ext>
-                        </a:extLst>
-                      </a:blip>
-                      <a:srcRect/>
-                      <a:stretch>
-                        <a:fillRect/>
-                      </a:stretch>
-                    </p:blipFill>
-                    <p:spPr bwMode="auto">
-                      <a:xfrm>
-                        <a:off x="2381250" y="5675313"/>
-                        <a:ext cx="3441700" cy="749300"/>
-                      </a:xfrm>
-                      <a:prstGeom prst="rect">
-                        <a:avLst/>
-                      </a:prstGeom>
-                      <a:noFill/>
-                      <a:ln>
-                        <a:noFill/>
-                      </a:ln>
-                      <a:effectLst/>
-                      <a:extLst>
-                        <a:ext uri="{909E8E84-426E-40DD-AFC4-6F175D3DCCD1}">
-                          <a14:hiddenFill xmlns:a14="http://schemas.microsoft.com/office/drawing/2010/main">
-                            <a:solidFill>
-                              <a:srgbClr val="FFFFFF"/>
-                            </a:solidFill>
-                          </a14:hiddenFill>
-                        </a:ext>
-                        <a:ext uri="{91240B29-F687-4F45-9708-019B960494DF}">
-                          <a14:hiddenLine xmlns:a14="http://schemas.microsoft.com/office/drawing/2010/main" w="9525">
-                            <a:solidFill>
-                              <a:srgbClr val="000000"/>
-                            </a:solidFill>
-                            <a:miter lim="800000"/>
-                            <a:headEnd/>
-                            <a:tailEnd/>
-                          </a14:hiddenLine>
-                        </a:ext>
-                        <a:ext uri="{AF507438-7753-43E0-B8FC-AC1667EBCBE1}">
-                          <a14:hiddenEffects xmlns:a14="http://schemas.microsoft.com/office/drawing/2010/main">
-                            <a:effectLst>
-                              <a:outerShdw dist="35921" dir="2700000" algn="ctr" rotWithShape="0">
-                                <a:srgbClr val="808080"/>
-                              </a:outerShdw>
-                            </a:effectLst>
-                          </a14:hiddenEffects>
-                        </a:ext>
-                      </a:extLst>
-                    </p:spPr>
-                  </p:pic>
-                </p:oleObj>
-              </mc:Fallback>
-            </mc:AlternateContent>
-          </a:graphicData>
-        </a:graphic>
-      </p:graphicFrame>
+      <mc:AlternateContent xmlns:mc="http://schemas.openxmlformats.org/markup-compatibility/2006">
+        <mc:Choice xmlns:a14="http://schemas.microsoft.com/office/drawing/2010/main" Requires="a14">
+          <p:sp>
+            <p:nvSpPr>
+              <p:cNvPr id="83987" name="Object 19">
+                <a:extLst>
+                  <a:ext uri="{FF2B5EF4-FFF2-40B4-BE49-F238E27FC236}">
+                    <a16:creationId xmlns:a16="http://schemas.microsoft.com/office/drawing/2014/main" id="{4DB3A856-F609-4860-BA40-4F1FFE8B31E3}"/>
+                  </a:ext>
+                </a:extLst>
+              </p:cNvPr>
+              <p:cNvSpPr txBox="1"/>
+              <p:nvPr/>
+            </p:nvSpPr>
+            <p:spPr bwMode="auto">
+              <a:xfrm>
+                <a:off x="2373313" y="4868863"/>
+                <a:ext cx="7810500" cy="727075"/>
+              </a:xfrm>
+              <a:prstGeom prst="rect">
+                <a:avLst/>
+              </a:prstGeom>
+              <a:noFill/>
+              <a:ln>
+                <a:noFill/>
+              </a:ln>
+              <a:effectLst/>
+            </p:spPr>
+            <p:txBody>
+              <a:bodyPr>
+                <a:normAutofit fontScale="85000" lnSpcReduction="10000"/>
+              </a:bodyPr>
+              <a:lstStyle/>
+              <a:p>
+                <a:pPr/>
+                <a14:m>
+                  <m:oMathPara xmlns:m="http://schemas.openxmlformats.org/officeDocument/2006/math">
+                    <m:oMathParaPr>
+                      <m:jc m:val="left"/>
+                    </m:oMathParaPr>
+                    <m:oMath xmlns:m="http://schemas.openxmlformats.org/officeDocument/2006/math">
+                      <m:r>
+                        <a:rPr lang="zh-CN" altLang="en-US" i="1" smtClean="0">
+                          <a:solidFill>
+                            <a:srgbClr val="000000"/>
+                          </a:solidFill>
+                          <a:latin typeface="Cambria Math" panose="02040503050406030204" pitchFamily="18" charset="0"/>
+                        </a:rPr>
+                        <m:t>=</m:t>
+                      </m:r>
+                      <m:f>
+                        <m:fPr>
+                          <m:ctrlPr>
+                            <a:rPr lang="zh-CN" altLang="en-US" i="1" smtClean="0">
+                              <a:solidFill>
+                                <a:srgbClr val="000000"/>
+                              </a:solidFill>
+                              <a:latin typeface="Cambria Math" panose="02040503050406030204" pitchFamily="18" charset="0"/>
+                            </a:rPr>
+                          </m:ctrlPr>
+                        </m:fPr>
+                        <m:num>
+                          <m:r>
+                            <a:rPr lang="zh-CN" altLang="en-US" i="1">
+                              <a:solidFill>
+                                <a:srgbClr val="000000"/>
+                              </a:solidFill>
+                              <a:latin typeface="Cambria Math" panose="02040503050406030204" pitchFamily="18" charset="0"/>
+                            </a:rPr>
+                            <m:t>𝑛</m:t>
+                          </m:r>
+                          <m:r>
+                            <a:rPr lang="zh-CN" altLang="en-US" i="1">
+                              <a:solidFill>
+                                <a:srgbClr val="000000"/>
+                              </a:solidFill>
+                              <a:latin typeface="Cambria Math" panose="02040503050406030204" pitchFamily="18" charset="0"/>
+                            </a:rPr>
+                            <m:t>+1</m:t>
+                          </m:r>
+                        </m:num>
+                        <m:den>
+                          <m:r>
+                            <a:rPr lang="en-US" altLang="zh-CN" b="0" i="1" smtClean="0">
+                              <a:solidFill>
+                                <a:srgbClr val="000000"/>
+                              </a:solidFill>
+                              <a:latin typeface="Cambria Math" panose="02040503050406030204" pitchFamily="18" charset="0"/>
+                            </a:rPr>
+                            <m:t>1</m:t>
+                          </m:r>
+                        </m:den>
+                      </m:f>
+                      <m:r>
+                        <a:rPr lang="zh-CN" altLang="en-US" i="1">
+                          <a:solidFill>
+                            <a:srgbClr val="000000"/>
+                          </a:solidFill>
+                          <a:latin typeface="Cambria Math" panose="02040503050406030204" pitchFamily="18" charset="0"/>
+                        </a:rPr>
+                        <m:t>⋅</m:t>
+                      </m:r>
+                      <m:r>
+                        <a:rPr lang="zh-CN" altLang="en-US" i="1">
+                          <a:solidFill>
+                            <a:srgbClr val="000000"/>
+                          </a:solidFill>
+                          <a:latin typeface="Cambria Math" panose="02040503050406030204" pitchFamily="18" charset="0"/>
+                        </a:rPr>
+                        <m:t>𝑇</m:t>
+                      </m:r>
+                      <m:r>
+                        <a:rPr lang="zh-CN" altLang="en-US" i="1">
+                          <a:solidFill>
+                            <a:srgbClr val="000000"/>
+                          </a:solidFill>
+                          <a:latin typeface="Cambria Math" panose="02040503050406030204" pitchFamily="18" charset="0"/>
+                        </a:rPr>
+                        <m:t>(0)+</m:t>
+                      </m:r>
+                      <m:r>
+                        <a:rPr lang="zh-CN" altLang="en-US" i="1">
+                          <a:solidFill>
+                            <a:srgbClr val="000000"/>
+                          </a:solidFill>
+                          <a:latin typeface="Cambria Math" panose="02040503050406030204" pitchFamily="18" charset="0"/>
+                        </a:rPr>
+                        <m:t>𝑐</m:t>
+                      </m:r>
+                      <m:r>
+                        <a:rPr lang="zh-CN" altLang="en-US" i="1">
+                          <a:solidFill>
+                            <a:srgbClr val="000000"/>
+                          </a:solidFill>
+                          <a:latin typeface="Cambria Math" panose="02040503050406030204" pitchFamily="18" charset="0"/>
+                        </a:rPr>
+                        <m:t>⋅</m:t>
+                      </m:r>
+                      <m:f>
+                        <m:fPr>
+                          <m:ctrlPr>
+                            <a:rPr lang="zh-CN" altLang="en-US" i="1">
+                              <a:solidFill>
+                                <a:srgbClr val="000000"/>
+                              </a:solidFill>
+                              <a:latin typeface="Cambria Math" panose="02040503050406030204" pitchFamily="18" charset="0"/>
+                            </a:rPr>
+                          </m:ctrlPr>
+                        </m:fPr>
+                        <m:num>
+                          <m:r>
+                            <a:rPr lang="zh-CN" altLang="en-US" i="1">
+                              <a:solidFill>
+                                <a:srgbClr val="000000"/>
+                              </a:solidFill>
+                              <a:latin typeface="Cambria Math" panose="02040503050406030204" pitchFamily="18" charset="0"/>
+                            </a:rPr>
+                            <m:t>(</m:t>
+                          </m:r>
+                          <m:r>
+                            <a:rPr lang="zh-CN" altLang="en-US" i="1">
+                              <a:solidFill>
+                                <a:srgbClr val="000000"/>
+                              </a:solidFill>
+                              <a:latin typeface="Cambria Math" panose="02040503050406030204" pitchFamily="18" charset="0"/>
+                            </a:rPr>
+                            <m:t>𝑛</m:t>
+                          </m:r>
+                          <m:r>
+                            <a:rPr lang="zh-CN" altLang="en-US" i="1">
+                              <a:solidFill>
+                                <a:srgbClr val="000000"/>
+                              </a:solidFill>
+                              <a:latin typeface="Cambria Math" panose="02040503050406030204" pitchFamily="18" charset="0"/>
+                            </a:rPr>
+                            <m:t>+1)(2⋅1−1)</m:t>
+                          </m:r>
+                        </m:num>
+                        <m:den>
+                          <m:r>
+                            <a:rPr lang="zh-CN" altLang="en-US" i="1">
+                              <a:solidFill>
+                                <a:srgbClr val="000000"/>
+                              </a:solidFill>
+                              <a:latin typeface="Cambria Math" panose="02040503050406030204" pitchFamily="18" charset="0"/>
+                            </a:rPr>
+                            <m:t>1⋅2</m:t>
+                          </m:r>
+                        </m:den>
+                      </m:f>
+                      <m:r>
+                        <a:rPr lang="zh-CN" altLang="en-US" i="1">
+                          <a:solidFill>
+                            <a:srgbClr val="000000"/>
+                          </a:solidFill>
+                          <a:latin typeface="Cambria Math" panose="02040503050406030204" pitchFamily="18" charset="0"/>
+                        </a:rPr>
+                        <m:t>+</m:t>
+                      </m:r>
+                      <m:r>
+                        <a:rPr lang="zh-CN" altLang="en-US" i="1">
+                          <a:solidFill>
+                            <a:srgbClr val="000000"/>
+                          </a:solidFill>
+                          <a:latin typeface="Cambria Math" panose="02040503050406030204" pitchFamily="18" charset="0"/>
+                        </a:rPr>
+                        <m:t>𝑐</m:t>
+                      </m:r>
+                      <m:r>
+                        <a:rPr lang="zh-CN" altLang="en-US" i="1">
+                          <a:solidFill>
+                            <a:srgbClr val="000000"/>
+                          </a:solidFill>
+                          <a:latin typeface="Cambria Math" panose="02040503050406030204" pitchFamily="18" charset="0"/>
+                        </a:rPr>
+                        <m:t>⋅</m:t>
+                      </m:r>
+                      <m:f>
+                        <m:fPr>
+                          <m:ctrlPr>
+                            <a:rPr lang="zh-CN" altLang="en-US" i="1">
+                              <a:solidFill>
+                                <a:srgbClr val="000000"/>
+                              </a:solidFill>
+                              <a:latin typeface="Cambria Math" panose="02040503050406030204" pitchFamily="18" charset="0"/>
+                            </a:rPr>
+                          </m:ctrlPr>
+                        </m:fPr>
+                        <m:num>
+                          <m:r>
+                            <a:rPr lang="zh-CN" altLang="en-US" i="1">
+                              <a:solidFill>
+                                <a:srgbClr val="000000"/>
+                              </a:solidFill>
+                              <a:latin typeface="Cambria Math" panose="02040503050406030204" pitchFamily="18" charset="0"/>
+                            </a:rPr>
+                            <m:t>(</m:t>
+                          </m:r>
+                          <m:r>
+                            <a:rPr lang="zh-CN" altLang="en-US" i="1">
+                              <a:solidFill>
+                                <a:srgbClr val="000000"/>
+                              </a:solidFill>
+                              <a:latin typeface="Cambria Math" panose="02040503050406030204" pitchFamily="18" charset="0"/>
+                            </a:rPr>
+                            <m:t>𝑛</m:t>
+                          </m:r>
+                          <m:r>
+                            <a:rPr lang="zh-CN" altLang="en-US" i="1">
+                              <a:solidFill>
+                                <a:srgbClr val="000000"/>
+                              </a:solidFill>
+                              <a:latin typeface="Cambria Math" panose="02040503050406030204" pitchFamily="18" charset="0"/>
+                            </a:rPr>
+                            <m:t>+1)(2⋅2−1)</m:t>
+                          </m:r>
+                        </m:num>
+                        <m:den>
+                          <m:r>
+                            <a:rPr lang="zh-CN" altLang="en-US" i="1">
+                              <a:solidFill>
+                                <a:srgbClr val="000000"/>
+                              </a:solidFill>
+                              <a:latin typeface="Cambria Math" panose="02040503050406030204" pitchFamily="18" charset="0"/>
+                            </a:rPr>
+                            <m:t>2⋅3</m:t>
+                          </m:r>
+                        </m:den>
+                      </m:f>
+                      <m:r>
+                        <a:rPr lang="zh-CN" altLang="en-US" i="1">
+                          <a:solidFill>
+                            <a:srgbClr val="000000"/>
+                          </a:solidFill>
+                          <a:latin typeface="Cambria Math" panose="02040503050406030204" pitchFamily="18" charset="0"/>
+                        </a:rPr>
+                        <m:t>+⋯+</m:t>
+                      </m:r>
+                      <m:r>
+                        <a:rPr lang="zh-CN" altLang="en-US" i="1">
+                          <a:solidFill>
+                            <a:srgbClr val="000000"/>
+                          </a:solidFill>
+                          <a:latin typeface="Cambria Math" panose="02040503050406030204" pitchFamily="18" charset="0"/>
+                        </a:rPr>
+                        <m:t>𝑐</m:t>
+                      </m:r>
+                      <m:r>
+                        <a:rPr lang="zh-CN" altLang="en-US" i="1">
+                          <a:solidFill>
+                            <a:srgbClr val="000000"/>
+                          </a:solidFill>
+                          <a:latin typeface="Cambria Math" panose="02040503050406030204" pitchFamily="18" charset="0"/>
+                        </a:rPr>
+                        <m:t>⋅</m:t>
+                      </m:r>
+                      <m:f>
+                        <m:fPr>
+                          <m:ctrlPr>
+                            <a:rPr lang="zh-CN" altLang="en-US" i="1">
+                              <a:solidFill>
+                                <a:srgbClr val="000000"/>
+                              </a:solidFill>
+                              <a:latin typeface="Cambria Math" panose="02040503050406030204" pitchFamily="18" charset="0"/>
+                            </a:rPr>
+                          </m:ctrlPr>
+                        </m:fPr>
+                        <m:num>
+                          <m:r>
+                            <a:rPr lang="zh-CN" altLang="en-US" i="1">
+                              <a:solidFill>
+                                <a:srgbClr val="000000"/>
+                              </a:solidFill>
+                              <a:latin typeface="Cambria Math" panose="02040503050406030204" pitchFamily="18" charset="0"/>
+                            </a:rPr>
+                            <m:t>(</m:t>
+                          </m:r>
+                          <m:r>
+                            <a:rPr lang="zh-CN" altLang="en-US" i="1">
+                              <a:solidFill>
+                                <a:srgbClr val="000000"/>
+                              </a:solidFill>
+                              <a:latin typeface="Cambria Math" panose="02040503050406030204" pitchFamily="18" charset="0"/>
+                            </a:rPr>
+                            <m:t>𝑛</m:t>
+                          </m:r>
+                          <m:r>
+                            <a:rPr lang="zh-CN" altLang="en-US" i="1">
+                              <a:solidFill>
+                                <a:srgbClr val="000000"/>
+                              </a:solidFill>
+                              <a:latin typeface="Cambria Math" panose="02040503050406030204" pitchFamily="18" charset="0"/>
+                            </a:rPr>
+                            <m:t>+1)(2</m:t>
+                          </m:r>
+                          <m:r>
+                            <a:rPr lang="zh-CN" altLang="en-US" i="1">
+                              <a:solidFill>
+                                <a:srgbClr val="000000"/>
+                              </a:solidFill>
+                              <a:latin typeface="Cambria Math" panose="02040503050406030204" pitchFamily="18" charset="0"/>
+                            </a:rPr>
+                            <m:t>𝑛</m:t>
+                          </m:r>
+                          <m:r>
+                            <a:rPr lang="zh-CN" altLang="en-US" i="1">
+                              <a:solidFill>
+                                <a:srgbClr val="000000"/>
+                              </a:solidFill>
+                              <a:latin typeface="Cambria Math" panose="02040503050406030204" pitchFamily="18" charset="0"/>
+                            </a:rPr>
+                            <m:t>−1)</m:t>
+                          </m:r>
+                        </m:num>
+                        <m:den>
+                          <m:r>
+                            <a:rPr lang="zh-CN" altLang="en-US" i="1">
+                              <a:solidFill>
+                                <a:srgbClr val="000000"/>
+                              </a:solidFill>
+                              <a:latin typeface="Cambria Math" panose="02040503050406030204" pitchFamily="18" charset="0"/>
+                            </a:rPr>
+                            <m:t>𝑛</m:t>
+                          </m:r>
+                          <m:r>
+                            <a:rPr lang="zh-CN" altLang="en-US" i="1">
+                              <a:solidFill>
+                                <a:srgbClr val="000000"/>
+                              </a:solidFill>
+                              <a:latin typeface="Cambria Math" panose="02040503050406030204" pitchFamily="18" charset="0"/>
+                            </a:rPr>
+                            <m:t>(</m:t>
+                          </m:r>
+                          <m:r>
+                            <a:rPr lang="zh-CN" altLang="en-US" i="1">
+                              <a:solidFill>
+                                <a:srgbClr val="000000"/>
+                              </a:solidFill>
+                              <a:latin typeface="Cambria Math" panose="02040503050406030204" pitchFamily="18" charset="0"/>
+                            </a:rPr>
+                            <m:t>𝑛</m:t>
+                          </m:r>
+                          <m:r>
+                            <a:rPr lang="zh-CN" altLang="en-US" i="1">
+                              <a:solidFill>
+                                <a:srgbClr val="000000"/>
+                              </a:solidFill>
+                              <a:latin typeface="Cambria Math" panose="02040503050406030204" pitchFamily="18" charset="0"/>
+                            </a:rPr>
+                            <m:t>+1)</m:t>
+                          </m:r>
+                        </m:den>
+                      </m:f>
+                    </m:oMath>
+                  </m:oMathPara>
+                </a14:m>
+                <a:endParaRPr lang="zh-CN" altLang="en-US" dirty="0"/>
+              </a:p>
+            </p:txBody>
+          </p:sp>
+        </mc:Choice>
+        <mc:Fallback>
+          <p:sp>
+            <p:nvSpPr>
+              <p:cNvPr id="83987" name="Object 19">
+                <a:extLst>
+                  <a:ext uri="{FF2B5EF4-FFF2-40B4-BE49-F238E27FC236}">
+                    <a16:creationId xmlns:a16="http://schemas.microsoft.com/office/drawing/2014/main" id="{4DB3A856-F609-4860-BA40-4F1FFE8B31E3}"/>
+                  </a:ext>
+                </a:extLst>
+              </p:cNvPr>
+              <p:cNvSpPr txBox="1">
+                <a:spLocks noRot="1" noChangeAspect="1" noMove="1" noResize="1" noEditPoints="1" noAdjustHandles="1" noChangeArrowheads="1" noChangeShapeType="1" noTextEdit="1"/>
+              </p:cNvSpPr>
+              <p:nvPr/>
+            </p:nvSpPr>
+            <p:spPr bwMode="auto">
+              <a:xfrm>
+                <a:off x="2373313" y="4868863"/>
+                <a:ext cx="7810500" cy="727075"/>
+              </a:xfrm>
+              <a:prstGeom prst="rect">
+                <a:avLst/>
+              </a:prstGeom>
+              <a:blipFill>
+                <a:blip r:embed="rId13"/>
+                <a:stretch>
+                  <a:fillRect/>
+                </a:stretch>
+              </a:blipFill>
+              <a:ln>
+                <a:noFill/>
+              </a:ln>
+              <a:effectLst/>
+            </p:spPr>
+            <p:txBody>
+              <a:bodyPr/>
+              <a:lstStyle/>
+              <a:p>
+                <a:r>
+                  <a:rPr lang="zh-CN" altLang="en-US">
+                    <a:noFill/>
+                  </a:rPr>
+                  <a:t> </a:t>
+                </a:r>
+              </a:p>
+            </p:txBody>
+          </p:sp>
+        </mc:Fallback>
+      </mc:AlternateContent>
+      <mc:AlternateContent xmlns:mc="http://schemas.openxmlformats.org/markup-compatibility/2006">
+        <mc:Choice xmlns:a14="http://schemas.microsoft.com/office/drawing/2010/main" Requires="a14">
+          <p:sp>
+            <p:nvSpPr>
+              <p:cNvPr id="83988" name="Object 20">
+                <a:extLst>
+                  <a:ext uri="{FF2B5EF4-FFF2-40B4-BE49-F238E27FC236}">
+                    <a16:creationId xmlns:a16="http://schemas.microsoft.com/office/drawing/2014/main" id="{5EC98775-6334-4E10-BABD-3385F3A573DC}"/>
+                  </a:ext>
+                </a:extLst>
+              </p:cNvPr>
+              <p:cNvSpPr txBox="1"/>
+              <p:nvPr/>
+            </p:nvSpPr>
+            <p:spPr bwMode="auto">
+              <a:xfrm>
+                <a:off x="2381250" y="5675313"/>
+                <a:ext cx="3441700" cy="749300"/>
+              </a:xfrm>
+              <a:prstGeom prst="rect">
+                <a:avLst/>
+              </a:prstGeom>
+              <a:noFill/>
+              <a:ln>
+                <a:noFill/>
+              </a:ln>
+              <a:effectLst/>
+            </p:spPr>
+            <p:txBody>
+              <a:bodyPr>
+                <a:normAutofit fontScale="77500" lnSpcReduction="20000"/>
+              </a:bodyPr>
+              <a:lstStyle/>
+              <a:p>
+                <a:pPr/>
+                <a14:m>
+                  <m:oMathPara xmlns:m="http://schemas.openxmlformats.org/officeDocument/2006/math">
+                    <m:oMathParaPr>
+                      <m:jc m:val="left"/>
+                    </m:oMathParaPr>
+                    <m:oMath xmlns:m="http://schemas.openxmlformats.org/officeDocument/2006/math">
+                      <m:r>
+                        <a:rPr lang="zh-CN" altLang="en-US" i="1" smtClean="0">
+                          <a:solidFill>
+                            <a:srgbClr val="000000"/>
+                          </a:solidFill>
+                          <a:latin typeface="Cambria Math" panose="02040503050406030204" pitchFamily="18" charset="0"/>
+                        </a:rPr>
+                        <m:t>=</m:t>
+                      </m:r>
+                      <m:r>
+                        <a:rPr lang="en-US" altLang="zh-CN" b="0" i="1" smtClean="0">
+                          <a:solidFill>
+                            <a:srgbClr val="000000"/>
+                          </a:solidFill>
+                          <a:latin typeface="Cambria Math" panose="02040503050406030204" pitchFamily="18" charset="0"/>
+                        </a:rPr>
+                        <m:t>(</m:t>
+                      </m:r>
+                      <m:r>
+                        <a:rPr lang="en-US" altLang="zh-CN" b="0" i="1" smtClean="0">
+                          <a:solidFill>
+                            <a:srgbClr val="000000"/>
+                          </a:solidFill>
+                          <a:latin typeface="Cambria Math" panose="02040503050406030204" pitchFamily="18" charset="0"/>
+                        </a:rPr>
+                        <m:t>𝑛</m:t>
+                      </m:r>
+                      <m:r>
+                        <a:rPr lang="en-US" altLang="zh-CN" b="0" i="1" smtClean="0">
+                          <a:solidFill>
+                            <a:srgbClr val="000000"/>
+                          </a:solidFill>
+                          <a:latin typeface="Cambria Math" panose="02040503050406030204" pitchFamily="18" charset="0"/>
+                        </a:rPr>
+                        <m:t>+1)⋅</m:t>
+                      </m:r>
+                      <m:r>
+                        <a:rPr lang="zh-CN" altLang="en-US" i="1">
+                          <a:solidFill>
+                            <a:srgbClr val="000000"/>
+                          </a:solidFill>
+                          <a:latin typeface="Cambria Math" panose="02040503050406030204" pitchFamily="18" charset="0"/>
+                        </a:rPr>
+                        <m:t>𝑏</m:t>
+                      </m:r>
+                      <m:r>
+                        <a:rPr lang="zh-CN" altLang="en-US" i="1">
+                          <a:solidFill>
+                            <a:srgbClr val="000000"/>
+                          </a:solidFill>
+                          <a:latin typeface="Cambria Math" panose="02040503050406030204" pitchFamily="18" charset="0"/>
+                        </a:rPr>
+                        <m:t>+</m:t>
+                      </m:r>
+                      <m:r>
+                        <a:rPr lang="zh-CN" altLang="en-US" i="1">
+                          <a:solidFill>
+                            <a:srgbClr val="000000"/>
+                          </a:solidFill>
+                          <a:latin typeface="Cambria Math" panose="02040503050406030204" pitchFamily="18" charset="0"/>
+                        </a:rPr>
+                        <m:t>𝑐</m:t>
+                      </m:r>
+                      <m:r>
+                        <a:rPr lang="zh-CN" altLang="en-US" i="1">
+                          <a:solidFill>
+                            <a:srgbClr val="000000"/>
+                          </a:solidFill>
+                          <a:latin typeface="Cambria Math" panose="02040503050406030204" pitchFamily="18" charset="0"/>
+                        </a:rPr>
+                        <m:t>⋅(</m:t>
+                      </m:r>
+                      <m:r>
+                        <a:rPr lang="zh-CN" altLang="en-US" i="1">
+                          <a:solidFill>
+                            <a:srgbClr val="000000"/>
+                          </a:solidFill>
+                          <a:latin typeface="Cambria Math" panose="02040503050406030204" pitchFamily="18" charset="0"/>
+                        </a:rPr>
+                        <m:t>𝑛</m:t>
+                      </m:r>
+                      <m:r>
+                        <a:rPr lang="zh-CN" altLang="en-US" i="1">
+                          <a:solidFill>
+                            <a:srgbClr val="000000"/>
+                          </a:solidFill>
+                          <a:latin typeface="Cambria Math" panose="02040503050406030204" pitchFamily="18" charset="0"/>
+                        </a:rPr>
+                        <m:t>+1)⋅</m:t>
+                      </m:r>
+                      <m:nary>
+                        <m:naryPr>
+                          <m:chr m:val="∑"/>
+                          <m:ctrlPr>
+                            <a:rPr lang="zh-CN" altLang="en-US" i="1">
+                              <a:solidFill>
+                                <a:srgbClr val="000000"/>
+                              </a:solidFill>
+                              <a:latin typeface="Cambria Math" panose="02040503050406030204" pitchFamily="18" charset="0"/>
+                            </a:rPr>
+                          </m:ctrlPr>
+                        </m:naryPr>
+                        <m:sub>
+                          <m:r>
+                            <a:rPr lang="zh-CN" altLang="en-US" i="1">
+                              <a:solidFill>
+                                <a:srgbClr val="000000"/>
+                              </a:solidFill>
+                              <a:latin typeface="Cambria Math" panose="02040503050406030204" pitchFamily="18" charset="0"/>
+                            </a:rPr>
+                            <m:t>𝑘</m:t>
+                          </m:r>
+                          <m:r>
+                            <a:rPr lang="zh-CN" altLang="en-US" i="1">
+                              <a:solidFill>
+                                <a:srgbClr val="000000"/>
+                              </a:solidFill>
+                              <a:latin typeface="Cambria Math" panose="02040503050406030204" pitchFamily="18" charset="0"/>
+                            </a:rPr>
+                            <m:t>=1</m:t>
+                          </m:r>
+                        </m:sub>
+                        <m:sup>
+                          <m:r>
+                            <a:rPr lang="zh-CN" altLang="en-US" i="1">
+                              <a:solidFill>
+                                <a:srgbClr val="000000"/>
+                              </a:solidFill>
+                              <a:latin typeface="Cambria Math" panose="02040503050406030204" pitchFamily="18" charset="0"/>
+                            </a:rPr>
+                            <m:t>𝑛</m:t>
+                          </m:r>
+                        </m:sup>
+                        <m:e>
+                          <m:f>
+                            <m:fPr>
+                              <m:ctrlPr>
+                                <a:rPr lang="zh-CN" altLang="en-US" i="1">
+                                  <a:solidFill>
+                                    <a:srgbClr val="000000"/>
+                                  </a:solidFill>
+                                  <a:latin typeface="Cambria Math" panose="02040503050406030204" pitchFamily="18" charset="0"/>
+                                </a:rPr>
+                              </m:ctrlPr>
+                            </m:fPr>
+                            <m:num>
+                              <m:r>
+                                <a:rPr lang="zh-CN" altLang="en-US" i="1">
+                                  <a:solidFill>
+                                    <a:srgbClr val="000000"/>
+                                  </a:solidFill>
+                                  <a:latin typeface="Cambria Math" panose="02040503050406030204" pitchFamily="18" charset="0"/>
+                                </a:rPr>
+                                <m:t>2</m:t>
+                              </m:r>
+                              <m:r>
+                                <a:rPr lang="zh-CN" altLang="en-US" i="1">
+                                  <a:solidFill>
+                                    <a:srgbClr val="000000"/>
+                                  </a:solidFill>
+                                  <a:latin typeface="Cambria Math" panose="02040503050406030204" pitchFamily="18" charset="0"/>
+                                </a:rPr>
+                                <m:t>𝑘</m:t>
+                              </m:r>
+                              <m:r>
+                                <a:rPr lang="zh-CN" altLang="en-US" i="1">
+                                  <a:solidFill>
+                                    <a:srgbClr val="000000"/>
+                                  </a:solidFill>
+                                  <a:latin typeface="Cambria Math" panose="02040503050406030204" pitchFamily="18" charset="0"/>
+                                </a:rPr>
+                                <m:t>−1</m:t>
+                              </m:r>
+                            </m:num>
+                            <m:den>
+                              <m:r>
+                                <a:rPr lang="zh-CN" altLang="en-US" i="1">
+                                  <a:solidFill>
+                                    <a:srgbClr val="000000"/>
+                                  </a:solidFill>
+                                  <a:latin typeface="Cambria Math" panose="02040503050406030204" pitchFamily="18" charset="0"/>
+                                </a:rPr>
+                                <m:t>𝑘</m:t>
+                              </m:r>
+                              <m:r>
+                                <a:rPr lang="zh-CN" altLang="en-US" i="1">
+                                  <a:solidFill>
+                                    <a:srgbClr val="000000"/>
+                                  </a:solidFill>
+                                  <a:latin typeface="Cambria Math" panose="02040503050406030204" pitchFamily="18" charset="0"/>
+                                </a:rPr>
+                                <m:t>(</m:t>
+                              </m:r>
+                              <m:r>
+                                <a:rPr lang="zh-CN" altLang="en-US" i="1">
+                                  <a:solidFill>
+                                    <a:srgbClr val="000000"/>
+                                  </a:solidFill>
+                                  <a:latin typeface="Cambria Math" panose="02040503050406030204" pitchFamily="18" charset="0"/>
+                                </a:rPr>
+                                <m:t>𝑘</m:t>
+                              </m:r>
+                              <m:r>
+                                <a:rPr lang="zh-CN" altLang="en-US" i="1">
+                                  <a:solidFill>
+                                    <a:srgbClr val="000000"/>
+                                  </a:solidFill>
+                                  <a:latin typeface="Cambria Math" panose="02040503050406030204" pitchFamily="18" charset="0"/>
+                                </a:rPr>
+                                <m:t>+1)</m:t>
+                              </m:r>
+                            </m:den>
+                          </m:f>
+                        </m:e>
+                      </m:nary>
+                    </m:oMath>
+                  </m:oMathPara>
+                </a14:m>
+                <a:endParaRPr lang="zh-CN" altLang="en-US" dirty="0"/>
+              </a:p>
+            </p:txBody>
+          </p:sp>
+        </mc:Choice>
+        <mc:Fallback>
+          <p:sp>
+            <p:nvSpPr>
+              <p:cNvPr id="83988" name="Object 20">
+                <a:extLst>
+                  <a:ext uri="{FF2B5EF4-FFF2-40B4-BE49-F238E27FC236}">
+                    <a16:creationId xmlns:a16="http://schemas.microsoft.com/office/drawing/2014/main" id="{5EC98775-6334-4E10-BABD-3385F3A573DC}"/>
+                  </a:ext>
+                </a:extLst>
+              </p:cNvPr>
+              <p:cNvSpPr txBox="1">
+                <a:spLocks noRot="1" noChangeAspect="1" noMove="1" noResize="1" noEditPoints="1" noAdjustHandles="1" noChangeArrowheads="1" noChangeShapeType="1" noTextEdit="1"/>
+              </p:cNvSpPr>
+              <p:nvPr/>
+            </p:nvSpPr>
+            <p:spPr bwMode="auto">
+              <a:xfrm>
+                <a:off x="2381250" y="5675313"/>
+                <a:ext cx="3441700" cy="749300"/>
+              </a:xfrm>
+              <a:prstGeom prst="rect">
+                <a:avLst/>
+              </a:prstGeom>
+              <a:blipFill>
+                <a:blip r:embed="rId14"/>
+                <a:stretch>
+                  <a:fillRect/>
+                </a:stretch>
+              </a:blipFill>
+              <a:ln>
+                <a:noFill/>
+              </a:ln>
+              <a:effectLst/>
+            </p:spPr>
+            <p:txBody>
+              <a:bodyPr/>
+              <a:lstStyle/>
+              <a:p>
+                <a:r>
+                  <a:rPr lang="zh-CN" altLang="en-US">
+                    <a:noFill/>
+                  </a:rPr>
+                  <a:t> </a:t>
+                </a:r>
+              </a:p>
+            </p:txBody>
+          </p:sp>
+        </mc:Fallback>
+      </mc:AlternateContent>
     </p:spTree>
   </p:cSld>
   <p:clrMapOvr>
@@ -18409,19 +18974,19 @@
                     </p:cTn>
                   </p:par>
                   <p:par>
-                    <p:cTn id="23" fill="hold" nodeType="clickPar">
+                    <p:cTn id="23" fill="hold">
                       <p:stCondLst>
                         <p:cond delay="indefinite"/>
                       </p:stCondLst>
                       <p:childTnLst>
                         <p:par>
-                          <p:cTn id="24" fill="hold" nodeType="withGroup">
+                          <p:cTn id="24" fill="hold">
                             <p:stCondLst>
                               <p:cond delay="0"/>
                             </p:stCondLst>
                             <p:childTnLst>
                               <p:par>
-                                <p:cTn id="25" presetID="1" presetClass="entr" presetSubtype="0" fill="hold" nodeType="clickEffect">
+                                <p:cTn id="25" presetID="1" presetClass="entr" presetSubtype="0" fill="hold" grpId="0" nodeType="clickEffect">
                                   <p:stCondLst>
                                     <p:cond delay="0"/>
                                   </p:stCondLst>
@@ -18454,19 +19019,19 @@
                     </p:cTn>
                   </p:par>
                   <p:par>
-                    <p:cTn id="27" fill="hold" nodeType="clickPar">
+                    <p:cTn id="27" fill="hold">
                       <p:stCondLst>
                         <p:cond delay="indefinite"/>
                       </p:stCondLst>
                       <p:childTnLst>
                         <p:par>
-                          <p:cTn id="28" fill="hold" nodeType="withGroup">
+                          <p:cTn id="28" fill="hold">
                             <p:stCondLst>
                               <p:cond delay="0"/>
                             </p:stCondLst>
                             <p:childTnLst>
                               <p:par>
-                                <p:cTn id="29" presetID="1" presetClass="entr" presetSubtype="0" fill="hold" nodeType="clickEffect">
+                                <p:cTn id="29" presetID="1" presetClass="entr" presetSubtype="0" fill="hold" grpId="0" nodeType="clickEffect">
                                   <p:stCondLst>
                                     <p:cond delay="0"/>
                                   </p:stCondLst>
@@ -18521,6 +19086,8 @@
     </p:tnLst>
     <p:bldLst>
       <p:bldP spid="83986" grpId="0"/>
+      <p:bldP spid="83987" grpId="0"/>
+      <p:bldP spid="83988" grpId="0"/>
     </p:bldLst>
   </p:timing>
 </p:sld>
@@ -18601,501 +19168,1487 @@
           </a:p>
         </p:txBody>
       </p:sp>
-      <p:graphicFrame>
-        <p:nvGraphicFramePr>
-          <p:cNvPr id="85002" name="Object 10">
-            <a:extLst>
-              <a:ext uri="{FF2B5EF4-FFF2-40B4-BE49-F238E27FC236}">
-                <a16:creationId xmlns:a16="http://schemas.microsoft.com/office/drawing/2014/main" id="{609E7A57-81EC-4070-AB2F-FE85E3870A7B}"/>
-              </a:ext>
-            </a:extLst>
-          </p:cNvPr>
-          <p:cNvGraphicFramePr>
-            <a:graphicFrameLocks noChangeAspect="1"/>
-          </p:cNvGraphicFramePr>
-          <p:nvPr/>
-        </p:nvGraphicFramePr>
-        <p:xfrm>
-          <a:off x="1919289" y="404813"/>
-          <a:ext cx="5100637" cy="957262"/>
-        </p:xfrm>
-        <a:graphic>
-          <a:graphicData uri="http://schemas.openxmlformats.org/presentationml/2006/ole">
-            <mc:AlternateContent xmlns:mc="http://schemas.openxmlformats.org/markup-compatibility/2006">
-              <mc:Choice xmlns:v="urn:schemas-microsoft-com:vml" Requires="v">
-                <p:oleObj spid="_x0000_s85049" name="公式" r:id="rId3" imgW="2298600" imgH="431640" progId="Equation.3">
-                  <p:embed/>
-                </p:oleObj>
-              </mc:Choice>
-              <mc:Fallback>
-                <p:oleObj name="公式" r:id="rId3" imgW="2298600" imgH="431640" progId="Equation.3">
-                  <p:embed/>
-                  <p:pic>
-                    <p:nvPicPr>
-                      <p:cNvPr id="0" name="Object 10"/>
-                      <p:cNvPicPr>
-                        <a:picLocks noChangeAspect="1" noChangeArrowheads="1"/>
-                      </p:cNvPicPr>
-                      <p:nvPr/>
-                    </p:nvPicPr>
-                    <p:blipFill>
-                      <a:blip r:embed="rId4">
-                        <a:extLst>
-                          <a:ext uri="{28A0092B-C50C-407E-A947-70E740481C1C}">
-                            <a14:useLocalDpi xmlns:a14="http://schemas.microsoft.com/office/drawing/2010/main" val="0"/>
-                          </a:ext>
-                        </a:extLst>
-                      </a:blip>
-                      <a:srcRect/>
-                      <a:stretch>
-                        <a:fillRect/>
-                      </a:stretch>
-                    </p:blipFill>
-                    <p:spPr bwMode="auto">
-                      <a:xfrm>
-                        <a:off x="1919289" y="404813"/>
-                        <a:ext cx="5100637" cy="957262"/>
-                      </a:xfrm>
-                      <a:prstGeom prst="rect">
-                        <a:avLst/>
-                      </a:prstGeom>
-                      <a:noFill/>
-                      <a:ln>
-                        <a:noFill/>
-                      </a:ln>
-                      <a:effectLst/>
-                      <a:extLst>
-                        <a:ext uri="{909E8E84-426E-40DD-AFC4-6F175D3DCCD1}">
-                          <a14:hiddenFill xmlns:a14="http://schemas.microsoft.com/office/drawing/2010/main">
-                            <a:solidFill>
-                              <a:srgbClr val="FFFFFF"/>
-                            </a:solidFill>
-                          </a14:hiddenFill>
-                        </a:ext>
-                        <a:ext uri="{91240B29-F687-4F45-9708-019B960494DF}">
-                          <a14:hiddenLine xmlns:a14="http://schemas.microsoft.com/office/drawing/2010/main" w="9525">
-                            <a:solidFill>
-                              <a:srgbClr val="000000"/>
-                            </a:solidFill>
-                            <a:miter lim="800000"/>
-                            <a:headEnd/>
-                            <a:tailEnd/>
-                          </a14:hiddenLine>
-                        </a:ext>
-                        <a:ext uri="{AF507438-7753-43E0-B8FC-AC1667EBCBE1}">
-                          <a14:hiddenEffects xmlns:a14="http://schemas.microsoft.com/office/drawing/2010/main">
-                            <a:effectLst>
-                              <a:outerShdw dist="35921" dir="2700000" algn="ctr" rotWithShape="0">
-                                <a:srgbClr val="808080"/>
-                              </a:outerShdw>
-                            </a:effectLst>
-                          </a14:hiddenEffects>
-                        </a:ext>
-                      </a:extLst>
-                    </p:spPr>
-                  </p:pic>
-                </p:oleObj>
-              </mc:Fallback>
-            </mc:AlternateContent>
-          </a:graphicData>
-        </a:graphic>
-      </p:graphicFrame>
-      <p:graphicFrame>
-        <p:nvGraphicFramePr>
-          <p:cNvPr id="85003" name="Object 11">
-            <a:extLst>
-              <a:ext uri="{FF2B5EF4-FFF2-40B4-BE49-F238E27FC236}">
-                <a16:creationId xmlns:a16="http://schemas.microsoft.com/office/drawing/2014/main" id="{CE399653-C3A8-4202-A866-64A8B9FF6D03}"/>
-              </a:ext>
-            </a:extLst>
-          </p:cNvPr>
-          <p:cNvGraphicFramePr>
-            <a:graphicFrameLocks noChangeAspect="1"/>
-          </p:cNvGraphicFramePr>
-          <p:nvPr/>
-        </p:nvGraphicFramePr>
-        <p:xfrm>
-          <a:off x="2438401" y="1608138"/>
-          <a:ext cx="4397375" cy="957262"/>
-        </p:xfrm>
-        <a:graphic>
-          <a:graphicData uri="http://schemas.openxmlformats.org/presentationml/2006/ole">
-            <mc:AlternateContent xmlns:mc="http://schemas.openxmlformats.org/markup-compatibility/2006">
-              <mc:Choice xmlns:v="urn:schemas-microsoft-com:vml" Requires="v">
-                <p:oleObj spid="_x0000_s85050" name="公式" r:id="rId5" imgW="1981080" imgH="431640" progId="Equation.3">
-                  <p:embed/>
-                </p:oleObj>
-              </mc:Choice>
-              <mc:Fallback>
-                <p:oleObj name="公式" r:id="rId5" imgW="1981080" imgH="431640" progId="Equation.3">
-                  <p:embed/>
-                  <p:pic>
-                    <p:nvPicPr>
-                      <p:cNvPr id="0" name="Object 11"/>
-                      <p:cNvPicPr>
-                        <a:picLocks noChangeAspect="1" noChangeArrowheads="1"/>
-                      </p:cNvPicPr>
-                      <p:nvPr/>
-                    </p:nvPicPr>
-                    <p:blipFill>
-                      <a:blip r:embed="rId6">
-                        <a:extLst>
-                          <a:ext uri="{28A0092B-C50C-407E-A947-70E740481C1C}">
-                            <a14:useLocalDpi xmlns:a14="http://schemas.microsoft.com/office/drawing/2010/main" val="0"/>
-                          </a:ext>
-                        </a:extLst>
-                      </a:blip>
-                      <a:srcRect/>
-                      <a:stretch>
-                        <a:fillRect/>
-                      </a:stretch>
-                    </p:blipFill>
-                    <p:spPr bwMode="auto">
-                      <a:xfrm>
-                        <a:off x="2438401" y="1608138"/>
-                        <a:ext cx="4397375" cy="957262"/>
-                      </a:xfrm>
-                      <a:prstGeom prst="rect">
-                        <a:avLst/>
-                      </a:prstGeom>
-                      <a:noFill/>
-                      <a:ln>
-                        <a:noFill/>
-                      </a:ln>
-                      <a:effectLst/>
-                      <a:extLst>
-                        <a:ext uri="{909E8E84-426E-40DD-AFC4-6F175D3DCCD1}">
-                          <a14:hiddenFill xmlns:a14="http://schemas.microsoft.com/office/drawing/2010/main">
-                            <a:solidFill>
-                              <a:srgbClr val="FFFFFF"/>
-                            </a:solidFill>
-                          </a14:hiddenFill>
-                        </a:ext>
-                        <a:ext uri="{91240B29-F687-4F45-9708-019B960494DF}">
-                          <a14:hiddenLine xmlns:a14="http://schemas.microsoft.com/office/drawing/2010/main" w="9525">
-                            <a:solidFill>
-                              <a:srgbClr val="000000"/>
-                            </a:solidFill>
-                            <a:miter lim="800000"/>
-                            <a:headEnd/>
-                            <a:tailEnd/>
-                          </a14:hiddenLine>
-                        </a:ext>
-                        <a:ext uri="{AF507438-7753-43E0-B8FC-AC1667EBCBE1}">
-                          <a14:hiddenEffects xmlns:a14="http://schemas.microsoft.com/office/drawing/2010/main">
-                            <a:effectLst>
-                              <a:outerShdw dist="35921" dir="2700000" algn="ctr" rotWithShape="0">
-                                <a:srgbClr val="808080"/>
-                              </a:outerShdw>
-                            </a:effectLst>
-                          </a14:hiddenEffects>
-                        </a:ext>
-                      </a:extLst>
-                    </p:spPr>
-                  </p:pic>
-                </p:oleObj>
-              </mc:Fallback>
-            </mc:AlternateContent>
-          </a:graphicData>
-        </a:graphic>
-      </p:graphicFrame>
-      <p:graphicFrame>
-        <p:nvGraphicFramePr>
-          <p:cNvPr id="85004" name="Object 12">
-            <a:extLst>
-              <a:ext uri="{FF2B5EF4-FFF2-40B4-BE49-F238E27FC236}">
-                <a16:creationId xmlns:a16="http://schemas.microsoft.com/office/drawing/2014/main" id="{160DAB2D-4780-4B83-ABC5-4A842E11A367}"/>
-              </a:ext>
-            </a:extLst>
-          </p:cNvPr>
-          <p:cNvGraphicFramePr>
-            <a:graphicFrameLocks noChangeAspect="1"/>
-          </p:cNvGraphicFramePr>
-          <p:nvPr/>
-        </p:nvGraphicFramePr>
-        <p:xfrm>
-          <a:off x="2522539" y="2832101"/>
-          <a:ext cx="4143375" cy="957263"/>
-        </p:xfrm>
-        <a:graphic>
-          <a:graphicData uri="http://schemas.openxmlformats.org/presentationml/2006/ole">
-            <mc:AlternateContent xmlns:mc="http://schemas.openxmlformats.org/markup-compatibility/2006">
-              <mc:Choice xmlns:v="urn:schemas-microsoft-com:vml" Requires="v">
-                <p:oleObj spid="_x0000_s85051" name="公式" r:id="rId7" imgW="1866600" imgH="431640" progId="Equation.3">
-                  <p:embed/>
-                </p:oleObj>
-              </mc:Choice>
-              <mc:Fallback>
-                <p:oleObj name="公式" r:id="rId7" imgW="1866600" imgH="431640" progId="Equation.3">
-                  <p:embed/>
-                  <p:pic>
-                    <p:nvPicPr>
-                      <p:cNvPr id="0" name="Object 12"/>
-                      <p:cNvPicPr>
-                        <a:picLocks noChangeAspect="1" noChangeArrowheads="1"/>
-                      </p:cNvPicPr>
-                      <p:nvPr/>
-                    </p:nvPicPr>
-                    <p:blipFill>
-                      <a:blip r:embed="rId8">
-                        <a:extLst>
-                          <a:ext uri="{28A0092B-C50C-407E-A947-70E740481C1C}">
-                            <a14:useLocalDpi xmlns:a14="http://schemas.microsoft.com/office/drawing/2010/main" val="0"/>
-                          </a:ext>
-                        </a:extLst>
-                      </a:blip>
-                      <a:srcRect/>
-                      <a:stretch>
-                        <a:fillRect/>
-                      </a:stretch>
-                    </p:blipFill>
-                    <p:spPr bwMode="auto">
-                      <a:xfrm>
-                        <a:off x="2522539" y="2832101"/>
-                        <a:ext cx="4143375" cy="957263"/>
-                      </a:xfrm>
-                      <a:prstGeom prst="rect">
-                        <a:avLst/>
-                      </a:prstGeom>
-                      <a:noFill/>
-                      <a:ln>
-                        <a:noFill/>
-                      </a:ln>
-                      <a:effectLst/>
-                      <a:extLst>
-                        <a:ext uri="{909E8E84-426E-40DD-AFC4-6F175D3DCCD1}">
-                          <a14:hiddenFill xmlns:a14="http://schemas.microsoft.com/office/drawing/2010/main">
-                            <a:solidFill>
-                              <a:srgbClr val="FFFFFF"/>
-                            </a:solidFill>
-                          </a14:hiddenFill>
-                        </a:ext>
-                        <a:ext uri="{91240B29-F687-4F45-9708-019B960494DF}">
-                          <a14:hiddenLine xmlns:a14="http://schemas.microsoft.com/office/drawing/2010/main" w="9525">
-                            <a:solidFill>
-                              <a:srgbClr val="000000"/>
-                            </a:solidFill>
-                            <a:miter lim="800000"/>
-                            <a:headEnd/>
-                            <a:tailEnd/>
-                          </a14:hiddenLine>
-                        </a:ext>
-                        <a:ext uri="{AF507438-7753-43E0-B8FC-AC1667EBCBE1}">
-                          <a14:hiddenEffects xmlns:a14="http://schemas.microsoft.com/office/drawing/2010/main">
-                            <a:effectLst>
-                              <a:outerShdw dist="35921" dir="2700000" algn="ctr" rotWithShape="0">
-                                <a:srgbClr val="808080"/>
-                              </a:outerShdw>
-                            </a:effectLst>
-                          </a14:hiddenEffects>
-                        </a:ext>
-                      </a:extLst>
-                    </p:spPr>
-                  </p:pic>
-                </p:oleObj>
-              </mc:Fallback>
-            </mc:AlternateContent>
-          </a:graphicData>
-        </a:graphic>
-      </p:graphicFrame>
-      <p:graphicFrame>
-        <p:nvGraphicFramePr>
-          <p:cNvPr id="85012" name="Object 20">
-            <a:extLst>
-              <a:ext uri="{FF2B5EF4-FFF2-40B4-BE49-F238E27FC236}">
-                <a16:creationId xmlns:a16="http://schemas.microsoft.com/office/drawing/2014/main" id="{FC7F3C5F-70EB-4038-92C9-D00FE1ABCE7A}"/>
-              </a:ext>
-            </a:extLst>
-          </p:cNvPr>
-          <p:cNvGraphicFramePr>
-            <a:graphicFrameLocks noChangeAspect="1"/>
-          </p:cNvGraphicFramePr>
-          <p:nvPr/>
-        </p:nvGraphicFramePr>
-        <p:xfrm>
-          <a:off x="2501901" y="3994151"/>
-          <a:ext cx="5330825" cy="874713"/>
-        </p:xfrm>
-        <a:graphic>
-          <a:graphicData uri="http://schemas.openxmlformats.org/presentationml/2006/ole">
-            <mc:AlternateContent xmlns:mc="http://schemas.openxmlformats.org/markup-compatibility/2006">
-              <mc:Choice xmlns:v="urn:schemas-microsoft-com:vml" Requires="v">
-                <p:oleObj spid="_x0000_s85052" name="公式" r:id="rId9" imgW="2400120" imgH="393480" progId="Equation.3">
-                  <p:embed/>
-                </p:oleObj>
-              </mc:Choice>
-              <mc:Fallback>
-                <p:oleObj name="公式" r:id="rId9" imgW="2400120" imgH="393480" progId="Equation.3">
-                  <p:embed/>
-                  <p:pic>
-                    <p:nvPicPr>
-                      <p:cNvPr id="0" name="Object 20"/>
-                      <p:cNvPicPr>
-                        <a:picLocks noChangeAspect="1" noChangeArrowheads="1"/>
-                      </p:cNvPicPr>
-                      <p:nvPr/>
-                    </p:nvPicPr>
-                    <p:blipFill>
-                      <a:blip r:embed="rId10">
-                        <a:extLst>
-                          <a:ext uri="{28A0092B-C50C-407E-A947-70E740481C1C}">
-                            <a14:useLocalDpi xmlns:a14="http://schemas.microsoft.com/office/drawing/2010/main" val="0"/>
-                          </a:ext>
-                        </a:extLst>
-                      </a:blip>
-                      <a:srcRect/>
-                      <a:stretch>
-                        <a:fillRect/>
-                      </a:stretch>
-                    </p:blipFill>
-                    <p:spPr bwMode="auto">
-                      <a:xfrm>
-                        <a:off x="2501901" y="3994151"/>
-                        <a:ext cx="5330825" cy="874713"/>
-                      </a:xfrm>
-                      <a:prstGeom prst="rect">
-                        <a:avLst/>
-                      </a:prstGeom>
-                      <a:noFill/>
-                      <a:ln>
-                        <a:noFill/>
-                      </a:ln>
-                      <a:effectLst/>
-                      <a:extLst>
-                        <a:ext uri="{909E8E84-426E-40DD-AFC4-6F175D3DCCD1}">
-                          <a14:hiddenFill xmlns:a14="http://schemas.microsoft.com/office/drawing/2010/main">
-                            <a:solidFill>
-                              <a:srgbClr val="FFFFFF"/>
-                            </a:solidFill>
-                          </a14:hiddenFill>
-                        </a:ext>
-                        <a:ext uri="{91240B29-F687-4F45-9708-019B960494DF}">
-                          <a14:hiddenLine xmlns:a14="http://schemas.microsoft.com/office/drawing/2010/main" w="9525">
-                            <a:solidFill>
-                              <a:srgbClr val="000000"/>
-                            </a:solidFill>
-                            <a:miter lim="800000"/>
-                            <a:headEnd/>
-                            <a:tailEnd/>
-                          </a14:hiddenLine>
-                        </a:ext>
-                        <a:ext uri="{AF507438-7753-43E0-B8FC-AC1667EBCBE1}">
-                          <a14:hiddenEffects xmlns:a14="http://schemas.microsoft.com/office/drawing/2010/main">
-                            <a:effectLst>
-                              <a:outerShdw dist="35921" dir="2700000" algn="ctr" rotWithShape="0">
-                                <a:srgbClr val="808080"/>
-                              </a:outerShdw>
-                            </a:effectLst>
-                          </a14:hiddenEffects>
-                        </a:ext>
-                      </a:extLst>
-                    </p:spPr>
-                  </p:pic>
-                </p:oleObj>
-              </mc:Fallback>
-            </mc:AlternateContent>
-          </a:graphicData>
-        </a:graphic>
-      </p:graphicFrame>
-      <p:graphicFrame>
-        <p:nvGraphicFramePr>
-          <p:cNvPr id="85013" name="Object 21">
-            <a:extLst>
-              <a:ext uri="{FF2B5EF4-FFF2-40B4-BE49-F238E27FC236}">
-                <a16:creationId xmlns:a16="http://schemas.microsoft.com/office/drawing/2014/main" id="{85280D68-276C-4EBF-8CFD-CF548F6010B9}"/>
-              </a:ext>
-            </a:extLst>
-          </p:cNvPr>
-          <p:cNvGraphicFramePr>
-            <a:graphicFrameLocks noChangeAspect="1"/>
-          </p:cNvGraphicFramePr>
-          <p:nvPr/>
-        </p:nvGraphicFramePr>
-        <p:xfrm>
-          <a:off x="2495551" y="5218113"/>
-          <a:ext cx="4176713" cy="874712"/>
-        </p:xfrm>
-        <a:graphic>
-          <a:graphicData uri="http://schemas.openxmlformats.org/presentationml/2006/ole">
-            <mc:AlternateContent xmlns:mc="http://schemas.openxmlformats.org/markup-compatibility/2006">
-              <mc:Choice xmlns:v="urn:schemas-microsoft-com:vml" Requires="v">
-                <p:oleObj spid="_x0000_s85053" name="公式" r:id="rId11" imgW="1879560" imgH="393480" progId="Equation.3">
-                  <p:embed/>
-                </p:oleObj>
-              </mc:Choice>
-              <mc:Fallback>
-                <p:oleObj name="公式" r:id="rId11" imgW="1879560" imgH="393480" progId="Equation.3">
-                  <p:embed/>
-                  <p:pic>
-                    <p:nvPicPr>
-                      <p:cNvPr id="0" name="Object 21"/>
-                      <p:cNvPicPr>
-                        <a:picLocks noChangeAspect="1" noChangeArrowheads="1"/>
-                      </p:cNvPicPr>
-                      <p:nvPr/>
-                    </p:nvPicPr>
-                    <p:blipFill>
-                      <a:blip r:embed="rId12">
-                        <a:extLst>
-                          <a:ext uri="{28A0092B-C50C-407E-A947-70E740481C1C}">
-                            <a14:useLocalDpi xmlns:a14="http://schemas.microsoft.com/office/drawing/2010/main" val="0"/>
-                          </a:ext>
-                        </a:extLst>
-                      </a:blip>
-                      <a:srcRect/>
-                      <a:stretch>
-                        <a:fillRect/>
-                      </a:stretch>
-                    </p:blipFill>
-                    <p:spPr bwMode="auto">
-                      <a:xfrm>
-                        <a:off x="2495551" y="5218113"/>
-                        <a:ext cx="4176713" cy="874712"/>
-                      </a:xfrm>
-                      <a:prstGeom prst="rect">
-                        <a:avLst/>
-                      </a:prstGeom>
-                      <a:noFill/>
-                      <a:ln>
-                        <a:noFill/>
-                      </a:ln>
-                      <a:effectLst/>
-                      <a:extLst>
-                        <a:ext uri="{909E8E84-426E-40DD-AFC4-6F175D3DCCD1}">
-                          <a14:hiddenFill xmlns:a14="http://schemas.microsoft.com/office/drawing/2010/main">
-                            <a:solidFill>
-                              <a:srgbClr val="FFFFFF"/>
-                            </a:solidFill>
-                          </a14:hiddenFill>
-                        </a:ext>
-                        <a:ext uri="{91240B29-F687-4F45-9708-019B960494DF}">
-                          <a14:hiddenLine xmlns:a14="http://schemas.microsoft.com/office/drawing/2010/main" w="9525">
-                            <a:solidFill>
-                              <a:srgbClr val="000000"/>
-                            </a:solidFill>
-                            <a:miter lim="800000"/>
-                            <a:headEnd/>
-                            <a:tailEnd/>
-                          </a14:hiddenLine>
-                        </a:ext>
-                        <a:ext uri="{AF507438-7753-43E0-B8FC-AC1667EBCBE1}">
-                          <a14:hiddenEffects xmlns:a14="http://schemas.microsoft.com/office/drawing/2010/main">
-                            <a:effectLst>
-                              <a:outerShdw dist="35921" dir="2700000" algn="ctr" rotWithShape="0">
-                                <a:srgbClr val="808080"/>
-                              </a:outerShdw>
-                            </a:effectLst>
-                          </a14:hiddenEffects>
-                        </a:ext>
-                      </a:extLst>
-                    </p:spPr>
-                  </p:pic>
-                </p:oleObj>
-              </mc:Fallback>
-            </mc:AlternateContent>
-          </a:graphicData>
-        </a:graphic>
-      </p:graphicFrame>
+      <mc:AlternateContent xmlns:mc="http://schemas.openxmlformats.org/markup-compatibility/2006">
+        <mc:Choice xmlns:a14="http://schemas.microsoft.com/office/drawing/2010/main" Requires="a14">
+          <p:sp>
+            <p:nvSpPr>
+              <p:cNvPr id="85002" name="Object 10">
+                <a:extLst>
+                  <a:ext uri="{FF2B5EF4-FFF2-40B4-BE49-F238E27FC236}">
+                    <a16:creationId xmlns:a16="http://schemas.microsoft.com/office/drawing/2014/main" id="{609E7A57-81EC-4070-AB2F-FE85E3870A7B}"/>
+                  </a:ext>
+                </a:extLst>
+              </p:cNvPr>
+              <p:cNvSpPr txBox="1"/>
+              <p:nvPr/>
+            </p:nvSpPr>
+            <p:spPr bwMode="auto">
+              <a:xfrm>
+                <a:off x="1919288" y="404813"/>
+                <a:ext cx="5100637" cy="957262"/>
+              </a:xfrm>
+              <a:prstGeom prst="rect">
+                <a:avLst/>
+              </a:prstGeom>
+              <a:noFill/>
+              <a:ln>
+                <a:noFill/>
+              </a:ln>
+              <a:effectLst/>
+            </p:spPr>
+            <p:txBody>
+              <a:bodyPr>
+                <a:normAutofit/>
+              </a:bodyPr>
+              <a:lstStyle/>
+              <a:p>
+                <a:pPr/>
+                <a14:m>
+                  <m:oMathPara xmlns:m="http://schemas.openxmlformats.org/officeDocument/2006/math">
+                    <m:oMathParaPr>
+                      <m:jc m:val="left"/>
+                    </m:oMathParaPr>
+                    <m:oMath xmlns:m="http://schemas.openxmlformats.org/officeDocument/2006/math">
+                      <m:r>
+                        <a:rPr lang="zh-CN" altLang="en-US" i="1" smtClean="0">
+                          <a:solidFill>
+                            <a:srgbClr val="000000"/>
+                          </a:solidFill>
+                          <a:latin typeface="Cambria Math" panose="02040503050406030204" pitchFamily="18" charset="0"/>
+                        </a:rPr>
+                        <m:t>𝑇</m:t>
+                      </m:r>
+                      <m:r>
+                        <a:rPr lang="zh-CN" altLang="en-US" i="1" smtClean="0">
+                          <a:solidFill>
+                            <a:srgbClr val="000000"/>
+                          </a:solidFill>
+                          <a:latin typeface="Cambria Math" panose="02040503050406030204" pitchFamily="18" charset="0"/>
+                        </a:rPr>
+                        <m:t>(</m:t>
+                      </m:r>
+                      <m:r>
+                        <a:rPr lang="zh-CN" altLang="en-US" i="1" smtClean="0">
+                          <a:solidFill>
+                            <a:srgbClr val="000000"/>
+                          </a:solidFill>
+                          <a:latin typeface="Cambria Math" panose="02040503050406030204" pitchFamily="18" charset="0"/>
+                        </a:rPr>
+                        <m:t>𝑛</m:t>
+                      </m:r>
+                      <m:r>
+                        <a:rPr lang="zh-CN" altLang="en-US" i="1" smtClean="0">
+                          <a:solidFill>
+                            <a:srgbClr val="000000"/>
+                          </a:solidFill>
+                          <a:latin typeface="Cambria Math" panose="02040503050406030204" pitchFamily="18" charset="0"/>
+                        </a:rPr>
+                        <m:t>)=(</m:t>
+                      </m:r>
+                      <m:r>
+                        <a:rPr lang="en-US" altLang="zh-CN" b="0" i="1" smtClean="0">
+                          <a:solidFill>
+                            <a:srgbClr val="000000"/>
+                          </a:solidFill>
+                          <a:latin typeface="Cambria Math" panose="02040503050406030204" pitchFamily="18" charset="0"/>
+                        </a:rPr>
+                        <m:t>𝑛</m:t>
+                      </m:r>
+                      <m:r>
+                        <a:rPr lang="en-US" altLang="zh-CN" b="0" i="1" smtClean="0">
+                          <a:solidFill>
+                            <a:srgbClr val="000000"/>
+                          </a:solidFill>
+                          <a:latin typeface="Cambria Math" panose="02040503050406030204" pitchFamily="18" charset="0"/>
+                        </a:rPr>
+                        <m:t>+1)⋅</m:t>
+                      </m:r>
+                      <m:r>
+                        <a:rPr lang="zh-CN" altLang="en-US" i="1">
+                          <a:solidFill>
+                            <a:srgbClr val="000000"/>
+                          </a:solidFill>
+                          <a:latin typeface="Cambria Math" panose="02040503050406030204" pitchFamily="18" charset="0"/>
+                        </a:rPr>
+                        <m:t>𝑏</m:t>
+                      </m:r>
+                      <m:r>
+                        <a:rPr lang="zh-CN" altLang="en-US" i="1">
+                          <a:solidFill>
+                            <a:srgbClr val="000000"/>
+                          </a:solidFill>
+                          <a:latin typeface="Cambria Math" panose="02040503050406030204" pitchFamily="18" charset="0"/>
+                        </a:rPr>
+                        <m:t>+</m:t>
+                      </m:r>
+                      <m:r>
+                        <a:rPr lang="zh-CN" altLang="en-US" i="1">
+                          <a:solidFill>
+                            <a:srgbClr val="000000"/>
+                          </a:solidFill>
+                          <a:latin typeface="Cambria Math" panose="02040503050406030204" pitchFamily="18" charset="0"/>
+                        </a:rPr>
+                        <m:t>𝑐</m:t>
+                      </m:r>
+                      <m:r>
+                        <a:rPr lang="zh-CN" altLang="en-US" i="1">
+                          <a:solidFill>
+                            <a:srgbClr val="000000"/>
+                          </a:solidFill>
+                          <a:latin typeface="Cambria Math" panose="02040503050406030204" pitchFamily="18" charset="0"/>
+                        </a:rPr>
+                        <m:t>⋅(</m:t>
+                      </m:r>
+                      <m:r>
+                        <a:rPr lang="zh-CN" altLang="en-US" i="1">
+                          <a:solidFill>
+                            <a:srgbClr val="000000"/>
+                          </a:solidFill>
+                          <a:latin typeface="Cambria Math" panose="02040503050406030204" pitchFamily="18" charset="0"/>
+                        </a:rPr>
+                        <m:t>𝑛</m:t>
+                      </m:r>
+                      <m:r>
+                        <a:rPr lang="zh-CN" altLang="en-US" i="1">
+                          <a:solidFill>
+                            <a:srgbClr val="000000"/>
+                          </a:solidFill>
+                          <a:latin typeface="Cambria Math" panose="02040503050406030204" pitchFamily="18" charset="0"/>
+                        </a:rPr>
+                        <m:t>+1)⋅</m:t>
+                      </m:r>
+                      <m:nary>
+                        <m:naryPr>
+                          <m:chr m:val="∑"/>
+                          <m:ctrlPr>
+                            <a:rPr lang="zh-CN" altLang="en-US" i="1">
+                              <a:solidFill>
+                                <a:srgbClr val="000000"/>
+                              </a:solidFill>
+                              <a:latin typeface="Cambria Math" panose="02040503050406030204" pitchFamily="18" charset="0"/>
+                            </a:rPr>
+                          </m:ctrlPr>
+                        </m:naryPr>
+                        <m:sub>
+                          <m:r>
+                            <a:rPr lang="zh-CN" altLang="en-US" i="1">
+                              <a:solidFill>
+                                <a:srgbClr val="000000"/>
+                              </a:solidFill>
+                              <a:latin typeface="Cambria Math" panose="02040503050406030204" pitchFamily="18" charset="0"/>
+                            </a:rPr>
+                            <m:t>𝑘</m:t>
+                          </m:r>
+                          <m:r>
+                            <a:rPr lang="zh-CN" altLang="en-US" i="1">
+                              <a:solidFill>
+                                <a:srgbClr val="000000"/>
+                              </a:solidFill>
+                              <a:latin typeface="Cambria Math" panose="02040503050406030204" pitchFamily="18" charset="0"/>
+                            </a:rPr>
+                            <m:t>=1</m:t>
+                          </m:r>
+                        </m:sub>
+                        <m:sup>
+                          <m:r>
+                            <a:rPr lang="zh-CN" altLang="en-US" i="1">
+                              <a:solidFill>
+                                <a:srgbClr val="000000"/>
+                              </a:solidFill>
+                              <a:latin typeface="Cambria Math" panose="02040503050406030204" pitchFamily="18" charset="0"/>
+                            </a:rPr>
+                            <m:t>𝑛</m:t>
+                          </m:r>
+                        </m:sup>
+                        <m:e>
+                          <m:f>
+                            <m:fPr>
+                              <m:ctrlPr>
+                                <a:rPr lang="zh-CN" altLang="en-US" i="1">
+                                  <a:solidFill>
+                                    <a:srgbClr val="000000"/>
+                                  </a:solidFill>
+                                  <a:latin typeface="Cambria Math" panose="02040503050406030204" pitchFamily="18" charset="0"/>
+                                </a:rPr>
+                              </m:ctrlPr>
+                            </m:fPr>
+                            <m:num>
+                              <m:r>
+                                <a:rPr lang="zh-CN" altLang="en-US" i="1">
+                                  <a:solidFill>
+                                    <a:srgbClr val="000000"/>
+                                  </a:solidFill>
+                                  <a:latin typeface="Cambria Math" panose="02040503050406030204" pitchFamily="18" charset="0"/>
+                                </a:rPr>
+                                <m:t>2</m:t>
+                              </m:r>
+                              <m:r>
+                                <a:rPr lang="zh-CN" altLang="en-US" i="1">
+                                  <a:solidFill>
+                                    <a:srgbClr val="000000"/>
+                                  </a:solidFill>
+                                  <a:latin typeface="Cambria Math" panose="02040503050406030204" pitchFamily="18" charset="0"/>
+                                </a:rPr>
+                                <m:t>𝑘</m:t>
+                              </m:r>
+                              <m:r>
+                                <a:rPr lang="zh-CN" altLang="en-US" i="1">
+                                  <a:solidFill>
+                                    <a:srgbClr val="000000"/>
+                                  </a:solidFill>
+                                  <a:latin typeface="Cambria Math" panose="02040503050406030204" pitchFamily="18" charset="0"/>
+                                </a:rPr>
+                                <m:t>−1</m:t>
+                              </m:r>
+                            </m:num>
+                            <m:den>
+                              <m:r>
+                                <a:rPr lang="zh-CN" altLang="en-US" i="1">
+                                  <a:solidFill>
+                                    <a:srgbClr val="000000"/>
+                                  </a:solidFill>
+                                  <a:latin typeface="Cambria Math" panose="02040503050406030204" pitchFamily="18" charset="0"/>
+                                </a:rPr>
+                                <m:t>𝑘</m:t>
+                              </m:r>
+                              <m:r>
+                                <a:rPr lang="zh-CN" altLang="en-US" i="1">
+                                  <a:solidFill>
+                                    <a:srgbClr val="000000"/>
+                                  </a:solidFill>
+                                  <a:latin typeface="Cambria Math" panose="02040503050406030204" pitchFamily="18" charset="0"/>
+                                </a:rPr>
+                                <m:t>(</m:t>
+                              </m:r>
+                              <m:r>
+                                <a:rPr lang="zh-CN" altLang="en-US" i="1">
+                                  <a:solidFill>
+                                    <a:srgbClr val="000000"/>
+                                  </a:solidFill>
+                                  <a:latin typeface="Cambria Math" panose="02040503050406030204" pitchFamily="18" charset="0"/>
+                                </a:rPr>
+                                <m:t>𝑘</m:t>
+                              </m:r>
+                              <m:r>
+                                <a:rPr lang="zh-CN" altLang="en-US" i="1">
+                                  <a:solidFill>
+                                    <a:srgbClr val="000000"/>
+                                  </a:solidFill>
+                                  <a:latin typeface="Cambria Math" panose="02040503050406030204" pitchFamily="18" charset="0"/>
+                                </a:rPr>
+                                <m:t>+1)</m:t>
+                              </m:r>
+                            </m:den>
+                          </m:f>
+                        </m:e>
+                      </m:nary>
+                    </m:oMath>
+                  </m:oMathPara>
+                </a14:m>
+                <a:endParaRPr lang="zh-CN" altLang="en-US" dirty="0"/>
+              </a:p>
+            </p:txBody>
+          </p:sp>
+        </mc:Choice>
+        <mc:Fallback>
+          <p:sp>
+            <p:nvSpPr>
+              <p:cNvPr id="85002" name="Object 10">
+                <a:extLst>
+                  <a:ext uri="{FF2B5EF4-FFF2-40B4-BE49-F238E27FC236}">
+                    <a16:creationId xmlns:a16="http://schemas.microsoft.com/office/drawing/2014/main" id="{609E7A57-81EC-4070-AB2F-FE85E3870A7B}"/>
+                  </a:ext>
+                </a:extLst>
+              </p:cNvPr>
+              <p:cNvSpPr txBox="1">
+                <a:spLocks noRot="1" noChangeAspect="1" noMove="1" noResize="1" noEditPoints="1" noAdjustHandles="1" noChangeArrowheads="1" noChangeShapeType="1" noTextEdit="1"/>
+              </p:cNvSpPr>
+              <p:nvPr/>
+            </p:nvSpPr>
+            <p:spPr bwMode="auto">
+              <a:xfrm>
+                <a:off x="1919288" y="404813"/>
+                <a:ext cx="5100637" cy="957262"/>
+              </a:xfrm>
+              <a:prstGeom prst="rect">
+                <a:avLst/>
+              </a:prstGeom>
+              <a:blipFill>
+                <a:blip r:embed="rId2"/>
+                <a:stretch>
+                  <a:fillRect/>
+                </a:stretch>
+              </a:blipFill>
+              <a:ln>
+                <a:noFill/>
+              </a:ln>
+              <a:effectLst/>
+            </p:spPr>
+            <p:txBody>
+              <a:bodyPr/>
+              <a:lstStyle/>
+              <a:p>
+                <a:r>
+                  <a:rPr lang="zh-CN" altLang="en-US">
+                    <a:noFill/>
+                  </a:rPr>
+                  <a:t> </a:t>
+                </a:r>
+              </a:p>
+            </p:txBody>
+          </p:sp>
+        </mc:Fallback>
+      </mc:AlternateContent>
+      <mc:AlternateContent xmlns:mc="http://schemas.openxmlformats.org/markup-compatibility/2006">
+        <mc:Choice xmlns:a14="http://schemas.microsoft.com/office/drawing/2010/main" Requires="a14">
+          <p:sp>
+            <p:nvSpPr>
+              <p:cNvPr id="85003" name="Object 11">
+                <a:extLst>
+                  <a:ext uri="{FF2B5EF4-FFF2-40B4-BE49-F238E27FC236}">
+                    <a16:creationId xmlns:a16="http://schemas.microsoft.com/office/drawing/2014/main" id="{CE399653-C3A8-4202-A866-64A8B9FF6D03}"/>
+                  </a:ext>
+                </a:extLst>
+              </p:cNvPr>
+              <p:cNvSpPr txBox="1"/>
+              <p:nvPr/>
+            </p:nvSpPr>
+            <p:spPr bwMode="auto">
+              <a:xfrm>
+                <a:off x="2438400" y="1608138"/>
+                <a:ext cx="4397375" cy="957262"/>
+              </a:xfrm>
+              <a:prstGeom prst="rect">
+                <a:avLst/>
+              </a:prstGeom>
+              <a:noFill/>
+              <a:ln>
+                <a:noFill/>
+              </a:ln>
+              <a:effectLst/>
+            </p:spPr>
+            <p:txBody>
+              <a:bodyPr>
+                <a:normAutofit/>
+              </a:bodyPr>
+              <a:lstStyle/>
+              <a:p>
+                <a:pPr/>
+                <a14:m>
+                  <m:oMathPara xmlns:m="http://schemas.openxmlformats.org/officeDocument/2006/math">
+                    <m:oMathParaPr>
+                      <m:jc m:val="left"/>
+                    </m:oMathParaPr>
+                    <m:oMath xmlns:m="http://schemas.openxmlformats.org/officeDocument/2006/math">
+                      <m:r>
+                        <a:rPr lang="zh-CN" altLang="en-US" i="1" smtClean="0">
+                          <a:solidFill>
+                            <a:srgbClr val="000000"/>
+                          </a:solidFill>
+                          <a:latin typeface="Cambria Math" panose="02040503050406030204" pitchFamily="18" charset="0"/>
+                        </a:rPr>
+                        <m:t>&lt;</m:t>
+                      </m:r>
+                      <m:r>
+                        <a:rPr lang="en-US" altLang="zh-CN" b="0" i="1" smtClean="0">
+                          <a:solidFill>
+                            <a:srgbClr val="000000"/>
+                          </a:solidFill>
+                          <a:latin typeface="Cambria Math" panose="02040503050406030204" pitchFamily="18" charset="0"/>
+                        </a:rPr>
+                        <m:t>(</m:t>
+                      </m:r>
+                      <m:r>
+                        <a:rPr lang="en-US" altLang="zh-CN" b="0" i="1" smtClean="0">
+                          <a:solidFill>
+                            <a:srgbClr val="000000"/>
+                          </a:solidFill>
+                          <a:latin typeface="Cambria Math" panose="02040503050406030204" pitchFamily="18" charset="0"/>
+                        </a:rPr>
+                        <m:t>𝑛</m:t>
+                      </m:r>
+                      <m:r>
+                        <a:rPr lang="en-US" altLang="zh-CN" b="0" i="1" smtClean="0">
+                          <a:solidFill>
+                            <a:srgbClr val="000000"/>
+                          </a:solidFill>
+                          <a:latin typeface="Cambria Math" panose="02040503050406030204" pitchFamily="18" charset="0"/>
+                        </a:rPr>
+                        <m:t>+1)⋅</m:t>
+                      </m:r>
+                      <m:r>
+                        <a:rPr lang="zh-CN" altLang="en-US" i="1">
+                          <a:solidFill>
+                            <a:srgbClr val="000000"/>
+                          </a:solidFill>
+                          <a:latin typeface="Cambria Math" panose="02040503050406030204" pitchFamily="18" charset="0"/>
+                        </a:rPr>
+                        <m:t>𝑏</m:t>
+                      </m:r>
+                      <m:r>
+                        <a:rPr lang="zh-CN" altLang="en-US" i="1">
+                          <a:solidFill>
+                            <a:srgbClr val="000000"/>
+                          </a:solidFill>
+                          <a:latin typeface="Cambria Math" panose="02040503050406030204" pitchFamily="18" charset="0"/>
+                        </a:rPr>
+                        <m:t>+</m:t>
+                      </m:r>
+                      <m:r>
+                        <a:rPr lang="zh-CN" altLang="en-US" i="1">
+                          <a:solidFill>
+                            <a:srgbClr val="000000"/>
+                          </a:solidFill>
+                          <a:latin typeface="Cambria Math" panose="02040503050406030204" pitchFamily="18" charset="0"/>
+                        </a:rPr>
+                        <m:t>𝑐</m:t>
+                      </m:r>
+                      <m:r>
+                        <a:rPr lang="zh-CN" altLang="en-US" i="1">
+                          <a:solidFill>
+                            <a:srgbClr val="000000"/>
+                          </a:solidFill>
+                          <a:latin typeface="Cambria Math" panose="02040503050406030204" pitchFamily="18" charset="0"/>
+                        </a:rPr>
+                        <m:t>⋅(</m:t>
+                      </m:r>
+                      <m:r>
+                        <a:rPr lang="zh-CN" altLang="en-US" i="1">
+                          <a:solidFill>
+                            <a:srgbClr val="000000"/>
+                          </a:solidFill>
+                          <a:latin typeface="Cambria Math" panose="02040503050406030204" pitchFamily="18" charset="0"/>
+                        </a:rPr>
+                        <m:t>𝑛</m:t>
+                      </m:r>
+                      <m:r>
+                        <a:rPr lang="zh-CN" altLang="en-US" i="1">
+                          <a:solidFill>
+                            <a:srgbClr val="000000"/>
+                          </a:solidFill>
+                          <a:latin typeface="Cambria Math" panose="02040503050406030204" pitchFamily="18" charset="0"/>
+                        </a:rPr>
+                        <m:t>+1)⋅</m:t>
+                      </m:r>
+                      <m:nary>
+                        <m:naryPr>
+                          <m:chr m:val="∑"/>
+                          <m:ctrlPr>
+                            <a:rPr lang="zh-CN" altLang="en-US" i="1">
+                              <a:solidFill>
+                                <a:srgbClr val="000000"/>
+                              </a:solidFill>
+                              <a:latin typeface="Cambria Math" panose="02040503050406030204" pitchFamily="18" charset="0"/>
+                            </a:rPr>
+                          </m:ctrlPr>
+                        </m:naryPr>
+                        <m:sub>
+                          <m:r>
+                            <a:rPr lang="zh-CN" altLang="en-US" i="1">
+                              <a:solidFill>
+                                <a:srgbClr val="000000"/>
+                              </a:solidFill>
+                              <a:latin typeface="Cambria Math" panose="02040503050406030204" pitchFamily="18" charset="0"/>
+                            </a:rPr>
+                            <m:t>𝑘</m:t>
+                          </m:r>
+                          <m:r>
+                            <a:rPr lang="zh-CN" altLang="en-US" i="1">
+                              <a:solidFill>
+                                <a:srgbClr val="000000"/>
+                              </a:solidFill>
+                              <a:latin typeface="Cambria Math" panose="02040503050406030204" pitchFamily="18" charset="0"/>
+                            </a:rPr>
+                            <m:t>=1</m:t>
+                          </m:r>
+                        </m:sub>
+                        <m:sup>
+                          <m:r>
+                            <a:rPr lang="zh-CN" altLang="en-US" i="1">
+                              <a:solidFill>
+                                <a:srgbClr val="000000"/>
+                              </a:solidFill>
+                              <a:latin typeface="Cambria Math" panose="02040503050406030204" pitchFamily="18" charset="0"/>
+                            </a:rPr>
+                            <m:t>𝑛</m:t>
+                          </m:r>
+                        </m:sup>
+                        <m:e>
+                          <m:f>
+                            <m:fPr>
+                              <m:ctrlPr>
+                                <a:rPr lang="zh-CN" altLang="en-US" i="1">
+                                  <a:solidFill>
+                                    <a:srgbClr val="000000"/>
+                                  </a:solidFill>
+                                  <a:latin typeface="Cambria Math" panose="02040503050406030204" pitchFamily="18" charset="0"/>
+                                </a:rPr>
+                              </m:ctrlPr>
+                            </m:fPr>
+                            <m:num>
+                              <m:r>
+                                <a:rPr lang="zh-CN" altLang="en-US" i="1">
+                                  <a:solidFill>
+                                    <a:srgbClr val="000000"/>
+                                  </a:solidFill>
+                                  <a:latin typeface="Cambria Math" panose="02040503050406030204" pitchFamily="18" charset="0"/>
+                                </a:rPr>
+                                <m:t>2</m:t>
+                              </m:r>
+                              <m:r>
+                                <a:rPr lang="zh-CN" altLang="en-US" i="1">
+                                  <a:solidFill>
+                                    <a:srgbClr val="000000"/>
+                                  </a:solidFill>
+                                  <a:latin typeface="Cambria Math" panose="02040503050406030204" pitchFamily="18" charset="0"/>
+                                </a:rPr>
+                                <m:t>𝑘</m:t>
+                              </m:r>
+                            </m:num>
+                            <m:den>
+                              <m:r>
+                                <a:rPr lang="zh-CN" altLang="en-US" i="1">
+                                  <a:solidFill>
+                                    <a:srgbClr val="000000"/>
+                                  </a:solidFill>
+                                  <a:latin typeface="Cambria Math" panose="02040503050406030204" pitchFamily="18" charset="0"/>
+                                </a:rPr>
+                                <m:t>𝑘</m:t>
+                              </m:r>
+                              <m:r>
+                                <a:rPr lang="zh-CN" altLang="en-US" i="1">
+                                  <a:solidFill>
+                                    <a:srgbClr val="000000"/>
+                                  </a:solidFill>
+                                  <a:latin typeface="Cambria Math" panose="02040503050406030204" pitchFamily="18" charset="0"/>
+                                </a:rPr>
+                                <m:t>(</m:t>
+                              </m:r>
+                              <m:r>
+                                <a:rPr lang="zh-CN" altLang="en-US" i="1">
+                                  <a:solidFill>
+                                    <a:srgbClr val="000000"/>
+                                  </a:solidFill>
+                                  <a:latin typeface="Cambria Math" panose="02040503050406030204" pitchFamily="18" charset="0"/>
+                                </a:rPr>
+                                <m:t>𝑘</m:t>
+                              </m:r>
+                              <m:r>
+                                <a:rPr lang="zh-CN" altLang="en-US" i="1">
+                                  <a:solidFill>
+                                    <a:srgbClr val="000000"/>
+                                  </a:solidFill>
+                                  <a:latin typeface="Cambria Math" panose="02040503050406030204" pitchFamily="18" charset="0"/>
+                                </a:rPr>
+                                <m:t>+1)</m:t>
+                              </m:r>
+                            </m:den>
+                          </m:f>
+                        </m:e>
+                      </m:nary>
+                    </m:oMath>
+                  </m:oMathPara>
+                </a14:m>
+                <a:endParaRPr lang="zh-CN" altLang="en-US" dirty="0"/>
+              </a:p>
+            </p:txBody>
+          </p:sp>
+        </mc:Choice>
+        <mc:Fallback>
+          <p:sp>
+            <p:nvSpPr>
+              <p:cNvPr id="85003" name="Object 11">
+                <a:extLst>
+                  <a:ext uri="{FF2B5EF4-FFF2-40B4-BE49-F238E27FC236}">
+                    <a16:creationId xmlns:a16="http://schemas.microsoft.com/office/drawing/2014/main" id="{CE399653-C3A8-4202-A866-64A8B9FF6D03}"/>
+                  </a:ext>
+                </a:extLst>
+              </p:cNvPr>
+              <p:cNvSpPr txBox="1">
+                <a:spLocks noRot="1" noChangeAspect="1" noMove="1" noResize="1" noEditPoints="1" noAdjustHandles="1" noChangeArrowheads="1" noChangeShapeType="1" noTextEdit="1"/>
+              </p:cNvSpPr>
+              <p:nvPr/>
+            </p:nvSpPr>
+            <p:spPr bwMode="auto">
+              <a:xfrm>
+                <a:off x="2438400" y="1608138"/>
+                <a:ext cx="4397375" cy="957262"/>
+              </a:xfrm>
+              <a:prstGeom prst="rect">
+                <a:avLst/>
+              </a:prstGeom>
+              <a:blipFill>
+                <a:blip r:embed="rId3"/>
+                <a:stretch>
+                  <a:fillRect/>
+                </a:stretch>
+              </a:blipFill>
+              <a:ln>
+                <a:noFill/>
+              </a:ln>
+              <a:effectLst/>
+            </p:spPr>
+            <p:txBody>
+              <a:bodyPr/>
+              <a:lstStyle/>
+              <a:p>
+                <a:r>
+                  <a:rPr lang="zh-CN" altLang="en-US">
+                    <a:noFill/>
+                  </a:rPr>
+                  <a:t> </a:t>
+                </a:r>
+              </a:p>
+            </p:txBody>
+          </p:sp>
+        </mc:Fallback>
+      </mc:AlternateContent>
+      <mc:AlternateContent xmlns:mc="http://schemas.openxmlformats.org/markup-compatibility/2006">
+        <mc:Choice xmlns:a14="http://schemas.microsoft.com/office/drawing/2010/main" Requires="a14">
+          <p:sp>
+            <p:nvSpPr>
+              <p:cNvPr id="85004" name="Object 12">
+                <a:extLst>
+                  <a:ext uri="{FF2B5EF4-FFF2-40B4-BE49-F238E27FC236}">
+                    <a16:creationId xmlns:a16="http://schemas.microsoft.com/office/drawing/2014/main" id="{160DAB2D-4780-4B83-ABC5-4A842E11A367}"/>
+                  </a:ext>
+                </a:extLst>
+              </p:cNvPr>
+              <p:cNvSpPr txBox="1"/>
+              <p:nvPr/>
+            </p:nvSpPr>
+            <p:spPr bwMode="auto">
+              <a:xfrm>
+                <a:off x="2522538" y="2832100"/>
+                <a:ext cx="4143375" cy="957263"/>
+              </a:xfrm>
+              <a:prstGeom prst="rect">
+                <a:avLst/>
+              </a:prstGeom>
+              <a:noFill/>
+              <a:ln>
+                <a:noFill/>
+              </a:ln>
+              <a:effectLst/>
+            </p:spPr>
+            <p:txBody>
+              <a:bodyPr>
+                <a:normAutofit/>
+              </a:bodyPr>
+              <a:lstStyle/>
+              <a:p>
+                <a:pPr/>
+                <a14:m>
+                  <m:oMathPara xmlns:m="http://schemas.openxmlformats.org/officeDocument/2006/math">
+                    <m:oMathParaPr>
+                      <m:jc m:val="left"/>
+                    </m:oMathParaPr>
+                    <m:oMath xmlns:m="http://schemas.openxmlformats.org/officeDocument/2006/math">
+                      <m:r>
+                        <a:rPr lang="zh-CN" altLang="en-US" i="1" smtClean="0">
+                          <a:solidFill>
+                            <a:srgbClr val="000000"/>
+                          </a:solidFill>
+                          <a:latin typeface="Cambria Math" panose="02040503050406030204" pitchFamily="18" charset="0"/>
+                        </a:rPr>
+                        <m:t>=</m:t>
+                      </m:r>
+                      <m:r>
+                        <a:rPr lang="en-US" altLang="zh-CN" b="0" i="1" smtClean="0">
+                          <a:solidFill>
+                            <a:srgbClr val="000000"/>
+                          </a:solidFill>
+                          <a:latin typeface="Cambria Math" panose="02040503050406030204" pitchFamily="18" charset="0"/>
+                        </a:rPr>
+                        <m:t>(</m:t>
+                      </m:r>
+                      <m:r>
+                        <a:rPr lang="en-US" altLang="zh-CN" b="0" i="1" smtClean="0">
+                          <a:solidFill>
+                            <a:srgbClr val="000000"/>
+                          </a:solidFill>
+                          <a:latin typeface="Cambria Math" panose="02040503050406030204" pitchFamily="18" charset="0"/>
+                        </a:rPr>
+                        <m:t>𝑛</m:t>
+                      </m:r>
+                      <m:r>
+                        <a:rPr lang="en-US" altLang="zh-CN" b="0" i="1" smtClean="0">
+                          <a:solidFill>
+                            <a:srgbClr val="000000"/>
+                          </a:solidFill>
+                          <a:latin typeface="Cambria Math" panose="02040503050406030204" pitchFamily="18" charset="0"/>
+                        </a:rPr>
+                        <m:t>+1)⋅</m:t>
+                      </m:r>
+                      <m:r>
+                        <a:rPr lang="zh-CN" altLang="en-US" i="1">
+                          <a:solidFill>
+                            <a:srgbClr val="000000"/>
+                          </a:solidFill>
+                          <a:latin typeface="Cambria Math" panose="02040503050406030204" pitchFamily="18" charset="0"/>
+                        </a:rPr>
+                        <m:t>𝑏</m:t>
+                      </m:r>
+                      <m:r>
+                        <a:rPr lang="zh-CN" altLang="en-US" i="1">
+                          <a:solidFill>
+                            <a:srgbClr val="000000"/>
+                          </a:solidFill>
+                          <a:latin typeface="Cambria Math" panose="02040503050406030204" pitchFamily="18" charset="0"/>
+                        </a:rPr>
+                        <m:t>+2</m:t>
+                      </m:r>
+                      <m:r>
+                        <a:rPr lang="zh-CN" altLang="en-US" i="1">
+                          <a:solidFill>
+                            <a:srgbClr val="000000"/>
+                          </a:solidFill>
+                          <a:latin typeface="Cambria Math" panose="02040503050406030204" pitchFamily="18" charset="0"/>
+                        </a:rPr>
+                        <m:t>𝑐</m:t>
+                      </m:r>
+                      <m:r>
+                        <a:rPr lang="zh-CN" altLang="en-US" i="1">
+                          <a:solidFill>
+                            <a:srgbClr val="000000"/>
+                          </a:solidFill>
+                          <a:latin typeface="Cambria Math" panose="02040503050406030204" pitchFamily="18" charset="0"/>
+                        </a:rPr>
+                        <m:t>⋅(</m:t>
+                      </m:r>
+                      <m:r>
+                        <a:rPr lang="zh-CN" altLang="en-US" i="1">
+                          <a:solidFill>
+                            <a:srgbClr val="000000"/>
+                          </a:solidFill>
+                          <a:latin typeface="Cambria Math" panose="02040503050406030204" pitchFamily="18" charset="0"/>
+                        </a:rPr>
+                        <m:t>𝑛</m:t>
+                      </m:r>
+                      <m:r>
+                        <a:rPr lang="zh-CN" altLang="en-US" i="1">
+                          <a:solidFill>
+                            <a:srgbClr val="000000"/>
+                          </a:solidFill>
+                          <a:latin typeface="Cambria Math" panose="02040503050406030204" pitchFamily="18" charset="0"/>
+                        </a:rPr>
+                        <m:t>+1)⋅</m:t>
+                      </m:r>
+                      <m:nary>
+                        <m:naryPr>
+                          <m:chr m:val="∑"/>
+                          <m:ctrlPr>
+                            <a:rPr lang="zh-CN" altLang="en-US" i="1">
+                              <a:solidFill>
+                                <a:srgbClr val="000000"/>
+                              </a:solidFill>
+                              <a:latin typeface="Cambria Math" panose="02040503050406030204" pitchFamily="18" charset="0"/>
+                            </a:rPr>
+                          </m:ctrlPr>
+                        </m:naryPr>
+                        <m:sub>
+                          <m:r>
+                            <a:rPr lang="zh-CN" altLang="en-US" i="1">
+                              <a:solidFill>
+                                <a:srgbClr val="000000"/>
+                              </a:solidFill>
+                              <a:latin typeface="Cambria Math" panose="02040503050406030204" pitchFamily="18" charset="0"/>
+                            </a:rPr>
+                            <m:t>𝑘</m:t>
+                          </m:r>
+                          <m:r>
+                            <a:rPr lang="zh-CN" altLang="en-US" i="1">
+                              <a:solidFill>
+                                <a:srgbClr val="000000"/>
+                              </a:solidFill>
+                              <a:latin typeface="Cambria Math" panose="02040503050406030204" pitchFamily="18" charset="0"/>
+                            </a:rPr>
+                            <m:t>=1</m:t>
+                          </m:r>
+                        </m:sub>
+                        <m:sup>
+                          <m:r>
+                            <a:rPr lang="zh-CN" altLang="en-US" i="1">
+                              <a:solidFill>
+                                <a:srgbClr val="000000"/>
+                              </a:solidFill>
+                              <a:latin typeface="Cambria Math" panose="02040503050406030204" pitchFamily="18" charset="0"/>
+                            </a:rPr>
+                            <m:t>𝑛</m:t>
+                          </m:r>
+                        </m:sup>
+                        <m:e>
+                          <m:f>
+                            <m:fPr>
+                              <m:ctrlPr>
+                                <a:rPr lang="zh-CN" altLang="en-US" i="1">
+                                  <a:solidFill>
+                                    <a:srgbClr val="000000"/>
+                                  </a:solidFill>
+                                  <a:latin typeface="Cambria Math" panose="02040503050406030204" pitchFamily="18" charset="0"/>
+                                </a:rPr>
+                              </m:ctrlPr>
+                            </m:fPr>
+                            <m:num>
+                              <m:r>
+                                <a:rPr lang="zh-CN" altLang="en-US" i="1">
+                                  <a:solidFill>
+                                    <a:srgbClr val="000000"/>
+                                  </a:solidFill>
+                                  <a:latin typeface="Cambria Math" panose="02040503050406030204" pitchFamily="18" charset="0"/>
+                                </a:rPr>
+                                <m:t>1</m:t>
+                              </m:r>
+                            </m:num>
+                            <m:den>
+                              <m:r>
+                                <a:rPr lang="zh-CN" altLang="en-US" i="1">
+                                  <a:solidFill>
+                                    <a:srgbClr val="000000"/>
+                                  </a:solidFill>
+                                  <a:latin typeface="Cambria Math" panose="02040503050406030204" pitchFamily="18" charset="0"/>
+                                </a:rPr>
+                                <m:t>𝑘</m:t>
+                              </m:r>
+                              <m:r>
+                                <a:rPr lang="zh-CN" altLang="en-US" i="1">
+                                  <a:solidFill>
+                                    <a:srgbClr val="000000"/>
+                                  </a:solidFill>
+                                  <a:latin typeface="Cambria Math" panose="02040503050406030204" pitchFamily="18" charset="0"/>
+                                </a:rPr>
+                                <m:t>+1</m:t>
+                              </m:r>
+                            </m:den>
+                          </m:f>
+                        </m:e>
+                      </m:nary>
+                    </m:oMath>
+                  </m:oMathPara>
+                </a14:m>
+                <a:endParaRPr lang="zh-CN" altLang="en-US" dirty="0"/>
+              </a:p>
+            </p:txBody>
+          </p:sp>
+        </mc:Choice>
+        <mc:Fallback>
+          <p:sp>
+            <p:nvSpPr>
+              <p:cNvPr id="85004" name="Object 12">
+                <a:extLst>
+                  <a:ext uri="{FF2B5EF4-FFF2-40B4-BE49-F238E27FC236}">
+                    <a16:creationId xmlns:a16="http://schemas.microsoft.com/office/drawing/2014/main" id="{160DAB2D-4780-4B83-ABC5-4A842E11A367}"/>
+                  </a:ext>
+                </a:extLst>
+              </p:cNvPr>
+              <p:cNvSpPr txBox="1">
+                <a:spLocks noRot="1" noChangeAspect="1" noMove="1" noResize="1" noEditPoints="1" noAdjustHandles="1" noChangeArrowheads="1" noChangeShapeType="1" noTextEdit="1"/>
+              </p:cNvSpPr>
+              <p:nvPr/>
+            </p:nvSpPr>
+            <p:spPr bwMode="auto">
+              <a:xfrm>
+                <a:off x="2522538" y="2832100"/>
+                <a:ext cx="4143375" cy="957263"/>
+              </a:xfrm>
+              <a:prstGeom prst="rect">
+                <a:avLst/>
+              </a:prstGeom>
+              <a:blipFill>
+                <a:blip r:embed="rId4"/>
+                <a:stretch>
+                  <a:fillRect/>
+                </a:stretch>
+              </a:blipFill>
+              <a:ln>
+                <a:noFill/>
+              </a:ln>
+              <a:effectLst/>
+            </p:spPr>
+            <p:txBody>
+              <a:bodyPr/>
+              <a:lstStyle/>
+              <a:p>
+                <a:r>
+                  <a:rPr lang="zh-CN" altLang="en-US">
+                    <a:noFill/>
+                  </a:rPr>
+                  <a:t> </a:t>
+                </a:r>
+              </a:p>
+            </p:txBody>
+          </p:sp>
+        </mc:Fallback>
+      </mc:AlternateContent>
+      <mc:AlternateContent xmlns:mc="http://schemas.openxmlformats.org/markup-compatibility/2006">
+        <mc:Choice xmlns:a14="http://schemas.microsoft.com/office/drawing/2010/main" Requires="a14">
+          <p:sp>
+            <p:nvSpPr>
+              <p:cNvPr id="85012" name="Object 20">
+                <a:extLst>
+                  <a:ext uri="{FF2B5EF4-FFF2-40B4-BE49-F238E27FC236}">
+                    <a16:creationId xmlns:a16="http://schemas.microsoft.com/office/drawing/2014/main" id="{FC7F3C5F-70EB-4038-92C9-D00FE1ABCE7A}"/>
+                  </a:ext>
+                </a:extLst>
+              </p:cNvPr>
+              <p:cNvSpPr txBox="1"/>
+              <p:nvPr/>
+            </p:nvSpPr>
+            <p:spPr bwMode="auto">
+              <a:xfrm>
+                <a:off x="2501900" y="3994150"/>
+                <a:ext cx="5330825" cy="874713"/>
+              </a:xfrm>
+              <a:prstGeom prst="rect">
+                <a:avLst/>
+              </a:prstGeom>
+              <a:noFill/>
+              <a:ln>
+                <a:noFill/>
+              </a:ln>
+              <a:effectLst/>
+            </p:spPr>
+            <p:txBody>
+              <a:bodyPr>
+                <a:normAutofit/>
+              </a:bodyPr>
+              <a:lstStyle/>
+              <a:p>
+                <a:pPr/>
+                <a14:m>
+                  <m:oMathPara xmlns:m="http://schemas.openxmlformats.org/officeDocument/2006/math">
+                    <m:oMathParaPr>
+                      <m:jc m:val="left"/>
+                    </m:oMathParaPr>
+                    <m:oMath xmlns:m="http://schemas.openxmlformats.org/officeDocument/2006/math">
+                      <m:r>
+                        <a:rPr lang="zh-CN" altLang="en-US" i="1" smtClean="0">
+                          <a:solidFill>
+                            <a:srgbClr val="000000"/>
+                          </a:solidFill>
+                          <a:latin typeface="Cambria Math" panose="02040503050406030204" pitchFamily="18" charset="0"/>
+                        </a:rPr>
+                        <m:t>=</m:t>
+                      </m:r>
+                      <m:r>
+                        <a:rPr lang="en-US" altLang="zh-CN" b="0" i="1" smtClean="0">
+                          <a:solidFill>
+                            <a:srgbClr val="000000"/>
+                          </a:solidFill>
+                          <a:latin typeface="Cambria Math" panose="02040503050406030204" pitchFamily="18" charset="0"/>
+                        </a:rPr>
+                        <m:t>(</m:t>
+                      </m:r>
+                      <m:r>
+                        <a:rPr lang="en-US" altLang="zh-CN" b="0" i="1" smtClean="0">
+                          <a:solidFill>
+                            <a:srgbClr val="000000"/>
+                          </a:solidFill>
+                          <a:latin typeface="Cambria Math" panose="02040503050406030204" pitchFamily="18" charset="0"/>
+                        </a:rPr>
+                        <m:t>𝑛</m:t>
+                      </m:r>
+                      <m:r>
+                        <a:rPr lang="en-US" altLang="zh-CN" b="0" i="1" smtClean="0">
+                          <a:solidFill>
+                            <a:srgbClr val="000000"/>
+                          </a:solidFill>
+                          <a:latin typeface="Cambria Math" panose="02040503050406030204" pitchFamily="18" charset="0"/>
+                        </a:rPr>
+                        <m:t>+1)⋅</m:t>
+                      </m:r>
+                      <m:r>
+                        <a:rPr lang="zh-CN" altLang="en-US" i="1">
+                          <a:solidFill>
+                            <a:srgbClr val="000000"/>
+                          </a:solidFill>
+                          <a:latin typeface="Cambria Math" panose="02040503050406030204" pitchFamily="18" charset="0"/>
+                        </a:rPr>
+                        <m:t>𝑏</m:t>
+                      </m:r>
+                      <m:r>
+                        <a:rPr lang="zh-CN" altLang="en-US" i="1">
+                          <a:solidFill>
+                            <a:srgbClr val="000000"/>
+                          </a:solidFill>
+                          <a:latin typeface="Cambria Math" panose="02040503050406030204" pitchFamily="18" charset="0"/>
+                        </a:rPr>
+                        <m:t>+2</m:t>
+                      </m:r>
+                      <m:r>
+                        <a:rPr lang="zh-CN" altLang="en-US" i="1">
+                          <a:solidFill>
+                            <a:srgbClr val="000000"/>
+                          </a:solidFill>
+                          <a:latin typeface="Cambria Math" panose="02040503050406030204" pitchFamily="18" charset="0"/>
+                        </a:rPr>
+                        <m:t>𝑐</m:t>
+                      </m:r>
+                      <m:r>
+                        <a:rPr lang="zh-CN" altLang="en-US" i="1">
+                          <a:solidFill>
+                            <a:srgbClr val="000000"/>
+                          </a:solidFill>
+                          <a:latin typeface="Cambria Math" panose="02040503050406030204" pitchFamily="18" charset="0"/>
+                        </a:rPr>
+                        <m:t>⋅(</m:t>
+                      </m:r>
+                      <m:r>
+                        <a:rPr lang="zh-CN" altLang="en-US" i="1">
+                          <a:solidFill>
+                            <a:srgbClr val="000000"/>
+                          </a:solidFill>
+                          <a:latin typeface="Cambria Math" panose="02040503050406030204" pitchFamily="18" charset="0"/>
+                        </a:rPr>
+                        <m:t>𝑛</m:t>
+                      </m:r>
+                      <m:r>
+                        <a:rPr lang="zh-CN" altLang="en-US" i="1">
+                          <a:solidFill>
+                            <a:srgbClr val="000000"/>
+                          </a:solidFill>
+                          <a:latin typeface="Cambria Math" panose="02040503050406030204" pitchFamily="18" charset="0"/>
+                        </a:rPr>
+                        <m:t>+1)⋅(</m:t>
+                      </m:r>
+                      <m:f>
+                        <m:fPr>
+                          <m:ctrlPr>
+                            <a:rPr lang="zh-CN" altLang="en-US" i="1">
+                              <a:solidFill>
+                                <a:srgbClr val="000000"/>
+                              </a:solidFill>
+                              <a:latin typeface="Cambria Math" panose="02040503050406030204" pitchFamily="18" charset="0"/>
+                            </a:rPr>
+                          </m:ctrlPr>
+                        </m:fPr>
+                        <m:num>
+                          <m:r>
+                            <a:rPr lang="zh-CN" altLang="en-US" i="1">
+                              <a:solidFill>
+                                <a:srgbClr val="000000"/>
+                              </a:solidFill>
+                              <a:latin typeface="Cambria Math" panose="02040503050406030204" pitchFamily="18" charset="0"/>
+                            </a:rPr>
+                            <m:t>1</m:t>
+                          </m:r>
+                        </m:num>
+                        <m:den>
+                          <m:r>
+                            <a:rPr lang="zh-CN" altLang="en-US" i="1">
+                              <a:solidFill>
+                                <a:srgbClr val="000000"/>
+                              </a:solidFill>
+                              <a:latin typeface="Cambria Math" panose="02040503050406030204" pitchFamily="18" charset="0"/>
+                            </a:rPr>
+                            <m:t>2</m:t>
+                          </m:r>
+                        </m:den>
+                      </m:f>
+                      <m:r>
+                        <a:rPr lang="zh-CN" altLang="en-US" i="1">
+                          <a:solidFill>
+                            <a:srgbClr val="000000"/>
+                          </a:solidFill>
+                          <a:latin typeface="Cambria Math" panose="02040503050406030204" pitchFamily="18" charset="0"/>
+                        </a:rPr>
+                        <m:t>+</m:t>
+                      </m:r>
+                      <m:f>
+                        <m:fPr>
+                          <m:ctrlPr>
+                            <a:rPr lang="zh-CN" altLang="en-US" i="1">
+                              <a:solidFill>
+                                <a:srgbClr val="000000"/>
+                              </a:solidFill>
+                              <a:latin typeface="Cambria Math" panose="02040503050406030204" pitchFamily="18" charset="0"/>
+                            </a:rPr>
+                          </m:ctrlPr>
+                        </m:fPr>
+                        <m:num>
+                          <m:r>
+                            <a:rPr lang="zh-CN" altLang="en-US" i="1">
+                              <a:solidFill>
+                                <a:srgbClr val="000000"/>
+                              </a:solidFill>
+                              <a:latin typeface="Cambria Math" panose="02040503050406030204" pitchFamily="18" charset="0"/>
+                            </a:rPr>
+                            <m:t>1</m:t>
+                          </m:r>
+                        </m:num>
+                        <m:den>
+                          <m:r>
+                            <a:rPr lang="zh-CN" altLang="en-US" i="1">
+                              <a:solidFill>
+                                <a:srgbClr val="000000"/>
+                              </a:solidFill>
+                              <a:latin typeface="Cambria Math" panose="02040503050406030204" pitchFamily="18" charset="0"/>
+                            </a:rPr>
+                            <m:t>3</m:t>
+                          </m:r>
+                        </m:den>
+                      </m:f>
+                      <m:r>
+                        <a:rPr lang="zh-CN" altLang="en-US" i="1">
+                          <a:solidFill>
+                            <a:srgbClr val="000000"/>
+                          </a:solidFill>
+                          <a:latin typeface="Cambria Math" panose="02040503050406030204" pitchFamily="18" charset="0"/>
+                        </a:rPr>
+                        <m:t>+⋯</m:t>
+                      </m:r>
+                      <m:f>
+                        <m:fPr>
+                          <m:ctrlPr>
+                            <a:rPr lang="zh-CN" altLang="en-US" i="1">
+                              <a:solidFill>
+                                <a:srgbClr val="000000"/>
+                              </a:solidFill>
+                              <a:latin typeface="Cambria Math" panose="02040503050406030204" pitchFamily="18" charset="0"/>
+                            </a:rPr>
+                          </m:ctrlPr>
+                        </m:fPr>
+                        <m:num>
+                          <m:r>
+                            <a:rPr lang="zh-CN" altLang="en-US" i="1">
+                              <a:solidFill>
+                                <a:srgbClr val="000000"/>
+                              </a:solidFill>
+                              <a:latin typeface="Cambria Math" panose="02040503050406030204" pitchFamily="18" charset="0"/>
+                            </a:rPr>
+                            <m:t>1</m:t>
+                          </m:r>
+                        </m:num>
+                        <m:den>
+                          <m:r>
+                            <a:rPr lang="zh-CN" altLang="en-US" i="1">
+                              <a:solidFill>
+                                <a:srgbClr val="000000"/>
+                              </a:solidFill>
+                              <a:latin typeface="Cambria Math" panose="02040503050406030204" pitchFamily="18" charset="0"/>
+                            </a:rPr>
+                            <m:t>𝑛</m:t>
+                          </m:r>
+                          <m:r>
+                            <a:rPr lang="zh-CN" altLang="en-US" i="1">
+                              <a:solidFill>
+                                <a:srgbClr val="000000"/>
+                              </a:solidFill>
+                              <a:latin typeface="Cambria Math" panose="02040503050406030204" pitchFamily="18" charset="0"/>
+                            </a:rPr>
+                            <m:t>+1</m:t>
+                          </m:r>
+                        </m:den>
+                      </m:f>
+                      <m:r>
+                        <a:rPr lang="zh-CN" altLang="en-US" i="1">
+                          <a:solidFill>
+                            <a:srgbClr val="000000"/>
+                          </a:solidFill>
+                          <a:latin typeface="Cambria Math" panose="02040503050406030204" pitchFamily="18" charset="0"/>
+                        </a:rPr>
+                        <m:t>)</m:t>
+                      </m:r>
+                    </m:oMath>
+                  </m:oMathPara>
+                </a14:m>
+                <a:endParaRPr lang="zh-CN" altLang="en-US" dirty="0"/>
+              </a:p>
+            </p:txBody>
+          </p:sp>
+        </mc:Choice>
+        <mc:Fallback>
+          <p:sp>
+            <p:nvSpPr>
+              <p:cNvPr id="85012" name="Object 20">
+                <a:extLst>
+                  <a:ext uri="{FF2B5EF4-FFF2-40B4-BE49-F238E27FC236}">
+                    <a16:creationId xmlns:a16="http://schemas.microsoft.com/office/drawing/2014/main" id="{FC7F3C5F-70EB-4038-92C9-D00FE1ABCE7A}"/>
+                  </a:ext>
+                </a:extLst>
+              </p:cNvPr>
+              <p:cNvSpPr txBox="1">
+                <a:spLocks noRot="1" noChangeAspect="1" noMove="1" noResize="1" noEditPoints="1" noAdjustHandles="1" noChangeArrowheads="1" noChangeShapeType="1" noTextEdit="1"/>
+              </p:cNvSpPr>
+              <p:nvPr/>
+            </p:nvSpPr>
+            <p:spPr bwMode="auto">
+              <a:xfrm>
+                <a:off x="2501900" y="3994150"/>
+                <a:ext cx="5330825" cy="874713"/>
+              </a:xfrm>
+              <a:prstGeom prst="rect">
+                <a:avLst/>
+              </a:prstGeom>
+              <a:blipFill>
+                <a:blip r:embed="rId5"/>
+                <a:stretch>
+                  <a:fillRect/>
+                </a:stretch>
+              </a:blipFill>
+              <a:ln>
+                <a:noFill/>
+              </a:ln>
+              <a:effectLst/>
+            </p:spPr>
+            <p:txBody>
+              <a:bodyPr/>
+              <a:lstStyle/>
+              <a:p>
+                <a:r>
+                  <a:rPr lang="zh-CN" altLang="en-US">
+                    <a:noFill/>
+                  </a:rPr>
+                  <a:t> </a:t>
+                </a:r>
+              </a:p>
+            </p:txBody>
+          </p:sp>
+        </mc:Fallback>
+      </mc:AlternateContent>
+      <mc:AlternateContent xmlns:mc="http://schemas.openxmlformats.org/markup-compatibility/2006">
+        <mc:Choice xmlns:a14="http://schemas.microsoft.com/office/drawing/2010/main" Requires="a14">
+          <p:sp>
+            <p:nvSpPr>
+              <p:cNvPr id="85013" name="Object 21">
+                <a:extLst>
+                  <a:ext uri="{FF2B5EF4-FFF2-40B4-BE49-F238E27FC236}">
+                    <a16:creationId xmlns:a16="http://schemas.microsoft.com/office/drawing/2014/main" id="{85280D68-276C-4EBF-8CFD-CF548F6010B9}"/>
+                  </a:ext>
+                </a:extLst>
+              </p:cNvPr>
+              <p:cNvSpPr txBox="1"/>
+              <p:nvPr/>
+            </p:nvSpPr>
+            <p:spPr bwMode="auto">
+              <a:xfrm>
+                <a:off x="2495550" y="5218113"/>
+                <a:ext cx="4176713" cy="874712"/>
+              </a:xfrm>
+              <a:prstGeom prst="rect">
+                <a:avLst/>
+              </a:prstGeom>
+              <a:noFill/>
+              <a:ln>
+                <a:noFill/>
+              </a:ln>
+              <a:effectLst/>
+            </p:spPr>
+            <p:txBody>
+              <a:bodyPr>
+                <a:normAutofit/>
+              </a:bodyPr>
+              <a:lstStyle/>
+              <a:p>
+                <a:pPr/>
+                <a14:m>
+                  <m:oMathPara xmlns:m="http://schemas.openxmlformats.org/officeDocument/2006/math">
+                    <m:oMathParaPr>
+                      <m:jc m:val="left"/>
+                    </m:oMathParaPr>
+                    <m:oMath xmlns:m="http://schemas.openxmlformats.org/officeDocument/2006/math">
+                      <m:r>
+                        <a:rPr lang="zh-CN" altLang="en-US" i="1" smtClean="0">
+                          <a:solidFill>
+                            <a:srgbClr val="000000"/>
+                          </a:solidFill>
+                          <a:latin typeface="Cambria Math" panose="02040503050406030204" pitchFamily="18" charset="0"/>
+                        </a:rPr>
+                        <m:t>&lt;</m:t>
+                      </m:r>
+                      <m:r>
+                        <a:rPr lang="en-US" altLang="zh-CN" b="0" i="1" smtClean="0">
+                          <a:solidFill>
+                            <a:srgbClr val="000000"/>
+                          </a:solidFill>
+                          <a:latin typeface="Cambria Math" panose="02040503050406030204" pitchFamily="18" charset="0"/>
+                        </a:rPr>
+                        <m:t>(</m:t>
+                      </m:r>
+                      <m:r>
+                        <a:rPr lang="en-US" altLang="zh-CN" b="0" i="1" smtClean="0">
+                          <a:solidFill>
+                            <a:srgbClr val="000000"/>
+                          </a:solidFill>
+                          <a:latin typeface="Cambria Math" panose="02040503050406030204" pitchFamily="18" charset="0"/>
+                        </a:rPr>
+                        <m:t>𝑛</m:t>
+                      </m:r>
+                      <m:r>
+                        <a:rPr lang="en-US" altLang="zh-CN" b="0" i="1" smtClean="0">
+                          <a:solidFill>
+                            <a:srgbClr val="000000"/>
+                          </a:solidFill>
+                          <a:latin typeface="Cambria Math" panose="02040503050406030204" pitchFamily="18" charset="0"/>
+                        </a:rPr>
+                        <m:t>+1)⋅</m:t>
+                      </m:r>
+                      <m:r>
+                        <a:rPr lang="zh-CN" altLang="en-US" i="1">
+                          <a:solidFill>
+                            <a:srgbClr val="000000"/>
+                          </a:solidFill>
+                          <a:latin typeface="Cambria Math" panose="02040503050406030204" pitchFamily="18" charset="0"/>
+                        </a:rPr>
+                        <m:t>𝑏</m:t>
+                      </m:r>
+                      <m:r>
+                        <a:rPr lang="zh-CN" altLang="en-US" i="1">
+                          <a:solidFill>
+                            <a:srgbClr val="000000"/>
+                          </a:solidFill>
+                          <a:latin typeface="Cambria Math" panose="02040503050406030204" pitchFamily="18" charset="0"/>
+                        </a:rPr>
+                        <m:t>+2</m:t>
+                      </m:r>
+                      <m:r>
+                        <a:rPr lang="zh-CN" altLang="en-US" i="1">
+                          <a:solidFill>
+                            <a:srgbClr val="000000"/>
+                          </a:solidFill>
+                          <a:latin typeface="Cambria Math" panose="02040503050406030204" pitchFamily="18" charset="0"/>
+                        </a:rPr>
+                        <m:t>𝑐</m:t>
+                      </m:r>
+                      <m:r>
+                        <a:rPr lang="zh-CN" altLang="en-US" i="1">
+                          <a:solidFill>
+                            <a:srgbClr val="000000"/>
+                          </a:solidFill>
+                          <a:latin typeface="Cambria Math" panose="02040503050406030204" pitchFamily="18" charset="0"/>
+                        </a:rPr>
+                        <m:t>⋅(</m:t>
+                      </m:r>
+                      <m:r>
+                        <a:rPr lang="zh-CN" altLang="en-US" i="1">
+                          <a:solidFill>
+                            <a:srgbClr val="000000"/>
+                          </a:solidFill>
+                          <a:latin typeface="Cambria Math" panose="02040503050406030204" pitchFamily="18" charset="0"/>
+                        </a:rPr>
+                        <m:t>𝑛</m:t>
+                      </m:r>
+                      <m:r>
+                        <a:rPr lang="zh-CN" altLang="en-US" i="1">
+                          <a:solidFill>
+                            <a:srgbClr val="000000"/>
+                          </a:solidFill>
+                          <a:latin typeface="Cambria Math" panose="02040503050406030204" pitchFamily="18" charset="0"/>
+                        </a:rPr>
+                        <m:t>+1)⋅</m:t>
+                      </m:r>
+                      <m:func>
+                        <m:funcPr>
+                          <m:ctrlPr>
+                            <a:rPr lang="zh-CN" altLang="en-US" i="1">
+                              <a:solidFill>
+                                <a:srgbClr val="000000"/>
+                              </a:solidFill>
+                              <a:latin typeface="Cambria Math" panose="02040503050406030204" pitchFamily="18" charset="0"/>
+                            </a:rPr>
+                          </m:ctrlPr>
+                        </m:funcPr>
+                        <m:fName>
+                          <m:r>
+                            <m:rPr>
+                              <m:sty m:val="p"/>
+                            </m:rPr>
+                            <a:rPr lang="zh-CN" altLang="en-US" i="0">
+                              <a:solidFill>
+                                <a:srgbClr val="000000"/>
+                              </a:solidFill>
+                              <a:latin typeface="Cambria Math" panose="02040503050406030204" pitchFamily="18" charset="0"/>
+                            </a:rPr>
+                            <m:t>ln</m:t>
+                          </m:r>
+                        </m:fName>
+                        <m:e>
+                          <m:r>
+                            <a:rPr lang="zh-CN" altLang="en-US" i="1">
+                              <a:solidFill>
+                                <a:srgbClr val="000000"/>
+                              </a:solidFill>
+                              <a:latin typeface="Cambria Math" panose="02040503050406030204" pitchFamily="18" charset="0"/>
+                            </a:rPr>
+                            <m:t>(</m:t>
+                          </m:r>
+                        </m:e>
+                      </m:func>
+                      <m:r>
+                        <a:rPr lang="zh-CN" altLang="en-US" i="1">
+                          <a:solidFill>
+                            <a:srgbClr val="000000"/>
+                          </a:solidFill>
+                          <a:latin typeface="Cambria Math" panose="02040503050406030204" pitchFamily="18" charset="0"/>
+                        </a:rPr>
+                        <m:t>𝑛</m:t>
+                      </m:r>
+                      <m:r>
+                        <a:rPr lang="zh-CN" altLang="en-US" i="1">
+                          <a:solidFill>
+                            <a:srgbClr val="000000"/>
+                          </a:solidFill>
+                          <a:latin typeface="Cambria Math" panose="02040503050406030204" pitchFamily="18" charset="0"/>
+                        </a:rPr>
+                        <m:t>+1)</m:t>
+                      </m:r>
+                    </m:oMath>
+                  </m:oMathPara>
+                </a14:m>
+                <a:endParaRPr lang="zh-CN" altLang="en-US" dirty="0"/>
+              </a:p>
+            </p:txBody>
+          </p:sp>
+        </mc:Choice>
+        <mc:Fallback>
+          <p:sp>
+            <p:nvSpPr>
+              <p:cNvPr id="85013" name="Object 21">
+                <a:extLst>
+                  <a:ext uri="{FF2B5EF4-FFF2-40B4-BE49-F238E27FC236}">
+                    <a16:creationId xmlns:a16="http://schemas.microsoft.com/office/drawing/2014/main" id="{85280D68-276C-4EBF-8CFD-CF548F6010B9}"/>
+                  </a:ext>
+                </a:extLst>
+              </p:cNvPr>
+              <p:cNvSpPr txBox="1">
+                <a:spLocks noRot="1" noChangeAspect="1" noMove="1" noResize="1" noEditPoints="1" noAdjustHandles="1" noChangeArrowheads="1" noChangeShapeType="1" noTextEdit="1"/>
+              </p:cNvSpPr>
+              <p:nvPr/>
+            </p:nvSpPr>
+            <p:spPr bwMode="auto">
+              <a:xfrm>
+                <a:off x="2495550" y="5218113"/>
+                <a:ext cx="4176713" cy="874712"/>
+              </a:xfrm>
+              <a:prstGeom prst="rect">
+                <a:avLst/>
+              </a:prstGeom>
+              <a:blipFill>
+                <a:blip r:embed="rId6"/>
+                <a:stretch>
+                  <a:fillRect/>
+                </a:stretch>
+              </a:blipFill>
+              <a:ln>
+                <a:noFill/>
+              </a:ln>
+              <a:effectLst/>
+            </p:spPr>
+            <p:txBody>
+              <a:bodyPr/>
+              <a:lstStyle/>
+              <a:p>
+                <a:r>
+                  <a:rPr lang="zh-CN" altLang="en-US">
+                    <a:noFill/>
+                  </a:rPr>
+                  <a:t> </a:t>
+                </a:r>
+              </a:p>
+            </p:txBody>
+          </p:sp>
+        </mc:Fallback>
+      </mc:AlternateContent>
     </p:spTree>
   </p:cSld>
   <p:clrMapOvr>
@@ -19110,19 +20663,19 @@
               <p:cTn id="2" dur="indefinite" nodeType="mainSeq">
                 <p:childTnLst>
                   <p:par>
-                    <p:cTn id="3" fill="hold" nodeType="clickPar">
+                    <p:cTn id="3" fill="hold">
                       <p:stCondLst>
                         <p:cond delay="indefinite"/>
                       </p:stCondLst>
                       <p:childTnLst>
                         <p:par>
-                          <p:cTn id="4" fill="hold" nodeType="withGroup">
+                          <p:cTn id="4" fill="hold">
                             <p:stCondLst>
                               <p:cond delay="0"/>
                             </p:stCondLst>
                             <p:childTnLst>
                               <p:par>
-                                <p:cTn id="5" presetID="1" presetClass="entr" presetSubtype="0" fill="hold" nodeType="clickEffect">
+                                <p:cTn id="5" presetID="1" presetClass="entr" presetSubtype="0" fill="hold" grpId="0" nodeType="clickEffect">
                                   <p:stCondLst>
                                     <p:cond delay="0"/>
                                   </p:stCondLst>
@@ -19130,6 +20683,51 @@
                                     <p:set>
                                       <p:cBhvr>
                                         <p:cTn id="6" dur="1" fill="hold">
+                                          <p:stCondLst>
+                                            <p:cond delay="0"/>
+                                          </p:stCondLst>
+                                        </p:cTn>
+                                        <p:tgtEl>
+                                          <p:spTgt spid="85002"/>
+                                        </p:tgtEl>
+                                        <p:attrNameLst>
+                                          <p:attrName>style.visibility</p:attrName>
+                                        </p:attrNameLst>
+                                      </p:cBhvr>
+                                      <p:to>
+                                        <p:strVal val="visible"/>
+                                      </p:to>
+                                    </p:set>
+                                  </p:childTnLst>
+                                </p:cTn>
+                              </p:par>
+                            </p:childTnLst>
+                          </p:cTn>
+                        </p:par>
+                      </p:childTnLst>
+                    </p:cTn>
+                  </p:par>
+                  <p:par>
+                    <p:cTn id="7" fill="hold">
+                      <p:stCondLst>
+                        <p:cond delay="indefinite"/>
+                      </p:stCondLst>
+                      <p:childTnLst>
+                        <p:par>
+                          <p:cTn id="8" fill="hold">
+                            <p:stCondLst>
+                              <p:cond delay="0"/>
+                            </p:stCondLst>
+                            <p:childTnLst>
+                              <p:par>
+                                <p:cTn id="9" presetID="1" presetClass="entr" presetSubtype="0" fill="hold" grpId="0" nodeType="clickEffect">
+                                  <p:stCondLst>
+                                    <p:cond delay="0"/>
+                                  </p:stCondLst>
+                                  <p:childTnLst>
+                                    <p:set>
+                                      <p:cBhvr>
+                                        <p:cTn id="10" dur="1" fill="hold">
                                           <p:stCondLst>
                                             <p:cond delay="0"/>
                                           </p:stCondLst>
@@ -19155,26 +20753,26 @@
                     </p:cTn>
                   </p:par>
                   <p:par>
-                    <p:cTn id="7" fill="hold" nodeType="clickPar">
+                    <p:cTn id="11" fill="hold">
                       <p:stCondLst>
                         <p:cond delay="indefinite"/>
                       </p:stCondLst>
                       <p:childTnLst>
                         <p:par>
-                          <p:cTn id="8" fill="hold" nodeType="withGroup">
+                          <p:cTn id="12" fill="hold">
                             <p:stCondLst>
                               <p:cond delay="0"/>
                             </p:stCondLst>
                             <p:childTnLst>
                               <p:par>
-                                <p:cTn id="9" presetID="1" presetClass="entr" presetSubtype="0" fill="hold" nodeType="clickEffect">
+                                <p:cTn id="13" presetID="1" presetClass="entr" presetSubtype="0" fill="hold" grpId="0" nodeType="clickEffect">
                                   <p:stCondLst>
                                     <p:cond delay="0"/>
                                   </p:stCondLst>
                                   <p:childTnLst>
                                     <p:set>
                                       <p:cBhvr>
-                                        <p:cTn id="10" dur="1" fill="hold">
+                                        <p:cTn id="14" dur="1" fill="hold">
                                           <p:stCondLst>
                                             <p:cond delay="0"/>
                                           </p:stCondLst>
@@ -19200,26 +20798,26 @@
                     </p:cTn>
                   </p:par>
                   <p:par>
-                    <p:cTn id="11" fill="hold" nodeType="clickPar">
+                    <p:cTn id="15" fill="hold">
                       <p:stCondLst>
                         <p:cond delay="indefinite"/>
                       </p:stCondLst>
                       <p:childTnLst>
                         <p:par>
-                          <p:cTn id="12" fill="hold" nodeType="withGroup">
+                          <p:cTn id="16" fill="hold">
                             <p:stCondLst>
                               <p:cond delay="0"/>
                             </p:stCondLst>
                             <p:childTnLst>
                               <p:par>
-                                <p:cTn id="13" presetID="1" presetClass="entr" presetSubtype="0" fill="hold" nodeType="clickEffect">
+                                <p:cTn id="17" presetID="1" presetClass="entr" presetSubtype="0" fill="hold" grpId="0" nodeType="clickEffect">
                                   <p:stCondLst>
                                     <p:cond delay="0"/>
                                   </p:stCondLst>
                                   <p:childTnLst>
                                     <p:set>
                                       <p:cBhvr>
-                                        <p:cTn id="14" dur="1" fill="hold">
+                                        <p:cTn id="18" dur="1" fill="hold">
                                           <p:stCondLst>
                                             <p:cond delay="0"/>
                                           </p:stCondLst>
@@ -19245,26 +20843,26 @@
                     </p:cTn>
                   </p:par>
                   <p:par>
-                    <p:cTn id="15" fill="hold" nodeType="clickPar">
+                    <p:cTn id="19" fill="hold">
                       <p:stCondLst>
                         <p:cond delay="indefinite"/>
                       </p:stCondLst>
                       <p:childTnLst>
                         <p:par>
-                          <p:cTn id="16" fill="hold" nodeType="withGroup">
+                          <p:cTn id="20" fill="hold">
                             <p:stCondLst>
                               <p:cond delay="0"/>
                             </p:stCondLst>
                             <p:childTnLst>
                               <p:par>
-                                <p:cTn id="17" presetID="1" presetClass="entr" presetSubtype="0" fill="hold" nodeType="clickEffect">
+                                <p:cTn id="21" presetID="1" presetClass="entr" presetSubtype="0" fill="hold" grpId="0" nodeType="clickEffect">
                                   <p:stCondLst>
                                     <p:cond delay="0"/>
                                   </p:stCondLst>
                                   <p:childTnLst>
                                     <p:set>
                                       <p:cBhvr>
-                                        <p:cTn id="18" dur="1" fill="hold">
+                                        <p:cTn id="22" dur="1" fill="hold">
                                           <p:stCondLst>
                                             <p:cond delay="0"/>
                                           </p:stCondLst>
@@ -19310,6 +20908,13 @@
         </p:cTn>
       </p:par>
     </p:tnLst>
+    <p:bldLst>
+      <p:bldP spid="85002" grpId="0"/>
+      <p:bldP spid="85003" grpId="0"/>
+      <p:bldP spid="85004" grpId="0"/>
+      <p:bldP spid="85012" grpId="0"/>
+      <p:bldP spid="85013" grpId="0"/>
+    </p:bldLst>
   </p:timing>
 </p:sld>
 </file>
@@ -19423,7 +21028,7 @@
           <a:graphicData uri="http://schemas.openxmlformats.org/presentationml/2006/ole">
             <mc:AlternateContent xmlns:mc="http://schemas.openxmlformats.org/markup-compatibility/2006">
               <mc:Choice xmlns:v="urn:schemas-microsoft-com:vml" Requires="v">
-                <p:oleObj spid="_x0000_s86042" name="公式" r:id="rId3" imgW="1968480" imgH="457200" progId="Equation.3">
+                <p:oleObj spid="_x0000_s86044" name="公式" r:id="rId3" imgW="1968480" imgH="457200" progId="Equation.3">
                   <p:embed/>
                 </p:oleObj>
               </mc:Choice>
@@ -19522,7 +21127,7 @@
           <a:graphicData uri="http://schemas.openxmlformats.org/presentationml/2006/ole">
             <mc:AlternateContent xmlns:mc="http://schemas.openxmlformats.org/markup-compatibility/2006">
               <mc:Choice xmlns:v="urn:schemas-microsoft-com:vml" Requires="v">
-                <p:oleObj spid="_x0000_s86043" name="公式" r:id="rId5" imgW="1917360" imgH="457200" progId="Equation.3">
+                <p:oleObj spid="_x0000_s86045" name="公式" r:id="rId5" imgW="1917360" imgH="457200" progId="Equation.3">
                   <p:embed/>
                 </p:oleObj>
               </mc:Choice>
@@ -19932,7 +21537,7 @@
           <a:graphicData uri="http://schemas.openxmlformats.org/presentationml/2006/ole">
             <mc:AlternateContent xmlns:mc="http://schemas.openxmlformats.org/markup-compatibility/2006">
               <mc:Choice xmlns:v="urn:schemas-microsoft-com:vml" Requires="v">
-                <p:oleObj spid="_x0000_s90179" name="公式" r:id="rId3" imgW="1307880" imgH="482400" progId="Equation.3">
+                <p:oleObj spid="_x0000_s90187" name="公式" r:id="rId3" imgW="1307880" imgH="482400" progId="Equation.3">
                   <p:embed/>
                 </p:oleObj>
               </mc:Choice>
@@ -20031,7 +21636,7 @@
           <a:graphicData uri="http://schemas.openxmlformats.org/presentationml/2006/ole">
             <mc:AlternateContent xmlns:mc="http://schemas.openxmlformats.org/markup-compatibility/2006">
               <mc:Choice xmlns:v="urn:schemas-microsoft-com:vml" Requires="v">
-                <p:oleObj spid="_x0000_s90180" name="公式" r:id="rId5" imgW="1447560" imgH="431640" progId="Equation.3">
+                <p:oleObj spid="_x0000_s90188" name="公式" r:id="rId5" imgW="1447560" imgH="431640" progId="Equation.3">
                   <p:embed/>
                 </p:oleObj>
               </mc:Choice>
@@ -20130,7 +21735,7 @@
           <a:graphicData uri="http://schemas.openxmlformats.org/presentationml/2006/ole">
             <mc:AlternateContent xmlns:mc="http://schemas.openxmlformats.org/markup-compatibility/2006">
               <mc:Choice xmlns:v="urn:schemas-microsoft-com:vml" Requires="v">
-                <p:oleObj spid="_x0000_s90181" name="公式" r:id="rId7" imgW="2590560" imgH="241200" progId="Equation.3">
+                <p:oleObj spid="_x0000_s90189" name="公式" r:id="rId7" imgW="2590560" imgH="241200" progId="Equation.3">
                   <p:embed/>
                 </p:oleObj>
               </mc:Choice>
@@ -20229,7 +21834,7 @@
           <a:graphicData uri="http://schemas.openxmlformats.org/presentationml/2006/ole">
             <mc:AlternateContent xmlns:mc="http://schemas.openxmlformats.org/markup-compatibility/2006">
               <mc:Choice xmlns:v="urn:schemas-microsoft-com:vml" Requires="v">
-                <p:oleObj spid="_x0000_s90182" name="公式" r:id="rId9" imgW="3009600" imgH="241200" progId="Equation.3">
+                <p:oleObj spid="_x0000_s90190" name="公式" r:id="rId9" imgW="3009600" imgH="241200" progId="Equation.3">
                   <p:embed/>
                 </p:oleObj>
               </mc:Choice>
@@ -20328,7 +21933,7 @@
           <a:graphicData uri="http://schemas.openxmlformats.org/presentationml/2006/ole">
             <mc:AlternateContent xmlns:mc="http://schemas.openxmlformats.org/markup-compatibility/2006">
               <mc:Choice xmlns:v="urn:schemas-microsoft-com:vml" Requires="v">
-                <p:oleObj spid="_x0000_s90183" name="公式" r:id="rId11" imgW="2286000" imgH="228600" progId="Equation.3">
+                <p:oleObj spid="_x0000_s90191" name="公式" r:id="rId11" imgW="2286000" imgH="228600" progId="Equation.3">
                   <p:embed/>
                 </p:oleObj>
               </mc:Choice>
@@ -20427,7 +22032,7 @@
           <a:graphicData uri="http://schemas.openxmlformats.org/presentationml/2006/ole">
             <mc:AlternateContent xmlns:mc="http://schemas.openxmlformats.org/markup-compatibility/2006">
               <mc:Choice xmlns:v="urn:schemas-microsoft-com:vml" Requires="v">
-                <p:oleObj spid="_x0000_s90184" name="公式" r:id="rId13" imgW="1904760" imgH="431640" progId="Equation.3">
+                <p:oleObj spid="_x0000_s90192" name="公式" r:id="rId13" imgW="1904760" imgH="431640" progId="Equation.3">
                   <p:embed/>
                 </p:oleObj>
               </mc:Choice>
@@ -20526,7 +22131,7 @@
           <a:graphicData uri="http://schemas.openxmlformats.org/presentationml/2006/ole">
             <mc:AlternateContent xmlns:mc="http://schemas.openxmlformats.org/markup-compatibility/2006">
               <mc:Choice xmlns:v="urn:schemas-microsoft-com:vml" Requires="v">
-                <p:oleObj spid="_x0000_s90185" name="公式" r:id="rId15" imgW="2120760" imgH="431640" progId="Equation.3">
+                <p:oleObj spid="_x0000_s90193" name="公式" r:id="rId15" imgW="2120760" imgH="431640" progId="Equation.3">
                   <p:embed/>
                 </p:oleObj>
               </mc:Choice>
@@ -20625,7 +22230,7 @@
           <a:graphicData uri="http://schemas.openxmlformats.org/presentationml/2006/ole">
             <mc:AlternateContent xmlns:mc="http://schemas.openxmlformats.org/markup-compatibility/2006">
               <mc:Choice xmlns:v="urn:schemas-microsoft-com:vml" Requires="v">
-                <p:oleObj spid="_x0000_s90186" name="公式" r:id="rId17" imgW="1409400" imgH="419040" progId="Equation.3">
+                <p:oleObj spid="_x0000_s90194" name="公式" r:id="rId17" imgW="1409400" imgH="419040" progId="Equation.3">
                   <p:embed/>
                 </p:oleObj>
               </mc:Choice>
@@ -21152,7 +22757,7 @@
           <a:graphicData uri="http://schemas.openxmlformats.org/presentationml/2006/ole">
             <mc:AlternateContent xmlns:mc="http://schemas.openxmlformats.org/markup-compatibility/2006">
               <mc:Choice xmlns:v="urn:schemas-microsoft-com:vml" Requires="v">
-                <p:oleObj spid="_x0000_s88121" name="公式" r:id="rId3" imgW="1282680" imgH="419040" progId="Equation.3">
+                <p:oleObj spid="_x0000_s88126" name="公式" r:id="rId3" imgW="1282680" imgH="419040" progId="Equation.3">
                   <p:embed/>
                 </p:oleObj>
               </mc:Choice>
@@ -21251,7 +22856,7 @@
           <a:graphicData uri="http://schemas.openxmlformats.org/presentationml/2006/ole">
             <mc:AlternateContent xmlns:mc="http://schemas.openxmlformats.org/markup-compatibility/2006">
               <mc:Choice xmlns:v="urn:schemas-microsoft-com:vml" Requires="v">
-                <p:oleObj spid="_x0000_s88122" name="公式" r:id="rId5" imgW="4190760" imgH="419040" progId="Equation.3">
+                <p:oleObj spid="_x0000_s88127" name="公式" r:id="rId5" imgW="4190760" imgH="419040" progId="Equation.3">
                   <p:embed/>
                 </p:oleObj>
               </mc:Choice>
@@ -21350,7 +22955,7 @@
           <a:graphicData uri="http://schemas.openxmlformats.org/presentationml/2006/ole">
             <mc:AlternateContent xmlns:mc="http://schemas.openxmlformats.org/markup-compatibility/2006">
               <mc:Choice xmlns:v="urn:schemas-microsoft-com:vml" Requires="v">
-                <p:oleObj spid="_x0000_s88123" name="公式" r:id="rId7" imgW="2286000" imgH="457200" progId="Equation.3">
+                <p:oleObj spid="_x0000_s88128" name="公式" r:id="rId7" imgW="2286000" imgH="457200" progId="Equation.3">
                   <p:embed/>
                 </p:oleObj>
               </mc:Choice>
@@ -21449,7 +23054,7 @@
           <a:graphicData uri="http://schemas.openxmlformats.org/presentationml/2006/ole">
             <mc:AlternateContent xmlns:mc="http://schemas.openxmlformats.org/markup-compatibility/2006">
               <mc:Choice xmlns:v="urn:schemas-microsoft-com:vml" Requires="v">
-                <p:oleObj spid="_x0000_s88124" name="公式" r:id="rId9" imgW="1371600" imgH="393480" progId="Equation.3">
+                <p:oleObj spid="_x0000_s88129" name="公式" r:id="rId9" imgW="1371600" imgH="393480" progId="Equation.3">
                   <p:embed/>
                 </p:oleObj>
               </mc:Choice>
@@ -21548,7 +23153,7 @@
           <a:graphicData uri="http://schemas.openxmlformats.org/presentationml/2006/ole">
             <mc:AlternateContent xmlns:mc="http://schemas.openxmlformats.org/markup-compatibility/2006">
               <mc:Choice xmlns:v="urn:schemas-microsoft-com:vml" Requires="v">
-                <p:oleObj spid="_x0000_s88125" name="公式" r:id="rId11" imgW="2044440" imgH="431640" progId="Equation.3">
+                <p:oleObj spid="_x0000_s88130" name="公式" r:id="rId11" imgW="2044440" imgH="431640" progId="Equation.3">
                   <p:embed/>
                 </p:oleObj>
               </mc:Choice>
@@ -23445,7 +25050,7 @@
           <a:graphicData uri="http://schemas.openxmlformats.org/presentationml/2006/ole">
             <mc:AlternateContent xmlns:mc="http://schemas.openxmlformats.org/markup-compatibility/2006">
               <mc:Choice xmlns:v="urn:schemas-microsoft-com:vml" Requires="v">
-                <p:oleObj spid="_x0000_s92207" name="公式" r:id="rId3" imgW="2311200" imgH="634680" progId="Equation.3">
+                <p:oleObj spid="_x0000_s92208" name="公式" r:id="rId3" imgW="2311200" imgH="634680" progId="Equation.3">
                   <p:embed/>
                 </p:oleObj>
               </mc:Choice>
@@ -24181,7 +25786,7 @@
           <a:graphicData uri="http://schemas.openxmlformats.org/presentationml/2006/ole">
             <mc:AlternateContent xmlns:mc="http://schemas.openxmlformats.org/markup-compatibility/2006">
               <mc:Choice xmlns:v="urn:schemas-microsoft-com:vml" Requires="v">
-                <p:oleObj spid="_x0000_s91229" name="公式" r:id="rId3" imgW="1574640" imgH="634680" progId="Equation.3">
+                <p:oleObj spid="_x0000_s91240" name="公式" r:id="rId3" imgW="1574640" imgH="634680" progId="Equation.3">
                   <p:embed/>
                 </p:oleObj>
               </mc:Choice>
@@ -24280,7 +25885,7 @@
           <a:graphicData uri="http://schemas.openxmlformats.org/presentationml/2006/ole">
             <mc:AlternateContent xmlns:mc="http://schemas.openxmlformats.org/markup-compatibility/2006">
               <mc:Choice xmlns:v="urn:schemas-microsoft-com:vml" Requires="v">
-                <p:oleObj spid="_x0000_s91230" name="公式" r:id="rId5" imgW="1333440" imgH="431640" progId="Equation.3">
+                <p:oleObj spid="_x0000_s91241" name="公式" r:id="rId5" imgW="1333440" imgH="431640" progId="Equation.3">
                   <p:embed/>
                 </p:oleObj>
               </mc:Choice>
@@ -24379,7 +25984,7 @@
           <a:graphicData uri="http://schemas.openxmlformats.org/presentationml/2006/ole">
             <mc:AlternateContent xmlns:mc="http://schemas.openxmlformats.org/markup-compatibility/2006">
               <mc:Choice xmlns:v="urn:schemas-microsoft-com:vml" Requires="v">
-                <p:oleObj spid="_x0000_s91231" name="公式" r:id="rId7" imgW="1981080" imgH="431640" progId="Equation.3">
+                <p:oleObj spid="_x0000_s91242" name="公式" r:id="rId7" imgW="1981080" imgH="431640" progId="Equation.3">
                   <p:embed/>
                 </p:oleObj>
               </mc:Choice>
@@ -24478,7 +26083,7 @@
           <a:graphicData uri="http://schemas.openxmlformats.org/presentationml/2006/ole">
             <mc:AlternateContent xmlns:mc="http://schemas.openxmlformats.org/markup-compatibility/2006">
               <mc:Choice xmlns:v="urn:schemas-microsoft-com:vml" Requires="v">
-                <p:oleObj spid="_x0000_s91232" name="公式" r:id="rId9" imgW="1015920" imgH="431640" progId="Equation.3">
+                <p:oleObj spid="_x0000_s91243" name="公式" r:id="rId9" imgW="1015920" imgH="431640" progId="Equation.3">
                   <p:embed/>
                 </p:oleObj>
               </mc:Choice>
@@ -24577,7 +26182,7 @@
           <a:graphicData uri="http://schemas.openxmlformats.org/presentationml/2006/ole">
             <mc:AlternateContent xmlns:mc="http://schemas.openxmlformats.org/markup-compatibility/2006">
               <mc:Choice xmlns:v="urn:schemas-microsoft-com:vml" Requires="v">
-                <p:oleObj spid="_x0000_s91233" name="公式" r:id="rId11" imgW="368280" imgH="228600" progId="Equation.3">
+                <p:oleObj spid="_x0000_s91244" name="公式" r:id="rId11" imgW="368280" imgH="228600" progId="Equation.3">
                   <p:embed/>
                 </p:oleObj>
               </mc:Choice>
@@ -24676,7 +26281,7 @@
           <a:graphicData uri="http://schemas.openxmlformats.org/presentationml/2006/ole">
             <mc:AlternateContent xmlns:mc="http://schemas.openxmlformats.org/markup-compatibility/2006">
               <mc:Choice xmlns:v="urn:schemas-microsoft-com:vml" Requires="v">
-                <p:oleObj spid="_x0000_s91234" name="公式" r:id="rId13" imgW="1282680" imgH="431640" progId="Equation.3">
+                <p:oleObj spid="_x0000_s91245" name="公式" r:id="rId13" imgW="1282680" imgH="431640" progId="Equation.3">
                   <p:embed/>
                 </p:oleObj>
               </mc:Choice>
@@ -24775,7 +26380,7 @@
           <a:graphicData uri="http://schemas.openxmlformats.org/presentationml/2006/ole">
             <mc:AlternateContent xmlns:mc="http://schemas.openxmlformats.org/markup-compatibility/2006">
               <mc:Choice xmlns:v="urn:schemas-microsoft-com:vml" Requires="v">
-                <p:oleObj spid="_x0000_s91235" name="公式" r:id="rId15" imgW="2082600" imgH="431640" progId="Equation.3">
+                <p:oleObj spid="_x0000_s91246" name="公式" r:id="rId15" imgW="2082600" imgH="431640" progId="Equation.3">
                   <p:embed/>
                 </p:oleObj>
               </mc:Choice>
@@ -24874,7 +26479,7 @@
           <a:graphicData uri="http://schemas.openxmlformats.org/presentationml/2006/ole">
             <mc:AlternateContent xmlns:mc="http://schemas.openxmlformats.org/markup-compatibility/2006">
               <mc:Choice xmlns:v="urn:schemas-microsoft-com:vml" Requires="v">
-                <p:oleObj spid="_x0000_s91236" name="公式" r:id="rId17" imgW="1434960" imgH="241200" progId="Equation.3">
+                <p:oleObj spid="_x0000_s91247" name="公式" r:id="rId17" imgW="1434960" imgH="241200" progId="Equation.3">
                   <p:embed/>
                 </p:oleObj>
               </mc:Choice>
@@ -24973,7 +26578,7 @@
           <a:graphicData uri="http://schemas.openxmlformats.org/presentationml/2006/ole">
             <mc:AlternateContent xmlns:mc="http://schemas.openxmlformats.org/markup-compatibility/2006">
               <mc:Choice xmlns:v="urn:schemas-microsoft-com:vml" Requires="v">
-                <p:oleObj spid="_x0000_s91237" name="公式" r:id="rId19" imgW="1892160" imgH="228600" progId="Equation.3">
+                <p:oleObj spid="_x0000_s91248" name="公式" r:id="rId19" imgW="1892160" imgH="228600" progId="Equation.3">
                   <p:embed/>
                 </p:oleObj>
               </mc:Choice>
@@ -25072,7 +26677,7 @@
           <a:graphicData uri="http://schemas.openxmlformats.org/presentationml/2006/ole">
             <mc:AlternateContent xmlns:mc="http://schemas.openxmlformats.org/markup-compatibility/2006">
               <mc:Choice xmlns:v="urn:schemas-microsoft-com:vml" Requires="v">
-                <p:oleObj spid="_x0000_s91238" name="公式" r:id="rId21" imgW="1828800" imgH="431640" progId="Equation.3">
+                <p:oleObj spid="_x0000_s91249" name="公式" r:id="rId21" imgW="1828800" imgH="431640" progId="Equation.3">
                   <p:embed/>
                 </p:oleObj>
               </mc:Choice>
@@ -25171,7 +26776,7 @@
           <a:graphicData uri="http://schemas.openxmlformats.org/presentationml/2006/ole">
             <mc:AlternateContent xmlns:mc="http://schemas.openxmlformats.org/markup-compatibility/2006">
               <mc:Choice xmlns:v="urn:schemas-microsoft-com:vml" Requires="v">
-                <p:oleObj spid="_x0000_s91239" name="公式" r:id="rId23" imgW="2197080" imgH="431640" progId="Equation.3">
+                <p:oleObj spid="_x0000_s91250" name="公式" r:id="rId23" imgW="2197080" imgH="431640" progId="Equation.3">
                   <p:embed/>
                 </p:oleObj>
               </mc:Choice>
@@ -25833,7 +27438,7 @@
           <a:graphicData uri="http://schemas.openxmlformats.org/presentationml/2006/ole">
             <mc:AlternateContent xmlns:mc="http://schemas.openxmlformats.org/markup-compatibility/2006">
               <mc:Choice xmlns:v="urn:schemas-microsoft-com:vml" Requires="v">
-                <p:oleObj spid="_x0000_s93279" name="公式" r:id="rId3" imgW="1130040" imgH="431640" progId="Equation.3">
+                <p:oleObj spid="_x0000_s93289" name="公式" r:id="rId3" imgW="1130040" imgH="431640" progId="Equation.3">
                   <p:embed/>
                 </p:oleObj>
               </mc:Choice>
@@ -25932,7 +27537,7 @@
           <a:graphicData uri="http://schemas.openxmlformats.org/presentationml/2006/ole">
             <mc:AlternateContent xmlns:mc="http://schemas.openxmlformats.org/markup-compatibility/2006">
               <mc:Choice xmlns:v="urn:schemas-microsoft-com:vml" Requires="v">
-                <p:oleObj spid="_x0000_s93280" name="公式" r:id="rId5" imgW="1346040" imgH="444240" progId="Equation.3">
+                <p:oleObj spid="_x0000_s93290" name="公式" r:id="rId5" imgW="1346040" imgH="444240" progId="Equation.3">
                   <p:embed/>
                 </p:oleObj>
               </mc:Choice>
@@ -26031,7 +27636,7 @@
           <a:graphicData uri="http://schemas.openxmlformats.org/presentationml/2006/ole">
             <mc:AlternateContent xmlns:mc="http://schemas.openxmlformats.org/markup-compatibility/2006">
               <mc:Choice xmlns:v="urn:schemas-microsoft-com:vml" Requires="v">
-                <p:oleObj spid="_x0000_s93281" name="公式" r:id="rId7" imgW="1638000" imgH="419040" progId="Equation.3">
+                <p:oleObj spid="_x0000_s93291" name="公式" r:id="rId7" imgW="1638000" imgH="419040" progId="Equation.3">
                   <p:embed/>
                 </p:oleObj>
               </mc:Choice>
@@ -26130,7 +27735,7 @@
           <a:graphicData uri="http://schemas.openxmlformats.org/presentationml/2006/ole">
             <mc:AlternateContent xmlns:mc="http://schemas.openxmlformats.org/markup-compatibility/2006">
               <mc:Choice xmlns:v="urn:schemas-microsoft-com:vml" Requires="v">
-                <p:oleObj spid="_x0000_s93282" name="公式" r:id="rId9" imgW="2158920" imgH="419040" progId="Equation.3">
+                <p:oleObj spid="_x0000_s93292" name="公式" r:id="rId9" imgW="2158920" imgH="419040" progId="Equation.3">
                   <p:embed/>
                 </p:oleObj>
               </mc:Choice>
@@ -26229,7 +27834,7 @@
           <a:graphicData uri="http://schemas.openxmlformats.org/presentationml/2006/ole">
             <mc:AlternateContent xmlns:mc="http://schemas.openxmlformats.org/markup-compatibility/2006">
               <mc:Choice xmlns:v="urn:schemas-microsoft-com:vml" Requires="v">
-                <p:oleObj spid="_x0000_s93283" name="公式" r:id="rId11" imgW="2616120" imgH="419040" progId="Equation.3">
+                <p:oleObj spid="_x0000_s93293" name="公式" r:id="rId11" imgW="2616120" imgH="419040" progId="Equation.3">
                   <p:embed/>
                 </p:oleObj>
               </mc:Choice>
@@ -26328,7 +27933,7 @@
           <a:graphicData uri="http://schemas.openxmlformats.org/presentationml/2006/ole">
             <mc:AlternateContent xmlns:mc="http://schemas.openxmlformats.org/markup-compatibility/2006">
               <mc:Choice xmlns:v="urn:schemas-microsoft-com:vml" Requires="v">
-                <p:oleObj spid="_x0000_s93284" name="公式" r:id="rId13" imgW="2336760" imgH="444240" progId="Equation.3">
+                <p:oleObj spid="_x0000_s93294" name="公式" r:id="rId13" imgW="2336760" imgH="444240" progId="Equation.3">
                   <p:embed/>
                 </p:oleObj>
               </mc:Choice>
@@ -26502,7 +28107,7 @@
           <a:graphicData uri="http://schemas.openxmlformats.org/presentationml/2006/ole">
             <mc:AlternateContent xmlns:mc="http://schemas.openxmlformats.org/markup-compatibility/2006">
               <mc:Choice xmlns:v="urn:schemas-microsoft-com:vml" Requires="v">
-                <p:oleObj spid="_x0000_s93285" name="公式" r:id="rId15" imgW="1168200" imgH="330120" progId="Equation.3">
+                <p:oleObj spid="_x0000_s93295" name="公式" r:id="rId15" imgW="1168200" imgH="330120" progId="Equation.3">
                   <p:embed/>
                 </p:oleObj>
               </mc:Choice>
@@ -26601,7 +28206,7 @@
           <a:graphicData uri="http://schemas.openxmlformats.org/presentationml/2006/ole">
             <mc:AlternateContent xmlns:mc="http://schemas.openxmlformats.org/markup-compatibility/2006">
               <mc:Choice xmlns:v="urn:schemas-microsoft-com:vml" Requires="v">
-                <p:oleObj spid="_x0000_s93286" name="公式" r:id="rId17" imgW="2590560" imgH="609480" progId="Equation.3">
+                <p:oleObj spid="_x0000_s93296" name="公式" r:id="rId17" imgW="2590560" imgH="609480" progId="Equation.3">
                   <p:embed/>
                 </p:oleObj>
               </mc:Choice>
@@ -26700,7 +28305,7 @@
           <a:graphicData uri="http://schemas.openxmlformats.org/presentationml/2006/ole">
             <mc:AlternateContent xmlns:mc="http://schemas.openxmlformats.org/markup-compatibility/2006">
               <mc:Choice xmlns:v="urn:schemas-microsoft-com:vml" Requires="v">
-                <p:oleObj spid="_x0000_s93287" name="公式" r:id="rId19" imgW="1714320" imgH="444240" progId="Equation.3">
+                <p:oleObj spid="_x0000_s93297" name="公式" r:id="rId19" imgW="1714320" imgH="444240" progId="Equation.3">
                   <p:embed/>
                 </p:oleObj>
               </mc:Choice>
@@ -26799,7 +28404,7 @@
           <a:graphicData uri="http://schemas.openxmlformats.org/presentationml/2006/ole">
             <mc:AlternateContent xmlns:mc="http://schemas.openxmlformats.org/markup-compatibility/2006">
               <mc:Choice xmlns:v="urn:schemas-microsoft-com:vml" Requires="v">
-                <p:oleObj spid="_x0000_s93288" name="公式" r:id="rId21" imgW="1600200" imgH="431640" progId="Equation.3">
+                <p:oleObj spid="_x0000_s93298" name="公式" r:id="rId21" imgW="1600200" imgH="431640" progId="Equation.3">
                   <p:embed/>
                 </p:oleObj>
               </mc:Choice>
@@ -27557,7 +29162,7 @@
           <a:graphicData uri="http://schemas.openxmlformats.org/presentationml/2006/ole">
             <mc:AlternateContent xmlns:mc="http://schemas.openxmlformats.org/markup-compatibility/2006">
               <mc:Choice xmlns:v="urn:schemas-microsoft-com:vml" Requires="v">
-                <p:oleObj spid="_x0000_s94277" name="公式" r:id="rId3" imgW="3136680" imgH="444240" progId="Equation.3">
+                <p:oleObj spid="_x0000_s94284" name="公式" r:id="rId3" imgW="3136680" imgH="444240" progId="Equation.3">
                   <p:embed/>
                 </p:oleObj>
               </mc:Choice>
@@ -27656,7 +29261,7 @@
           <a:graphicData uri="http://schemas.openxmlformats.org/presentationml/2006/ole">
             <mc:AlternateContent xmlns:mc="http://schemas.openxmlformats.org/markup-compatibility/2006">
               <mc:Choice xmlns:v="urn:schemas-microsoft-com:vml" Requires="v">
-                <p:oleObj spid="_x0000_s94278" name="公式" r:id="rId5" imgW="2006280" imgH="634680" progId="Equation.3">
+                <p:oleObj spid="_x0000_s94285" name="公式" r:id="rId5" imgW="2006280" imgH="634680" progId="Equation.3">
                   <p:embed/>
                 </p:oleObj>
               </mc:Choice>
@@ -27755,7 +29360,7 @@
           <a:graphicData uri="http://schemas.openxmlformats.org/presentationml/2006/ole">
             <mc:AlternateContent xmlns:mc="http://schemas.openxmlformats.org/markup-compatibility/2006">
               <mc:Choice xmlns:v="urn:schemas-microsoft-com:vml" Requires="v">
-                <p:oleObj spid="_x0000_s94279" name="公式" r:id="rId7" imgW="1638000" imgH="634680" progId="Equation.3">
+                <p:oleObj spid="_x0000_s94286" name="公式" r:id="rId7" imgW="1638000" imgH="634680" progId="Equation.3">
                   <p:embed/>
                 </p:oleObj>
               </mc:Choice>
@@ -27854,7 +29459,7 @@
           <a:graphicData uri="http://schemas.openxmlformats.org/presentationml/2006/ole">
             <mc:AlternateContent xmlns:mc="http://schemas.openxmlformats.org/markup-compatibility/2006">
               <mc:Choice xmlns:v="urn:schemas-microsoft-com:vml" Requires="v">
-                <p:oleObj spid="_x0000_s94280" name="公式" r:id="rId9" imgW="2781000" imgH="812520" progId="Equation.3">
+                <p:oleObj spid="_x0000_s94287" name="公式" r:id="rId9" imgW="2781000" imgH="812520" progId="Equation.3">
                   <p:embed/>
                 </p:oleObj>
               </mc:Choice>
@@ -27953,7 +29558,7 @@
           <a:graphicData uri="http://schemas.openxmlformats.org/presentationml/2006/ole">
             <mc:AlternateContent xmlns:mc="http://schemas.openxmlformats.org/markup-compatibility/2006">
               <mc:Choice xmlns:v="urn:schemas-microsoft-com:vml" Requires="v">
-                <p:oleObj spid="_x0000_s94281" name="公式" r:id="rId11" imgW="1739880" imgH="634680" progId="Equation.3">
+                <p:oleObj spid="_x0000_s94288" name="公式" r:id="rId11" imgW="1739880" imgH="634680" progId="Equation.3">
                   <p:embed/>
                 </p:oleObj>
               </mc:Choice>
@@ -28052,7 +29657,7 @@
           <a:graphicData uri="http://schemas.openxmlformats.org/presentationml/2006/ole">
             <mc:AlternateContent xmlns:mc="http://schemas.openxmlformats.org/markup-compatibility/2006">
               <mc:Choice xmlns:v="urn:schemas-microsoft-com:vml" Requires="v">
-                <p:oleObj spid="_x0000_s94282" name="公式" r:id="rId13" imgW="1562040" imgH="634680" progId="Equation.3">
+                <p:oleObj spid="_x0000_s94289" name="公式" r:id="rId13" imgW="1562040" imgH="634680" progId="Equation.3">
                   <p:embed/>
                 </p:oleObj>
               </mc:Choice>
@@ -28151,7 +29756,7 @@
           <a:graphicData uri="http://schemas.openxmlformats.org/presentationml/2006/ole">
             <mc:AlternateContent xmlns:mc="http://schemas.openxmlformats.org/markup-compatibility/2006">
               <mc:Choice xmlns:v="urn:schemas-microsoft-com:vml" Requires="v">
-                <p:oleObj spid="_x0000_s94283" name="公式" r:id="rId15" imgW="1600200" imgH="634680" progId="Equation.3">
+                <p:oleObj spid="_x0000_s94290" name="公式" r:id="rId15" imgW="1600200" imgH="634680" progId="Equation.3">
                   <p:embed/>
                 </p:oleObj>
               </mc:Choice>
@@ -28633,7 +30238,7 @@
           <a:graphicData uri="http://schemas.openxmlformats.org/presentationml/2006/ole">
             <mc:AlternateContent xmlns:mc="http://schemas.openxmlformats.org/markup-compatibility/2006">
               <mc:Choice xmlns:v="urn:schemas-microsoft-com:vml" Requires="v">
-                <p:oleObj spid="_x0000_s95297" name="公式" r:id="rId3" imgW="1485720" imgH="634680" progId="Equation.3">
+                <p:oleObj spid="_x0000_s95304" name="公式" r:id="rId3" imgW="1485720" imgH="634680" progId="Equation.3">
                   <p:embed/>
                 </p:oleObj>
               </mc:Choice>
@@ -28732,7 +30337,7 @@
           <a:graphicData uri="http://schemas.openxmlformats.org/presentationml/2006/ole">
             <mc:AlternateContent xmlns:mc="http://schemas.openxmlformats.org/markup-compatibility/2006">
               <mc:Choice xmlns:v="urn:schemas-microsoft-com:vml" Requires="v">
-                <p:oleObj spid="_x0000_s95298" name="公式" r:id="rId5" imgW="1638000" imgH="444240" progId="Equation.3">
+                <p:oleObj spid="_x0000_s95305" name="公式" r:id="rId5" imgW="1638000" imgH="444240" progId="Equation.3">
                   <p:embed/>
                 </p:oleObj>
               </mc:Choice>
@@ -28831,7 +30436,7 @@
           <a:graphicData uri="http://schemas.openxmlformats.org/presentationml/2006/ole">
             <mc:AlternateContent xmlns:mc="http://schemas.openxmlformats.org/markup-compatibility/2006">
               <mc:Choice xmlns:v="urn:schemas-microsoft-com:vml" Requires="v">
-                <p:oleObj spid="_x0000_s95299" name="公式" r:id="rId7" imgW="1409400" imgH="444240" progId="Equation.3">
+                <p:oleObj spid="_x0000_s95306" name="公式" r:id="rId7" imgW="1409400" imgH="444240" progId="Equation.3">
                   <p:embed/>
                 </p:oleObj>
               </mc:Choice>
@@ -28930,7 +30535,7 @@
           <a:graphicData uri="http://schemas.openxmlformats.org/presentationml/2006/ole">
             <mc:AlternateContent xmlns:mc="http://schemas.openxmlformats.org/markup-compatibility/2006">
               <mc:Choice xmlns:v="urn:schemas-microsoft-com:vml" Requires="v">
-                <p:oleObj spid="_x0000_s95300" name="公式" r:id="rId9" imgW="1612800" imgH="419040" progId="Equation.3">
+                <p:oleObj spid="_x0000_s95307" name="公式" r:id="rId9" imgW="1612800" imgH="419040" progId="Equation.3">
                   <p:embed/>
                 </p:oleObj>
               </mc:Choice>
@@ -29029,7 +30634,7 @@
           <a:graphicData uri="http://schemas.openxmlformats.org/presentationml/2006/ole">
             <mc:AlternateContent xmlns:mc="http://schemas.openxmlformats.org/markup-compatibility/2006">
               <mc:Choice xmlns:v="urn:schemas-microsoft-com:vml" Requires="v">
-                <p:oleObj spid="_x0000_s95301" name="公式" r:id="rId11" imgW="723600" imgH="419040" progId="Equation.3">
+                <p:oleObj spid="_x0000_s95308" name="公式" r:id="rId11" imgW="723600" imgH="419040" progId="Equation.3">
                   <p:embed/>
                 </p:oleObj>
               </mc:Choice>
@@ -29128,7 +30733,7 @@
           <a:graphicData uri="http://schemas.openxmlformats.org/presentationml/2006/ole">
             <mc:AlternateContent xmlns:mc="http://schemas.openxmlformats.org/markup-compatibility/2006">
               <mc:Choice xmlns:v="urn:schemas-microsoft-com:vml" Requires="v">
-                <p:oleObj spid="_x0000_s95302" name="公式" r:id="rId13" imgW="672840" imgH="393480" progId="Equation.3">
+                <p:oleObj spid="_x0000_s95309" name="公式" r:id="rId13" imgW="672840" imgH="393480" progId="Equation.3">
                   <p:embed/>
                 </p:oleObj>
               </mc:Choice>
@@ -29227,7 +30832,7 @@
           <a:graphicData uri="http://schemas.openxmlformats.org/presentationml/2006/ole">
             <mc:AlternateContent xmlns:mc="http://schemas.openxmlformats.org/markup-compatibility/2006">
               <mc:Choice xmlns:v="urn:schemas-microsoft-com:vml" Requires="v">
-                <p:oleObj spid="_x0000_s95303" name="公式" r:id="rId15" imgW="3225600" imgH="393480" progId="Equation.3">
+                <p:oleObj spid="_x0000_s95310" name="公式" r:id="rId15" imgW="3225600" imgH="393480" progId="Equation.3">
                   <p:embed/>
                 </p:oleObj>
               </mc:Choice>
@@ -30937,7 +32542,7 @@
           <a:graphicData uri="http://schemas.openxmlformats.org/presentationml/2006/ole">
             <mc:AlternateContent xmlns:mc="http://schemas.openxmlformats.org/markup-compatibility/2006">
               <mc:Choice xmlns:v="urn:schemas-microsoft-com:vml" Requires="v">
-                <p:oleObj spid="_x0000_s73743" name="公式" r:id="rId3" imgW="1650960" imgH="457200" progId="Equation.3">
+                <p:oleObj spid="_x0000_s73744" name="公式" r:id="rId3" imgW="1650960" imgH="457200" progId="Equation.3">
                   <p:embed/>
                 </p:oleObj>
               </mc:Choice>
@@ -31307,7 +32912,7 @@
           <a:graphicData uri="http://schemas.openxmlformats.org/presentationml/2006/ole">
             <mc:AlternateContent xmlns:mc="http://schemas.openxmlformats.org/markup-compatibility/2006">
               <mc:Choice xmlns:v="urn:schemas-microsoft-com:vml" Requires="v">
-                <p:oleObj spid="_x0000_s77837" name="公式" r:id="rId3" imgW="1752480" imgH="457200" progId="Equation.3">
+                <p:oleObj spid="_x0000_s77838" name="公式" r:id="rId3" imgW="1752480" imgH="457200" progId="Equation.3">
                   <p:embed/>
                 </p:oleObj>
               </mc:Choice>
@@ -31711,7 +33316,7 @@
           <a:graphicData uri="http://schemas.openxmlformats.org/presentationml/2006/ole">
             <mc:AlternateContent xmlns:mc="http://schemas.openxmlformats.org/markup-compatibility/2006">
               <mc:Choice xmlns:v="urn:schemas-microsoft-com:vml" Requires="v">
-                <p:oleObj spid="_x0000_s75789" name="公式" r:id="rId3" imgW="1726920" imgH="457200" progId="Equation.3">
+                <p:oleObj spid="_x0000_s75790" name="公式" r:id="rId3" imgW="1726920" imgH="457200" progId="Equation.3">
                   <p:embed/>
                 </p:oleObj>
               </mc:Choice>
@@ -31980,7 +33585,7 @@
           <a:graphicData uri="http://schemas.openxmlformats.org/presentationml/2006/ole">
             <mc:AlternateContent xmlns:mc="http://schemas.openxmlformats.org/markup-compatibility/2006">
               <mc:Choice xmlns:v="urn:schemas-microsoft-com:vml" Requires="v">
-                <p:oleObj spid="_x0000_s78871" name="公式" r:id="rId3" imgW="2387520" imgH="457200" progId="Equation.3">
+                <p:oleObj spid="_x0000_s78873" name="公式" r:id="rId3" imgW="2387520" imgH="457200" progId="Equation.3">
                   <p:embed/>
                 </p:oleObj>
               </mc:Choice>
@@ -32081,7 +33686,7 @@
           <a:graphicData uri="http://schemas.openxmlformats.org/presentationml/2006/ole">
             <mc:AlternateContent xmlns:mc="http://schemas.openxmlformats.org/markup-compatibility/2006">
               <mc:Choice xmlns:v="urn:schemas-microsoft-com:vml" Requires="v">
-                <p:oleObj spid="_x0000_s78872" name="公式" r:id="rId5" imgW="1218960" imgH="431640" progId="Equation.3">
+                <p:oleObj spid="_x0000_s78874" name="公式" r:id="rId5" imgW="1218960" imgH="431640" progId="Equation.3">
                   <p:embed/>
                 </p:oleObj>
               </mc:Choice>

--- a/教案/第01章.算法与算法复杂性.pptx
+++ b/教案/第01章.算法与算法复杂性.pptx
@@ -4,6 +4,9 @@
   <p:sldMasterIdLst>
     <p:sldMasterId id="2147483679" r:id="rId1"/>
   </p:sldMasterIdLst>
+  <p:notesMasterIdLst>
+    <p:notesMasterId r:id="rId27"/>
+  </p:notesMasterIdLst>
   <p:sldIdLst>
     <p:sldId id="256" r:id="rId2"/>
     <p:sldId id="257" r:id="rId3"/>
@@ -12,22 +15,24 @@
     <p:sldId id="260" r:id="rId6"/>
     <p:sldId id="261" r:id="rId7"/>
     <p:sldId id="263" r:id="rId8"/>
-    <p:sldId id="262" r:id="rId9"/>
-    <p:sldId id="264" r:id="rId10"/>
-    <p:sldId id="265" r:id="rId11"/>
-    <p:sldId id="266" r:id="rId12"/>
-    <p:sldId id="267" r:id="rId13"/>
-    <p:sldId id="268" r:id="rId14"/>
-    <p:sldId id="270" r:id="rId15"/>
-    <p:sldId id="271" r:id="rId16"/>
-    <p:sldId id="269" r:id="rId17"/>
-    <p:sldId id="273" r:id="rId18"/>
-    <p:sldId id="272" r:id="rId19"/>
-    <p:sldId id="274" r:id="rId20"/>
-    <p:sldId id="275" r:id="rId21"/>
-    <p:sldId id="276" r:id="rId22"/>
-    <p:sldId id="277" r:id="rId23"/>
-    <p:sldId id="278" r:id="rId24"/>
+    <p:sldId id="281" r:id="rId9"/>
+    <p:sldId id="285" r:id="rId10"/>
+    <p:sldId id="282" r:id="rId11"/>
+    <p:sldId id="264" r:id="rId12"/>
+    <p:sldId id="265" r:id="rId13"/>
+    <p:sldId id="266" r:id="rId14"/>
+    <p:sldId id="267" r:id="rId15"/>
+    <p:sldId id="268" r:id="rId16"/>
+    <p:sldId id="270" r:id="rId17"/>
+    <p:sldId id="271" r:id="rId18"/>
+    <p:sldId id="269" r:id="rId19"/>
+    <p:sldId id="273" r:id="rId20"/>
+    <p:sldId id="272" r:id="rId21"/>
+    <p:sldId id="274" r:id="rId22"/>
+    <p:sldId id="275" r:id="rId23"/>
+    <p:sldId id="276" r:id="rId24"/>
+    <p:sldId id="277" r:id="rId25"/>
+    <p:sldId id="278" r:id="rId26"/>
   </p:sldIdLst>
   <p:sldSz cx="12192000" cy="6858000"/>
   <p:notesSz cx="6858000" cy="9144000"/>
@@ -7519,6 +7524,439 @@
     </dgm:style>
   </dgm:styleLbl>
 </dgm:styleDef>
+</file>
+
+<file path=ppt/notesMasters/notesMaster1.xml><?xml version="1.0" encoding="utf-8"?>
+<p:notesMaster xmlns:a="http://schemas.openxmlformats.org/drawingml/2006/main" xmlns:r="http://schemas.openxmlformats.org/officeDocument/2006/relationships" xmlns:p="http://schemas.openxmlformats.org/presentationml/2006/main">
+  <p:cSld>
+    <p:bg>
+      <p:bgRef idx="1001">
+        <a:schemeClr val="bg1"/>
+      </p:bgRef>
+    </p:bg>
+    <p:spTree>
+      <p:nvGrpSpPr>
+        <p:cNvPr id="1" name=""/>
+        <p:cNvGrpSpPr/>
+        <p:nvPr/>
+      </p:nvGrpSpPr>
+      <p:grpSpPr>
+        <a:xfrm>
+          <a:off x="0" y="0"/>
+          <a:ext cx="0" cy="0"/>
+          <a:chOff x="0" y="0"/>
+          <a:chExt cx="0" cy="0"/>
+        </a:xfrm>
+      </p:grpSpPr>
+      <p:sp>
+        <p:nvSpPr>
+          <p:cNvPr id="2" name="页眉占位符 1"/>
+          <p:cNvSpPr>
+            <a:spLocks noGrp="1"/>
+          </p:cNvSpPr>
+          <p:nvPr>
+            <p:ph type="hdr" sz="quarter"/>
+          </p:nvPr>
+        </p:nvSpPr>
+        <p:spPr>
+          <a:xfrm>
+            <a:off x="0" y="0"/>
+            <a:ext cx="2971800" cy="458788"/>
+          </a:xfrm>
+          <a:prstGeom prst="rect">
+            <a:avLst/>
+          </a:prstGeom>
+        </p:spPr>
+        <p:txBody>
+          <a:bodyPr vert="horz" lIns="91440" tIns="45720" rIns="91440" bIns="45720" rtlCol="0"/>
+          <a:lstStyle>
+            <a:lvl1pPr algn="l">
+              <a:defRPr sz="1200"/>
+            </a:lvl1pPr>
+          </a:lstStyle>
+          <a:p>
+            <a:endParaRPr lang="zh-CN" altLang="en-US"/>
+          </a:p>
+        </p:txBody>
+      </p:sp>
+      <p:sp>
+        <p:nvSpPr>
+          <p:cNvPr id="3" name="日期占位符 2"/>
+          <p:cNvSpPr>
+            <a:spLocks noGrp="1"/>
+          </p:cNvSpPr>
+          <p:nvPr>
+            <p:ph type="dt" idx="1"/>
+          </p:nvPr>
+        </p:nvSpPr>
+        <p:spPr>
+          <a:xfrm>
+            <a:off x="3884613" y="0"/>
+            <a:ext cx="2971800" cy="458788"/>
+          </a:xfrm>
+          <a:prstGeom prst="rect">
+            <a:avLst/>
+          </a:prstGeom>
+        </p:spPr>
+        <p:txBody>
+          <a:bodyPr vert="horz" lIns="91440" tIns="45720" rIns="91440" bIns="45720" rtlCol="0"/>
+          <a:lstStyle>
+            <a:lvl1pPr algn="r">
+              <a:defRPr sz="1200"/>
+            </a:lvl1pPr>
+          </a:lstStyle>
+          <a:p>
+            <a:fld id="{BB41DF36-314C-4558-95B7-E31C90A67E3E}" type="datetimeFigureOut">
+              <a:rPr lang="zh-CN" altLang="en-US" smtClean="0"/>
+              <a:t>2021/3/18</a:t>
+            </a:fld>
+            <a:endParaRPr lang="zh-CN" altLang="en-US"/>
+          </a:p>
+        </p:txBody>
+      </p:sp>
+      <p:sp>
+        <p:nvSpPr>
+          <p:cNvPr id="4" name="幻灯片图像占位符 3"/>
+          <p:cNvSpPr>
+            <a:spLocks noGrp="1" noRot="1" noChangeAspect="1"/>
+          </p:cNvSpPr>
+          <p:nvPr>
+            <p:ph type="sldImg" idx="2"/>
+          </p:nvPr>
+        </p:nvSpPr>
+        <p:spPr>
+          <a:xfrm>
+            <a:off x="685800" y="1143000"/>
+            <a:ext cx="5486400" cy="3086100"/>
+          </a:xfrm>
+          <a:prstGeom prst="rect">
+            <a:avLst/>
+          </a:prstGeom>
+          <a:noFill/>
+          <a:ln w="12700">
+            <a:solidFill>
+              <a:prstClr val="black"/>
+            </a:solidFill>
+          </a:ln>
+        </p:spPr>
+        <p:txBody>
+          <a:bodyPr vert="horz" lIns="91440" tIns="45720" rIns="91440" bIns="45720" rtlCol="0" anchor="ctr"/>
+          <a:lstStyle/>
+          <a:p>
+            <a:endParaRPr lang="zh-CN" altLang="en-US"/>
+          </a:p>
+        </p:txBody>
+      </p:sp>
+      <p:sp>
+        <p:nvSpPr>
+          <p:cNvPr id="5" name="备注占位符 4"/>
+          <p:cNvSpPr>
+            <a:spLocks noGrp="1"/>
+          </p:cNvSpPr>
+          <p:nvPr>
+            <p:ph type="body" sz="quarter" idx="3"/>
+          </p:nvPr>
+        </p:nvSpPr>
+        <p:spPr>
+          <a:xfrm>
+            <a:off x="685800" y="4400550"/>
+            <a:ext cx="5486400" cy="3600450"/>
+          </a:xfrm>
+          <a:prstGeom prst="rect">
+            <a:avLst/>
+          </a:prstGeom>
+        </p:spPr>
+        <p:txBody>
+          <a:bodyPr vert="horz" lIns="91440" tIns="45720" rIns="91440" bIns="45720" rtlCol="0"/>
+          <a:lstStyle/>
+          <a:p>
+            <a:pPr lvl="0"/>
+            <a:r>
+              <a:rPr lang="zh-CN" altLang="en-US"/>
+              <a:t>单击此处编辑母版文本样式</a:t>
+            </a:r>
+          </a:p>
+          <a:p>
+            <a:pPr lvl="1"/>
+            <a:r>
+              <a:rPr lang="zh-CN" altLang="en-US"/>
+              <a:t>二级</a:t>
+            </a:r>
+          </a:p>
+          <a:p>
+            <a:pPr lvl="2"/>
+            <a:r>
+              <a:rPr lang="zh-CN" altLang="en-US"/>
+              <a:t>三级</a:t>
+            </a:r>
+          </a:p>
+          <a:p>
+            <a:pPr lvl="3"/>
+            <a:r>
+              <a:rPr lang="zh-CN" altLang="en-US"/>
+              <a:t>四级</a:t>
+            </a:r>
+          </a:p>
+          <a:p>
+            <a:pPr lvl="4"/>
+            <a:r>
+              <a:rPr lang="zh-CN" altLang="en-US"/>
+              <a:t>五级</a:t>
+            </a:r>
+          </a:p>
+        </p:txBody>
+      </p:sp>
+      <p:sp>
+        <p:nvSpPr>
+          <p:cNvPr id="6" name="页脚占位符 5"/>
+          <p:cNvSpPr>
+            <a:spLocks noGrp="1"/>
+          </p:cNvSpPr>
+          <p:nvPr>
+            <p:ph type="ftr" sz="quarter" idx="4"/>
+          </p:nvPr>
+        </p:nvSpPr>
+        <p:spPr>
+          <a:xfrm>
+            <a:off x="0" y="8685213"/>
+            <a:ext cx="2971800" cy="458787"/>
+          </a:xfrm>
+          <a:prstGeom prst="rect">
+            <a:avLst/>
+          </a:prstGeom>
+        </p:spPr>
+        <p:txBody>
+          <a:bodyPr vert="horz" lIns="91440" tIns="45720" rIns="91440" bIns="45720" rtlCol="0" anchor="b"/>
+          <a:lstStyle>
+            <a:lvl1pPr algn="l">
+              <a:defRPr sz="1200"/>
+            </a:lvl1pPr>
+          </a:lstStyle>
+          <a:p>
+            <a:endParaRPr lang="zh-CN" altLang="en-US"/>
+          </a:p>
+        </p:txBody>
+      </p:sp>
+      <p:sp>
+        <p:nvSpPr>
+          <p:cNvPr id="7" name="灯片编号占位符 6"/>
+          <p:cNvSpPr>
+            <a:spLocks noGrp="1"/>
+          </p:cNvSpPr>
+          <p:nvPr>
+            <p:ph type="sldNum" sz="quarter" idx="5"/>
+          </p:nvPr>
+        </p:nvSpPr>
+        <p:spPr>
+          <a:xfrm>
+            <a:off x="3884613" y="8685213"/>
+            <a:ext cx="2971800" cy="458787"/>
+          </a:xfrm>
+          <a:prstGeom prst="rect">
+            <a:avLst/>
+          </a:prstGeom>
+        </p:spPr>
+        <p:txBody>
+          <a:bodyPr vert="horz" lIns="91440" tIns="45720" rIns="91440" bIns="45720" rtlCol="0" anchor="b"/>
+          <a:lstStyle>
+            <a:lvl1pPr algn="r">
+              <a:defRPr sz="1200"/>
+            </a:lvl1pPr>
+          </a:lstStyle>
+          <a:p>
+            <a:fld id="{91B5B3C6-F2D3-4C9C-AA66-618B3C62C4E8}" type="slidenum">
+              <a:rPr lang="zh-CN" altLang="en-US" smtClean="0"/>
+              <a:t>‹#›</a:t>
+            </a:fld>
+            <a:endParaRPr lang="zh-CN" altLang="en-US"/>
+          </a:p>
+        </p:txBody>
+      </p:sp>
+    </p:spTree>
+    <p:extLst>
+      <p:ext uri="{BB962C8B-B14F-4D97-AF65-F5344CB8AC3E}">
+        <p14:creationId xmlns:p14="http://schemas.microsoft.com/office/powerpoint/2010/main" val="576983230"/>
+      </p:ext>
+    </p:extLst>
+  </p:cSld>
+  <p:clrMap bg1="lt1" tx1="dk1" bg2="lt2" tx2="dk2" accent1="accent1" accent2="accent2" accent3="accent3" accent4="accent4" accent5="accent5" accent6="accent6" hlink="hlink" folHlink="folHlink"/>
+  <p:notesStyle>
+    <a:lvl1pPr marL="0" algn="l" defTabSz="914400" rtl="0" eaLnBrk="1" latinLnBrk="0" hangingPunct="1">
+      <a:defRPr sz="1200" kern="1200">
+        <a:solidFill>
+          <a:schemeClr val="tx1"/>
+        </a:solidFill>
+        <a:latin typeface="+mn-lt"/>
+        <a:ea typeface="+mn-ea"/>
+        <a:cs typeface="+mn-cs"/>
+      </a:defRPr>
+    </a:lvl1pPr>
+    <a:lvl2pPr marL="457200" algn="l" defTabSz="914400" rtl="0" eaLnBrk="1" latinLnBrk="0" hangingPunct="1">
+      <a:defRPr sz="1200" kern="1200">
+        <a:solidFill>
+          <a:schemeClr val="tx1"/>
+        </a:solidFill>
+        <a:latin typeface="+mn-lt"/>
+        <a:ea typeface="+mn-ea"/>
+        <a:cs typeface="+mn-cs"/>
+      </a:defRPr>
+    </a:lvl2pPr>
+    <a:lvl3pPr marL="914400" algn="l" defTabSz="914400" rtl="0" eaLnBrk="1" latinLnBrk="0" hangingPunct="1">
+      <a:defRPr sz="1200" kern="1200">
+        <a:solidFill>
+          <a:schemeClr val="tx1"/>
+        </a:solidFill>
+        <a:latin typeface="+mn-lt"/>
+        <a:ea typeface="+mn-ea"/>
+        <a:cs typeface="+mn-cs"/>
+      </a:defRPr>
+    </a:lvl3pPr>
+    <a:lvl4pPr marL="1371600" algn="l" defTabSz="914400" rtl="0" eaLnBrk="1" latinLnBrk="0" hangingPunct="1">
+      <a:defRPr sz="1200" kern="1200">
+        <a:solidFill>
+          <a:schemeClr val="tx1"/>
+        </a:solidFill>
+        <a:latin typeface="+mn-lt"/>
+        <a:ea typeface="+mn-ea"/>
+        <a:cs typeface="+mn-cs"/>
+      </a:defRPr>
+    </a:lvl4pPr>
+    <a:lvl5pPr marL="1828800" algn="l" defTabSz="914400" rtl="0" eaLnBrk="1" latinLnBrk="0" hangingPunct="1">
+      <a:defRPr sz="1200" kern="1200">
+        <a:solidFill>
+          <a:schemeClr val="tx1"/>
+        </a:solidFill>
+        <a:latin typeface="+mn-lt"/>
+        <a:ea typeface="+mn-ea"/>
+        <a:cs typeface="+mn-cs"/>
+      </a:defRPr>
+    </a:lvl5pPr>
+    <a:lvl6pPr marL="2286000" algn="l" defTabSz="914400" rtl="0" eaLnBrk="1" latinLnBrk="0" hangingPunct="1">
+      <a:defRPr sz="1200" kern="1200">
+        <a:solidFill>
+          <a:schemeClr val="tx1"/>
+        </a:solidFill>
+        <a:latin typeface="+mn-lt"/>
+        <a:ea typeface="+mn-ea"/>
+        <a:cs typeface="+mn-cs"/>
+      </a:defRPr>
+    </a:lvl6pPr>
+    <a:lvl7pPr marL="2743200" algn="l" defTabSz="914400" rtl="0" eaLnBrk="1" latinLnBrk="0" hangingPunct="1">
+      <a:defRPr sz="1200" kern="1200">
+        <a:solidFill>
+          <a:schemeClr val="tx1"/>
+        </a:solidFill>
+        <a:latin typeface="+mn-lt"/>
+        <a:ea typeface="+mn-ea"/>
+        <a:cs typeface="+mn-cs"/>
+      </a:defRPr>
+    </a:lvl7pPr>
+    <a:lvl8pPr marL="3200400" algn="l" defTabSz="914400" rtl="0" eaLnBrk="1" latinLnBrk="0" hangingPunct="1">
+      <a:defRPr sz="1200" kern="1200">
+        <a:solidFill>
+          <a:schemeClr val="tx1"/>
+        </a:solidFill>
+        <a:latin typeface="+mn-lt"/>
+        <a:ea typeface="+mn-ea"/>
+        <a:cs typeface="+mn-cs"/>
+      </a:defRPr>
+    </a:lvl8pPr>
+    <a:lvl9pPr marL="3657600" algn="l" defTabSz="914400" rtl="0" eaLnBrk="1" latinLnBrk="0" hangingPunct="1">
+      <a:defRPr sz="1200" kern="1200">
+        <a:solidFill>
+          <a:schemeClr val="tx1"/>
+        </a:solidFill>
+        <a:latin typeface="+mn-lt"/>
+        <a:ea typeface="+mn-ea"/>
+        <a:cs typeface="+mn-cs"/>
+      </a:defRPr>
+    </a:lvl9pPr>
+  </p:notesStyle>
+</p:notesMaster>
+</file>
+
+<file path=ppt/notesSlides/notesSlide1.xml><?xml version="1.0" encoding="utf-8"?>
+<p:notes xmlns:a="http://schemas.openxmlformats.org/drawingml/2006/main" xmlns:r="http://schemas.openxmlformats.org/officeDocument/2006/relationships" xmlns:p="http://schemas.openxmlformats.org/presentationml/2006/main">
+  <p:cSld>
+    <p:spTree>
+      <p:nvGrpSpPr>
+        <p:cNvPr id="1" name=""/>
+        <p:cNvGrpSpPr/>
+        <p:nvPr/>
+      </p:nvGrpSpPr>
+      <p:grpSpPr>
+        <a:xfrm>
+          <a:off x="0" y="0"/>
+          <a:ext cx="0" cy="0"/>
+          <a:chOff x="0" y="0"/>
+          <a:chExt cx="0" cy="0"/>
+        </a:xfrm>
+      </p:grpSpPr>
+      <p:sp>
+        <p:nvSpPr>
+          <p:cNvPr id="2" name="幻灯片图像占位符 1"/>
+          <p:cNvSpPr>
+            <a:spLocks noGrp="1" noRot="1" noChangeAspect="1"/>
+          </p:cNvSpPr>
+          <p:nvPr>
+            <p:ph type="sldImg"/>
+          </p:nvPr>
+        </p:nvSpPr>
+        <p:spPr/>
+      </p:sp>
+      <p:sp>
+        <p:nvSpPr>
+          <p:cNvPr id="3" name="备注占位符 2"/>
+          <p:cNvSpPr>
+            <a:spLocks noGrp="1"/>
+          </p:cNvSpPr>
+          <p:nvPr>
+            <p:ph type="body" idx="1"/>
+          </p:nvPr>
+        </p:nvSpPr>
+        <p:spPr/>
+        <p:txBody>
+          <a:bodyPr/>
+          <a:lstStyle/>
+          <a:p>
+            <a:endParaRPr lang="zh-CN" altLang="en-US" dirty="0"/>
+          </a:p>
+        </p:txBody>
+      </p:sp>
+      <p:sp>
+        <p:nvSpPr>
+          <p:cNvPr id="4" name="灯片编号占位符 3"/>
+          <p:cNvSpPr>
+            <a:spLocks noGrp="1"/>
+          </p:cNvSpPr>
+          <p:nvPr>
+            <p:ph type="sldNum" sz="quarter" idx="10"/>
+          </p:nvPr>
+        </p:nvSpPr>
+        <p:spPr/>
+        <p:txBody>
+          <a:bodyPr/>
+          <a:lstStyle/>
+          <a:p>
+            <a:fld id="{17D3AAD9-88A7-470F-95F8-4845B281D115}" type="slidenum">
+              <a:rPr lang="zh-CN" altLang="en-US" smtClean="0"/>
+              <a:t>10</a:t>
+            </a:fld>
+            <a:endParaRPr lang="zh-CN" altLang="en-US"/>
+          </a:p>
+        </p:txBody>
+      </p:sp>
+    </p:spTree>
+    <p:extLst>
+      <p:ext uri="{BB962C8B-B14F-4D97-AF65-F5344CB8AC3E}">
+        <p14:creationId xmlns:p14="http://schemas.microsoft.com/office/powerpoint/2010/main" val="2270841524"/>
+      </p:ext>
+    </p:extLst>
+  </p:cSld>
+  <p:clrMapOvr>
+    <a:masterClrMapping/>
+  </p:clrMapOvr>
+</p:notes>
 </file>
 
 <file path=ppt/slideLayouts/slideLayout1.xml><?xml version="1.0" encoding="utf-8"?>
@@ -15982,6 +16420,1481 @@
       </p:grpSpPr>
       <p:sp>
         <p:nvSpPr>
+          <p:cNvPr id="2" name="标题 1"/>
+          <p:cNvSpPr>
+            <a:spLocks noGrp="1"/>
+          </p:cNvSpPr>
+          <p:nvPr>
+            <p:ph type="title"/>
+          </p:nvPr>
+        </p:nvSpPr>
+        <p:spPr/>
+        <p:txBody>
+          <a:bodyPr/>
+          <a:lstStyle/>
+          <a:p>
+            <a:r>
+              <a:rPr lang="zh-CN" altLang="en-US" dirty="0"/>
+              <a:t>二、算法复杂性</a:t>
+            </a:r>
+          </a:p>
+        </p:txBody>
+      </p:sp>
+      <p:sp>
+        <p:nvSpPr>
+          <p:cNvPr id="3" name="内容占位符 2"/>
+          <p:cNvSpPr>
+            <a:spLocks noGrp="1"/>
+          </p:cNvSpPr>
+          <p:nvPr>
+            <p:ph idx="1"/>
+          </p:nvPr>
+        </p:nvSpPr>
+        <p:spPr/>
+        <p:txBody>
+          <a:bodyPr/>
+          <a:lstStyle/>
+          <a:p>
+            <a:r>
+              <a:rPr lang="zh-CN" altLang="en-US" dirty="0"/>
+              <a:t>递推方程求解</a:t>
+            </a:r>
+            <a:endParaRPr lang="en-US" altLang="zh-CN" dirty="0"/>
+          </a:p>
+          <a:p>
+            <a:pPr lvl="1"/>
+            <a:r>
+              <a:rPr lang="zh-CN" altLang="en-US" dirty="0"/>
+              <a:t>迭代法：将递推式展开，进行级数求和。</a:t>
+            </a:r>
+          </a:p>
+        </p:txBody>
+      </p:sp>
+      <p:sp>
+        <p:nvSpPr>
+          <p:cNvPr id="4" name="文本框 3"/>
+          <p:cNvSpPr txBox="1"/>
+          <p:nvPr/>
+        </p:nvSpPr>
+        <p:spPr>
+          <a:xfrm>
+            <a:off x="4235117" y="3653079"/>
+            <a:ext cx="1742785" cy="369332"/>
+          </a:xfrm>
+          <a:prstGeom prst="rect">
+            <a:avLst/>
+          </a:prstGeom>
+          <a:noFill/>
+        </p:spPr>
+        <p:txBody>
+          <a:bodyPr wrap="none" rtlCol="0">
+            <a:spAutoFit/>
+          </a:bodyPr>
+          <a:lstStyle/>
+          <a:p>
+            <a:r>
+              <a:rPr lang="en-US" altLang="zh-CN" dirty="0"/>
+              <a:t>T(n)=2T(n-1)+1</a:t>
+            </a:r>
+            <a:endParaRPr lang="zh-CN" altLang="en-US" dirty="0"/>
+          </a:p>
+        </p:txBody>
+      </p:sp>
+      <p:sp>
+        <p:nvSpPr>
+          <p:cNvPr id="5" name="文本框 4"/>
+          <p:cNvSpPr txBox="1"/>
+          <p:nvPr/>
+        </p:nvSpPr>
+        <p:spPr>
+          <a:xfrm>
+            <a:off x="4786550" y="4022411"/>
+            <a:ext cx="3401893" cy="369332"/>
+          </a:xfrm>
+          <a:prstGeom prst="rect">
+            <a:avLst/>
+          </a:prstGeom>
+          <a:noFill/>
+        </p:spPr>
+        <p:txBody>
+          <a:bodyPr wrap="none" rtlCol="0">
+            <a:spAutoFit/>
+          </a:bodyPr>
+          <a:lstStyle/>
+          <a:p>
+            <a:r>
+              <a:rPr lang="en-US" altLang="zh-CN" dirty="0"/>
+              <a:t>=2(2T(n-2)+1)+1=2</a:t>
+            </a:r>
+            <a:r>
+              <a:rPr lang="en-US" altLang="zh-CN" baseline="30000" dirty="0"/>
+              <a:t>2</a:t>
+            </a:r>
+            <a:r>
+              <a:rPr lang="en-US" altLang="zh-CN" dirty="0"/>
+              <a:t>T(n-2)+2+1</a:t>
+            </a:r>
+            <a:endParaRPr lang="zh-CN" altLang="en-US" dirty="0"/>
+          </a:p>
+        </p:txBody>
+      </p:sp>
+      <p:sp>
+        <p:nvSpPr>
+          <p:cNvPr id="6" name="文本框 5"/>
+          <p:cNvSpPr txBox="1"/>
+          <p:nvPr/>
+        </p:nvSpPr>
+        <p:spPr>
+          <a:xfrm>
+            <a:off x="4786550" y="4389024"/>
+            <a:ext cx="4277133" cy="369332"/>
+          </a:xfrm>
+          <a:prstGeom prst="rect">
+            <a:avLst/>
+          </a:prstGeom>
+          <a:noFill/>
+        </p:spPr>
+        <p:txBody>
+          <a:bodyPr wrap="none" rtlCol="0">
+            <a:spAutoFit/>
+          </a:bodyPr>
+          <a:lstStyle/>
+          <a:p>
+            <a:r>
+              <a:rPr lang="en-US" altLang="zh-CN" dirty="0"/>
+              <a:t>=2</a:t>
+            </a:r>
+            <a:r>
+              <a:rPr lang="en-US" altLang="zh-CN" baseline="30000" dirty="0"/>
+              <a:t>2</a:t>
+            </a:r>
+            <a:r>
+              <a:rPr lang="en-US" altLang="zh-CN" dirty="0"/>
+              <a:t>(2T(n-3)+1)+2+1=2</a:t>
+            </a:r>
+            <a:r>
+              <a:rPr lang="en-US" altLang="zh-CN" baseline="30000" dirty="0"/>
+              <a:t>3</a:t>
+            </a:r>
+            <a:r>
+              <a:rPr lang="en-US" altLang="zh-CN" dirty="0"/>
+              <a:t>T(n-3)+2</a:t>
+            </a:r>
+            <a:r>
+              <a:rPr lang="en-US" altLang="zh-CN" baseline="30000" dirty="0"/>
+              <a:t>2</a:t>
+            </a:r>
+            <a:r>
+              <a:rPr lang="en-US" altLang="zh-CN" dirty="0"/>
+              <a:t>+2</a:t>
+            </a:r>
+            <a:r>
+              <a:rPr lang="en-US" altLang="zh-CN" baseline="30000" dirty="0"/>
+              <a:t>1</a:t>
+            </a:r>
+            <a:r>
+              <a:rPr lang="en-US" altLang="zh-CN" dirty="0"/>
+              <a:t>+2</a:t>
+            </a:r>
+            <a:r>
+              <a:rPr lang="en-US" altLang="zh-CN" baseline="30000" dirty="0"/>
+              <a:t>0</a:t>
+            </a:r>
+            <a:endParaRPr lang="zh-CN" altLang="en-US" baseline="30000" dirty="0"/>
+          </a:p>
+        </p:txBody>
+      </p:sp>
+      <mc:AlternateContent xmlns:mc="http://schemas.openxmlformats.org/markup-compatibility/2006" xmlns:a14="http://schemas.microsoft.com/office/drawing/2010/main">
+        <mc:Choice Requires="a14">
+          <p:sp>
+            <p:nvSpPr>
+              <p:cNvPr id="7" name="文本框 6"/>
+              <p:cNvSpPr txBox="1"/>
+              <p:nvPr/>
+            </p:nvSpPr>
+            <p:spPr>
+              <a:xfrm>
+                <a:off x="4786549" y="4756754"/>
+                <a:ext cx="2089546" cy="381451"/>
+              </a:xfrm>
+              <a:prstGeom prst="rect">
+                <a:avLst/>
+              </a:prstGeom>
+              <a:noFill/>
+            </p:spPr>
+            <p:txBody>
+              <a:bodyPr wrap="none" rtlCol="0">
+                <a:spAutoFit/>
+              </a:bodyPr>
+              <a:lstStyle/>
+              <a:p>
+                <a:r>
+                  <a:rPr lang="en-US" altLang="zh-CN" dirty="0"/>
+                  <a:t>=</a:t>
+                </a:r>
+                <a14:m>
+                  <m:oMath xmlns:m="http://schemas.openxmlformats.org/officeDocument/2006/math">
+                    <m:sSup>
+                      <m:sSupPr>
+                        <m:ctrlPr>
+                          <a:rPr lang="en-US" altLang="zh-CN" i="1">
+                            <a:latin typeface="Cambria Math" panose="02040503050406030204" pitchFamily="18" charset="0"/>
+                          </a:rPr>
+                        </m:ctrlPr>
+                      </m:sSupPr>
+                      <m:e>
+                        <m:r>
+                          <a:rPr lang="en-US" altLang="zh-CN" i="1">
+                            <a:latin typeface="Cambria Math" panose="02040503050406030204" pitchFamily="18" charset="0"/>
+                          </a:rPr>
+                          <m:t>2</m:t>
+                        </m:r>
+                      </m:e>
+                      <m:sup>
+                        <m:r>
+                          <a:rPr lang="en-US" altLang="zh-CN" i="1">
+                            <a:latin typeface="Cambria Math" panose="02040503050406030204" pitchFamily="18" charset="0"/>
+                          </a:rPr>
+                          <m:t>𝑛</m:t>
+                        </m:r>
+                      </m:sup>
+                    </m:sSup>
+                    <m:r>
+                      <a:rPr lang="en-US" altLang="zh-CN" i="1">
+                        <a:latin typeface="Cambria Math" panose="02040503050406030204" pitchFamily="18" charset="0"/>
+                      </a:rPr>
+                      <m:t>𝑇</m:t>
+                    </m:r>
+                    <m:d>
+                      <m:dPr>
+                        <m:ctrlPr>
+                          <a:rPr lang="en-US" altLang="zh-CN" i="1">
+                            <a:latin typeface="Cambria Math" panose="02040503050406030204" pitchFamily="18" charset="0"/>
+                          </a:rPr>
+                        </m:ctrlPr>
+                      </m:dPr>
+                      <m:e>
+                        <m:r>
+                          <a:rPr lang="en-US" altLang="zh-CN" i="1">
+                            <a:latin typeface="Cambria Math" panose="02040503050406030204" pitchFamily="18" charset="0"/>
+                          </a:rPr>
+                          <m:t>0</m:t>
+                        </m:r>
+                      </m:e>
+                    </m:d>
+                    <m:r>
+                      <a:rPr lang="en-US" altLang="zh-CN" i="1">
+                        <a:latin typeface="Cambria Math" panose="02040503050406030204" pitchFamily="18" charset="0"/>
+                      </a:rPr>
+                      <m:t>+</m:t>
+                    </m:r>
+                    <m:nary>
+                      <m:naryPr>
+                        <m:chr m:val="∑"/>
+                        <m:ctrlPr>
+                          <a:rPr lang="en-US" altLang="zh-CN" i="1">
+                            <a:latin typeface="Cambria Math" panose="02040503050406030204" pitchFamily="18" charset="0"/>
+                          </a:rPr>
+                        </m:ctrlPr>
+                      </m:naryPr>
+                      <m:sub>
+                        <m:r>
+                          <m:rPr>
+                            <m:brk m:alnAt="23"/>
+                          </m:rPr>
+                          <a:rPr lang="en-US" altLang="zh-CN" i="1">
+                            <a:latin typeface="Cambria Math" panose="02040503050406030204" pitchFamily="18" charset="0"/>
+                          </a:rPr>
+                          <m:t>𝑘</m:t>
+                        </m:r>
+                        <m:r>
+                          <a:rPr lang="en-US" altLang="zh-CN" i="1">
+                            <a:latin typeface="Cambria Math" panose="02040503050406030204" pitchFamily="18" charset="0"/>
+                          </a:rPr>
+                          <m:t>=0</m:t>
+                        </m:r>
+                      </m:sub>
+                      <m:sup>
+                        <m:r>
+                          <a:rPr lang="en-US" altLang="zh-CN" i="1">
+                            <a:latin typeface="Cambria Math" panose="02040503050406030204" pitchFamily="18" charset="0"/>
+                          </a:rPr>
+                          <m:t>𝑛</m:t>
+                        </m:r>
+                        <m:r>
+                          <a:rPr lang="en-US" altLang="zh-CN" i="1">
+                            <a:latin typeface="Cambria Math" panose="02040503050406030204" pitchFamily="18" charset="0"/>
+                          </a:rPr>
+                          <m:t>−1</m:t>
+                        </m:r>
+                      </m:sup>
+                      <m:e>
+                        <m:sSup>
+                          <m:sSupPr>
+                            <m:ctrlPr>
+                              <a:rPr lang="en-US" altLang="zh-CN" i="1">
+                                <a:latin typeface="Cambria Math" panose="02040503050406030204" pitchFamily="18" charset="0"/>
+                              </a:rPr>
+                            </m:ctrlPr>
+                          </m:sSupPr>
+                          <m:e>
+                            <m:r>
+                              <a:rPr lang="en-US" altLang="zh-CN" i="1">
+                                <a:latin typeface="Cambria Math" panose="02040503050406030204" pitchFamily="18" charset="0"/>
+                              </a:rPr>
+                              <m:t>2</m:t>
+                            </m:r>
+                          </m:e>
+                          <m:sup>
+                            <m:r>
+                              <a:rPr lang="en-US" altLang="zh-CN" i="1">
+                                <a:latin typeface="Cambria Math" panose="02040503050406030204" pitchFamily="18" charset="0"/>
+                              </a:rPr>
+                              <m:t>𝑘</m:t>
+                            </m:r>
+                          </m:sup>
+                        </m:sSup>
+                      </m:e>
+                    </m:nary>
+                  </m:oMath>
+                </a14:m>
+                <a:endParaRPr lang="zh-CN" altLang="en-US" dirty="0"/>
+              </a:p>
+            </p:txBody>
+          </p:sp>
+        </mc:Choice>
+        <mc:Fallback xmlns="">
+          <p:sp>
+            <p:nvSpPr>
+              <p:cNvPr id="7" name="文本框 6"/>
+              <p:cNvSpPr txBox="1">
+                <a:spLocks noRot="1" noChangeAspect="1" noMove="1" noResize="1" noEditPoints="1" noAdjustHandles="1" noChangeArrowheads="1" noChangeShapeType="1" noTextEdit="1"/>
+              </p:cNvSpPr>
+              <p:nvPr/>
+            </p:nvSpPr>
+            <p:spPr>
+              <a:xfrm>
+                <a:off x="4786549" y="4756754"/>
+                <a:ext cx="2089546" cy="381451"/>
+              </a:xfrm>
+              <a:prstGeom prst="rect">
+                <a:avLst/>
+              </a:prstGeom>
+              <a:blipFill>
+                <a:blip r:embed="rId3"/>
+                <a:stretch>
+                  <a:fillRect l="-2332" t="-111111" r="-7580" b="-179365"/>
+                </a:stretch>
+              </a:blipFill>
+            </p:spPr>
+            <p:txBody>
+              <a:bodyPr/>
+              <a:lstStyle/>
+              <a:p>
+                <a:r>
+                  <a:rPr lang="zh-CN" altLang="en-US">
+                    <a:noFill/>
+                  </a:rPr>
+                  <a:t> </a:t>
+                </a:r>
+              </a:p>
+            </p:txBody>
+          </p:sp>
+        </mc:Fallback>
+      </mc:AlternateContent>
+      <mc:AlternateContent xmlns:mc="http://schemas.openxmlformats.org/markup-compatibility/2006" xmlns:a14="http://schemas.microsoft.com/office/drawing/2010/main">
+        <mc:Choice Requires="a14">
+          <p:sp>
+            <p:nvSpPr>
+              <p:cNvPr id="8" name="文本框 7"/>
+              <p:cNvSpPr txBox="1"/>
+              <p:nvPr/>
+            </p:nvSpPr>
+            <p:spPr>
+              <a:xfrm>
+                <a:off x="4786549" y="5176079"/>
+                <a:ext cx="1101392" cy="381451"/>
+              </a:xfrm>
+              <a:prstGeom prst="rect">
+                <a:avLst/>
+              </a:prstGeom>
+              <a:noFill/>
+            </p:spPr>
+            <p:txBody>
+              <a:bodyPr wrap="none" rtlCol="0">
+                <a:spAutoFit/>
+              </a:bodyPr>
+              <a:lstStyle/>
+              <a:p>
+                <a:r>
+                  <a:rPr lang="en-US" altLang="zh-CN" dirty="0"/>
+                  <a:t>=</a:t>
+                </a:r>
+                <a14:m>
+                  <m:oMath xmlns:m="http://schemas.openxmlformats.org/officeDocument/2006/math">
+                    <m:nary>
+                      <m:naryPr>
+                        <m:chr m:val="∑"/>
+                        <m:ctrlPr>
+                          <a:rPr lang="en-US" altLang="zh-CN" i="1">
+                            <a:latin typeface="Cambria Math" panose="02040503050406030204" pitchFamily="18" charset="0"/>
+                          </a:rPr>
+                        </m:ctrlPr>
+                      </m:naryPr>
+                      <m:sub>
+                        <m:r>
+                          <m:rPr>
+                            <m:brk m:alnAt="23"/>
+                          </m:rPr>
+                          <a:rPr lang="en-US" altLang="zh-CN" i="1">
+                            <a:latin typeface="Cambria Math" panose="02040503050406030204" pitchFamily="18" charset="0"/>
+                          </a:rPr>
+                          <m:t>𝑘</m:t>
+                        </m:r>
+                        <m:r>
+                          <a:rPr lang="en-US" altLang="zh-CN" i="1">
+                            <a:latin typeface="Cambria Math" panose="02040503050406030204" pitchFamily="18" charset="0"/>
+                          </a:rPr>
+                          <m:t>=0</m:t>
+                        </m:r>
+                      </m:sub>
+                      <m:sup>
+                        <m:r>
+                          <a:rPr lang="en-US" altLang="zh-CN" i="1">
+                            <a:latin typeface="Cambria Math" panose="02040503050406030204" pitchFamily="18" charset="0"/>
+                          </a:rPr>
+                          <m:t>𝑛</m:t>
+                        </m:r>
+                        <m:r>
+                          <a:rPr lang="en-US" altLang="zh-CN" i="1">
+                            <a:latin typeface="Cambria Math" panose="02040503050406030204" pitchFamily="18" charset="0"/>
+                          </a:rPr>
+                          <m:t>−1</m:t>
+                        </m:r>
+                      </m:sup>
+                      <m:e>
+                        <m:sSup>
+                          <m:sSupPr>
+                            <m:ctrlPr>
+                              <a:rPr lang="en-US" altLang="zh-CN" i="1">
+                                <a:latin typeface="Cambria Math" panose="02040503050406030204" pitchFamily="18" charset="0"/>
+                              </a:rPr>
+                            </m:ctrlPr>
+                          </m:sSupPr>
+                          <m:e>
+                            <m:r>
+                              <a:rPr lang="en-US" altLang="zh-CN" i="1">
+                                <a:latin typeface="Cambria Math" panose="02040503050406030204" pitchFamily="18" charset="0"/>
+                              </a:rPr>
+                              <m:t>2</m:t>
+                            </m:r>
+                          </m:e>
+                          <m:sup>
+                            <m:r>
+                              <a:rPr lang="en-US" altLang="zh-CN" i="1">
+                                <a:latin typeface="Cambria Math" panose="02040503050406030204" pitchFamily="18" charset="0"/>
+                              </a:rPr>
+                              <m:t>𝑘</m:t>
+                            </m:r>
+                          </m:sup>
+                        </m:sSup>
+                      </m:e>
+                    </m:nary>
+                  </m:oMath>
+                </a14:m>
+                <a:endParaRPr lang="zh-CN" altLang="en-US" dirty="0"/>
+              </a:p>
+            </p:txBody>
+          </p:sp>
+        </mc:Choice>
+        <mc:Fallback xmlns="">
+          <p:sp>
+            <p:nvSpPr>
+              <p:cNvPr id="8" name="文本框 7"/>
+              <p:cNvSpPr txBox="1">
+                <a:spLocks noRot="1" noChangeAspect="1" noMove="1" noResize="1" noEditPoints="1" noAdjustHandles="1" noChangeArrowheads="1" noChangeShapeType="1" noTextEdit="1"/>
+              </p:cNvSpPr>
+              <p:nvPr/>
+            </p:nvSpPr>
+            <p:spPr>
+              <a:xfrm>
+                <a:off x="4786549" y="5176079"/>
+                <a:ext cx="1101392" cy="381451"/>
+              </a:xfrm>
+              <a:prstGeom prst="rect">
+                <a:avLst/>
+              </a:prstGeom>
+              <a:blipFill>
+                <a:blip r:embed="rId4"/>
+                <a:stretch>
+                  <a:fillRect l="-17680" t="-111111" r="-15470" b="-179365"/>
+                </a:stretch>
+              </a:blipFill>
+            </p:spPr>
+            <p:txBody>
+              <a:bodyPr/>
+              <a:lstStyle/>
+              <a:p>
+                <a:r>
+                  <a:rPr lang="zh-CN" altLang="en-US">
+                    <a:noFill/>
+                  </a:rPr>
+                  <a:t> </a:t>
+                </a:r>
+              </a:p>
+            </p:txBody>
+          </p:sp>
+        </mc:Fallback>
+      </mc:AlternateContent>
+      <p:sp>
+        <p:nvSpPr>
+          <p:cNvPr id="10" name="文本框 9"/>
+          <p:cNvSpPr txBox="1"/>
+          <p:nvPr/>
+        </p:nvSpPr>
+        <p:spPr>
+          <a:xfrm>
+            <a:off x="4786550" y="5718737"/>
+            <a:ext cx="752129" cy="369332"/>
+          </a:xfrm>
+          <a:prstGeom prst="rect">
+            <a:avLst/>
+          </a:prstGeom>
+          <a:noFill/>
+        </p:spPr>
+        <p:txBody>
+          <a:bodyPr wrap="none" rtlCol="0">
+            <a:spAutoFit/>
+          </a:bodyPr>
+          <a:lstStyle/>
+          <a:p>
+            <a:r>
+              <a:rPr lang="en-US" altLang="zh-CN" dirty="0"/>
+              <a:t>=2</a:t>
+            </a:r>
+            <a:r>
+              <a:rPr lang="en-US" altLang="zh-CN" baseline="30000" dirty="0"/>
+              <a:t>n</a:t>
+            </a:r>
+            <a:r>
+              <a:rPr lang="en-US" altLang="zh-CN" dirty="0"/>
+              <a:t>-1</a:t>
+            </a:r>
+            <a:endParaRPr lang="zh-CN" altLang="en-US" dirty="0"/>
+          </a:p>
+        </p:txBody>
+      </p:sp>
+    </p:spTree>
+    <p:extLst>
+      <p:ext uri="{BB962C8B-B14F-4D97-AF65-F5344CB8AC3E}">
+        <p14:creationId xmlns:p14="http://schemas.microsoft.com/office/powerpoint/2010/main" val="1157461622"/>
+      </p:ext>
+    </p:extLst>
+  </p:cSld>
+  <p:clrMapOvr>
+    <a:masterClrMapping/>
+  </p:clrMapOvr>
+  <p:timing>
+    <p:tnLst>
+      <p:par>
+        <p:cTn id="1" dur="indefinite" restart="never" nodeType="tmRoot">
+          <p:childTnLst>
+            <p:seq concurrent="1" nextAc="seek">
+              <p:cTn id="2" dur="indefinite" nodeType="mainSeq">
+                <p:childTnLst>
+                  <p:par>
+                    <p:cTn id="3" fill="hold">
+                      <p:stCondLst>
+                        <p:cond delay="indefinite"/>
+                      </p:stCondLst>
+                      <p:childTnLst>
+                        <p:par>
+                          <p:cTn id="4" fill="hold">
+                            <p:stCondLst>
+                              <p:cond delay="0"/>
+                            </p:stCondLst>
+                            <p:childTnLst>
+                              <p:par>
+                                <p:cTn id="5" presetID="1" presetClass="entr" presetSubtype="0" fill="hold" grpId="0" nodeType="clickEffect">
+                                  <p:stCondLst>
+                                    <p:cond delay="0"/>
+                                  </p:stCondLst>
+                                  <p:childTnLst>
+                                    <p:set>
+                                      <p:cBhvr>
+                                        <p:cTn id="6" dur="1" fill="hold">
+                                          <p:stCondLst>
+                                            <p:cond delay="0"/>
+                                          </p:stCondLst>
+                                        </p:cTn>
+                                        <p:tgtEl>
+                                          <p:spTgt spid="4"/>
+                                        </p:tgtEl>
+                                        <p:attrNameLst>
+                                          <p:attrName>style.visibility</p:attrName>
+                                        </p:attrNameLst>
+                                      </p:cBhvr>
+                                      <p:to>
+                                        <p:strVal val="visible"/>
+                                      </p:to>
+                                    </p:set>
+                                  </p:childTnLst>
+                                </p:cTn>
+                              </p:par>
+                            </p:childTnLst>
+                          </p:cTn>
+                        </p:par>
+                      </p:childTnLst>
+                    </p:cTn>
+                  </p:par>
+                  <p:par>
+                    <p:cTn id="7" fill="hold">
+                      <p:stCondLst>
+                        <p:cond delay="indefinite"/>
+                      </p:stCondLst>
+                      <p:childTnLst>
+                        <p:par>
+                          <p:cTn id="8" fill="hold">
+                            <p:stCondLst>
+                              <p:cond delay="0"/>
+                            </p:stCondLst>
+                            <p:childTnLst>
+                              <p:par>
+                                <p:cTn id="9" presetID="1" presetClass="entr" presetSubtype="0" fill="hold" grpId="0" nodeType="clickEffect">
+                                  <p:stCondLst>
+                                    <p:cond delay="0"/>
+                                  </p:stCondLst>
+                                  <p:childTnLst>
+                                    <p:set>
+                                      <p:cBhvr>
+                                        <p:cTn id="10" dur="1" fill="hold">
+                                          <p:stCondLst>
+                                            <p:cond delay="0"/>
+                                          </p:stCondLst>
+                                        </p:cTn>
+                                        <p:tgtEl>
+                                          <p:spTgt spid="5"/>
+                                        </p:tgtEl>
+                                        <p:attrNameLst>
+                                          <p:attrName>style.visibility</p:attrName>
+                                        </p:attrNameLst>
+                                      </p:cBhvr>
+                                      <p:to>
+                                        <p:strVal val="visible"/>
+                                      </p:to>
+                                    </p:set>
+                                  </p:childTnLst>
+                                </p:cTn>
+                              </p:par>
+                            </p:childTnLst>
+                          </p:cTn>
+                        </p:par>
+                      </p:childTnLst>
+                    </p:cTn>
+                  </p:par>
+                  <p:par>
+                    <p:cTn id="11" fill="hold">
+                      <p:stCondLst>
+                        <p:cond delay="indefinite"/>
+                      </p:stCondLst>
+                      <p:childTnLst>
+                        <p:par>
+                          <p:cTn id="12" fill="hold">
+                            <p:stCondLst>
+                              <p:cond delay="0"/>
+                            </p:stCondLst>
+                            <p:childTnLst>
+                              <p:par>
+                                <p:cTn id="13" presetID="1" presetClass="entr" presetSubtype="0" fill="hold" grpId="0" nodeType="clickEffect">
+                                  <p:stCondLst>
+                                    <p:cond delay="0"/>
+                                  </p:stCondLst>
+                                  <p:childTnLst>
+                                    <p:set>
+                                      <p:cBhvr>
+                                        <p:cTn id="14" dur="1" fill="hold">
+                                          <p:stCondLst>
+                                            <p:cond delay="0"/>
+                                          </p:stCondLst>
+                                        </p:cTn>
+                                        <p:tgtEl>
+                                          <p:spTgt spid="6"/>
+                                        </p:tgtEl>
+                                        <p:attrNameLst>
+                                          <p:attrName>style.visibility</p:attrName>
+                                        </p:attrNameLst>
+                                      </p:cBhvr>
+                                      <p:to>
+                                        <p:strVal val="visible"/>
+                                      </p:to>
+                                    </p:set>
+                                  </p:childTnLst>
+                                </p:cTn>
+                              </p:par>
+                            </p:childTnLst>
+                          </p:cTn>
+                        </p:par>
+                      </p:childTnLst>
+                    </p:cTn>
+                  </p:par>
+                  <p:par>
+                    <p:cTn id="15" fill="hold">
+                      <p:stCondLst>
+                        <p:cond delay="indefinite"/>
+                      </p:stCondLst>
+                      <p:childTnLst>
+                        <p:par>
+                          <p:cTn id="16" fill="hold">
+                            <p:stCondLst>
+                              <p:cond delay="0"/>
+                            </p:stCondLst>
+                            <p:childTnLst>
+                              <p:par>
+                                <p:cTn id="17" presetID="1" presetClass="entr" presetSubtype="0" fill="hold" grpId="0" nodeType="clickEffect">
+                                  <p:stCondLst>
+                                    <p:cond delay="0"/>
+                                  </p:stCondLst>
+                                  <p:childTnLst>
+                                    <p:set>
+                                      <p:cBhvr>
+                                        <p:cTn id="18" dur="1" fill="hold">
+                                          <p:stCondLst>
+                                            <p:cond delay="0"/>
+                                          </p:stCondLst>
+                                        </p:cTn>
+                                        <p:tgtEl>
+                                          <p:spTgt spid="7"/>
+                                        </p:tgtEl>
+                                        <p:attrNameLst>
+                                          <p:attrName>style.visibility</p:attrName>
+                                        </p:attrNameLst>
+                                      </p:cBhvr>
+                                      <p:to>
+                                        <p:strVal val="visible"/>
+                                      </p:to>
+                                    </p:set>
+                                  </p:childTnLst>
+                                </p:cTn>
+                              </p:par>
+                            </p:childTnLst>
+                          </p:cTn>
+                        </p:par>
+                      </p:childTnLst>
+                    </p:cTn>
+                  </p:par>
+                  <p:par>
+                    <p:cTn id="19" fill="hold">
+                      <p:stCondLst>
+                        <p:cond delay="indefinite"/>
+                      </p:stCondLst>
+                      <p:childTnLst>
+                        <p:par>
+                          <p:cTn id="20" fill="hold">
+                            <p:stCondLst>
+                              <p:cond delay="0"/>
+                            </p:stCondLst>
+                            <p:childTnLst>
+                              <p:par>
+                                <p:cTn id="21" presetID="1" presetClass="entr" presetSubtype="0" fill="hold" grpId="0" nodeType="clickEffect">
+                                  <p:stCondLst>
+                                    <p:cond delay="0"/>
+                                  </p:stCondLst>
+                                  <p:childTnLst>
+                                    <p:set>
+                                      <p:cBhvr>
+                                        <p:cTn id="22" dur="1" fill="hold">
+                                          <p:stCondLst>
+                                            <p:cond delay="0"/>
+                                          </p:stCondLst>
+                                        </p:cTn>
+                                        <p:tgtEl>
+                                          <p:spTgt spid="8"/>
+                                        </p:tgtEl>
+                                        <p:attrNameLst>
+                                          <p:attrName>style.visibility</p:attrName>
+                                        </p:attrNameLst>
+                                      </p:cBhvr>
+                                      <p:to>
+                                        <p:strVal val="visible"/>
+                                      </p:to>
+                                    </p:set>
+                                  </p:childTnLst>
+                                </p:cTn>
+                              </p:par>
+                            </p:childTnLst>
+                          </p:cTn>
+                        </p:par>
+                      </p:childTnLst>
+                    </p:cTn>
+                  </p:par>
+                  <p:par>
+                    <p:cTn id="23" fill="hold">
+                      <p:stCondLst>
+                        <p:cond delay="indefinite"/>
+                      </p:stCondLst>
+                      <p:childTnLst>
+                        <p:par>
+                          <p:cTn id="24" fill="hold">
+                            <p:stCondLst>
+                              <p:cond delay="0"/>
+                            </p:stCondLst>
+                            <p:childTnLst>
+                              <p:par>
+                                <p:cTn id="25" presetID="1" presetClass="entr" presetSubtype="0" fill="hold" grpId="0" nodeType="clickEffect">
+                                  <p:stCondLst>
+                                    <p:cond delay="0"/>
+                                  </p:stCondLst>
+                                  <p:childTnLst>
+                                    <p:set>
+                                      <p:cBhvr>
+                                        <p:cTn id="26" dur="1" fill="hold">
+                                          <p:stCondLst>
+                                            <p:cond delay="0"/>
+                                          </p:stCondLst>
+                                        </p:cTn>
+                                        <p:tgtEl>
+                                          <p:spTgt spid="10"/>
+                                        </p:tgtEl>
+                                        <p:attrNameLst>
+                                          <p:attrName>style.visibility</p:attrName>
+                                        </p:attrNameLst>
+                                      </p:cBhvr>
+                                      <p:to>
+                                        <p:strVal val="visible"/>
+                                      </p:to>
+                                    </p:set>
+                                  </p:childTnLst>
+                                </p:cTn>
+                              </p:par>
+                            </p:childTnLst>
+                          </p:cTn>
+                        </p:par>
+                      </p:childTnLst>
+                    </p:cTn>
+                  </p:par>
+                </p:childTnLst>
+              </p:cTn>
+              <p:prevCondLst>
+                <p:cond evt="onPrev" delay="0">
+                  <p:tgtEl>
+                    <p:sldTgt/>
+                  </p:tgtEl>
+                </p:cond>
+              </p:prevCondLst>
+              <p:nextCondLst>
+                <p:cond evt="onNext" delay="0">
+                  <p:tgtEl>
+                    <p:sldTgt/>
+                  </p:tgtEl>
+                </p:cond>
+              </p:nextCondLst>
+            </p:seq>
+          </p:childTnLst>
+        </p:cTn>
+      </p:par>
+    </p:tnLst>
+    <p:bldLst>
+      <p:bldP spid="4" grpId="0"/>
+      <p:bldP spid="5" grpId="0"/>
+      <p:bldP spid="6" grpId="0"/>
+      <p:bldP spid="7" grpId="0"/>
+      <p:bldP spid="8" grpId="0"/>
+      <p:bldP spid="10" grpId="0"/>
+    </p:bldLst>
+  </p:timing>
+</p:sld>
+</file>
+
+<file path=ppt/slides/slide11.xml><?xml version="1.0" encoding="utf-8"?>
+<p:sld xmlns:a="http://schemas.openxmlformats.org/drawingml/2006/main" xmlns:r="http://schemas.openxmlformats.org/officeDocument/2006/relationships" xmlns:p="http://schemas.openxmlformats.org/presentationml/2006/main">
+  <p:cSld>
+    <p:spTree>
+      <p:nvGrpSpPr>
+        <p:cNvPr id="1" name=""/>
+        <p:cNvGrpSpPr/>
+        <p:nvPr/>
+      </p:nvGrpSpPr>
+      <p:grpSpPr>
+        <a:xfrm>
+          <a:off x="0" y="0"/>
+          <a:ext cx="0" cy="0"/>
+          <a:chOff x="0" y="0"/>
+          <a:chExt cx="0" cy="0"/>
+        </a:xfrm>
+      </p:grpSpPr>
+      <p:sp>
+        <p:nvSpPr>
+          <p:cNvPr id="78851" name="Rectangle 3">
+            <a:extLst>
+              <a:ext uri="{FF2B5EF4-FFF2-40B4-BE49-F238E27FC236}">
+                <a16:creationId xmlns:a16="http://schemas.microsoft.com/office/drawing/2014/main" id="{87C9B236-88DF-4FA0-922D-1429A3DD3355}"/>
+              </a:ext>
+            </a:extLst>
+          </p:cNvPr>
+          <p:cNvSpPr>
+            <a:spLocks noGrp="1" noChangeArrowheads="1"/>
+          </p:cNvSpPr>
+          <p:nvPr>
+            <p:ph type="body" sz="half" idx="1"/>
+          </p:nvPr>
+        </p:nvSpPr>
+        <p:spPr>
+          <a:xfrm>
+            <a:off x="2590801" y="1981200"/>
+            <a:ext cx="7681913" cy="1447800"/>
+          </a:xfrm>
+        </p:spPr>
+        <p:txBody>
+          <a:bodyPr/>
+          <a:lstStyle/>
+          <a:p>
+            <a:r>
+              <a:rPr lang="zh-CN" altLang="en-US"/>
+              <a:t>递推方程的求解</a:t>
+            </a:r>
+          </a:p>
+          <a:p>
+            <a:pPr lvl="1"/>
+            <a:r>
+              <a:rPr lang="zh-CN" altLang="en-US"/>
+              <a:t>迭代法：将递推式展开，进行级数求和。</a:t>
+            </a:r>
+          </a:p>
+        </p:txBody>
+      </p:sp>
+      <p:graphicFrame>
+        <p:nvGraphicFramePr>
+          <p:cNvPr id="78853" name="Object 5">
+            <a:extLst>
+              <a:ext uri="{FF2B5EF4-FFF2-40B4-BE49-F238E27FC236}">
+                <a16:creationId xmlns:a16="http://schemas.microsoft.com/office/drawing/2014/main" id="{407CB328-F1DB-4C65-8654-62E923EF34CD}"/>
+              </a:ext>
+            </a:extLst>
+          </p:cNvPr>
+          <p:cNvGraphicFramePr>
+            <a:graphicFrameLocks noGrp="1" noChangeAspect="1"/>
+          </p:cNvGraphicFramePr>
+          <p:nvPr>
+            <p:ph sz="quarter" idx="2"/>
+          </p:nvPr>
+        </p:nvGraphicFramePr>
+        <p:xfrm>
+          <a:off x="5375275" y="5661025"/>
+          <a:ext cx="5040313" cy="965200"/>
+        </p:xfrm>
+        <a:graphic>
+          <a:graphicData uri="http://schemas.openxmlformats.org/presentationml/2006/ole">
+            <mc:AlternateContent xmlns:mc="http://schemas.openxmlformats.org/markup-compatibility/2006">
+              <mc:Choice xmlns:v="urn:schemas-microsoft-com:vml" Requires="v">
+                <p:oleObj name="公式" r:id="rId2" imgW="2387520" imgH="457200" progId="Equation.3">
+                  <p:embed/>
+                </p:oleObj>
+              </mc:Choice>
+              <mc:Fallback>
+                <p:oleObj name="公式" r:id="rId2" imgW="2387520" imgH="457200" progId="Equation.3">
+                  <p:embed/>
+                  <p:pic>
+                    <p:nvPicPr>
+                      <p:cNvPr id="0" name="Object 5"/>
+                      <p:cNvPicPr>
+                        <a:picLocks noChangeAspect="1" noChangeArrowheads="1"/>
+                      </p:cNvPicPr>
+                      <p:nvPr/>
+                    </p:nvPicPr>
+                    <p:blipFill>
+                      <a:blip r:embed="rId3">
+                        <a:extLst>
+                          <a:ext uri="{28A0092B-C50C-407E-A947-70E740481C1C}">
+                            <a14:useLocalDpi xmlns:a14="http://schemas.microsoft.com/office/drawing/2010/main" val="0"/>
+                          </a:ext>
+                        </a:extLst>
+                      </a:blip>
+                      <a:srcRect/>
+                      <a:stretch>
+                        <a:fillRect/>
+                      </a:stretch>
+                    </p:blipFill>
+                    <p:spPr bwMode="auto">
+                      <a:xfrm>
+                        <a:off x="5375275" y="5661025"/>
+                        <a:ext cx="5040313" cy="965200"/>
+                      </a:xfrm>
+                      <a:prstGeom prst="rect">
+                        <a:avLst/>
+                      </a:prstGeom>
+                      <a:noFill/>
+                      <a:ln>
+                        <a:noFill/>
+                      </a:ln>
+                      <a:effectLst/>
+                      <a:extLst>
+                        <a:ext uri="{909E8E84-426E-40DD-AFC4-6F175D3DCCD1}">
+                          <a14:hiddenFill xmlns:a14="http://schemas.microsoft.com/office/drawing/2010/main">
+                            <a:solidFill>
+                              <a:srgbClr val="FFFFFF"/>
+                            </a:solidFill>
+                          </a14:hiddenFill>
+                        </a:ext>
+                        <a:ext uri="{91240B29-F687-4F45-9708-019B960494DF}">
+                          <a14:hiddenLine xmlns:a14="http://schemas.microsoft.com/office/drawing/2010/main" w="9525">
+                            <a:solidFill>
+                              <a:srgbClr val="000000"/>
+                            </a:solidFill>
+                            <a:miter lim="800000"/>
+                            <a:headEnd/>
+                            <a:tailEnd/>
+                          </a14:hiddenLine>
+                        </a:ext>
+                        <a:ext uri="{AF507438-7753-43E0-B8FC-AC1667EBCBE1}">
+                          <a14:hiddenEffects xmlns:a14="http://schemas.microsoft.com/office/drawing/2010/main">
+                            <a:effectLst>
+                              <a:outerShdw dist="35921" dir="2700000" algn="ctr" rotWithShape="0">
+                                <a:srgbClr val="808080"/>
+                              </a:outerShdw>
+                            </a:effectLst>
+                          </a14:hiddenEffects>
+                        </a:ext>
+                      </a:extLst>
+                    </p:spPr>
+                  </p:pic>
+                </p:oleObj>
+              </mc:Fallback>
+            </mc:AlternateContent>
+          </a:graphicData>
+        </a:graphic>
+      </p:graphicFrame>
+      <p:graphicFrame>
+        <p:nvGraphicFramePr>
+          <p:cNvPr id="78855" name="Object 7">
+            <a:extLst>
+              <a:ext uri="{FF2B5EF4-FFF2-40B4-BE49-F238E27FC236}">
+                <a16:creationId xmlns:a16="http://schemas.microsoft.com/office/drawing/2014/main" id="{4636688C-B5FE-49B5-BA89-E612726A1661}"/>
+              </a:ext>
+            </a:extLst>
+          </p:cNvPr>
+          <p:cNvGraphicFramePr>
+            <a:graphicFrameLocks noGrp="1" noChangeAspect="1"/>
+          </p:cNvGraphicFramePr>
+          <p:nvPr>
+            <p:ph sz="quarter" idx="3"/>
+          </p:nvPr>
+        </p:nvGraphicFramePr>
+        <p:xfrm>
+          <a:off x="5375275" y="5661025"/>
+          <a:ext cx="2808288" cy="995363"/>
+        </p:xfrm>
+        <a:graphic>
+          <a:graphicData uri="http://schemas.openxmlformats.org/presentationml/2006/ole">
+            <mc:AlternateContent xmlns:mc="http://schemas.openxmlformats.org/markup-compatibility/2006">
+              <mc:Choice xmlns:v="urn:schemas-microsoft-com:vml" Requires="v">
+                <p:oleObj name="公式" r:id="rId4" imgW="1218960" imgH="431640" progId="Equation.3">
+                  <p:embed/>
+                </p:oleObj>
+              </mc:Choice>
+              <mc:Fallback>
+                <p:oleObj name="公式" r:id="rId4" imgW="1218960" imgH="431640" progId="Equation.3">
+                  <p:embed/>
+                  <p:pic>
+                    <p:nvPicPr>
+                      <p:cNvPr id="0" name="Object 7"/>
+                      <p:cNvPicPr>
+                        <a:picLocks noChangeAspect="1" noChangeArrowheads="1"/>
+                      </p:cNvPicPr>
+                      <p:nvPr/>
+                    </p:nvPicPr>
+                    <p:blipFill>
+                      <a:blip r:embed="rId5">
+                        <a:extLst>
+                          <a:ext uri="{28A0092B-C50C-407E-A947-70E740481C1C}">
+                            <a14:useLocalDpi xmlns:a14="http://schemas.microsoft.com/office/drawing/2010/main" val="0"/>
+                          </a:ext>
+                        </a:extLst>
+                      </a:blip>
+                      <a:srcRect/>
+                      <a:stretch>
+                        <a:fillRect/>
+                      </a:stretch>
+                    </p:blipFill>
+                    <p:spPr bwMode="auto">
+                      <a:xfrm>
+                        <a:off x="5375275" y="5661025"/>
+                        <a:ext cx="2808288" cy="995363"/>
+                      </a:xfrm>
+                      <a:prstGeom prst="rect">
+                        <a:avLst/>
+                      </a:prstGeom>
+                      <a:noFill/>
+                      <a:ln>
+                        <a:noFill/>
+                      </a:ln>
+                      <a:effectLst/>
+                      <a:extLst>
+                        <a:ext uri="{909E8E84-426E-40DD-AFC4-6F175D3DCCD1}">
+                          <a14:hiddenFill xmlns:a14="http://schemas.microsoft.com/office/drawing/2010/main">
+                            <a:solidFill>
+                              <a:srgbClr val="FFFFFF"/>
+                            </a:solidFill>
+                          </a14:hiddenFill>
+                        </a:ext>
+                        <a:ext uri="{91240B29-F687-4F45-9708-019B960494DF}">
+                          <a14:hiddenLine xmlns:a14="http://schemas.microsoft.com/office/drawing/2010/main" w="9525">
+                            <a:solidFill>
+                              <a:srgbClr val="000000"/>
+                            </a:solidFill>
+                            <a:miter lim="800000"/>
+                            <a:headEnd/>
+                            <a:tailEnd/>
+                          </a14:hiddenLine>
+                        </a:ext>
+                        <a:ext uri="{AF507438-7753-43E0-B8FC-AC1667EBCBE1}">
+                          <a14:hiddenEffects xmlns:a14="http://schemas.microsoft.com/office/drawing/2010/main">
+                            <a:effectLst>
+                              <a:outerShdw dist="35921" dir="2700000" algn="ctr" rotWithShape="0">
+                                <a:srgbClr val="808080"/>
+                              </a:outerShdw>
+                            </a:effectLst>
+                          </a14:hiddenEffects>
+                        </a:ext>
+                      </a:extLst>
+                    </p:spPr>
+                  </p:pic>
+                </p:oleObj>
+              </mc:Fallback>
+            </mc:AlternateContent>
+          </a:graphicData>
+        </a:graphic>
+      </p:graphicFrame>
+      <p:sp>
+        <p:nvSpPr>
+          <p:cNvPr id="78852" name="Text Box 4">
+            <a:extLst>
+              <a:ext uri="{FF2B5EF4-FFF2-40B4-BE49-F238E27FC236}">
+                <a16:creationId xmlns:a16="http://schemas.microsoft.com/office/drawing/2014/main" id="{259FD909-DFDF-44D7-AB72-669CB0A570CD}"/>
+              </a:ext>
+            </a:extLst>
+          </p:cNvPr>
+          <p:cNvSpPr txBox="1">
+            <a:spLocks noChangeArrowheads="1"/>
+          </p:cNvSpPr>
+          <p:nvPr/>
+        </p:nvSpPr>
+        <p:spPr bwMode="auto">
+          <a:xfrm>
+            <a:off x="2782888" y="3429001"/>
+            <a:ext cx="5365750" cy="2530475"/>
+          </a:xfrm>
+          <a:prstGeom prst="rect">
+            <a:avLst/>
+          </a:prstGeom>
+          <a:noFill/>
+          <a:ln>
+            <a:noFill/>
+          </a:ln>
+          <a:effectLst/>
+          <a:extLst>
+            <a:ext uri="{909E8E84-426E-40DD-AFC4-6F175D3DCCD1}">
+              <a14:hiddenFill xmlns:a14="http://schemas.microsoft.com/office/drawing/2010/main">
+                <a:solidFill>
+                  <a:schemeClr val="accent1"/>
+                </a:solidFill>
+              </a14:hiddenFill>
+            </a:ext>
+            <a:ext uri="{91240B29-F687-4F45-9708-019B960494DF}">
+              <a14:hiddenLine xmlns:a14="http://schemas.microsoft.com/office/drawing/2010/main" w="9525" algn="ctr">
+                <a:solidFill>
+                  <a:schemeClr val="tx1"/>
+                </a:solidFill>
+                <a:miter lim="800000"/>
+                <a:headEnd/>
+                <a:tailEnd/>
+              </a14:hiddenLine>
+            </a:ext>
+            <a:ext uri="{AF507438-7753-43E0-B8FC-AC1667EBCBE1}">
+              <a14:hiddenEffects xmlns:a14="http://schemas.microsoft.com/office/drawing/2010/main">
+                <a:effectLst>
+                  <a:outerShdw dist="35921" dir="2700000" algn="ctr" rotWithShape="0">
+                    <a:schemeClr val="bg2"/>
+                  </a:outerShdw>
+                </a:effectLst>
+              </a14:hiddenEffects>
+            </a:ext>
+          </a:extLst>
+        </p:spPr>
+        <p:txBody>
+          <a:bodyPr wrap="none">
+            <a:spAutoFit/>
+          </a:bodyPr>
+          <a:lstStyle/>
+          <a:p>
+            <a:r>
+              <a:rPr lang="en-US" altLang="zh-CN" sz="2000" b="1">
+                <a:latin typeface="Courier New" panose="02070309020205020404" pitchFamily="49" charset="0"/>
+                <a:ea typeface="楷体_GB2312" pitchFamily="49" charset="-122"/>
+              </a:rPr>
+              <a:t>int QSort( List &amp;L, int s, int t )</a:t>
+            </a:r>
+          </a:p>
+          <a:p>
+            <a:r>
+              <a:rPr lang="en-US" altLang="zh-CN" sz="2000" b="1">
+                <a:latin typeface="Courier New" panose="02070309020205020404" pitchFamily="49" charset="0"/>
+                <a:ea typeface="楷体_GB2312" pitchFamily="49" charset="-122"/>
+              </a:rPr>
+              <a:t>{</a:t>
+            </a:r>
+          </a:p>
+          <a:p>
+            <a:r>
+              <a:rPr lang="en-US" altLang="zh-CN" sz="2000" b="1">
+                <a:latin typeface="Courier New" panose="02070309020205020404" pitchFamily="49" charset="0"/>
+                <a:ea typeface="楷体_GB2312" pitchFamily="49" charset="-122"/>
+              </a:rPr>
+              <a:t>    if (s&gt;=t) return 1;</a:t>
+            </a:r>
+          </a:p>
+          <a:p>
+            <a:r>
+              <a:rPr lang="en-US" altLang="zh-CN" sz="2000" b="1">
+                <a:latin typeface="Courier New" panose="02070309020205020404" pitchFamily="49" charset="0"/>
+                <a:ea typeface="楷体_GB2312" pitchFamily="49" charset="-122"/>
+              </a:rPr>
+              <a:t>    int k = Partition( L, s, t );</a:t>
+            </a:r>
+          </a:p>
+          <a:p>
+            <a:r>
+              <a:rPr lang="en-US" altLang="zh-CN" sz="2000" b="1">
+                <a:latin typeface="Courier New" panose="02070309020205020404" pitchFamily="49" charset="0"/>
+                <a:ea typeface="楷体_GB2312" pitchFamily="49" charset="-122"/>
+              </a:rPr>
+              <a:t>    QSort( L, s, k-1 );</a:t>
+            </a:r>
+          </a:p>
+          <a:p>
+            <a:r>
+              <a:rPr lang="en-US" altLang="zh-CN" sz="2000" b="1">
+                <a:latin typeface="Courier New" panose="02070309020205020404" pitchFamily="49" charset="0"/>
+                <a:ea typeface="楷体_GB2312" pitchFamily="49" charset="-122"/>
+              </a:rPr>
+              <a:t>    QSort( L, k+1, t );</a:t>
+            </a:r>
+          </a:p>
+          <a:p>
+            <a:r>
+              <a:rPr lang="en-US" altLang="zh-CN" sz="2000" b="1">
+                <a:latin typeface="Courier New" panose="02070309020205020404" pitchFamily="49" charset="0"/>
+                <a:ea typeface="楷体_GB2312" pitchFamily="49" charset="-122"/>
+              </a:rPr>
+              <a:t>    return 1;</a:t>
+            </a:r>
+          </a:p>
+          <a:p>
+            <a:r>
+              <a:rPr lang="en-US" altLang="zh-CN" sz="2000" b="1">
+                <a:latin typeface="Courier New" panose="02070309020205020404" pitchFamily="49" charset="0"/>
+                <a:ea typeface="楷体_GB2312" pitchFamily="49" charset="-122"/>
+              </a:rPr>
+              <a:t>}</a:t>
+            </a:r>
+          </a:p>
+        </p:txBody>
+      </p:sp>
+      <p:sp>
+        <p:nvSpPr>
+          <p:cNvPr id="9" name="Rectangle 2">
+            <a:extLst>
+              <a:ext uri="{FF2B5EF4-FFF2-40B4-BE49-F238E27FC236}">
+                <a16:creationId xmlns:a16="http://schemas.microsoft.com/office/drawing/2014/main" id="{D0E9ED46-9296-4810-9D2B-723CA42E06BC}"/>
+              </a:ext>
+            </a:extLst>
+          </p:cNvPr>
+          <p:cNvSpPr>
+            <a:spLocks noGrp="1" noChangeArrowheads="1"/>
+          </p:cNvSpPr>
+          <p:nvPr>
+            <p:ph type="title"/>
+          </p:nvPr>
+        </p:nvSpPr>
+        <p:spPr>
+          <a:xfrm>
+            <a:off x="2592925" y="624110"/>
+            <a:ext cx="8911687" cy="1280890"/>
+          </a:xfrm>
+        </p:spPr>
+        <p:txBody>
+          <a:bodyPr/>
+          <a:lstStyle/>
+          <a:p>
+            <a:r>
+              <a:rPr lang="zh-CN" altLang="en-US" dirty="0"/>
+              <a:t>二、算法复杂性</a:t>
+            </a:r>
+          </a:p>
+        </p:txBody>
+      </p:sp>
+    </p:spTree>
+  </p:cSld>
+  <p:clrMapOvr>
+    <a:masterClrMapping/>
+  </p:clrMapOvr>
+  <p:timing>
+    <p:tnLst>
+      <p:par>
+        <p:cTn id="1" dur="indefinite" restart="never" nodeType="tmRoot">
+          <p:childTnLst>
+            <p:seq concurrent="1" nextAc="seek">
+              <p:cTn id="2" dur="indefinite" nodeType="mainSeq">
+                <p:childTnLst>
+                  <p:par>
+                    <p:cTn id="3" fill="hold" nodeType="clickPar">
+                      <p:stCondLst>
+                        <p:cond delay="indefinite"/>
+                      </p:stCondLst>
+                      <p:childTnLst>
+                        <p:par>
+                          <p:cTn id="4" fill="hold" nodeType="withGroup">
+                            <p:stCondLst>
+                              <p:cond delay="0"/>
+                            </p:stCondLst>
+                            <p:childTnLst>
+                              <p:par>
+                                <p:cTn id="5" presetID="1" presetClass="entr" presetSubtype="0" fill="hold" nodeType="clickEffect">
+                                  <p:stCondLst>
+                                    <p:cond delay="0"/>
+                                  </p:stCondLst>
+                                  <p:childTnLst>
+                                    <p:set>
+                                      <p:cBhvr>
+                                        <p:cTn id="6" dur="1" fill="hold">
+                                          <p:stCondLst>
+                                            <p:cond delay="0"/>
+                                          </p:stCondLst>
+                                        </p:cTn>
+                                        <p:tgtEl>
+                                          <p:spTgt spid="78853"/>
+                                        </p:tgtEl>
+                                        <p:attrNameLst>
+                                          <p:attrName>style.visibility</p:attrName>
+                                        </p:attrNameLst>
+                                      </p:cBhvr>
+                                      <p:to>
+                                        <p:strVal val="visible"/>
+                                      </p:to>
+                                    </p:set>
+                                  </p:childTnLst>
+                                  <p:subTnLst>
+                                    <p:set>
+                                      <p:cBhvr override="childStyle">
+                                        <p:cTn dur="1" fill="hold" display="0" masterRel="nextClick" afterEffect="1"/>
+                                        <p:tgtEl>
+                                          <p:spTgt spid="78853"/>
+                                        </p:tgtEl>
+                                        <p:attrNameLst>
+                                          <p:attrName>style.visibility</p:attrName>
+                                        </p:attrNameLst>
+                                      </p:cBhvr>
+                                      <p:to>
+                                        <p:strVal val="hidden"/>
+                                      </p:to>
+                                    </p:set>
+                                  </p:subTnLst>
+                                </p:cTn>
+                              </p:par>
+                            </p:childTnLst>
+                          </p:cTn>
+                        </p:par>
+                      </p:childTnLst>
+                    </p:cTn>
+                  </p:par>
+                  <p:par>
+                    <p:cTn id="7" fill="hold" nodeType="clickPar">
+                      <p:stCondLst>
+                        <p:cond delay="indefinite"/>
+                      </p:stCondLst>
+                      <p:childTnLst>
+                        <p:par>
+                          <p:cTn id="8" fill="hold" nodeType="withGroup">
+                            <p:stCondLst>
+                              <p:cond delay="0"/>
+                            </p:stCondLst>
+                            <p:childTnLst>
+                              <p:par>
+                                <p:cTn id="9" presetID="1" presetClass="entr" presetSubtype="0" fill="hold" nodeType="clickEffect">
+                                  <p:stCondLst>
+                                    <p:cond delay="0"/>
+                                  </p:stCondLst>
+                                  <p:childTnLst>
+                                    <p:set>
+                                      <p:cBhvr>
+                                        <p:cTn id="10" dur="1" fill="hold">
+                                          <p:stCondLst>
+                                            <p:cond delay="0"/>
+                                          </p:stCondLst>
+                                        </p:cTn>
+                                        <p:tgtEl>
+                                          <p:spTgt spid="78855"/>
+                                        </p:tgtEl>
+                                        <p:attrNameLst>
+                                          <p:attrName>style.visibility</p:attrName>
+                                        </p:attrNameLst>
+                                      </p:cBhvr>
+                                      <p:to>
+                                        <p:strVal val="visible"/>
+                                      </p:to>
+                                    </p:set>
+                                  </p:childTnLst>
+                                </p:cTn>
+                              </p:par>
+                            </p:childTnLst>
+                          </p:cTn>
+                        </p:par>
+                      </p:childTnLst>
+                    </p:cTn>
+                  </p:par>
+                </p:childTnLst>
+              </p:cTn>
+              <p:prevCondLst>
+                <p:cond evt="onPrev" delay="0">
+                  <p:tgtEl>
+                    <p:sldTgt/>
+                  </p:tgtEl>
+                </p:cond>
+              </p:prevCondLst>
+              <p:nextCondLst>
+                <p:cond evt="onNext" delay="0">
+                  <p:tgtEl>
+                    <p:sldTgt/>
+                  </p:tgtEl>
+                </p:cond>
+              </p:nextCondLst>
+            </p:seq>
+          </p:childTnLst>
+        </p:cTn>
+      </p:par>
+    </p:tnLst>
+  </p:timing>
+</p:sld>
+</file>
+
+<file path=ppt/slides/slide12.xml><?xml version="1.0" encoding="utf-8"?>
+<p:sld xmlns:a="http://schemas.openxmlformats.org/drawingml/2006/main" xmlns:r="http://schemas.openxmlformats.org/officeDocument/2006/relationships" xmlns:p="http://schemas.openxmlformats.org/presentationml/2006/main">
+  <p:cSld>
+    <p:spTree>
+      <p:nvGrpSpPr>
+        <p:cNvPr id="1" name=""/>
+        <p:cNvGrpSpPr/>
+        <p:nvPr/>
+      </p:nvGrpSpPr>
+      <p:grpSpPr>
+        <a:xfrm>
+          <a:off x="0" y="0"/>
+          <a:ext cx="0" cy="0"/>
+          <a:chOff x="0" y="0"/>
+          <a:chExt cx="0" cy="0"/>
+        </a:xfrm>
+      </p:grpSpPr>
+      <p:sp>
+        <p:nvSpPr>
           <p:cNvPr id="82948" name="Rectangle 4">
             <a:extLst>
               <a:ext uri="{FF2B5EF4-FFF2-40B4-BE49-F238E27FC236}">
@@ -16060,12 +17973,12 @@
           <a:graphicData uri="http://schemas.openxmlformats.org/presentationml/2006/ole">
             <mc:AlternateContent xmlns:mc="http://schemas.openxmlformats.org/markup-compatibility/2006">
               <mc:Choice xmlns:v="urn:schemas-microsoft-com:vml" Requires="v">
-                <p:oleObj spid="_x0000_s83032" name="公式" r:id="rId3" imgW="1218960" imgH="431640" progId="Equation.3">
+                <p:oleObj name="公式" r:id="rId2" imgW="1218960" imgH="431640" progId="Equation.3">
                   <p:embed/>
                 </p:oleObj>
               </mc:Choice>
               <mc:Fallback>
-                <p:oleObj name="公式" r:id="rId3" imgW="1218960" imgH="431640" progId="Equation.3">
+                <p:oleObj name="公式" r:id="rId2" imgW="1218960" imgH="431640" progId="Equation.3">
                   <p:embed/>
                   <p:pic>
                     <p:nvPicPr>
@@ -16076,7 +17989,7 @@
                       <p:nvPr/>
                     </p:nvPicPr>
                     <p:blipFill>
-                      <a:blip r:embed="rId4">
+                      <a:blip r:embed="rId3">
                         <a:extLst>
                           <a:ext uri="{28A0092B-C50C-407E-A947-70E740481C1C}">
                             <a14:useLocalDpi xmlns:a14="http://schemas.microsoft.com/office/drawing/2010/main" val="0"/>
@@ -16159,12 +18072,12 @@
           <a:graphicData uri="http://schemas.openxmlformats.org/presentationml/2006/ole">
             <mc:AlternateContent xmlns:mc="http://schemas.openxmlformats.org/markup-compatibility/2006">
               <mc:Choice xmlns:v="urn:schemas-microsoft-com:vml" Requires="v">
-                <p:oleObj spid="_x0000_s83033" name="公式" r:id="rId5" imgW="787320" imgH="431640" progId="Equation.3">
+                <p:oleObj name="公式" r:id="rId4" imgW="787320" imgH="431640" progId="Equation.3">
                   <p:embed/>
                 </p:oleObj>
               </mc:Choice>
               <mc:Fallback>
-                <p:oleObj name="公式" r:id="rId5" imgW="787320" imgH="431640" progId="Equation.3">
+                <p:oleObj name="公式" r:id="rId4" imgW="787320" imgH="431640" progId="Equation.3">
                   <p:embed/>
                   <p:pic>
                     <p:nvPicPr>
@@ -16175,7 +18088,7 @@
                       <p:nvPr/>
                     </p:nvPicPr>
                     <p:blipFill>
-                      <a:blip r:embed="rId6">
+                      <a:blip r:embed="rId5">
                         <a:extLst>
                           <a:ext uri="{28A0092B-C50C-407E-A947-70E740481C1C}">
                             <a14:useLocalDpi xmlns:a14="http://schemas.microsoft.com/office/drawing/2010/main" val="0"/>
@@ -16258,12 +18171,12 @@
           <a:graphicData uri="http://schemas.openxmlformats.org/presentationml/2006/ole">
             <mc:AlternateContent xmlns:mc="http://schemas.openxmlformats.org/markup-compatibility/2006">
               <mc:Choice xmlns:v="urn:schemas-microsoft-com:vml" Requires="v">
-                <p:oleObj spid="_x0000_s83034" name="公式" r:id="rId7" imgW="1917360" imgH="431640" progId="Equation.3">
+                <p:oleObj name="公式" r:id="rId6" imgW="1917360" imgH="431640" progId="Equation.3">
                   <p:embed/>
                 </p:oleObj>
               </mc:Choice>
               <mc:Fallback>
-                <p:oleObj name="公式" r:id="rId7" imgW="1917360" imgH="431640" progId="Equation.3">
+                <p:oleObj name="公式" r:id="rId6" imgW="1917360" imgH="431640" progId="Equation.3">
                   <p:embed/>
                   <p:pic>
                     <p:nvPicPr>
@@ -16274,7 +18187,7 @@
                       <p:nvPr/>
                     </p:nvPicPr>
                     <p:blipFill>
-                      <a:blip r:embed="rId8">
+                      <a:blip r:embed="rId7">
                         <a:extLst>
                           <a:ext uri="{28A0092B-C50C-407E-A947-70E740481C1C}">
                             <a14:useLocalDpi xmlns:a14="http://schemas.microsoft.com/office/drawing/2010/main" val="0"/>
@@ -16357,12 +18270,12 @@
           <a:graphicData uri="http://schemas.openxmlformats.org/presentationml/2006/ole">
             <mc:AlternateContent xmlns:mc="http://schemas.openxmlformats.org/markup-compatibility/2006">
               <mc:Choice xmlns:v="urn:schemas-microsoft-com:vml" Requires="v">
-                <p:oleObj spid="_x0000_s83035" name="公式" r:id="rId9" imgW="1346040" imgH="431640" progId="Equation.3">
+                <p:oleObj name="公式" r:id="rId8" imgW="1346040" imgH="431640" progId="Equation.3">
                   <p:embed/>
                 </p:oleObj>
               </mc:Choice>
               <mc:Fallback>
-                <p:oleObj name="公式" r:id="rId9" imgW="1346040" imgH="431640" progId="Equation.3">
+                <p:oleObj name="公式" r:id="rId8" imgW="1346040" imgH="431640" progId="Equation.3">
                   <p:embed/>
                   <p:pic>
                     <p:nvPicPr>
@@ -16373,7 +18286,7 @@
                       <p:nvPr/>
                     </p:nvPicPr>
                     <p:blipFill>
-                      <a:blip r:embed="rId10">
+                      <a:blip r:embed="rId9">
                         <a:extLst>
                           <a:ext uri="{28A0092B-C50C-407E-A947-70E740481C1C}">
                             <a14:useLocalDpi xmlns:a14="http://schemas.microsoft.com/office/drawing/2010/main" val="0"/>
@@ -16456,12 +18369,12 @@
           <a:graphicData uri="http://schemas.openxmlformats.org/presentationml/2006/ole">
             <mc:AlternateContent xmlns:mc="http://schemas.openxmlformats.org/markup-compatibility/2006">
               <mc:Choice xmlns:v="urn:schemas-microsoft-com:vml" Requires="v">
-                <p:oleObj spid="_x0000_s83036" name="公式" r:id="rId11" imgW="2006280" imgH="431640" progId="Equation.3">
+                <p:oleObj name="公式" r:id="rId10" imgW="2006280" imgH="431640" progId="Equation.3">
                   <p:embed/>
                 </p:oleObj>
               </mc:Choice>
               <mc:Fallback>
-                <p:oleObj name="公式" r:id="rId11" imgW="2006280" imgH="431640" progId="Equation.3">
+                <p:oleObj name="公式" r:id="rId10" imgW="2006280" imgH="431640" progId="Equation.3">
                   <p:embed/>
                   <p:pic>
                     <p:nvPicPr>
@@ -16472,7 +18385,7 @@
                       <p:nvPr/>
                     </p:nvPicPr>
                     <p:blipFill>
-                      <a:blip r:embed="rId12">
+                      <a:blip r:embed="rId11">
                         <a:extLst>
                           <a:ext uri="{28A0092B-C50C-407E-A947-70E740481C1C}">
                             <a14:useLocalDpi xmlns:a14="http://schemas.microsoft.com/office/drawing/2010/main" val="0"/>
@@ -16555,12 +18468,12 @@
           <a:graphicData uri="http://schemas.openxmlformats.org/presentationml/2006/ole">
             <mc:AlternateContent xmlns:mc="http://schemas.openxmlformats.org/markup-compatibility/2006">
               <mc:Choice xmlns:v="urn:schemas-microsoft-com:vml" Requires="v">
-                <p:oleObj spid="_x0000_s83037" name="公式" r:id="rId13" imgW="2222280" imgH="444240" progId="Equation.3">
+                <p:oleObj name="公式" r:id="rId12" imgW="2222280" imgH="444240" progId="Equation.3">
                   <p:embed/>
                 </p:oleObj>
               </mc:Choice>
               <mc:Fallback>
-                <p:oleObj name="公式" r:id="rId13" imgW="2222280" imgH="444240" progId="Equation.3">
+                <p:oleObj name="公式" r:id="rId12" imgW="2222280" imgH="444240" progId="Equation.3">
                   <p:embed/>
                   <p:pic>
                     <p:nvPicPr>
@@ -16571,7 +18484,7 @@
                       <p:nvPr/>
                     </p:nvPicPr>
                     <p:blipFill>
-                      <a:blip r:embed="rId14">
+                      <a:blip r:embed="rId13">
                         <a:extLst>
                           <a:ext uri="{28A0092B-C50C-407E-A947-70E740481C1C}">
                             <a14:useLocalDpi xmlns:a14="http://schemas.microsoft.com/office/drawing/2010/main" val="0"/>
@@ -16654,12 +18567,12 @@
           <a:graphicData uri="http://schemas.openxmlformats.org/presentationml/2006/ole">
             <mc:AlternateContent xmlns:mc="http://schemas.openxmlformats.org/markup-compatibility/2006">
               <mc:Choice xmlns:v="urn:schemas-microsoft-com:vml" Requires="v">
-                <p:oleObj spid="_x0000_s83038" name="公式" r:id="rId15" imgW="1574640" imgH="444240" progId="Equation.3">
+                <p:oleObj name="公式" r:id="rId14" imgW="1574640" imgH="444240" progId="Equation.3">
                   <p:embed/>
                 </p:oleObj>
               </mc:Choice>
               <mc:Fallback>
-                <p:oleObj name="公式" r:id="rId15" imgW="1574640" imgH="444240" progId="Equation.3">
+                <p:oleObj name="公式" r:id="rId14" imgW="1574640" imgH="444240" progId="Equation.3">
                   <p:embed/>
                   <p:pic>
                     <p:nvPicPr>
@@ -16670,7 +18583,7 @@
                       <p:nvPr/>
                     </p:nvPicPr>
                     <p:blipFill>
-                      <a:blip r:embed="rId16">
+                      <a:blip r:embed="rId15">
                         <a:extLst>
                           <a:ext uri="{28A0092B-C50C-407E-A947-70E740481C1C}">
                             <a14:useLocalDpi xmlns:a14="http://schemas.microsoft.com/office/drawing/2010/main" val="0"/>
@@ -16753,12 +18666,12 @@
           <a:graphicData uri="http://schemas.openxmlformats.org/presentationml/2006/ole">
             <mc:AlternateContent xmlns:mc="http://schemas.openxmlformats.org/markup-compatibility/2006">
               <mc:Choice xmlns:v="urn:schemas-microsoft-com:vml" Requires="v">
-                <p:oleObj spid="_x0000_s83039" name="公式" r:id="rId17" imgW="3263760" imgH="419040" progId="Equation.3">
+                <p:oleObj name="公式" r:id="rId16" imgW="3263760" imgH="419040" progId="Equation.3">
                   <p:embed/>
                 </p:oleObj>
               </mc:Choice>
               <mc:Fallback>
-                <p:oleObj name="公式" r:id="rId17" imgW="3263760" imgH="419040" progId="Equation.3">
+                <p:oleObj name="公式" r:id="rId16" imgW="3263760" imgH="419040" progId="Equation.3">
                   <p:embed/>
                   <p:pic>
                     <p:nvPicPr>
@@ -16769,7 +18682,7 @@
                       <p:nvPr/>
                     </p:nvPicPr>
                     <p:blipFill>
-                      <a:blip r:embed="rId18">
+                      <a:blip r:embed="rId17">
                         <a:extLst>
                           <a:ext uri="{28A0092B-C50C-407E-A947-70E740481C1C}">
                             <a14:useLocalDpi xmlns:a14="http://schemas.microsoft.com/office/drawing/2010/main" val="0"/>
@@ -16852,12 +18765,12 @@
           <a:graphicData uri="http://schemas.openxmlformats.org/presentationml/2006/ole">
             <mc:AlternateContent xmlns:mc="http://schemas.openxmlformats.org/markup-compatibility/2006">
               <mc:Choice xmlns:v="urn:schemas-microsoft-com:vml" Requires="v">
-                <p:oleObj spid="_x0000_s83040" name="公式" r:id="rId19" imgW="1942920" imgH="393480" progId="Equation.3">
+                <p:oleObj name="公式" r:id="rId18" imgW="1942920" imgH="393480" progId="Equation.3">
                   <p:embed/>
                 </p:oleObj>
               </mc:Choice>
               <mc:Fallback>
-                <p:oleObj name="公式" r:id="rId19" imgW="1942920" imgH="393480" progId="Equation.3">
+                <p:oleObj name="公式" r:id="rId18" imgW="1942920" imgH="393480" progId="Equation.3">
                   <p:embed/>
                   <p:pic>
                     <p:nvPicPr>
@@ -16868,7 +18781,7 @@
                       <p:nvPr/>
                     </p:nvPicPr>
                     <p:blipFill>
-                      <a:blip r:embed="rId20">
+                      <a:blip r:embed="rId19">
                         <a:extLst>
                           <a:ext uri="{28A0092B-C50C-407E-A947-70E740481C1C}">
                             <a14:useLocalDpi xmlns:a14="http://schemas.microsoft.com/office/drawing/2010/main" val="0"/>
@@ -17327,7 +19240,7 @@
 </p:sld>
 </file>
 
-<file path=ppt/slides/slide11.xml><?xml version="1.0" encoding="utf-8"?>
+<file path=ppt/slides/slide13.xml><?xml version="1.0" encoding="utf-8"?>
 <p:sld xmlns:a="http://schemas.openxmlformats.org/drawingml/2006/main" xmlns:r="http://schemas.openxmlformats.org/officeDocument/2006/relationships" xmlns:p="http://schemas.openxmlformats.org/presentationml/2006/main">
   <p:cSld>
     <p:spTree>
@@ -17424,12 +19337,12 @@
           <a:graphicData uri="http://schemas.openxmlformats.org/presentationml/2006/ole">
             <mc:AlternateContent xmlns:mc="http://schemas.openxmlformats.org/markup-compatibility/2006">
               <mc:Choice xmlns:v="urn:schemas-microsoft-com:vml" Requires="v">
-                <p:oleObj spid="_x0000_s84045" name="公式" r:id="rId3" imgW="1942920" imgH="393480" progId="Equation.3">
+                <p:oleObj name="公式" r:id="rId2" imgW="1942920" imgH="393480" progId="Equation.3">
                   <p:embed/>
                 </p:oleObj>
               </mc:Choice>
               <mc:Fallback>
-                <p:oleObj name="公式" r:id="rId3" imgW="1942920" imgH="393480" progId="Equation.3">
+                <p:oleObj name="公式" r:id="rId2" imgW="1942920" imgH="393480" progId="Equation.3">
                   <p:embed/>
                   <p:pic>
                     <p:nvPicPr>
@@ -17440,7 +19353,7 @@
                       <p:nvPr/>
                     </p:nvPicPr>
                     <p:blipFill>
-                      <a:blip r:embed="rId4">
+                      <a:blip r:embed="rId3">
                         <a:extLst>
                           <a:ext uri="{28A0092B-C50C-407E-A947-70E740481C1C}">
                             <a14:useLocalDpi xmlns:a14="http://schemas.microsoft.com/office/drawing/2010/main" val="0"/>
@@ -17523,12 +19436,12 @@
           <a:graphicData uri="http://schemas.openxmlformats.org/presentationml/2006/ole">
             <mc:AlternateContent xmlns:mc="http://schemas.openxmlformats.org/markup-compatibility/2006">
               <mc:Choice xmlns:v="urn:schemas-microsoft-com:vml" Requires="v">
-                <p:oleObj spid="_x0000_s84046" name="公式" r:id="rId5" imgW="3390840" imgH="431640" progId="Equation.3">
+                <p:oleObj name="公式" r:id="rId4" imgW="3390840" imgH="431640" progId="Equation.3">
                   <p:embed/>
                 </p:oleObj>
               </mc:Choice>
               <mc:Fallback>
-                <p:oleObj name="公式" r:id="rId5" imgW="3390840" imgH="431640" progId="Equation.3">
+                <p:oleObj name="公式" r:id="rId4" imgW="3390840" imgH="431640" progId="Equation.3">
                   <p:embed/>
                   <p:pic>
                     <p:nvPicPr>
@@ -17539,7 +19452,7 @@
                       <p:nvPr/>
                     </p:nvPicPr>
                     <p:blipFill>
-                      <a:blip r:embed="rId6">
+                      <a:blip r:embed="rId5">
                         <a:extLst>
                           <a:ext uri="{28A0092B-C50C-407E-A947-70E740481C1C}">
                             <a14:useLocalDpi xmlns:a14="http://schemas.microsoft.com/office/drawing/2010/main" val="0"/>
@@ -17622,12 +19535,12 @@
           <a:graphicData uri="http://schemas.openxmlformats.org/presentationml/2006/ole">
             <mc:AlternateContent xmlns:mc="http://schemas.openxmlformats.org/markup-compatibility/2006">
               <mc:Choice xmlns:v="urn:schemas-microsoft-com:vml" Requires="v">
-                <p:oleObj spid="_x0000_s84047" name="公式" r:id="rId7" imgW="3035160" imgH="419040" progId="Equation.3">
+                <p:oleObj name="公式" r:id="rId6" imgW="3035160" imgH="419040" progId="Equation.3">
                   <p:embed/>
                 </p:oleObj>
               </mc:Choice>
               <mc:Fallback>
-                <p:oleObj name="公式" r:id="rId7" imgW="3035160" imgH="419040" progId="Equation.3">
+                <p:oleObj name="公式" r:id="rId6" imgW="3035160" imgH="419040" progId="Equation.3">
                   <p:embed/>
                   <p:pic>
                     <p:nvPicPr>
@@ -17638,7 +19551,7 @@
                       <p:nvPr/>
                     </p:nvPicPr>
                     <p:blipFill>
-                      <a:blip r:embed="rId8">
+                      <a:blip r:embed="rId7">
                         <a:extLst>
                           <a:ext uri="{28A0092B-C50C-407E-A947-70E740481C1C}">
                             <a14:useLocalDpi xmlns:a14="http://schemas.microsoft.com/office/drawing/2010/main" val="0"/>
@@ -17721,12 +19634,12 @@
           <a:graphicData uri="http://schemas.openxmlformats.org/presentationml/2006/ole">
             <mc:AlternateContent xmlns:mc="http://schemas.openxmlformats.org/markup-compatibility/2006">
               <mc:Choice xmlns:v="urn:schemas-microsoft-com:vml" Requires="v">
-                <p:oleObj spid="_x0000_s84048" name="公式" r:id="rId9" imgW="4495680" imgH="431640" progId="Equation.3">
+                <p:oleObj name="公式" r:id="rId8" imgW="4495680" imgH="431640" progId="Equation.3">
                   <p:embed/>
                 </p:oleObj>
               </mc:Choice>
               <mc:Fallback>
-                <p:oleObj name="公式" r:id="rId9" imgW="4495680" imgH="431640" progId="Equation.3">
+                <p:oleObj name="公式" r:id="rId8" imgW="4495680" imgH="431640" progId="Equation.3">
                   <p:embed/>
                   <p:pic>
                     <p:nvPicPr>
@@ -17737,7 +19650,7 @@
                       <p:nvPr/>
                     </p:nvPicPr>
                     <p:blipFill>
-                      <a:blip r:embed="rId10">
+                      <a:blip r:embed="rId9">
                         <a:extLst>
                           <a:ext uri="{28A0092B-C50C-407E-A947-70E740481C1C}">
                             <a14:useLocalDpi xmlns:a14="http://schemas.microsoft.com/office/drawing/2010/main" val="0"/>
@@ -17820,12 +19733,12 @@
           <a:graphicData uri="http://schemas.openxmlformats.org/presentationml/2006/ole">
             <mc:AlternateContent xmlns:mc="http://schemas.openxmlformats.org/markup-compatibility/2006">
               <mc:Choice xmlns:v="urn:schemas-microsoft-com:vml" Requires="v">
-                <p:oleObj spid="_x0000_s84049" name="公式" r:id="rId11" imgW="4444920" imgH="419040" progId="Equation.3">
+                <p:oleObj name="公式" r:id="rId10" imgW="4444920" imgH="419040" progId="Equation.3">
                   <p:embed/>
                 </p:oleObj>
               </mc:Choice>
               <mc:Fallback>
-                <p:oleObj name="公式" r:id="rId11" imgW="4444920" imgH="419040" progId="Equation.3">
+                <p:oleObj name="公式" r:id="rId10" imgW="4444920" imgH="419040" progId="Equation.3">
                   <p:embed/>
                   <p:pic>
                     <p:nvPicPr>
@@ -17836,7 +19749,7 @@
                       <p:nvPr/>
                     </p:nvPicPr>
                     <p:blipFill>
-                      <a:blip r:embed="rId12">
+                      <a:blip r:embed="rId11">
                         <a:extLst>
                           <a:ext uri="{28A0092B-C50C-407E-A947-70E740481C1C}">
                             <a14:useLocalDpi xmlns:a14="http://schemas.microsoft.com/office/drawing/2010/main" val="0"/>
@@ -17972,8 +19885,8 @@
           </a:p>
         </p:txBody>
       </p:sp>
-      <mc:AlternateContent xmlns:mc="http://schemas.openxmlformats.org/markup-compatibility/2006">
-        <mc:Choice xmlns:a14="http://schemas.microsoft.com/office/drawing/2010/main" Requires="a14">
+      <mc:AlternateContent xmlns:mc="http://schemas.openxmlformats.org/markup-compatibility/2006" xmlns:a14="http://schemas.microsoft.com/office/drawing/2010/main">
+        <mc:Choice Requires="a14">
           <p:sp>
             <p:nvSpPr>
               <p:cNvPr id="83987" name="Object 19">
@@ -18373,7 +20286,7 @@
             </p:txBody>
           </p:sp>
         </mc:Choice>
-        <mc:Fallback>
+        <mc:Fallback xmlns="">
           <p:sp>
             <p:nvSpPr>
               <p:cNvPr id="83987" name="Object 19">
@@ -18422,8 +20335,8 @@
           </p:sp>
         </mc:Fallback>
       </mc:AlternateContent>
-      <mc:AlternateContent xmlns:mc="http://schemas.openxmlformats.org/markup-compatibility/2006">
-        <mc:Choice xmlns:a14="http://schemas.microsoft.com/office/drawing/2010/main" Requires="a14">
+      <mc:AlternateContent xmlns:mc="http://schemas.openxmlformats.org/markup-compatibility/2006" xmlns:a14="http://schemas.microsoft.com/office/drawing/2010/main">
+        <mc:Choice Requires="a14">
           <p:sp>
             <p:nvSpPr>
               <p:cNvPr id="83988" name="Object 20">
@@ -18686,7 +20599,7 @@
             </p:txBody>
           </p:sp>
         </mc:Choice>
-        <mc:Fallback>
+        <mc:Fallback xmlns="">
           <p:sp>
             <p:nvSpPr>
               <p:cNvPr id="83988" name="Object 20">
@@ -19093,7 +21006,7 @@
 </p:sld>
 </file>
 
-<file path=ppt/slides/slide12.xml><?xml version="1.0" encoding="utf-8"?>
+<file path=ppt/slides/slide14.xml><?xml version="1.0" encoding="utf-8"?>
 <p:sld xmlns:a="http://schemas.openxmlformats.org/drawingml/2006/main" xmlns:r="http://schemas.openxmlformats.org/officeDocument/2006/relationships" xmlns:p="http://schemas.openxmlformats.org/presentationml/2006/main">
   <p:cSld>
     <p:spTree>
@@ -19168,8 +21081,8 @@
           </a:p>
         </p:txBody>
       </p:sp>
-      <mc:AlternateContent xmlns:mc="http://schemas.openxmlformats.org/markup-compatibility/2006">
-        <mc:Choice xmlns:a14="http://schemas.microsoft.com/office/drawing/2010/main" Requires="a14">
+      <mc:AlternateContent xmlns:mc="http://schemas.openxmlformats.org/markup-compatibility/2006" xmlns:a14="http://schemas.microsoft.com/office/drawing/2010/main">
+        <mc:Choice Requires="a14">
           <p:sp>
             <p:nvSpPr>
               <p:cNvPr id="85002" name="Object 10">
@@ -19450,7 +21363,7 @@
             </p:txBody>
           </p:sp>
         </mc:Choice>
-        <mc:Fallback>
+        <mc:Fallback xmlns="">
           <p:sp>
             <p:nvSpPr>
               <p:cNvPr id="85002" name="Object 10">
@@ -19499,8 +21412,8 @@
           </p:sp>
         </mc:Fallback>
       </mc:AlternateContent>
-      <mc:AlternateContent xmlns:mc="http://schemas.openxmlformats.org/markup-compatibility/2006">
-        <mc:Choice xmlns:a14="http://schemas.microsoft.com/office/drawing/2010/main" Requires="a14">
+      <mc:AlternateContent xmlns:mc="http://schemas.openxmlformats.org/markup-compatibility/2006" xmlns:a14="http://schemas.microsoft.com/office/drawing/2010/main">
+        <mc:Choice Requires="a14">
           <p:sp>
             <p:nvSpPr>
               <p:cNvPr id="85003" name="Object 11">
@@ -19754,7 +21667,7 @@
             </p:txBody>
           </p:sp>
         </mc:Choice>
-        <mc:Fallback>
+        <mc:Fallback xmlns="">
           <p:sp>
             <p:nvSpPr>
               <p:cNvPr id="85003" name="Object 11">
@@ -19803,8 +21716,8 @@
           </p:sp>
         </mc:Fallback>
       </mc:AlternateContent>
-      <mc:AlternateContent xmlns:mc="http://schemas.openxmlformats.org/markup-compatibility/2006">
-        <mc:Choice xmlns:a14="http://schemas.microsoft.com/office/drawing/2010/main" Requires="a14">
+      <mc:AlternateContent xmlns:mc="http://schemas.openxmlformats.org/markup-compatibility/2006" xmlns:a14="http://schemas.microsoft.com/office/drawing/2010/main">
+        <mc:Choice Requires="a14">
           <p:sp>
             <p:nvSpPr>
               <p:cNvPr id="85004" name="Object 12">
@@ -20031,7 +21944,7 @@
             </p:txBody>
           </p:sp>
         </mc:Choice>
-        <mc:Fallback>
+        <mc:Fallback xmlns="">
           <p:sp>
             <p:nvSpPr>
               <p:cNvPr id="85004" name="Object 12">
@@ -20080,8 +21993,8 @@
           </p:sp>
         </mc:Fallback>
       </mc:AlternateContent>
-      <mc:AlternateContent xmlns:mc="http://schemas.openxmlformats.org/markup-compatibility/2006">
-        <mc:Choice xmlns:a14="http://schemas.microsoft.com/office/drawing/2010/main" Requires="a14">
+      <mc:AlternateContent xmlns:mc="http://schemas.openxmlformats.org/markup-compatibility/2006" xmlns:a14="http://schemas.microsoft.com/office/drawing/2010/main">
+        <mc:Choice Requires="a14">
           <p:sp>
             <p:nvSpPr>
               <p:cNvPr id="85012" name="Object 20">
@@ -20357,7 +22270,7 @@
             </p:txBody>
           </p:sp>
         </mc:Choice>
-        <mc:Fallback>
+        <mc:Fallback xmlns="">
           <p:sp>
             <p:nvSpPr>
               <p:cNvPr id="85012" name="Object 20">
@@ -20406,8 +22319,8 @@
           </p:sp>
         </mc:Fallback>
       </mc:AlternateContent>
-      <mc:AlternateContent xmlns:mc="http://schemas.openxmlformats.org/markup-compatibility/2006">
-        <mc:Choice xmlns:a14="http://schemas.microsoft.com/office/drawing/2010/main" Requires="a14">
+      <mc:AlternateContent xmlns:mc="http://schemas.openxmlformats.org/markup-compatibility/2006" xmlns:a14="http://schemas.microsoft.com/office/drawing/2010/main">
+        <mc:Choice Requires="a14">
           <p:sp>
             <p:nvSpPr>
               <p:cNvPr id="85013" name="Object 21">
@@ -20600,7 +22513,7 @@
             </p:txBody>
           </p:sp>
         </mc:Choice>
-        <mc:Fallback>
+        <mc:Fallback xmlns="">
           <p:sp>
             <p:nvSpPr>
               <p:cNvPr id="85013" name="Object 21">
@@ -20919,7 +22832,7 @@
 </p:sld>
 </file>
 
-<file path=ppt/slides/slide13.xml><?xml version="1.0" encoding="utf-8"?>
+<file path=ppt/slides/slide15.xml><?xml version="1.0" encoding="utf-8"?>
 <p:sld xmlns:a="http://schemas.openxmlformats.org/drawingml/2006/main" xmlns:r="http://schemas.openxmlformats.org/officeDocument/2006/relationships" xmlns:p="http://schemas.openxmlformats.org/presentationml/2006/main">
   <p:cSld>
     <p:spTree>
@@ -20936,34 +22849,6 @@
           <a:chExt cx="0" cy="0"/>
         </a:xfrm>
       </p:grpSpPr>
-      <p:sp>
-        <p:nvSpPr>
-          <p:cNvPr id="86018" name="Rectangle 2">
-            <a:extLst>
-              <a:ext uri="{FF2B5EF4-FFF2-40B4-BE49-F238E27FC236}">
-                <a16:creationId xmlns:a16="http://schemas.microsoft.com/office/drawing/2014/main" id="{0190D60C-EB05-42A7-B519-F3640BFA6F67}"/>
-              </a:ext>
-            </a:extLst>
-          </p:cNvPr>
-          <p:cNvSpPr>
-            <a:spLocks noGrp="1" noChangeArrowheads="1"/>
-          </p:cNvSpPr>
-          <p:nvPr>
-            <p:ph type="title"/>
-          </p:nvPr>
-        </p:nvSpPr>
-        <p:spPr/>
-        <p:txBody>
-          <a:bodyPr/>
-          <a:lstStyle/>
-          <a:p>
-            <a:r>
-              <a:rPr lang="zh-CN" altLang="en-US"/>
-              <a:t>二、算法复杂性</a:t>
-            </a:r>
-          </a:p>
-        </p:txBody>
-      </p:sp>
       <p:sp>
         <p:nvSpPr>
           <p:cNvPr id="86019" name="Rectangle 3">
@@ -21028,12 +22913,12 @@
           <a:graphicData uri="http://schemas.openxmlformats.org/presentationml/2006/ole">
             <mc:AlternateContent xmlns:mc="http://schemas.openxmlformats.org/markup-compatibility/2006">
               <mc:Choice xmlns:v="urn:schemas-microsoft-com:vml" Requires="v">
-                <p:oleObj spid="_x0000_s86044" name="公式" r:id="rId3" imgW="1968480" imgH="457200" progId="Equation.3">
+                <p:oleObj name="公式" r:id="rId2" imgW="1968480" imgH="457200" progId="Equation.3">
                   <p:embed/>
                 </p:oleObj>
               </mc:Choice>
               <mc:Fallback>
-                <p:oleObj name="公式" r:id="rId3" imgW="1968480" imgH="457200" progId="Equation.3">
+                <p:oleObj name="公式" r:id="rId2" imgW="1968480" imgH="457200" progId="Equation.3">
                   <p:embed/>
                   <p:pic>
                     <p:nvPicPr>
@@ -21044,7 +22929,7 @@
                       <p:nvPr/>
                     </p:nvPicPr>
                     <p:blipFill>
-                      <a:blip r:embed="rId4">
+                      <a:blip r:embed="rId3">
                         <a:extLst>
                           <a:ext uri="{28A0092B-C50C-407E-A947-70E740481C1C}">
                             <a14:useLocalDpi xmlns:a14="http://schemas.microsoft.com/office/drawing/2010/main" val="0"/>
@@ -21127,12 +23012,12 @@
           <a:graphicData uri="http://schemas.openxmlformats.org/presentationml/2006/ole">
             <mc:AlternateContent xmlns:mc="http://schemas.openxmlformats.org/markup-compatibility/2006">
               <mc:Choice xmlns:v="urn:schemas-microsoft-com:vml" Requires="v">
-                <p:oleObj spid="_x0000_s86045" name="公式" r:id="rId5" imgW="1917360" imgH="457200" progId="Equation.3">
+                <p:oleObj name="公式" r:id="rId4" imgW="1917360" imgH="457200" progId="Equation.3">
                   <p:embed/>
                 </p:oleObj>
               </mc:Choice>
               <mc:Fallback>
-                <p:oleObj name="公式" r:id="rId5" imgW="1917360" imgH="457200" progId="Equation.3">
+                <p:oleObj name="公式" r:id="rId4" imgW="1917360" imgH="457200" progId="Equation.3">
                   <p:embed/>
                   <p:pic>
                     <p:nvPicPr>
@@ -21143,7 +23028,7 @@
                       <p:nvPr/>
                     </p:nvPicPr>
                     <p:blipFill>
-                      <a:blip r:embed="rId6">
+                      <a:blip r:embed="rId5">
                         <a:extLst>
                           <a:ext uri="{28A0092B-C50C-407E-A947-70E740481C1C}">
                             <a14:useLocalDpi xmlns:a14="http://schemas.microsoft.com/office/drawing/2010/main" val="0"/>
@@ -21204,6 +23089,39 @@
           </a:graphicData>
         </a:graphic>
       </p:graphicFrame>
+      <p:sp>
+        <p:nvSpPr>
+          <p:cNvPr id="8" name="Rectangle 2">
+            <a:extLst>
+              <a:ext uri="{FF2B5EF4-FFF2-40B4-BE49-F238E27FC236}">
+                <a16:creationId xmlns:a16="http://schemas.microsoft.com/office/drawing/2014/main" id="{E944665B-9821-47CD-A619-343D96481AB5}"/>
+              </a:ext>
+            </a:extLst>
+          </p:cNvPr>
+          <p:cNvSpPr>
+            <a:spLocks noGrp="1" noChangeArrowheads="1"/>
+          </p:cNvSpPr>
+          <p:nvPr>
+            <p:ph type="title"/>
+          </p:nvPr>
+        </p:nvSpPr>
+        <p:spPr>
+          <a:xfrm>
+            <a:off x="2592925" y="624110"/>
+            <a:ext cx="8911687" cy="1280890"/>
+          </a:xfrm>
+        </p:spPr>
+        <p:txBody>
+          <a:bodyPr/>
+          <a:lstStyle/>
+          <a:p>
+            <a:r>
+              <a:rPr lang="zh-CN" altLang="en-US" dirty="0"/>
+              <a:t>二、算法复杂性</a:t>
+            </a:r>
+          </a:p>
+        </p:txBody>
+      </p:sp>
     </p:spTree>
   </p:cSld>
   <p:clrMapOvr>
@@ -21212,7 +23130,7 @@
 </p:sld>
 </file>
 
-<file path=ppt/slides/slide14.xml><?xml version="1.0" encoding="utf-8"?>
+<file path=ppt/slides/slide16.xml><?xml version="1.0" encoding="utf-8"?>
 <p:sld xmlns:a="http://schemas.openxmlformats.org/drawingml/2006/main" xmlns:r="http://schemas.openxmlformats.org/officeDocument/2006/relationships" xmlns:p="http://schemas.openxmlformats.org/presentationml/2006/main">
   <p:cSld>
     <p:spTree>
@@ -21229,34 +23147,6 @@
           <a:chExt cx="0" cy="0"/>
         </a:xfrm>
       </p:grpSpPr>
-      <p:sp>
-        <p:nvSpPr>
-          <p:cNvPr id="89090" name="Rectangle 2">
-            <a:extLst>
-              <a:ext uri="{FF2B5EF4-FFF2-40B4-BE49-F238E27FC236}">
-                <a16:creationId xmlns:a16="http://schemas.microsoft.com/office/drawing/2014/main" id="{DA6DB30B-0A7E-42DF-9E19-4C9B7DF8F7FD}"/>
-              </a:ext>
-            </a:extLst>
-          </p:cNvPr>
-          <p:cNvSpPr>
-            <a:spLocks noGrp="1" noChangeArrowheads="1"/>
-          </p:cNvSpPr>
-          <p:nvPr>
-            <p:ph type="title"/>
-          </p:nvPr>
-        </p:nvSpPr>
-        <p:spPr/>
-        <p:txBody>
-          <a:bodyPr/>
-          <a:lstStyle/>
-          <a:p>
-            <a:r>
-              <a:rPr lang="zh-CN" altLang="en-US"/>
-              <a:t>二、算法复杂性</a:t>
-            </a:r>
-          </a:p>
-        </p:txBody>
-      </p:sp>
       <p:sp>
         <p:nvSpPr>
           <p:cNvPr id="89091" name="Rectangle 3">
@@ -21283,20 +23173,33 @@
           <a:bodyPr/>
           <a:lstStyle/>
           <a:p>
+            <a:pPr>
+              <a:lnSpc>
+                <a:spcPct val="200000"/>
+              </a:lnSpc>
+            </a:pPr>
             <a:r>
               <a:rPr lang="zh-CN" altLang="en-US" dirty="0"/>
               <a:t>递推方程的求解</a:t>
             </a:r>
           </a:p>
           <a:p>
-            <a:pPr lvl="1"/>
+            <a:pPr lvl="1">
+              <a:lnSpc>
+                <a:spcPct val="200000"/>
+              </a:lnSpc>
+            </a:pPr>
             <a:r>
               <a:rPr lang="zh-CN" altLang="en-US" dirty="0"/>
               <a:t>生成函数法</a:t>
             </a:r>
           </a:p>
           <a:p>
-            <a:pPr lvl="2"/>
+            <a:pPr lvl="2">
+              <a:lnSpc>
+                <a:spcPct val="200000"/>
+              </a:lnSpc>
+            </a:pPr>
             <a:r>
               <a:rPr lang="zh-CN" altLang="en-US" dirty="0"/>
               <a:t>对序列</a:t>
@@ -21417,17 +23320,219 @@
             </a:r>
           </a:p>
           <a:p>
-            <a:pPr lvl="2"/>
+            <a:pPr lvl="2">
+              <a:lnSpc>
+                <a:spcPct val="200000"/>
+              </a:lnSpc>
+            </a:pPr>
             <a:r>
               <a:rPr lang="zh-CN" altLang="en-US" dirty="0"/>
               <a:t>利用递推公式建立关于生成函数的定解方程</a:t>
             </a:r>
           </a:p>
           <a:p>
-            <a:pPr lvl="2"/>
+            <a:pPr lvl="2">
+              <a:lnSpc>
+                <a:spcPct val="200000"/>
+              </a:lnSpc>
+            </a:pPr>
             <a:r>
               <a:rPr lang="zh-CN" altLang="en-US" dirty="0"/>
               <a:t>解定解方程得到生成函数的级数形式，其系数即为序列的解。</a:t>
+            </a:r>
+          </a:p>
+        </p:txBody>
+      </p:sp>
+      <p:sp>
+        <p:nvSpPr>
+          <p:cNvPr id="6" name="Rectangle 2">
+            <a:extLst>
+              <a:ext uri="{FF2B5EF4-FFF2-40B4-BE49-F238E27FC236}">
+                <a16:creationId xmlns:a16="http://schemas.microsoft.com/office/drawing/2014/main" id="{2A1FA72B-9BD0-4D53-8071-E762BBF0FA97}"/>
+              </a:ext>
+            </a:extLst>
+          </p:cNvPr>
+          <p:cNvSpPr>
+            <a:spLocks noGrp="1" noChangeArrowheads="1"/>
+          </p:cNvSpPr>
+          <p:nvPr>
+            <p:ph type="title"/>
+          </p:nvPr>
+        </p:nvSpPr>
+        <p:spPr>
+          <a:xfrm>
+            <a:off x="2592925" y="624110"/>
+            <a:ext cx="8911687" cy="1280890"/>
+          </a:xfrm>
+        </p:spPr>
+        <p:txBody>
+          <a:bodyPr/>
+          <a:lstStyle/>
+          <a:p>
+            <a:r>
+              <a:rPr lang="zh-CN" altLang="en-US" dirty="0"/>
+              <a:t>二、算法复杂性</a:t>
+            </a:r>
+          </a:p>
+        </p:txBody>
+      </p:sp>
+      <p:sp>
+        <p:nvSpPr>
+          <p:cNvPr id="2" name="文本框 1">
+            <a:extLst>
+              <a:ext uri="{FF2B5EF4-FFF2-40B4-BE49-F238E27FC236}">
+                <a16:creationId xmlns:a16="http://schemas.microsoft.com/office/drawing/2014/main" id="{6E2EC047-7B66-450B-98CF-80EF02969601}"/>
+              </a:ext>
+            </a:extLst>
+          </p:cNvPr>
+          <p:cNvSpPr txBox="1"/>
+          <p:nvPr/>
+        </p:nvSpPr>
+        <p:spPr>
+          <a:xfrm>
+            <a:off x="7176120" y="2411839"/>
+            <a:ext cx="3842719" cy="1701684"/>
+          </a:xfrm>
+          <a:prstGeom prst="rect">
+            <a:avLst/>
+          </a:prstGeom>
+        </p:spPr>
+        <p:style>
+          <a:lnRef idx="1">
+            <a:schemeClr val="accent6"/>
+          </a:lnRef>
+          <a:fillRef idx="2">
+            <a:schemeClr val="accent6"/>
+          </a:fillRef>
+          <a:effectRef idx="1">
+            <a:schemeClr val="accent6"/>
+          </a:effectRef>
+          <a:fontRef idx="minor">
+            <a:schemeClr val="dk1"/>
+          </a:fontRef>
+        </p:style>
+        <p:txBody>
+          <a:bodyPr wrap="none" rtlCol="0">
+            <a:spAutoFit/>
+          </a:bodyPr>
+          <a:lstStyle/>
+          <a:p>
+            <a:pPr>
+              <a:lnSpc>
+                <a:spcPct val="150000"/>
+              </a:lnSpc>
+            </a:pPr>
+            <a:r>
+              <a:rPr lang="en-US" altLang="zh-CN" dirty="0"/>
+              <a:t>1</a:t>
+            </a:r>
+            <a:r>
+              <a:rPr lang="zh-CN" altLang="en-US" dirty="0"/>
+              <a:t>、对序列</a:t>
+            </a:r>
+            <a:r>
+              <a:rPr lang="en-US" altLang="zh-CN" dirty="0"/>
+              <a:t>Tn</a:t>
+            </a:r>
+            <a:r>
+              <a:rPr lang="zh-CN" altLang="en-US" dirty="0"/>
+              <a:t>构造生成函数</a:t>
+            </a:r>
+            <a:r>
+              <a:rPr lang="en-US" altLang="zh-CN" dirty="0"/>
+              <a:t>g(z)</a:t>
+            </a:r>
+            <a:r>
+              <a:rPr lang="zh-CN" altLang="en-US" dirty="0"/>
+              <a:t>；</a:t>
+            </a:r>
+            <a:endParaRPr lang="en-US" altLang="zh-CN" dirty="0"/>
+          </a:p>
+          <a:p>
+            <a:pPr>
+              <a:lnSpc>
+                <a:spcPct val="150000"/>
+              </a:lnSpc>
+            </a:pPr>
+            <a:r>
+              <a:rPr lang="en-US" altLang="zh-CN" dirty="0"/>
+              <a:t>2</a:t>
+            </a:r>
+            <a:r>
+              <a:rPr lang="zh-CN" altLang="en-US" dirty="0"/>
+              <a:t>、利用</a:t>
+            </a:r>
+            <a:r>
+              <a:rPr lang="en-US" altLang="zh-CN" dirty="0"/>
+              <a:t>Tn</a:t>
+            </a:r>
+            <a:r>
+              <a:rPr lang="zh-CN" altLang="en-US" dirty="0"/>
+              <a:t>递推关系消掉</a:t>
+            </a:r>
+            <a:r>
+              <a:rPr lang="en-US" altLang="zh-CN" dirty="0"/>
+              <a:t>g(z)</a:t>
+            </a:r>
+            <a:r>
+              <a:rPr lang="zh-CN" altLang="en-US" dirty="0"/>
+              <a:t>中的</a:t>
+            </a:r>
+            <a:r>
+              <a:rPr lang="en-US" altLang="zh-CN" dirty="0"/>
+              <a:t>T</a:t>
+            </a:r>
+            <a:r>
+              <a:rPr lang="zh-CN" altLang="en-US" dirty="0"/>
+              <a:t>；</a:t>
+            </a:r>
+            <a:endParaRPr lang="en-US" altLang="zh-CN" dirty="0"/>
+          </a:p>
+          <a:p>
+            <a:pPr>
+              <a:lnSpc>
+                <a:spcPct val="150000"/>
+              </a:lnSpc>
+            </a:pPr>
+            <a:r>
+              <a:rPr lang="en-US" altLang="zh-CN" dirty="0"/>
+              <a:t>3</a:t>
+            </a:r>
+            <a:r>
+              <a:rPr lang="zh-CN" altLang="en-US" dirty="0"/>
+              <a:t>、求解</a:t>
+            </a:r>
+            <a:r>
+              <a:rPr lang="en-US" altLang="zh-CN" dirty="0"/>
+              <a:t>g(z)</a:t>
+            </a:r>
+            <a:r>
+              <a:rPr lang="zh-CN" altLang="en-US" dirty="0"/>
+              <a:t>的一般式；</a:t>
+            </a:r>
+            <a:endParaRPr lang="en-US" altLang="zh-CN" dirty="0"/>
+          </a:p>
+          <a:p>
+            <a:pPr>
+              <a:lnSpc>
+                <a:spcPct val="150000"/>
+              </a:lnSpc>
+            </a:pPr>
+            <a:r>
+              <a:rPr lang="en-US" altLang="zh-CN" dirty="0"/>
+              <a:t>4</a:t>
+            </a:r>
+            <a:r>
+              <a:rPr lang="zh-CN" altLang="en-US" dirty="0"/>
+              <a:t>、求解</a:t>
+            </a:r>
+            <a:r>
+              <a:rPr lang="en-US" altLang="zh-CN" dirty="0"/>
+              <a:t>g(z)</a:t>
+            </a:r>
+            <a:r>
+              <a:rPr lang="zh-CN" altLang="en-US" dirty="0"/>
+              <a:t>的级数式；</a:t>
             </a:r>
           </a:p>
         </p:txBody>
@@ -21437,10 +23542,88 @@
   <p:clrMapOvr>
     <a:masterClrMapping/>
   </p:clrMapOvr>
+  <p:timing>
+    <p:tnLst>
+      <p:par>
+        <p:cTn id="1" dur="indefinite" restart="never" nodeType="tmRoot">
+          <p:childTnLst>
+            <p:seq concurrent="1" nextAc="seek">
+              <p:cTn id="2" dur="indefinite" nodeType="mainSeq">
+                <p:childTnLst>
+                  <p:par>
+                    <p:cTn id="3" fill="hold">
+                      <p:stCondLst>
+                        <p:cond delay="indefinite"/>
+                      </p:stCondLst>
+                      <p:childTnLst>
+                        <p:par>
+                          <p:cTn id="4" fill="hold">
+                            <p:stCondLst>
+                              <p:cond delay="0"/>
+                            </p:stCondLst>
+                            <p:childTnLst>
+                              <p:par>
+                                <p:cTn id="5" presetID="1" presetClass="entr" presetSubtype="0" fill="hold" grpId="0" nodeType="clickEffect">
+                                  <p:stCondLst>
+                                    <p:cond delay="0"/>
+                                  </p:stCondLst>
+                                  <p:childTnLst>
+                                    <p:set>
+                                      <p:cBhvr>
+                                        <p:cTn id="6" dur="1" fill="hold">
+                                          <p:stCondLst>
+                                            <p:cond delay="0"/>
+                                          </p:stCondLst>
+                                        </p:cTn>
+                                        <p:tgtEl>
+                                          <p:spTgt spid="2"/>
+                                        </p:tgtEl>
+                                        <p:attrNameLst>
+                                          <p:attrName>style.visibility</p:attrName>
+                                        </p:attrNameLst>
+                                      </p:cBhvr>
+                                      <p:to>
+                                        <p:strVal val="visible"/>
+                                      </p:to>
+                                    </p:set>
+                                  </p:childTnLst>
+                                </p:cTn>
+                              </p:par>
+                            </p:childTnLst>
+                          </p:cTn>
+                        </p:par>
+                      </p:childTnLst>
+                    </p:cTn>
+                  </p:par>
+                </p:childTnLst>
+              </p:cTn>
+              <p:prevCondLst>
+                <p:cond evt="onPrev" delay="0">
+                  <p:tgtEl>
+                    <p:sldTgt/>
+                  </p:tgtEl>
+                </p:cond>
+              </p:prevCondLst>
+              <p:nextCondLst>
+                <p:cond evt="onNext" delay="0">
+                  <p:tgtEl>
+                    <p:sldTgt/>
+                  </p:tgtEl>
+                </p:cond>
+              </p:nextCondLst>
+            </p:seq>
+          </p:childTnLst>
+        </p:cTn>
+      </p:par>
+    </p:tnLst>
+    <p:bldLst>
+      <p:bldP spid="2" grpId="0" animBg="1"/>
+    </p:bldLst>
+  </p:timing>
 </p:sld>
 </file>
 
-<file path=ppt/slides/slide15.xml><?xml version="1.0" encoding="utf-8"?>
+<file path=ppt/slides/slide17.xml><?xml version="1.0" encoding="utf-8"?>
 <p:sld xmlns:a="http://schemas.openxmlformats.org/drawingml/2006/main" xmlns:r="http://schemas.openxmlformats.org/officeDocument/2006/relationships" xmlns:p="http://schemas.openxmlformats.org/presentationml/2006/main">
   <p:cSld>
     <p:spTree>
@@ -21537,12 +23720,12 @@
           <a:graphicData uri="http://schemas.openxmlformats.org/presentationml/2006/ole">
             <mc:AlternateContent xmlns:mc="http://schemas.openxmlformats.org/markup-compatibility/2006">
               <mc:Choice xmlns:v="urn:schemas-microsoft-com:vml" Requires="v">
-                <p:oleObj spid="_x0000_s90187" name="公式" r:id="rId3" imgW="1307880" imgH="482400" progId="Equation.3">
+                <p:oleObj name="公式" r:id="rId2" imgW="1307880" imgH="482400" progId="Equation.3">
                   <p:embed/>
                 </p:oleObj>
               </mc:Choice>
               <mc:Fallback>
-                <p:oleObj name="公式" r:id="rId3" imgW="1307880" imgH="482400" progId="Equation.3">
+                <p:oleObj name="公式" r:id="rId2" imgW="1307880" imgH="482400" progId="Equation.3">
                   <p:embed/>
                   <p:pic>
                     <p:nvPicPr>
@@ -21553,7 +23736,7 @@
                       <p:nvPr/>
                     </p:nvPicPr>
                     <p:blipFill>
-                      <a:blip r:embed="rId4">
+                      <a:blip r:embed="rId3">
                         <a:extLst>
                           <a:ext uri="{28A0092B-C50C-407E-A947-70E740481C1C}">
                             <a14:useLocalDpi xmlns:a14="http://schemas.microsoft.com/office/drawing/2010/main" val="0"/>
@@ -21636,12 +23819,12 @@
           <a:graphicData uri="http://schemas.openxmlformats.org/presentationml/2006/ole">
             <mc:AlternateContent xmlns:mc="http://schemas.openxmlformats.org/markup-compatibility/2006">
               <mc:Choice xmlns:v="urn:schemas-microsoft-com:vml" Requires="v">
-                <p:oleObj spid="_x0000_s90188" name="公式" r:id="rId5" imgW="1447560" imgH="431640" progId="Equation.3">
+                <p:oleObj name="公式" r:id="rId4" imgW="1447560" imgH="431640" progId="Equation.3">
                   <p:embed/>
                 </p:oleObj>
               </mc:Choice>
               <mc:Fallback>
-                <p:oleObj name="公式" r:id="rId5" imgW="1447560" imgH="431640" progId="Equation.3">
+                <p:oleObj name="公式" r:id="rId4" imgW="1447560" imgH="431640" progId="Equation.3">
                   <p:embed/>
                   <p:pic>
                     <p:nvPicPr>
@@ -21652,7 +23835,7 @@
                       <p:nvPr/>
                     </p:nvPicPr>
                     <p:blipFill>
-                      <a:blip r:embed="rId6">
+                      <a:blip r:embed="rId5">
                         <a:extLst>
                           <a:ext uri="{28A0092B-C50C-407E-A947-70E740481C1C}">
                             <a14:useLocalDpi xmlns:a14="http://schemas.microsoft.com/office/drawing/2010/main" val="0"/>
@@ -21735,12 +23918,12 @@
           <a:graphicData uri="http://schemas.openxmlformats.org/presentationml/2006/ole">
             <mc:AlternateContent xmlns:mc="http://schemas.openxmlformats.org/markup-compatibility/2006">
               <mc:Choice xmlns:v="urn:schemas-microsoft-com:vml" Requires="v">
-                <p:oleObj spid="_x0000_s90189" name="公式" r:id="rId7" imgW="2590560" imgH="241200" progId="Equation.3">
+                <p:oleObj name="公式" r:id="rId6" imgW="2590560" imgH="241200" progId="Equation.3">
                   <p:embed/>
                 </p:oleObj>
               </mc:Choice>
               <mc:Fallback>
-                <p:oleObj name="公式" r:id="rId7" imgW="2590560" imgH="241200" progId="Equation.3">
+                <p:oleObj name="公式" r:id="rId6" imgW="2590560" imgH="241200" progId="Equation.3">
                   <p:embed/>
                   <p:pic>
                     <p:nvPicPr>
@@ -21751,7 +23934,7 @@
                       <p:nvPr/>
                     </p:nvPicPr>
                     <p:blipFill>
-                      <a:blip r:embed="rId8">
+                      <a:blip r:embed="rId7">
                         <a:extLst>
                           <a:ext uri="{28A0092B-C50C-407E-A947-70E740481C1C}">
                             <a14:useLocalDpi xmlns:a14="http://schemas.microsoft.com/office/drawing/2010/main" val="0"/>
@@ -21834,12 +24017,12 @@
           <a:graphicData uri="http://schemas.openxmlformats.org/presentationml/2006/ole">
             <mc:AlternateContent xmlns:mc="http://schemas.openxmlformats.org/markup-compatibility/2006">
               <mc:Choice xmlns:v="urn:schemas-microsoft-com:vml" Requires="v">
-                <p:oleObj spid="_x0000_s90190" name="公式" r:id="rId9" imgW="3009600" imgH="241200" progId="Equation.3">
+                <p:oleObj name="公式" r:id="rId8" imgW="3009600" imgH="241200" progId="Equation.3">
                   <p:embed/>
                 </p:oleObj>
               </mc:Choice>
               <mc:Fallback>
-                <p:oleObj name="公式" r:id="rId9" imgW="3009600" imgH="241200" progId="Equation.3">
+                <p:oleObj name="公式" r:id="rId8" imgW="3009600" imgH="241200" progId="Equation.3">
                   <p:embed/>
                   <p:pic>
                     <p:nvPicPr>
@@ -21850,7 +24033,7 @@
                       <p:nvPr/>
                     </p:nvPicPr>
                     <p:blipFill>
-                      <a:blip r:embed="rId10">
+                      <a:blip r:embed="rId9">
                         <a:extLst>
                           <a:ext uri="{28A0092B-C50C-407E-A947-70E740481C1C}">
                             <a14:useLocalDpi xmlns:a14="http://schemas.microsoft.com/office/drawing/2010/main" val="0"/>
@@ -21933,12 +24116,12 @@
           <a:graphicData uri="http://schemas.openxmlformats.org/presentationml/2006/ole">
             <mc:AlternateContent xmlns:mc="http://schemas.openxmlformats.org/markup-compatibility/2006">
               <mc:Choice xmlns:v="urn:schemas-microsoft-com:vml" Requires="v">
-                <p:oleObj spid="_x0000_s90191" name="公式" r:id="rId11" imgW="2286000" imgH="228600" progId="Equation.3">
+                <p:oleObj name="公式" r:id="rId10" imgW="2286000" imgH="228600" progId="Equation.3">
                   <p:embed/>
                 </p:oleObj>
               </mc:Choice>
               <mc:Fallback>
-                <p:oleObj name="公式" r:id="rId11" imgW="2286000" imgH="228600" progId="Equation.3">
+                <p:oleObj name="公式" r:id="rId10" imgW="2286000" imgH="228600" progId="Equation.3">
                   <p:embed/>
                   <p:pic>
                     <p:nvPicPr>
@@ -21949,7 +24132,7 @@
                       <p:nvPr/>
                     </p:nvPicPr>
                     <p:blipFill>
-                      <a:blip r:embed="rId12">
+                      <a:blip r:embed="rId11">
                         <a:extLst>
                           <a:ext uri="{28A0092B-C50C-407E-A947-70E740481C1C}">
                             <a14:useLocalDpi xmlns:a14="http://schemas.microsoft.com/office/drawing/2010/main" val="0"/>
@@ -22032,12 +24215,12 @@
           <a:graphicData uri="http://schemas.openxmlformats.org/presentationml/2006/ole">
             <mc:AlternateContent xmlns:mc="http://schemas.openxmlformats.org/markup-compatibility/2006">
               <mc:Choice xmlns:v="urn:schemas-microsoft-com:vml" Requires="v">
-                <p:oleObj spid="_x0000_s90192" name="公式" r:id="rId13" imgW="1904760" imgH="431640" progId="Equation.3">
+                <p:oleObj name="公式" r:id="rId12" imgW="1904760" imgH="431640" progId="Equation.3">
                   <p:embed/>
                 </p:oleObj>
               </mc:Choice>
               <mc:Fallback>
-                <p:oleObj name="公式" r:id="rId13" imgW="1904760" imgH="431640" progId="Equation.3">
+                <p:oleObj name="公式" r:id="rId12" imgW="1904760" imgH="431640" progId="Equation.3">
                   <p:embed/>
                   <p:pic>
                     <p:nvPicPr>
@@ -22048,7 +24231,7 @@
                       <p:nvPr/>
                     </p:nvPicPr>
                     <p:blipFill>
-                      <a:blip r:embed="rId14">
+                      <a:blip r:embed="rId13">
                         <a:extLst>
                           <a:ext uri="{28A0092B-C50C-407E-A947-70E740481C1C}">
                             <a14:useLocalDpi xmlns:a14="http://schemas.microsoft.com/office/drawing/2010/main" val="0"/>
@@ -22131,12 +24314,12 @@
           <a:graphicData uri="http://schemas.openxmlformats.org/presentationml/2006/ole">
             <mc:AlternateContent xmlns:mc="http://schemas.openxmlformats.org/markup-compatibility/2006">
               <mc:Choice xmlns:v="urn:schemas-microsoft-com:vml" Requires="v">
-                <p:oleObj spid="_x0000_s90193" name="公式" r:id="rId15" imgW="2120760" imgH="431640" progId="Equation.3">
+                <p:oleObj name="公式" r:id="rId14" imgW="2120760" imgH="431640" progId="Equation.3">
                   <p:embed/>
                 </p:oleObj>
               </mc:Choice>
               <mc:Fallback>
-                <p:oleObj name="公式" r:id="rId15" imgW="2120760" imgH="431640" progId="Equation.3">
+                <p:oleObj name="公式" r:id="rId14" imgW="2120760" imgH="431640" progId="Equation.3">
                   <p:embed/>
                   <p:pic>
                     <p:nvPicPr>
@@ -22147,7 +24330,7 @@
                       <p:nvPr/>
                     </p:nvPicPr>
                     <p:blipFill>
-                      <a:blip r:embed="rId16">
+                      <a:blip r:embed="rId15">
                         <a:extLst>
                           <a:ext uri="{28A0092B-C50C-407E-A947-70E740481C1C}">
                             <a14:useLocalDpi xmlns:a14="http://schemas.microsoft.com/office/drawing/2010/main" val="0"/>
@@ -22230,12 +24413,12 @@
           <a:graphicData uri="http://schemas.openxmlformats.org/presentationml/2006/ole">
             <mc:AlternateContent xmlns:mc="http://schemas.openxmlformats.org/markup-compatibility/2006">
               <mc:Choice xmlns:v="urn:schemas-microsoft-com:vml" Requires="v">
-                <p:oleObj spid="_x0000_s90194" name="公式" r:id="rId17" imgW="1409400" imgH="419040" progId="Equation.3">
+                <p:oleObj name="公式" r:id="rId16" imgW="1409400" imgH="419040" progId="Equation.3">
                   <p:embed/>
                 </p:oleObj>
               </mc:Choice>
               <mc:Fallback>
-                <p:oleObj name="公式" r:id="rId17" imgW="1409400" imgH="419040" progId="Equation.3">
+                <p:oleObj name="公式" r:id="rId16" imgW="1409400" imgH="419040" progId="Equation.3">
                   <p:embed/>
                   <p:pic>
                     <p:nvPicPr>
@@ -22246,7 +24429,7 @@
                       <p:nvPr/>
                     </p:nvPicPr>
                     <p:blipFill>
-                      <a:blip r:embed="rId18">
+                      <a:blip r:embed="rId17">
                         <a:extLst>
                           <a:ext uri="{28A0092B-C50C-407E-A947-70E740481C1C}">
                             <a14:useLocalDpi xmlns:a14="http://schemas.microsoft.com/office/drawing/2010/main" val="0"/>
@@ -22660,7 +24843,7 @@
 </p:sld>
 </file>
 
-<file path=ppt/slides/slide16.xml><?xml version="1.0" encoding="utf-8"?>
+<file path=ppt/slides/slide18.xml><?xml version="1.0" encoding="utf-8"?>
 <p:sld xmlns:a="http://schemas.openxmlformats.org/drawingml/2006/main" xmlns:r="http://schemas.openxmlformats.org/officeDocument/2006/relationships" xmlns:p="http://schemas.openxmlformats.org/presentationml/2006/main">
   <p:cSld>
     <p:spTree>
@@ -22757,12 +24940,12 @@
           <a:graphicData uri="http://schemas.openxmlformats.org/presentationml/2006/ole">
             <mc:AlternateContent xmlns:mc="http://schemas.openxmlformats.org/markup-compatibility/2006">
               <mc:Choice xmlns:v="urn:schemas-microsoft-com:vml" Requires="v">
-                <p:oleObj spid="_x0000_s88126" name="公式" r:id="rId3" imgW="1282680" imgH="419040" progId="Equation.3">
+                <p:oleObj name="公式" r:id="rId2" imgW="1282680" imgH="419040" progId="Equation.3">
                   <p:embed/>
                 </p:oleObj>
               </mc:Choice>
               <mc:Fallback>
-                <p:oleObj name="公式" r:id="rId3" imgW="1282680" imgH="419040" progId="Equation.3">
+                <p:oleObj name="公式" r:id="rId2" imgW="1282680" imgH="419040" progId="Equation.3">
                   <p:embed/>
                   <p:pic>
                     <p:nvPicPr>
@@ -22773,7 +24956,7 @@
                       <p:nvPr/>
                     </p:nvPicPr>
                     <p:blipFill>
-                      <a:blip r:embed="rId4">
+                      <a:blip r:embed="rId3">
                         <a:extLst>
                           <a:ext uri="{28A0092B-C50C-407E-A947-70E740481C1C}">
                             <a14:useLocalDpi xmlns:a14="http://schemas.microsoft.com/office/drawing/2010/main" val="0"/>
@@ -22856,12 +25039,12 @@
           <a:graphicData uri="http://schemas.openxmlformats.org/presentationml/2006/ole">
             <mc:AlternateContent xmlns:mc="http://schemas.openxmlformats.org/markup-compatibility/2006">
               <mc:Choice xmlns:v="urn:schemas-microsoft-com:vml" Requires="v">
-                <p:oleObj spid="_x0000_s88127" name="公式" r:id="rId5" imgW="4190760" imgH="419040" progId="Equation.3">
+                <p:oleObj name="公式" r:id="rId4" imgW="4190760" imgH="419040" progId="Equation.3">
                   <p:embed/>
                 </p:oleObj>
               </mc:Choice>
               <mc:Fallback>
-                <p:oleObj name="公式" r:id="rId5" imgW="4190760" imgH="419040" progId="Equation.3">
+                <p:oleObj name="公式" r:id="rId4" imgW="4190760" imgH="419040" progId="Equation.3">
                   <p:embed/>
                   <p:pic>
                     <p:nvPicPr>
@@ -22872,7 +25055,7 @@
                       <p:nvPr/>
                     </p:nvPicPr>
                     <p:blipFill>
-                      <a:blip r:embed="rId6">
+                      <a:blip r:embed="rId5">
                         <a:extLst>
                           <a:ext uri="{28A0092B-C50C-407E-A947-70E740481C1C}">
                             <a14:useLocalDpi xmlns:a14="http://schemas.microsoft.com/office/drawing/2010/main" val="0"/>
@@ -22955,12 +25138,12 @@
           <a:graphicData uri="http://schemas.openxmlformats.org/presentationml/2006/ole">
             <mc:AlternateContent xmlns:mc="http://schemas.openxmlformats.org/markup-compatibility/2006">
               <mc:Choice xmlns:v="urn:schemas-microsoft-com:vml" Requires="v">
-                <p:oleObj spid="_x0000_s88128" name="公式" r:id="rId7" imgW="2286000" imgH="457200" progId="Equation.3">
+                <p:oleObj name="公式" r:id="rId6" imgW="2286000" imgH="457200" progId="Equation.3">
                   <p:embed/>
                 </p:oleObj>
               </mc:Choice>
               <mc:Fallback>
-                <p:oleObj name="公式" r:id="rId7" imgW="2286000" imgH="457200" progId="Equation.3">
+                <p:oleObj name="公式" r:id="rId6" imgW="2286000" imgH="457200" progId="Equation.3">
                   <p:embed/>
                   <p:pic>
                     <p:nvPicPr>
@@ -22971,7 +25154,7 @@
                       <p:nvPr/>
                     </p:nvPicPr>
                     <p:blipFill>
-                      <a:blip r:embed="rId8">
+                      <a:blip r:embed="rId7">
                         <a:extLst>
                           <a:ext uri="{28A0092B-C50C-407E-A947-70E740481C1C}">
                             <a14:useLocalDpi xmlns:a14="http://schemas.microsoft.com/office/drawing/2010/main" val="0"/>
@@ -23054,12 +25237,12 @@
           <a:graphicData uri="http://schemas.openxmlformats.org/presentationml/2006/ole">
             <mc:AlternateContent xmlns:mc="http://schemas.openxmlformats.org/markup-compatibility/2006">
               <mc:Choice xmlns:v="urn:schemas-microsoft-com:vml" Requires="v">
-                <p:oleObj spid="_x0000_s88129" name="公式" r:id="rId9" imgW="1371600" imgH="393480" progId="Equation.3">
+                <p:oleObj name="公式" r:id="rId8" imgW="1371600" imgH="393480" progId="Equation.3">
                   <p:embed/>
                 </p:oleObj>
               </mc:Choice>
               <mc:Fallback>
-                <p:oleObj name="公式" r:id="rId9" imgW="1371600" imgH="393480" progId="Equation.3">
+                <p:oleObj name="公式" r:id="rId8" imgW="1371600" imgH="393480" progId="Equation.3">
                   <p:embed/>
                   <p:pic>
                     <p:nvPicPr>
@@ -23070,7 +25253,7 @@
                       <p:nvPr/>
                     </p:nvPicPr>
                     <p:blipFill>
-                      <a:blip r:embed="rId10">
+                      <a:blip r:embed="rId9">
                         <a:extLst>
                           <a:ext uri="{28A0092B-C50C-407E-A947-70E740481C1C}">
                             <a14:useLocalDpi xmlns:a14="http://schemas.microsoft.com/office/drawing/2010/main" val="0"/>
@@ -23153,12 +25336,12 @@
           <a:graphicData uri="http://schemas.openxmlformats.org/presentationml/2006/ole">
             <mc:AlternateContent xmlns:mc="http://schemas.openxmlformats.org/markup-compatibility/2006">
               <mc:Choice xmlns:v="urn:schemas-microsoft-com:vml" Requires="v">
-                <p:oleObj spid="_x0000_s88130" name="公式" r:id="rId11" imgW="2044440" imgH="431640" progId="Equation.3">
+                <p:oleObj name="公式" r:id="rId10" imgW="2044440" imgH="431640" progId="Equation.3">
                   <p:embed/>
                 </p:oleObj>
               </mc:Choice>
               <mc:Fallback>
-                <p:oleObj name="公式" r:id="rId11" imgW="2044440" imgH="431640" progId="Equation.3">
+                <p:oleObj name="公式" r:id="rId10" imgW="2044440" imgH="431640" progId="Equation.3">
                   <p:embed/>
                   <p:pic>
                     <p:nvPicPr>
@@ -23169,7 +25352,7 @@
                       <p:nvPr/>
                     </p:nvPicPr>
                     <p:blipFill>
-                      <a:blip r:embed="rId12">
+                      <a:blip r:embed="rId11">
                         <a:extLst>
                           <a:ext uri="{28A0092B-C50C-407E-A947-70E740481C1C}">
                             <a14:useLocalDpi xmlns:a14="http://schemas.microsoft.com/office/drawing/2010/main" val="0"/>
@@ -23621,7 +25804,7 @@
 </p:sld>
 </file>
 
-<file path=ppt/slides/slide17.xml><?xml version="1.0" encoding="utf-8"?>
+<file path=ppt/slides/slide19.xml><?xml version="1.0" encoding="utf-8"?>
 <p:sld xmlns:a="http://schemas.openxmlformats.org/drawingml/2006/main" xmlns:r="http://schemas.openxmlformats.org/officeDocument/2006/relationships" xmlns:p="http://schemas.openxmlformats.org/presentationml/2006/main">
   <p:cSld>
     <p:spTree>
@@ -25050,12 +27233,12 @@
           <a:graphicData uri="http://schemas.openxmlformats.org/presentationml/2006/ole">
             <mc:AlternateContent xmlns:mc="http://schemas.openxmlformats.org/markup-compatibility/2006">
               <mc:Choice xmlns:v="urn:schemas-microsoft-com:vml" Requires="v">
-                <p:oleObj spid="_x0000_s92208" name="公式" r:id="rId3" imgW="2311200" imgH="634680" progId="Equation.3">
+                <p:oleObj name="公式" r:id="rId2" imgW="2311200" imgH="634680" progId="Equation.3">
                   <p:embed/>
                 </p:oleObj>
               </mc:Choice>
               <mc:Fallback>
-                <p:oleObj name="公式" r:id="rId3" imgW="2311200" imgH="634680" progId="Equation.3">
+                <p:oleObj name="公式" r:id="rId2" imgW="2311200" imgH="634680" progId="Equation.3">
                   <p:embed/>
                   <p:pic>
                     <p:nvPicPr>
@@ -25066,7 +27249,7 @@
                       <p:nvPr/>
                     </p:nvPicPr>
                     <p:blipFill>
-                      <a:blip r:embed="rId4">
+                      <a:blip r:embed="rId3">
                         <a:extLst>
                           <a:ext uri="{28A0092B-C50C-407E-A947-70E740481C1C}">
                             <a14:useLocalDpi xmlns:a14="http://schemas.microsoft.com/office/drawing/2010/main" val="0"/>
@@ -25689,7 +27872,100 @@
 </p:sld>
 </file>
 
-<file path=ppt/slides/slide18.xml><?xml version="1.0" encoding="utf-8"?>
+<file path=ppt/slides/slide2.xml><?xml version="1.0" encoding="utf-8"?>
+<p:sld xmlns:a="http://schemas.openxmlformats.org/drawingml/2006/main" xmlns:r="http://schemas.openxmlformats.org/officeDocument/2006/relationships" xmlns:p="http://schemas.openxmlformats.org/presentationml/2006/main">
+  <p:cSld>
+    <p:spTree>
+      <p:nvGrpSpPr>
+        <p:cNvPr id="1" name=""/>
+        <p:cNvGrpSpPr/>
+        <p:nvPr/>
+      </p:nvGrpSpPr>
+      <p:grpSpPr>
+        <a:xfrm>
+          <a:off x="0" y="0"/>
+          <a:ext cx="0" cy="0"/>
+          <a:chOff x="0" y="0"/>
+          <a:chExt cx="0" cy="0"/>
+        </a:xfrm>
+      </p:grpSpPr>
+      <p:sp>
+        <p:nvSpPr>
+          <p:cNvPr id="69634" name="Rectangle 2">
+            <a:extLst>
+              <a:ext uri="{FF2B5EF4-FFF2-40B4-BE49-F238E27FC236}">
+                <a16:creationId xmlns:a16="http://schemas.microsoft.com/office/drawing/2014/main" id="{D6F2F018-492A-44FA-AAA6-7AE863CA124A}"/>
+              </a:ext>
+            </a:extLst>
+          </p:cNvPr>
+          <p:cNvSpPr>
+            <a:spLocks noGrp="1" noChangeArrowheads="1"/>
+          </p:cNvSpPr>
+          <p:nvPr>
+            <p:ph type="title"/>
+          </p:nvPr>
+        </p:nvSpPr>
+        <p:spPr/>
+        <p:txBody>
+          <a:bodyPr/>
+          <a:lstStyle/>
+          <a:p>
+            <a:r>
+              <a:rPr lang="zh-CN" altLang="en-US"/>
+              <a:t>一、算法</a:t>
+            </a:r>
+          </a:p>
+        </p:txBody>
+      </p:sp>
+      <p:sp>
+        <p:nvSpPr>
+          <p:cNvPr id="69635" name="Rectangle 3">
+            <a:extLst>
+              <a:ext uri="{FF2B5EF4-FFF2-40B4-BE49-F238E27FC236}">
+                <a16:creationId xmlns:a16="http://schemas.microsoft.com/office/drawing/2014/main" id="{ACB3149A-EC3B-434F-A6BA-E14527A17487}"/>
+              </a:ext>
+            </a:extLst>
+          </p:cNvPr>
+          <p:cNvSpPr>
+            <a:spLocks noGrp="1" noChangeArrowheads="1"/>
+          </p:cNvSpPr>
+          <p:nvPr>
+            <p:ph idx="1"/>
+          </p:nvPr>
+        </p:nvSpPr>
+        <p:spPr/>
+        <p:txBody>
+          <a:bodyPr/>
+          <a:lstStyle/>
+          <a:p>
+            <a:r>
+              <a:rPr lang="zh-CN" altLang="en-US"/>
+              <a:t>算法的概念</a:t>
+            </a:r>
+          </a:p>
+          <a:p>
+            <a:r>
+              <a:rPr lang="zh-CN" altLang="en-US"/>
+              <a:t>算法的性质</a:t>
+            </a:r>
+          </a:p>
+          <a:p>
+            <a:r>
+              <a:rPr lang="zh-CN" altLang="en-US"/>
+              <a:t>算法的描述</a:t>
+            </a:r>
+          </a:p>
+        </p:txBody>
+      </p:sp>
+    </p:spTree>
+  </p:cSld>
+  <p:clrMapOvr>
+    <a:masterClrMapping/>
+  </p:clrMapOvr>
+</p:sld>
+</file>
+
+<file path=ppt/slides/slide20.xml><?xml version="1.0" encoding="utf-8"?>
 <p:sld xmlns:a="http://schemas.openxmlformats.org/drawingml/2006/main" xmlns:r="http://schemas.openxmlformats.org/officeDocument/2006/relationships" xmlns:p="http://schemas.openxmlformats.org/presentationml/2006/main">
   <p:cSld>
     <p:spTree>
@@ -25786,12 +28062,12 @@
           <a:graphicData uri="http://schemas.openxmlformats.org/presentationml/2006/ole">
             <mc:AlternateContent xmlns:mc="http://schemas.openxmlformats.org/markup-compatibility/2006">
               <mc:Choice xmlns:v="urn:schemas-microsoft-com:vml" Requires="v">
-                <p:oleObj spid="_x0000_s91240" name="公式" r:id="rId3" imgW="1574640" imgH="634680" progId="Equation.3">
+                <p:oleObj name="公式" r:id="rId2" imgW="1574640" imgH="634680" progId="Equation.3">
                   <p:embed/>
                 </p:oleObj>
               </mc:Choice>
               <mc:Fallback>
-                <p:oleObj name="公式" r:id="rId3" imgW="1574640" imgH="634680" progId="Equation.3">
+                <p:oleObj name="公式" r:id="rId2" imgW="1574640" imgH="634680" progId="Equation.3">
                   <p:embed/>
                   <p:pic>
                     <p:nvPicPr>
@@ -25802,7 +28078,7 @@
                       <p:nvPr/>
                     </p:nvPicPr>
                     <p:blipFill>
-                      <a:blip r:embed="rId4">
+                      <a:blip r:embed="rId3">
                         <a:extLst>
                           <a:ext uri="{28A0092B-C50C-407E-A947-70E740481C1C}">
                             <a14:useLocalDpi xmlns:a14="http://schemas.microsoft.com/office/drawing/2010/main" val="0"/>
@@ -25885,12 +28161,12 @@
           <a:graphicData uri="http://schemas.openxmlformats.org/presentationml/2006/ole">
             <mc:AlternateContent xmlns:mc="http://schemas.openxmlformats.org/markup-compatibility/2006">
               <mc:Choice xmlns:v="urn:schemas-microsoft-com:vml" Requires="v">
-                <p:oleObj spid="_x0000_s91241" name="公式" r:id="rId5" imgW="1333440" imgH="431640" progId="Equation.3">
+                <p:oleObj name="公式" r:id="rId4" imgW="1333440" imgH="431640" progId="Equation.3">
                   <p:embed/>
                 </p:oleObj>
               </mc:Choice>
               <mc:Fallback>
-                <p:oleObj name="公式" r:id="rId5" imgW="1333440" imgH="431640" progId="Equation.3">
+                <p:oleObj name="公式" r:id="rId4" imgW="1333440" imgH="431640" progId="Equation.3">
                   <p:embed/>
                   <p:pic>
                     <p:nvPicPr>
@@ -25901,7 +28177,7 @@
                       <p:nvPr/>
                     </p:nvPicPr>
                     <p:blipFill>
-                      <a:blip r:embed="rId6">
+                      <a:blip r:embed="rId5">
                         <a:extLst>
                           <a:ext uri="{28A0092B-C50C-407E-A947-70E740481C1C}">
                             <a14:useLocalDpi xmlns:a14="http://schemas.microsoft.com/office/drawing/2010/main" val="0"/>
@@ -25984,12 +28260,12 @@
           <a:graphicData uri="http://schemas.openxmlformats.org/presentationml/2006/ole">
             <mc:AlternateContent xmlns:mc="http://schemas.openxmlformats.org/markup-compatibility/2006">
               <mc:Choice xmlns:v="urn:schemas-microsoft-com:vml" Requires="v">
-                <p:oleObj spid="_x0000_s91242" name="公式" r:id="rId7" imgW="1981080" imgH="431640" progId="Equation.3">
+                <p:oleObj name="公式" r:id="rId6" imgW="1981080" imgH="431640" progId="Equation.3">
                   <p:embed/>
                 </p:oleObj>
               </mc:Choice>
               <mc:Fallback>
-                <p:oleObj name="公式" r:id="rId7" imgW="1981080" imgH="431640" progId="Equation.3">
+                <p:oleObj name="公式" r:id="rId6" imgW="1981080" imgH="431640" progId="Equation.3">
                   <p:embed/>
                   <p:pic>
                     <p:nvPicPr>
@@ -26000,7 +28276,7 @@
                       <p:nvPr/>
                     </p:nvPicPr>
                     <p:blipFill>
-                      <a:blip r:embed="rId8">
+                      <a:blip r:embed="rId7">
                         <a:extLst>
                           <a:ext uri="{28A0092B-C50C-407E-A947-70E740481C1C}">
                             <a14:useLocalDpi xmlns:a14="http://schemas.microsoft.com/office/drawing/2010/main" val="0"/>
@@ -26083,12 +28359,12 @@
           <a:graphicData uri="http://schemas.openxmlformats.org/presentationml/2006/ole">
             <mc:AlternateContent xmlns:mc="http://schemas.openxmlformats.org/markup-compatibility/2006">
               <mc:Choice xmlns:v="urn:schemas-microsoft-com:vml" Requires="v">
-                <p:oleObj spid="_x0000_s91243" name="公式" r:id="rId9" imgW="1015920" imgH="431640" progId="Equation.3">
+                <p:oleObj name="公式" r:id="rId8" imgW="1015920" imgH="431640" progId="Equation.3">
                   <p:embed/>
                 </p:oleObj>
               </mc:Choice>
               <mc:Fallback>
-                <p:oleObj name="公式" r:id="rId9" imgW="1015920" imgH="431640" progId="Equation.3">
+                <p:oleObj name="公式" r:id="rId8" imgW="1015920" imgH="431640" progId="Equation.3">
                   <p:embed/>
                   <p:pic>
                     <p:nvPicPr>
@@ -26099,7 +28375,7 @@
                       <p:nvPr/>
                     </p:nvPicPr>
                     <p:blipFill>
-                      <a:blip r:embed="rId10">
+                      <a:blip r:embed="rId9">
                         <a:extLst>
                           <a:ext uri="{28A0092B-C50C-407E-A947-70E740481C1C}">
                             <a14:useLocalDpi xmlns:a14="http://schemas.microsoft.com/office/drawing/2010/main" val="0"/>
@@ -26182,12 +28458,12 @@
           <a:graphicData uri="http://schemas.openxmlformats.org/presentationml/2006/ole">
             <mc:AlternateContent xmlns:mc="http://schemas.openxmlformats.org/markup-compatibility/2006">
               <mc:Choice xmlns:v="urn:schemas-microsoft-com:vml" Requires="v">
-                <p:oleObj spid="_x0000_s91244" name="公式" r:id="rId11" imgW="368280" imgH="228600" progId="Equation.3">
+                <p:oleObj name="公式" r:id="rId10" imgW="368280" imgH="228600" progId="Equation.3">
                   <p:embed/>
                 </p:oleObj>
               </mc:Choice>
               <mc:Fallback>
-                <p:oleObj name="公式" r:id="rId11" imgW="368280" imgH="228600" progId="Equation.3">
+                <p:oleObj name="公式" r:id="rId10" imgW="368280" imgH="228600" progId="Equation.3">
                   <p:embed/>
                   <p:pic>
                     <p:nvPicPr>
@@ -26198,7 +28474,7 @@
                       <p:nvPr/>
                     </p:nvPicPr>
                     <p:blipFill>
-                      <a:blip r:embed="rId12">
+                      <a:blip r:embed="rId11">
                         <a:extLst>
                           <a:ext uri="{28A0092B-C50C-407E-A947-70E740481C1C}">
                             <a14:useLocalDpi xmlns:a14="http://schemas.microsoft.com/office/drawing/2010/main" val="0"/>
@@ -26281,12 +28557,12 @@
           <a:graphicData uri="http://schemas.openxmlformats.org/presentationml/2006/ole">
             <mc:AlternateContent xmlns:mc="http://schemas.openxmlformats.org/markup-compatibility/2006">
               <mc:Choice xmlns:v="urn:schemas-microsoft-com:vml" Requires="v">
-                <p:oleObj spid="_x0000_s91245" name="公式" r:id="rId13" imgW="1282680" imgH="431640" progId="Equation.3">
+                <p:oleObj name="公式" r:id="rId12" imgW="1282680" imgH="431640" progId="Equation.3">
                   <p:embed/>
                 </p:oleObj>
               </mc:Choice>
               <mc:Fallback>
-                <p:oleObj name="公式" r:id="rId13" imgW="1282680" imgH="431640" progId="Equation.3">
+                <p:oleObj name="公式" r:id="rId12" imgW="1282680" imgH="431640" progId="Equation.3">
                   <p:embed/>
                   <p:pic>
                     <p:nvPicPr>
@@ -26297,7 +28573,7 @@
                       <p:nvPr/>
                     </p:nvPicPr>
                     <p:blipFill>
-                      <a:blip r:embed="rId14">
+                      <a:blip r:embed="rId13">
                         <a:extLst>
                           <a:ext uri="{28A0092B-C50C-407E-A947-70E740481C1C}">
                             <a14:useLocalDpi xmlns:a14="http://schemas.microsoft.com/office/drawing/2010/main" val="0"/>
@@ -26380,12 +28656,12 @@
           <a:graphicData uri="http://schemas.openxmlformats.org/presentationml/2006/ole">
             <mc:AlternateContent xmlns:mc="http://schemas.openxmlformats.org/markup-compatibility/2006">
               <mc:Choice xmlns:v="urn:schemas-microsoft-com:vml" Requires="v">
-                <p:oleObj spid="_x0000_s91246" name="公式" r:id="rId15" imgW="2082600" imgH="431640" progId="Equation.3">
+                <p:oleObj name="公式" r:id="rId14" imgW="2082600" imgH="431640" progId="Equation.3">
                   <p:embed/>
                 </p:oleObj>
               </mc:Choice>
               <mc:Fallback>
-                <p:oleObj name="公式" r:id="rId15" imgW="2082600" imgH="431640" progId="Equation.3">
+                <p:oleObj name="公式" r:id="rId14" imgW="2082600" imgH="431640" progId="Equation.3">
                   <p:embed/>
                   <p:pic>
                     <p:nvPicPr>
@@ -26396,7 +28672,7 @@
                       <p:nvPr/>
                     </p:nvPicPr>
                     <p:blipFill>
-                      <a:blip r:embed="rId16">
+                      <a:blip r:embed="rId15">
                         <a:extLst>
                           <a:ext uri="{28A0092B-C50C-407E-A947-70E740481C1C}">
                             <a14:useLocalDpi xmlns:a14="http://schemas.microsoft.com/office/drawing/2010/main" val="0"/>
@@ -26479,12 +28755,12 @@
           <a:graphicData uri="http://schemas.openxmlformats.org/presentationml/2006/ole">
             <mc:AlternateContent xmlns:mc="http://schemas.openxmlformats.org/markup-compatibility/2006">
               <mc:Choice xmlns:v="urn:schemas-microsoft-com:vml" Requires="v">
-                <p:oleObj spid="_x0000_s91247" name="公式" r:id="rId17" imgW="1434960" imgH="241200" progId="Equation.3">
+                <p:oleObj name="公式" r:id="rId16" imgW="1434960" imgH="241200" progId="Equation.3">
                   <p:embed/>
                 </p:oleObj>
               </mc:Choice>
               <mc:Fallback>
-                <p:oleObj name="公式" r:id="rId17" imgW="1434960" imgH="241200" progId="Equation.3">
+                <p:oleObj name="公式" r:id="rId16" imgW="1434960" imgH="241200" progId="Equation.3">
                   <p:embed/>
                   <p:pic>
                     <p:nvPicPr>
@@ -26495,7 +28771,7 @@
                       <p:nvPr/>
                     </p:nvPicPr>
                     <p:blipFill>
-                      <a:blip r:embed="rId18">
+                      <a:blip r:embed="rId17">
                         <a:extLst>
                           <a:ext uri="{28A0092B-C50C-407E-A947-70E740481C1C}">
                             <a14:useLocalDpi xmlns:a14="http://schemas.microsoft.com/office/drawing/2010/main" val="0"/>
@@ -26578,12 +28854,12 @@
           <a:graphicData uri="http://schemas.openxmlformats.org/presentationml/2006/ole">
             <mc:AlternateContent xmlns:mc="http://schemas.openxmlformats.org/markup-compatibility/2006">
               <mc:Choice xmlns:v="urn:schemas-microsoft-com:vml" Requires="v">
-                <p:oleObj spid="_x0000_s91248" name="公式" r:id="rId19" imgW="1892160" imgH="228600" progId="Equation.3">
+                <p:oleObj name="公式" r:id="rId18" imgW="1892160" imgH="228600" progId="Equation.3">
                   <p:embed/>
                 </p:oleObj>
               </mc:Choice>
               <mc:Fallback>
-                <p:oleObj name="公式" r:id="rId19" imgW="1892160" imgH="228600" progId="Equation.3">
+                <p:oleObj name="公式" r:id="rId18" imgW="1892160" imgH="228600" progId="Equation.3">
                   <p:embed/>
                   <p:pic>
                     <p:nvPicPr>
@@ -26594,7 +28870,7 @@
                       <p:nvPr/>
                     </p:nvPicPr>
                     <p:blipFill>
-                      <a:blip r:embed="rId20">
+                      <a:blip r:embed="rId19">
                         <a:extLst>
                           <a:ext uri="{28A0092B-C50C-407E-A947-70E740481C1C}">
                             <a14:useLocalDpi xmlns:a14="http://schemas.microsoft.com/office/drawing/2010/main" val="0"/>
@@ -26677,12 +28953,12 @@
           <a:graphicData uri="http://schemas.openxmlformats.org/presentationml/2006/ole">
             <mc:AlternateContent xmlns:mc="http://schemas.openxmlformats.org/markup-compatibility/2006">
               <mc:Choice xmlns:v="urn:schemas-microsoft-com:vml" Requires="v">
-                <p:oleObj spid="_x0000_s91249" name="公式" r:id="rId21" imgW="1828800" imgH="431640" progId="Equation.3">
+                <p:oleObj name="公式" r:id="rId20" imgW="1828800" imgH="431640" progId="Equation.3">
                   <p:embed/>
                 </p:oleObj>
               </mc:Choice>
               <mc:Fallback>
-                <p:oleObj name="公式" r:id="rId21" imgW="1828800" imgH="431640" progId="Equation.3">
+                <p:oleObj name="公式" r:id="rId20" imgW="1828800" imgH="431640" progId="Equation.3">
                   <p:embed/>
                   <p:pic>
                     <p:nvPicPr>
@@ -26693,7 +28969,7 @@
                       <p:nvPr/>
                     </p:nvPicPr>
                     <p:blipFill>
-                      <a:blip r:embed="rId22">
+                      <a:blip r:embed="rId21">
                         <a:extLst>
                           <a:ext uri="{28A0092B-C50C-407E-A947-70E740481C1C}">
                             <a14:useLocalDpi xmlns:a14="http://schemas.microsoft.com/office/drawing/2010/main" val="0"/>
@@ -26776,12 +29052,12 @@
           <a:graphicData uri="http://schemas.openxmlformats.org/presentationml/2006/ole">
             <mc:AlternateContent xmlns:mc="http://schemas.openxmlformats.org/markup-compatibility/2006">
               <mc:Choice xmlns:v="urn:schemas-microsoft-com:vml" Requires="v">
-                <p:oleObj spid="_x0000_s91250" name="公式" r:id="rId23" imgW="2197080" imgH="431640" progId="Equation.3">
+                <p:oleObj name="公式" r:id="rId22" imgW="2197080" imgH="431640" progId="Equation.3">
                   <p:embed/>
                 </p:oleObj>
               </mc:Choice>
               <mc:Fallback>
-                <p:oleObj name="公式" r:id="rId23" imgW="2197080" imgH="431640" progId="Equation.3">
+                <p:oleObj name="公式" r:id="rId22" imgW="2197080" imgH="431640" progId="Equation.3">
                   <p:embed/>
                   <p:pic>
                     <p:nvPicPr>
@@ -26792,7 +29068,7 @@
                       <p:nvPr/>
                     </p:nvPicPr>
                     <p:blipFill>
-                      <a:blip r:embed="rId24">
+                      <a:blip r:embed="rId23">
                         <a:extLst>
                           <a:ext uri="{28A0092B-C50C-407E-A947-70E740481C1C}">
                             <a14:useLocalDpi xmlns:a14="http://schemas.microsoft.com/office/drawing/2010/main" val="0"/>
@@ -27341,7 +29617,7 @@
 </p:sld>
 </file>
 
-<file path=ppt/slides/slide19.xml><?xml version="1.0" encoding="utf-8"?>
+<file path=ppt/slides/slide21.xml><?xml version="1.0" encoding="utf-8"?>
 <p:sld xmlns:a="http://schemas.openxmlformats.org/drawingml/2006/main" xmlns:r="http://schemas.openxmlformats.org/officeDocument/2006/relationships" xmlns:p="http://schemas.openxmlformats.org/presentationml/2006/main">
   <p:cSld>
     <p:spTree>
@@ -27438,12 +29714,12 @@
           <a:graphicData uri="http://schemas.openxmlformats.org/presentationml/2006/ole">
             <mc:AlternateContent xmlns:mc="http://schemas.openxmlformats.org/markup-compatibility/2006">
               <mc:Choice xmlns:v="urn:schemas-microsoft-com:vml" Requires="v">
-                <p:oleObj spid="_x0000_s93289" name="公式" r:id="rId3" imgW="1130040" imgH="431640" progId="Equation.3">
+                <p:oleObj name="公式" r:id="rId2" imgW="1130040" imgH="431640" progId="Equation.3">
                   <p:embed/>
                 </p:oleObj>
               </mc:Choice>
               <mc:Fallback>
-                <p:oleObj name="公式" r:id="rId3" imgW="1130040" imgH="431640" progId="Equation.3">
+                <p:oleObj name="公式" r:id="rId2" imgW="1130040" imgH="431640" progId="Equation.3">
                   <p:embed/>
                   <p:pic>
                     <p:nvPicPr>
@@ -27454,7 +29730,7 @@
                       <p:nvPr/>
                     </p:nvPicPr>
                     <p:blipFill>
-                      <a:blip r:embed="rId4">
+                      <a:blip r:embed="rId3">
                         <a:extLst>
                           <a:ext uri="{28A0092B-C50C-407E-A947-70E740481C1C}">
                             <a14:useLocalDpi xmlns:a14="http://schemas.microsoft.com/office/drawing/2010/main" val="0"/>
@@ -27537,12 +29813,12 @@
           <a:graphicData uri="http://schemas.openxmlformats.org/presentationml/2006/ole">
             <mc:AlternateContent xmlns:mc="http://schemas.openxmlformats.org/markup-compatibility/2006">
               <mc:Choice xmlns:v="urn:schemas-microsoft-com:vml" Requires="v">
-                <p:oleObj spid="_x0000_s93290" name="公式" r:id="rId5" imgW="1346040" imgH="444240" progId="Equation.3">
+                <p:oleObj name="公式" r:id="rId4" imgW="1346040" imgH="444240" progId="Equation.3">
                   <p:embed/>
                 </p:oleObj>
               </mc:Choice>
               <mc:Fallback>
-                <p:oleObj name="公式" r:id="rId5" imgW="1346040" imgH="444240" progId="Equation.3">
+                <p:oleObj name="公式" r:id="rId4" imgW="1346040" imgH="444240" progId="Equation.3">
                   <p:embed/>
                   <p:pic>
                     <p:nvPicPr>
@@ -27553,7 +29829,7 @@
                       <p:nvPr/>
                     </p:nvPicPr>
                     <p:blipFill>
-                      <a:blip r:embed="rId6">
+                      <a:blip r:embed="rId5">
                         <a:extLst>
                           <a:ext uri="{28A0092B-C50C-407E-A947-70E740481C1C}">
                             <a14:useLocalDpi xmlns:a14="http://schemas.microsoft.com/office/drawing/2010/main" val="0"/>
@@ -27636,12 +29912,12 @@
           <a:graphicData uri="http://schemas.openxmlformats.org/presentationml/2006/ole">
             <mc:AlternateContent xmlns:mc="http://schemas.openxmlformats.org/markup-compatibility/2006">
               <mc:Choice xmlns:v="urn:schemas-microsoft-com:vml" Requires="v">
-                <p:oleObj spid="_x0000_s93291" name="公式" r:id="rId7" imgW="1638000" imgH="419040" progId="Equation.3">
+                <p:oleObj name="公式" r:id="rId6" imgW="1638000" imgH="419040" progId="Equation.3">
                   <p:embed/>
                 </p:oleObj>
               </mc:Choice>
               <mc:Fallback>
-                <p:oleObj name="公式" r:id="rId7" imgW="1638000" imgH="419040" progId="Equation.3">
+                <p:oleObj name="公式" r:id="rId6" imgW="1638000" imgH="419040" progId="Equation.3">
                   <p:embed/>
                   <p:pic>
                     <p:nvPicPr>
@@ -27652,7 +29928,7 @@
                       <p:nvPr/>
                     </p:nvPicPr>
                     <p:blipFill>
-                      <a:blip r:embed="rId8">
+                      <a:blip r:embed="rId7">
                         <a:extLst>
                           <a:ext uri="{28A0092B-C50C-407E-A947-70E740481C1C}">
                             <a14:useLocalDpi xmlns:a14="http://schemas.microsoft.com/office/drawing/2010/main" val="0"/>
@@ -27735,12 +30011,12 @@
           <a:graphicData uri="http://schemas.openxmlformats.org/presentationml/2006/ole">
             <mc:AlternateContent xmlns:mc="http://schemas.openxmlformats.org/markup-compatibility/2006">
               <mc:Choice xmlns:v="urn:schemas-microsoft-com:vml" Requires="v">
-                <p:oleObj spid="_x0000_s93292" name="公式" r:id="rId9" imgW="2158920" imgH="419040" progId="Equation.3">
+                <p:oleObj name="公式" r:id="rId8" imgW="2158920" imgH="419040" progId="Equation.3">
                   <p:embed/>
                 </p:oleObj>
               </mc:Choice>
               <mc:Fallback>
-                <p:oleObj name="公式" r:id="rId9" imgW="2158920" imgH="419040" progId="Equation.3">
+                <p:oleObj name="公式" r:id="rId8" imgW="2158920" imgH="419040" progId="Equation.3">
                   <p:embed/>
                   <p:pic>
                     <p:nvPicPr>
@@ -27751,7 +30027,7 @@
                       <p:nvPr/>
                     </p:nvPicPr>
                     <p:blipFill>
-                      <a:blip r:embed="rId10">
+                      <a:blip r:embed="rId9">
                         <a:extLst>
                           <a:ext uri="{28A0092B-C50C-407E-A947-70E740481C1C}">
                             <a14:useLocalDpi xmlns:a14="http://schemas.microsoft.com/office/drawing/2010/main" val="0"/>
@@ -27834,12 +30110,12 @@
           <a:graphicData uri="http://schemas.openxmlformats.org/presentationml/2006/ole">
             <mc:AlternateContent xmlns:mc="http://schemas.openxmlformats.org/markup-compatibility/2006">
               <mc:Choice xmlns:v="urn:schemas-microsoft-com:vml" Requires="v">
-                <p:oleObj spid="_x0000_s93293" name="公式" r:id="rId11" imgW="2616120" imgH="419040" progId="Equation.3">
+                <p:oleObj name="公式" r:id="rId10" imgW="2616120" imgH="419040" progId="Equation.3">
                   <p:embed/>
                 </p:oleObj>
               </mc:Choice>
               <mc:Fallback>
-                <p:oleObj name="公式" r:id="rId11" imgW="2616120" imgH="419040" progId="Equation.3">
+                <p:oleObj name="公式" r:id="rId10" imgW="2616120" imgH="419040" progId="Equation.3">
                   <p:embed/>
                   <p:pic>
                     <p:nvPicPr>
@@ -27850,7 +30126,7 @@
                       <p:nvPr/>
                     </p:nvPicPr>
                     <p:blipFill>
-                      <a:blip r:embed="rId12">
+                      <a:blip r:embed="rId11">
                         <a:extLst>
                           <a:ext uri="{28A0092B-C50C-407E-A947-70E740481C1C}">
                             <a14:useLocalDpi xmlns:a14="http://schemas.microsoft.com/office/drawing/2010/main" val="0"/>
@@ -27933,12 +30209,12 @@
           <a:graphicData uri="http://schemas.openxmlformats.org/presentationml/2006/ole">
             <mc:AlternateContent xmlns:mc="http://schemas.openxmlformats.org/markup-compatibility/2006">
               <mc:Choice xmlns:v="urn:schemas-microsoft-com:vml" Requires="v">
-                <p:oleObj spid="_x0000_s93294" name="公式" r:id="rId13" imgW="2336760" imgH="444240" progId="Equation.3">
+                <p:oleObj name="公式" r:id="rId12" imgW="2336760" imgH="444240" progId="Equation.3">
                   <p:embed/>
                 </p:oleObj>
               </mc:Choice>
               <mc:Fallback>
-                <p:oleObj name="公式" r:id="rId13" imgW="2336760" imgH="444240" progId="Equation.3">
+                <p:oleObj name="公式" r:id="rId12" imgW="2336760" imgH="444240" progId="Equation.3">
                   <p:embed/>
                   <p:pic>
                     <p:nvPicPr>
@@ -27949,7 +30225,7 @@
                       <p:nvPr/>
                     </p:nvPicPr>
                     <p:blipFill>
-                      <a:blip r:embed="rId14">
+                      <a:blip r:embed="rId13">
                         <a:extLst>
                           <a:ext uri="{28A0092B-C50C-407E-A947-70E740481C1C}">
                             <a14:useLocalDpi xmlns:a14="http://schemas.microsoft.com/office/drawing/2010/main" val="0"/>
@@ -28107,12 +30383,12 @@
           <a:graphicData uri="http://schemas.openxmlformats.org/presentationml/2006/ole">
             <mc:AlternateContent xmlns:mc="http://schemas.openxmlformats.org/markup-compatibility/2006">
               <mc:Choice xmlns:v="urn:schemas-microsoft-com:vml" Requires="v">
-                <p:oleObj spid="_x0000_s93295" name="公式" r:id="rId15" imgW="1168200" imgH="330120" progId="Equation.3">
+                <p:oleObj name="公式" r:id="rId14" imgW="1168200" imgH="330120" progId="Equation.3">
                   <p:embed/>
                 </p:oleObj>
               </mc:Choice>
               <mc:Fallback>
-                <p:oleObj name="公式" r:id="rId15" imgW="1168200" imgH="330120" progId="Equation.3">
+                <p:oleObj name="公式" r:id="rId14" imgW="1168200" imgH="330120" progId="Equation.3">
                   <p:embed/>
                   <p:pic>
                     <p:nvPicPr>
@@ -28123,7 +30399,7 @@
                       <p:nvPr/>
                     </p:nvPicPr>
                     <p:blipFill>
-                      <a:blip r:embed="rId16">
+                      <a:blip r:embed="rId15">
                         <a:extLst>
                           <a:ext uri="{28A0092B-C50C-407E-A947-70E740481C1C}">
                             <a14:useLocalDpi xmlns:a14="http://schemas.microsoft.com/office/drawing/2010/main" val="0"/>
@@ -28206,12 +30482,12 @@
           <a:graphicData uri="http://schemas.openxmlformats.org/presentationml/2006/ole">
             <mc:AlternateContent xmlns:mc="http://schemas.openxmlformats.org/markup-compatibility/2006">
               <mc:Choice xmlns:v="urn:schemas-microsoft-com:vml" Requires="v">
-                <p:oleObj spid="_x0000_s93296" name="公式" r:id="rId17" imgW="2590560" imgH="609480" progId="Equation.3">
+                <p:oleObj name="公式" r:id="rId16" imgW="2590560" imgH="609480" progId="Equation.3">
                   <p:embed/>
                 </p:oleObj>
               </mc:Choice>
               <mc:Fallback>
-                <p:oleObj name="公式" r:id="rId17" imgW="2590560" imgH="609480" progId="Equation.3">
+                <p:oleObj name="公式" r:id="rId16" imgW="2590560" imgH="609480" progId="Equation.3">
                   <p:embed/>
                   <p:pic>
                     <p:nvPicPr>
@@ -28222,7 +30498,7 @@
                       <p:nvPr/>
                     </p:nvPicPr>
                     <p:blipFill>
-                      <a:blip r:embed="rId18">
+                      <a:blip r:embed="rId17">
                         <a:extLst>
                           <a:ext uri="{28A0092B-C50C-407E-A947-70E740481C1C}">
                             <a14:useLocalDpi xmlns:a14="http://schemas.microsoft.com/office/drawing/2010/main" val="0"/>
@@ -28305,12 +30581,12 @@
           <a:graphicData uri="http://schemas.openxmlformats.org/presentationml/2006/ole">
             <mc:AlternateContent xmlns:mc="http://schemas.openxmlformats.org/markup-compatibility/2006">
               <mc:Choice xmlns:v="urn:schemas-microsoft-com:vml" Requires="v">
-                <p:oleObj spid="_x0000_s93297" name="公式" r:id="rId19" imgW="1714320" imgH="444240" progId="Equation.3">
+                <p:oleObj name="公式" r:id="rId18" imgW="1714320" imgH="444240" progId="Equation.3">
                   <p:embed/>
                 </p:oleObj>
               </mc:Choice>
               <mc:Fallback>
-                <p:oleObj name="公式" r:id="rId19" imgW="1714320" imgH="444240" progId="Equation.3">
+                <p:oleObj name="公式" r:id="rId18" imgW="1714320" imgH="444240" progId="Equation.3">
                   <p:embed/>
                   <p:pic>
                     <p:nvPicPr>
@@ -28321,7 +30597,7 @@
                       <p:nvPr/>
                     </p:nvPicPr>
                     <p:blipFill>
-                      <a:blip r:embed="rId20">
+                      <a:blip r:embed="rId19">
                         <a:extLst>
                           <a:ext uri="{28A0092B-C50C-407E-A947-70E740481C1C}">
                             <a14:useLocalDpi xmlns:a14="http://schemas.microsoft.com/office/drawing/2010/main" val="0"/>
@@ -28404,12 +30680,12 @@
           <a:graphicData uri="http://schemas.openxmlformats.org/presentationml/2006/ole">
             <mc:AlternateContent xmlns:mc="http://schemas.openxmlformats.org/markup-compatibility/2006">
               <mc:Choice xmlns:v="urn:schemas-microsoft-com:vml" Requires="v">
-                <p:oleObj spid="_x0000_s93298" name="公式" r:id="rId21" imgW="1600200" imgH="431640" progId="Equation.3">
+                <p:oleObj name="公式" r:id="rId20" imgW="1600200" imgH="431640" progId="Equation.3">
                   <p:embed/>
                 </p:oleObj>
               </mc:Choice>
               <mc:Fallback>
-                <p:oleObj name="公式" r:id="rId21" imgW="1600200" imgH="431640" progId="Equation.3">
+                <p:oleObj name="公式" r:id="rId20" imgW="1600200" imgH="431640" progId="Equation.3">
                   <p:embed/>
                   <p:pic>
                     <p:nvPicPr>
@@ -28420,7 +30696,7 @@
                       <p:nvPr/>
                     </p:nvPicPr>
                     <p:blipFill>
-                      <a:blip r:embed="rId22">
+                      <a:blip r:embed="rId21">
                         <a:extLst>
                           <a:ext uri="{28A0092B-C50C-407E-A947-70E740481C1C}">
                             <a14:useLocalDpi xmlns:a14="http://schemas.microsoft.com/office/drawing/2010/main" val="0"/>
@@ -28972,100 +31248,7 @@
 </p:sld>
 </file>
 
-<file path=ppt/slides/slide2.xml><?xml version="1.0" encoding="utf-8"?>
-<p:sld xmlns:a="http://schemas.openxmlformats.org/drawingml/2006/main" xmlns:r="http://schemas.openxmlformats.org/officeDocument/2006/relationships" xmlns:p="http://schemas.openxmlformats.org/presentationml/2006/main">
-  <p:cSld>
-    <p:spTree>
-      <p:nvGrpSpPr>
-        <p:cNvPr id="1" name=""/>
-        <p:cNvGrpSpPr/>
-        <p:nvPr/>
-      </p:nvGrpSpPr>
-      <p:grpSpPr>
-        <a:xfrm>
-          <a:off x="0" y="0"/>
-          <a:ext cx="0" cy="0"/>
-          <a:chOff x="0" y="0"/>
-          <a:chExt cx="0" cy="0"/>
-        </a:xfrm>
-      </p:grpSpPr>
-      <p:sp>
-        <p:nvSpPr>
-          <p:cNvPr id="69634" name="Rectangle 2">
-            <a:extLst>
-              <a:ext uri="{FF2B5EF4-FFF2-40B4-BE49-F238E27FC236}">
-                <a16:creationId xmlns:a16="http://schemas.microsoft.com/office/drawing/2014/main" id="{D6F2F018-492A-44FA-AAA6-7AE863CA124A}"/>
-              </a:ext>
-            </a:extLst>
-          </p:cNvPr>
-          <p:cNvSpPr>
-            <a:spLocks noGrp="1" noChangeArrowheads="1"/>
-          </p:cNvSpPr>
-          <p:nvPr>
-            <p:ph type="title"/>
-          </p:nvPr>
-        </p:nvSpPr>
-        <p:spPr/>
-        <p:txBody>
-          <a:bodyPr/>
-          <a:lstStyle/>
-          <a:p>
-            <a:r>
-              <a:rPr lang="zh-CN" altLang="en-US"/>
-              <a:t>一、算法</a:t>
-            </a:r>
-          </a:p>
-        </p:txBody>
-      </p:sp>
-      <p:sp>
-        <p:nvSpPr>
-          <p:cNvPr id="69635" name="Rectangle 3">
-            <a:extLst>
-              <a:ext uri="{FF2B5EF4-FFF2-40B4-BE49-F238E27FC236}">
-                <a16:creationId xmlns:a16="http://schemas.microsoft.com/office/drawing/2014/main" id="{ACB3149A-EC3B-434F-A6BA-E14527A17487}"/>
-              </a:ext>
-            </a:extLst>
-          </p:cNvPr>
-          <p:cNvSpPr>
-            <a:spLocks noGrp="1" noChangeArrowheads="1"/>
-          </p:cNvSpPr>
-          <p:nvPr>
-            <p:ph idx="1"/>
-          </p:nvPr>
-        </p:nvSpPr>
-        <p:spPr/>
-        <p:txBody>
-          <a:bodyPr/>
-          <a:lstStyle/>
-          <a:p>
-            <a:r>
-              <a:rPr lang="zh-CN" altLang="en-US"/>
-              <a:t>算法的概念</a:t>
-            </a:r>
-          </a:p>
-          <a:p>
-            <a:r>
-              <a:rPr lang="zh-CN" altLang="en-US"/>
-              <a:t>算法的性质</a:t>
-            </a:r>
-          </a:p>
-          <a:p>
-            <a:r>
-              <a:rPr lang="zh-CN" altLang="en-US"/>
-              <a:t>算法的描述</a:t>
-            </a:r>
-          </a:p>
-        </p:txBody>
-      </p:sp>
-    </p:spTree>
-  </p:cSld>
-  <p:clrMapOvr>
-    <a:masterClrMapping/>
-  </p:clrMapOvr>
-</p:sld>
-</file>
-
-<file path=ppt/slides/slide20.xml><?xml version="1.0" encoding="utf-8"?>
+<file path=ppt/slides/slide22.xml><?xml version="1.0" encoding="utf-8"?>
 <p:sld xmlns:a="http://schemas.openxmlformats.org/drawingml/2006/main" xmlns:r="http://schemas.openxmlformats.org/officeDocument/2006/relationships" xmlns:p="http://schemas.openxmlformats.org/presentationml/2006/main">
   <p:cSld>
     <p:spTree>
@@ -29162,12 +31345,12 @@
           <a:graphicData uri="http://schemas.openxmlformats.org/presentationml/2006/ole">
             <mc:AlternateContent xmlns:mc="http://schemas.openxmlformats.org/markup-compatibility/2006">
               <mc:Choice xmlns:v="urn:schemas-microsoft-com:vml" Requires="v">
-                <p:oleObj spid="_x0000_s94284" name="公式" r:id="rId3" imgW="3136680" imgH="444240" progId="Equation.3">
+                <p:oleObj name="公式" r:id="rId2" imgW="3136680" imgH="444240" progId="Equation.3">
                   <p:embed/>
                 </p:oleObj>
               </mc:Choice>
               <mc:Fallback>
-                <p:oleObj name="公式" r:id="rId3" imgW="3136680" imgH="444240" progId="Equation.3">
+                <p:oleObj name="公式" r:id="rId2" imgW="3136680" imgH="444240" progId="Equation.3">
                   <p:embed/>
                   <p:pic>
                     <p:nvPicPr>
@@ -29178,7 +31361,7 @@
                       <p:nvPr/>
                     </p:nvPicPr>
                     <p:blipFill>
-                      <a:blip r:embed="rId4">
+                      <a:blip r:embed="rId3">
                         <a:extLst>
                           <a:ext uri="{28A0092B-C50C-407E-A947-70E740481C1C}">
                             <a14:useLocalDpi xmlns:a14="http://schemas.microsoft.com/office/drawing/2010/main" val="0"/>
@@ -29261,12 +31444,12 @@
           <a:graphicData uri="http://schemas.openxmlformats.org/presentationml/2006/ole">
             <mc:AlternateContent xmlns:mc="http://schemas.openxmlformats.org/markup-compatibility/2006">
               <mc:Choice xmlns:v="urn:schemas-microsoft-com:vml" Requires="v">
-                <p:oleObj spid="_x0000_s94285" name="公式" r:id="rId5" imgW="2006280" imgH="634680" progId="Equation.3">
+                <p:oleObj name="公式" r:id="rId4" imgW="2006280" imgH="634680" progId="Equation.3">
                   <p:embed/>
                 </p:oleObj>
               </mc:Choice>
               <mc:Fallback>
-                <p:oleObj name="公式" r:id="rId5" imgW="2006280" imgH="634680" progId="Equation.3">
+                <p:oleObj name="公式" r:id="rId4" imgW="2006280" imgH="634680" progId="Equation.3">
                   <p:embed/>
                   <p:pic>
                     <p:nvPicPr>
@@ -29277,7 +31460,7 @@
                       <p:nvPr/>
                     </p:nvPicPr>
                     <p:blipFill>
-                      <a:blip r:embed="rId6">
+                      <a:blip r:embed="rId5">
                         <a:extLst>
                           <a:ext uri="{28A0092B-C50C-407E-A947-70E740481C1C}">
                             <a14:useLocalDpi xmlns:a14="http://schemas.microsoft.com/office/drawing/2010/main" val="0"/>
@@ -29360,12 +31543,12 @@
           <a:graphicData uri="http://schemas.openxmlformats.org/presentationml/2006/ole">
             <mc:AlternateContent xmlns:mc="http://schemas.openxmlformats.org/markup-compatibility/2006">
               <mc:Choice xmlns:v="urn:schemas-microsoft-com:vml" Requires="v">
-                <p:oleObj spid="_x0000_s94286" name="公式" r:id="rId7" imgW="1638000" imgH="634680" progId="Equation.3">
+                <p:oleObj name="公式" r:id="rId6" imgW="1638000" imgH="634680" progId="Equation.3">
                   <p:embed/>
                 </p:oleObj>
               </mc:Choice>
               <mc:Fallback>
-                <p:oleObj name="公式" r:id="rId7" imgW="1638000" imgH="634680" progId="Equation.3">
+                <p:oleObj name="公式" r:id="rId6" imgW="1638000" imgH="634680" progId="Equation.3">
                   <p:embed/>
                   <p:pic>
                     <p:nvPicPr>
@@ -29376,7 +31559,7 @@
                       <p:nvPr/>
                     </p:nvPicPr>
                     <p:blipFill>
-                      <a:blip r:embed="rId8">
+                      <a:blip r:embed="rId7">
                         <a:extLst>
                           <a:ext uri="{28A0092B-C50C-407E-A947-70E740481C1C}">
                             <a14:useLocalDpi xmlns:a14="http://schemas.microsoft.com/office/drawing/2010/main" val="0"/>
@@ -29459,12 +31642,12 @@
           <a:graphicData uri="http://schemas.openxmlformats.org/presentationml/2006/ole">
             <mc:AlternateContent xmlns:mc="http://schemas.openxmlformats.org/markup-compatibility/2006">
               <mc:Choice xmlns:v="urn:schemas-microsoft-com:vml" Requires="v">
-                <p:oleObj spid="_x0000_s94287" name="公式" r:id="rId9" imgW="2781000" imgH="812520" progId="Equation.3">
+                <p:oleObj name="公式" r:id="rId8" imgW="2781000" imgH="812520" progId="Equation.3">
                   <p:embed/>
                 </p:oleObj>
               </mc:Choice>
               <mc:Fallback>
-                <p:oleObj name="公式" r:id="rId9" imgW="2781000" imgH="812520" progId="Equation.3">
+                <p:oleObj name="公式" r:id="rId8" imgW="2781000" imgH="812520" progId="Equation.3">
                   <p:embed/>
                   <p:pic>
                     <p:nvPicPr>
@@ -29475,7 +31658,7 @@
                       <p:nvPr/>
                     </p:nvPicPr>
                     <p:blipFill>
-                      <a:blip r:embed="rId10">
+                      <a:blip r:embed="rId9">
                         <a:extLst>
                           <a:ext uri="{28A0092B-C50C-407E-A947-70E740481C1C}">
                             <a14:useLocalDpi xmlns:a14="http://schemas.microsoft.com/office/drawing/2010/main" val="0"/>
@@ -29558,12 +31741,12 @@
           <a:graphicData uri="http://schemas.openxmlformats.org/presentationml/2006/ole">
             <mc:AlternateContent xmlns:mc="http://schemas.openxmlformats.org/markup-compatibility/2006">
               <mc:Choice xmlns:v="urn:schemas-microsoft-com:vml" Requires="v">
-                <p:oleObj spid="_x0000_s94288" name="公式" r:id="rId11" imgW="1739880" imgH="634680" progId="Equation.3">
+                <p:oleObj name="公式" r:id="rId10" imgW="1739880" imgH="634680" progId="Equation.3">
                   <p:embed/>
                 </p:oleObj>
               </mc:Choice>
               <mc:Fallback>
-                <p:oleObj name="公式" r:id="rId11" imgW="1739880" imgH="634680" progId="Equation.3">
+                <p:oleObj name="公式" r:id="rId10" imgW="1739880" imgH="634680" progId="Equation.3">
                   <p:embed/>
                   <p:pic>
                     <p:nvPicPr>
@@ -29574,7 +31757,7 @@
                       <p:nvPr/>
                     </p:nvPicPr>
                     <p:blipFill>
-                      <a:blip r:embed="rId12">
+                      <a:blip r:embed="rId11">
                         <a:extLst>
                           <a:ext uri="{28A0092B-C50C-407E-A947-70E740481C1C}">
                             <a14:useLocalDpi xmlns:a14="http://schemas.microsoft.com/office/drawing/2010/main" val="0"/>
@@ -29657,12 +31840,12 @@
           <a:graphicData uri="http://schemas.openxmlformats.org/presentationml/2006/ole">
             <mc:AlternateContent xmlns:mc="http://schemas.openxmlformats.org/markup-compatibility/2006">
               <mc:Choice xmlns:v="urn:schemas-microsoft-com:vml" Requires="v">
-                <p:oleObj spid="_x0000_s94289" name="公式" r:id="rId13" imgW="1562040" imgH="634680" progId="Equation.3">
+                <p:oleObj name="公式" r:id="rId12" imgW="1562040" imgH="634680" progId="Equation.3">
                   <p:embed/>
                 </p:oleObj>
               </mc:Choice>
               <mc:Fallback>
-                <p:oleObj name="公式" r:id="rId13" imgW="1562040" imgH="634680" progId="Equation.3">
+                <p:oleObj name="公式" r:id="rId12" imgW="1562040" imgH="634680" progId="Equation.3">
                   <p:embed/>
                   <p:pic>
                     <p:nvPicPr>
@@ -29673,7 +31856,7 @@
                       <p:nvPr/>
                     </p:nvPicPr>
                     <p:blipFill>
-                      <a:blip r:embed="rId14">
+                      <a:blip r:embed="rId13">
                         <a:extLst>
                           <a:ext uri="{28A0092B-C50C-407E-A947-70E740481C1C}">
                             <a14:useLocalDpi xmlns:a14="http://schemas.microsoft.com/office/drawing/2010/main" val="0"/>
@@ -29756,12 +31939,12 @@
           <a:graphicData uri="http://schemas.openxmlformats.org/presentationml/2006/ole">
             <mc:AlternateContent xmlns:mc="http://schemas.openxmlformats.org/markup-compatibility/2006">
               <mc:Choice xmlns:v="urn:schemas-microsoft-com:vml" Requires="v">
-                <p:oleObj spid="_x0000_s94290" name="公式" r:id="rId15" imgW="1600200" imgH="634680" progId="Equation.3">
+                <p:oleObj name="公式" r:id="rId14" imgW="1600200" imgH="634680" progId="Equation.3">
                   <p:embed/>
                 </p:oleObj>
               </mc:Choice>
               <mc:Fallback>
-                <p:oleObj name="公式" r:id="rId15" imgW="1600200" imgH="634680" progId="Equation.3">
+                <p:oleObj name="公式" r:id="rId14" imgW="1600200" imgH="634680" progId="Equation.3">
                   <p:embed/>
                   <p:pic>
                     <p:nvPicPr>
@@ -29772,7 +31955,7 @@
                       <p:nvPr/>
                     </p:nvPicPr>
                     <p:blipFill>
-                      <a:blip r:embed="rId16">
+                      <a:blip r:embed="rId15">
                         <a:extLst>
                           <a:ext uri="{28A0092B-C50C-407E-A947-70E740481C1C}">
                             <a14:useLocalDpi xmlns:a14="http://schemas.microsoft.com/office/drawing/2010/main" val="0"/>
@@ -30141,7 +32324,7 @@
 </p:sld>
 </file>
 
-<file path=ppt/slides/slide21.xml><?xml version="1.0" encoding="utf-8"?>
+<file path=ppt/slides/slide23.xml><?xml version="1.0" encoding="utf-8"?>
 <p:sld xmlns:a="http://schemas.openxmlformats.org/drawingml/2006/main" xmlns:r="http://schemas.openxmlformats.org/officeDocument/2006/relationships" xmlns:p="http://schemas.openxmlformats.org/presentationml/2006/main">
   <p:cSld>
     <p:spTree>
@@ -30238,12 +32421,12 @@
           <a:graphicData uri="http://schemas.openxmlformats.org/presentationml/2006/ole">
             <mc:AlternateContent xmlns:mc="http://schemas.openxmlformats.org/markup-compatibility/2006">
               <mc:Choice xmlns:v="urn:schemas-microsoft-com:vml" Requires="v">
-                <p:oleObj spid="_x0000_s95304" name="公式" r:id="rId3" imgW="1485720" imgH="634680" progId="Equation.3">
+                <p:oleObj name="公式" r:id="rId2" imgW="1485720" imgH="634680" progId="Equation.3">
                   <p:embed/>
                 </p:oleObj>
               </mc:Choice>
               <mc:Fallback>
-                <p:oleObj name="公式" r:id="rId3" imgW="1485720" imgH="634680" progId="Equation.3">
+                <p:oleObj name="公式" r:id="rId2" imgW="1485720" imgH="634680" progId="Equation.3">
                   <p:embed/>
                   <p:pic>
                     <p:nvPicPr>
@@ -30254,7 +32437,7 @@
                       <p:nvPr/>
                     </p:nvPicPr>
                     <p:blipFill>
-                      <a:blip r:embed="rId4">
+                      <a:blip r:embed="rId3">
                         <a:extLst>
                           <a:ext uri="{28A0092B-C50C-407E-A947-70E740481C1C}">
                             <a14:useLocalDpi xmlns:a14="http://schemas.microsoft.com/office/drawing/2010/main" val="0"/>
@@ -30337,12 +32520,12 @@
           <a:graphicData uri="http://schemas.openxmlformats.org/presentationml/2006/ole">
             <mc:AlternateContent xmlns:mc="http://schemas.openxmlformats.org/markup-compatibility/2006">
               <mc:Choice xmlns:v="urn:schemas-microsoft-com:vml" Requires="v">
-                <p:oleObj spid="_x0000_s95305" name="公式" r:id="rId5" imgW="1638000" imgH="444240" progId="Equation.3">
+                <p:oleObj name="公式" r:id="rId4" imgW="1638000" imgH="444240" progId="Equation.3">
                   <p:embed/>
                 </p:oleObj>
               </mc:Choice>
               <mc:Fallback>
-                <p:oleObj name="公式" r:id="rId5" imgW="1638000" imgH="444240" progId="Equation.3">
+                <p:oleObj name="公式" r:id="rId4" imgW="1638000" imgH="444240" progId="Equation.3">
                   <p:embed/>
                   <p:pic>
                     <p:nvPicPr>
@@ -30353,7 +32536,7 @@
                       <p:nvPr/>
                     </p:nvPicPr>
                     <p:blipFill>
-                      <a:blip r:embed="rId6">
+                      <a:blip r:embed="rId5">
                         <a:extLst>
                           <a:ext uri="{28A0092B-C50C-407E-A947-70E740481C1C}">
                             <a14:useLocalDpi xmlns:a14="http://schemas.microsoft.com/office/drawing/2010/main" val="0"/>
@@ -30436,12 +32619,12 @@
           <a:graphicData uri="http://schemas.openxmlformats.org/presentationml/2006/ole">
             <mc:AlternateContent xmlns:mc="http://schemas.openxmlformats.org/markup-compatibility/2006">
               <mc:Choice xmlns:v="urn:schemas-microsoft-com:vml" Requires="v">
-                <p:oleObj spid="_x0000_s95306" name="公式" r:id="rId7" imgW="1409400" imgH="444240" progId="Equation.3">
+                <p:oleObj name="公式" r:id="rId6" imgW="1409400" imgH="444240" progId="Equation.3">
                   <p:embed/>
                 </p:oleObj>
               </mc:Choice>
               <mc:Fallback>
-                <p:oleObj name="公式" r:id="rId7" imgW="1409400" imgH="444240" progId="Equation.3">
+                <p:oleObj name="公式" r:id="rId6" imgW="1409400" imgH="444240" progId="Equation.3">
                   <p:embed/>
                   <p:pic>
                     <p:nvPicPr>
@@ -30452,7 +32635,7 @@
                       <p:nvPr/>
                     </p:nvPicPr>
                     <p:blipFill>
-                      <a:blip r:embed="rId8">
+                      <a:blip r:embed="rId7">
                         <a:extLst>
                           <a:ext uri="{28A0092B-C50C-407E-A947-70E740481C1C}">
                             <a14:useLocalDpi xmlns:a14="http://schemas.microsoft.com/office/drawing/2010/main" val="0"/>
@@ -30535,12 +32718,12 @@
           <a:graphicData uri="http://schemas.openxmlformats.org/presentationml/2006/ole">
             <mc:AlternateContent xmlns:mc="http://schemas.openxmlformats.org/markup-compatibility/2006">
               <mc:Choice xmlns:v="urn:schemas-microsoft-com:vml" Requires="v">
-                <p:oleObj spid="_x0000_s95307" name="公式" r:id="rId9" imgW="1612800" imgH="419040" progId="Equation.3">
+                <p:oleObj name="公式" r:id="rId8" imgW="1612800" imgH="419040" progId="Equation.3">
                   <p:embed/>
                 </p:oleObj>
               </mc:Choice>
               <mc:Fallback>
-                <p:oleObj name="公式" r:id="rId9" imgW="1612800" imgH="419040" progId="Equation.3">
+                <p:oleObj name="公式" r:id="rId8" imgW="1612800" imgH="419040" progId="Equation.3">
                   <p:embed/>
                   <p:pic>
                     <p:nvPicPr>
@@ -30551,7 +32734,7 @@
                       <p:nvPr/>
                     </p:nvPicPr>
                     <p:blipFill>
-                      <a:blip r:embed="rId10">
+                      <a:blip r:embed="rId9">
                         <a:extLst>
                           <a:ext uri="{28A0092B-C50C-407E-A947-70E740481C1C}">
                             <a14:useLocalDpi xmlns:a14="http://schemas.microsoft.com/office/drawing/2010/main" val="0"/>
@@ -30634,12 +32817,12 @@
           <a:graphicData uri="http://schemas.openxmlformats.org/presentationml/2006/ole">
             <mc:AlternateContent xmlns:mc="http://schemas.openxmlformats.org/markup-compatibility/2006">
               <mc:Choice xmlns:v="urn:schemas-microsoft-com:vml" Requires="v">
-                <p:oleObj spid="_x0000_s95308" name="公式" r:id="rId11" imgW="723600" imgH="419040" progId="Equation.3">
+                <p:oleObj name="公式" r:id="rId10" imgW="723600" imgH="419040" progId="Equation.3">
                   <p:embed/>
                 </p:oleObj>
               </mc:Choice>
               <mc:Fallback>
-                <p:oleObj name="公式" r:id="rId11" imgW="723600" imgH="419040" progId="Equation.3">
+                <p:oleObj name="公式" r:id="rId10" imgW="723600" imgH="419040" progId="Equation.3">
                   <p:embed/>
                   <p:pic>
                     <p:nvPicPr>
@@ -30650,7 +32833,7 @@
                       <p:nvPr/>
                     </p:nvPicPr>
                     <p:blipFill>
-                      <a:blip r:embed="rId12">
+                      <a:blip r:embed="rId11">
                         <a:extLst>
                           <a:ext uri="{28A0092B-C50C-407E-A947-70E740481C1C}">
                             <a14:useLocalDpi xmlns:a14="http://schemas.microsoft.com/office/drawing/2010/main" val="0"/>
@@ -30733,12 +32916,12 @@
           <a:graphicData uri="http://schemas.openxmlformats.org/presentationml/2006/ole">
             <mc:AlternateContent xmlns:mc="http://schemas.openxmlformats.org/markup-compatibility/2006">
               <mc:Choice xmlns:v="urn:schemas-microsoft-com:vml" Requires="v">
-                <p:oleObj spid="_x0000_s95309" name="公式" r:id="rId13" imgW="672840" imgH="393480" progId="Equation.3">
+                <p:oleObj name="公式" r:id="rId12" imgW="672840" imgH="393480" progId="Equation.3">
                   <p:embed/>
                 </p:oleObj>
               </mc:Choice>
               <mc:Fallback>
-                <p:oleObj name="公式" r:id="rId13" imgW="672840" imgH="393480" progId="Equation.3">
+                <p:oleObj name="公式" r:id="rId12" imgW="672840" imgH="393480" progId="Equation.3">
                   <p:embed/>
                   <p:pic>
                     <p:nvPicPr>
@@ -30749,7 +32932,7 @@
                       <p:nvPr/>
                     </p:nvPicPr>
                     <p:blipFill>
-                      <a:blip r:embed="rId14">
+                      <a:blip r:embed="rId13">
                         <a:extLst>
                           <a:ext uri="{28A0092B-C50C-407E-A947-70E740481C1C}">
                             <a14:useLocalDpi xmlns:a14="http://schemas.microsoft.com/office/drawing/2010/main" val="0"/>
@@ -30832,12 +33015,12 @@
           <a:graphicData uri="http://schemas.openxmlformats.org/presentationml/2006/ole">
             <mc:AlternateContent xmlns:mc="http://schemas.openxmlformats.org/markup-compatibility/2006">
               <mc:Choice xmlns:v="urn:schemas-microsoft-com:vml" Requires="v">
-                <p:oleObj spid="_x0000_s95310" name="公式" r:id="rId15" imgW="3225600" imgH="393480" progId="Equation.3">
+                <p:oleObj name="公式" r:id="rId14" imgW="3225600" imgH="393480" progId="Equation.3">
                   <p:embed/>
                 </p:oleObj>
               </mc:Choice>
               <mc:Fallback>
-                <p:oleObj name="公式" r:id="rId15" imgW="3225600" imgH="393480" progId="Equation.3">
+                <p:oleObj name="公式" r:id="rId14" imgW="3225600" imgH="393480" progId="Equation.3">
                   <p:embed/>
                   <p:pic>
                     <p:nvPicPr>
@@ -30848,7 +33031,7 @@
                       <p:nvPr/>
                     </p:nvPicPr>
                     <p:blipFill>
-                      <a:blip r:embed="rId16">
+                      <a:blip r:embed="rId15">
                         <a:extLst>
                           <a:ext uri="{28A0092B-C50C-407E-A947-70E740481C1C}">
                             <a14:useLocalDpi xmlns:a14="http://schemas.microsoft.com/office/drawing/2010/main" val="0"/>
@@ -31217,7 +33400,7 @@
 </p:sld>
 </file>
 
-<file path=ppt/slides/slide22.xml><?xml version="1.0" encoding="utf-8"?>
+<file path=ppt/slides/slide24.xml><?xml version="1.0" encoding="utf-8"?>
 <p:sld xmlns:a="http://schemas.openxmlformats.org/drawingml/2006/main" xmlns:r="http://schemas.openxmlformats.org/officeDocument/2006/relationships" xmlns:p="http://schemas.openxmlformats.org/presentationml/2006/main">
   <p:cSld>
     <p:spTree>
@@ -31275,7 +33458,7 @@
 </p:sld>
 </file>
 
-<file path=ppt/slides/slide23.xml><?xml version="1.0" encoding="utf-8"?>
+<file path=ppt/slides/slide25.xml><?xml version="1.0" encoding="utf-8"?>
 <p:sld xmlns:a="http://schemas.openxmlformats.org/drawingml/2006/main" xmlns:r="http://schemas.openxmlformats.org/officeDocument/2006/relationships" xmlns:p="http://schemas.openxmlformats.org/presentationml/2006/main">
   <p:cSld>
     <p:spTree>
@@ -31655,7 +33838,7 @@
           <a:lstStyle/>
           <a:p>
             <a:r>
-              <a:rPr lang="zh-CN" altLang="en-US"/>
+              <a:rPr lang="zh-CN" altLang="en-US" dirty="0"/>
               <a:t>二、算法复杂性</a:t>
             </a:r>
           </a:p>
@@ -32459,34 +34642,6 @@
       </p:grpSpPr>
       <p:sp>
         <p:nvSpPr>
-          <p:cNvPr id="73730" name="Rectangle 2">
-            <a:extLst>
-              <a:ext uri="{FF2B5EF4-FFF2-40B4-BE49-F238E27FC236}">
-                <a16:creationId xmlns:a16="http://schemas.microsoft.com/office/drawing/2014/main" id="{67411CE0-9EBA-4BAC-887C-88E212C75B8C}"/>
-              </a:ext>
-            </a:extLst>
-          </p:cNvPr>
-          <p:cNvSpPr>
-            <a:spLocks noGrp="1" noChangeArrowheads="1"/>
-          </p:cNvSpPr>
-          <p:nvPr>
-            <p:ph type="title"/>
-          </p:nvPr>
-        </p:nvSpPr>
-        <p:spPr/>
-        <p:txBody>
-          <a:bodyPr/>
-          <a:lstStyle/>
-          <a:p>
-            <a:r>
-              <a:rPr lang="zh-CN" altLang="en-US"/>
-              <a:t>二、算法复杂性</a:t>
-            </a:r>
-          </a:p>
-        </p:txBody>
-      </p:sp>
-      <p:sp>
-        <p:nvSpPr>
           <p:cNvPr id="73731" name="Rectangle 3">
             <a:extLst>
               <a:ext uri="{FF2B5EF4-FFF2-40B4-BE49-F238E27FC236}">
@@ -32542,12 +34697,12 @@
           <a:graphicData uri="http://schemas.openxmlformats.org/presentationml/2006/ole">
             <mc:AlternateContent xmlns:mc="http://schemas.openxmlformats.org/markup-compatibility/2006">
               <mc:Choice xmlns:v="urn:schemas-microsoft-com:vml" Requires="v">
-                <p:oleObj spid="_x0000_s73744" name="公式" r:id="rId3" imgW="1650960" imgH="457200" progId="Equation.3">
+                <p:oleObj name="公式" r:id="rId2" imgW="1650960" imgH="457200" progId="Equation.3">
                   <p:embed/>
                 </p:oleObj>
               </mc:Choice>
               <mc:Fallback>
-                <p:oleObj name="公式" r:id="rId3" imgW="1650960" imgH="457200" progId="Equation.3">
+                <p:oleObj name="公式" r:id="rId2" imgW="1650960" imgH="457200" progId="Equation.3">
                   <p:embed/>
                   <p:pic>
                     <p:nvPicPr>
@@ -32558,7 +34713,7 @@
                       <p:nvPr/>
                     </p:nvPicPr>
                     <p:blipFill>
-                      <a:blip r:embed="rId4">
+                      <a:blip r:embed="rId3">
                         <a:extLst>
                           <a:ext uri="{28A0092B-C50C-407E-A947-70E740481C1C}">
                             <a14:useLocalDpi xmlns:a14="http://schemas.microsoft.com/office/drawing/2010/main" val="0"/>
@@ -32727,6 +34882,117 @@
           </a:p>
         </p:txBody>
       </p:sp>
+      <p:sp>
+        <p:nvSpPr>
+          <p:cNvPr id="6" name="Rectangle 2">
+            <a:extLst>
+              <a:ext uri="{FF2B5EF4-FFF2-40B4-BE49-F238E27FC236}">
+                <a16:creationId xmlns:a16="http://schemas.microsoft.com/office/drawing/2014/main" id="{67761DC7-79BF-490B-B9EC-1955AE01AD09}"/>
+              </a:ext>
+            </a:extLst>
+          </p:cNvPr>
+          <p:cNvSpPr txBox="1">
+            <a:spLocks noChangeArrowheads="1"/>
+          </p:cNvSpPr>
+          <p:nvPr/>
+        </p:nvSpPr>
+        <p:spPr>
+          <a:xfrm>
+            <a:off x="2592925" y="624110"/>
+            <a:ext cx="8911687" cy="1280890"/>
+          </a:xfrm>
+          <a:prstGeom prst="rect">
+            <a:avLst/>
+          </a:prstGeom>
+        </p:spPr>
+        <p:txBody>
+          <a:bodyPr vert="horz" lIns="91440" tIns="45720" rIns="91440" bIns="45720" rtlCol="0" anchor="t">
+            <a:normAutofit/>
+          </a:bodyPr>
+          <a:lstStyle>
+            <a:lvl1pPr algn="l" defTabSz="457200" rtl="0" eaLnBrk="1" latinLnBrk="0" hangingPunct="1">
+              <a:spcBef>
+                <a:spcPct val="0"/>
+              </a:spcBef>
+              <a:buNone/>
+              <a:defRPr sz="3600" kern="1200">
+                <a:solidFill>
+                  <a:schemeClr val="tx1">
+                    <a:lumMod val="85000"/>
+                    <a:lumOff val="15000"/>
+                  </a:schemeClr>
+                </a:solidFill>
+                <a:latin typeface="+mj-lt"/>
+                <a:ea typeface="+mj-ea"/>
+                <a:cs typeface="+mj-cs"/>
+              </a:defRPr>
+            </a:lvl1pPr>
+            <a:lvl2pPr eaLnBrk="1" hangingPunct="1">
+              <a:defRPr>
+                <a:solidFill>
+                  <a:schemeClr val="tx2"/>
+                </a:solidFill>
+              </a:defRPr>
+            </a:lvl2pPr>
+            <a:lvl3pPr eaLnBrk="1" hangingPunct="1">
+              <a:defRPr>
+                <a:solidFill>
+                  <a:schemeClr val="tx2"/>
+                </a:solidFill>
+              </a:defRPr>
+            </a:lvl3pPr>
+            <a:lvl4pPr eaLnBrk="1" hangingPunct="1">
+              <a:defRPr>
+                <a:solidFill>
+                  <a:schemeClr val="tx2"/>
+                </a:solidFill>
+              </a:defRPr>
+            </a:lvl4pPr>
+            <a:lvl5pPr eaLnBrk="1" hangingPunct="1">
+              <a:defRPr>
+                <a:solidFill>
+                  <a:schemeClr val="tx2"/>
+                </a:solidFill>
+              </a:defRPr>
+            </a:lvl5pPr>
+            <a:lvl6pPr eaLnBrk="1" hangingPunct="1">
+              <a:defRPr>
+                <a:solidFill>
+                  <a:schemeClr val="tx2"/>
+                </a:solidFill>
+              </a:defRPr>
+            </a:lvl6pPr>
+            <a:lvl7pPr eaLnBrk="1" hangingPunct="1">
+              <a:defRPr>
+                <a:solidFill>
+                  <a:schemeClr val="tx2"/>
+                </a:solidFill>
+              </a:defRPr>
+            </a:lvl7pPr>
+            <a:lvl8pPr eaLnBrk="1" hangingPunct="1">
+              <a:defRPr>
+                <a:solidFill>
+                  <a:schemeClr val="tx2"/>
+                </a:solidFill>
+              </a:defRPr>
+            </a:lvl8pPr>
+            <a:lvl9pPr eaLnBrk="1" hangingPunct="1">
+              <a:defRPr>
+                <a:solidFill>
+                  <a:schemeClr val="tx2"/>
+                </a:solidFill>
+              </a:defRPr>
+            </a:lvl9pPr>
+          </a:lstStyle>
+          <a:p>
+            <a:r>
+              <a:rPr lang="zh-CN" altLang="en-US"/>
+              <a:t>二、算法复杂性</a:t>
+            </a:r>
+            <a:endParaRPr lang="zh-CN" altLang="en-US" dirty="0"/>
+          </a:p>
+        </p:txBody>
+      </p:sp>
     </p:spTree>
   </p:cSld>
   <p:clrMapOvr>
@@ -32829,34 +35095,6 @@
       </p:grpSpPr>
       <p:sp>
         <p:nvSpPr>
-          <p:cNvPr id="77826" name="Rectangle 2">
-            <a:extLst>
-              <a:ext uri="{FF2B5EF4-FFF2-40B4-BE49-F238E27FC236}">
-                <a16:creationId xmlns:a16="http://schemas.microsoft.com/office/drawing/2014/main" id="{4084F4B4-E0D0-4259-9987-6506142AFBC6}"/>
-              </a:ext>
-            </a:extLst>
-          </p:cNvPr>
-          <p:cNvSpPr>
-            <a:spLocks noGrp="1" noChangeArrowheads="1"/>
-          </p:cNvSpPr>
-          <p:nvPr>
-            <p:ph type="title"/>
-          </p:nvPr>
-        </p:nvSpPr>
-        <p:spPr/>
-        <p:txBody>
-          <a:bodyPr/>
-          <a:lstStyle/>
-          <a:p>
-            <a:r>
-              <a:rPr lang="zh-CN" altLang="en-US"/>
-              <a:t>二、算法复杂性</a:t>
-            </a:r>
-          </a:p>
-        </p:txBody>
-      </p:sp>
-      <p:sp>
-        <p:nvSpPr>
           <p:cNvPr id="77827" name="Rectangle 3">
             <a:extLst>
               <a:ext uri="{FF2B5EF4-FFF2-40B4-BE49-F238E27FC236}">
@@ -32912,12 +35150,12 @@
           <a:graphicData uri="http://schemas.openxmlformats.org/presentationml/2006/ole">
             <mc:AlternateContent xmlns:mc="http://schemas.openxmlformats.org/markup-compatibility/2006">
               <mc:Choice xmlns:v="urn:schemas-microsoft-com:vml" Requires="v">
-                <p:oleObj spid="_x0000_s77838" name="公式" r:id="rId3" imgW="1752480" imgH="457200" progId="Equation.3">
+                <p:oleObj name="公式" r:id="rId2" imgW="1752480" imgH="457200" progId="Equation.3">
                   <p:embed/>
                 </p:oleObj>
               </mc:Choice>
               <mc:Fallback>
-                <p:oleObj name="公式" r:id="rId3" imgW="1752480" imgH="457200" progId="Equation.3">
+                <p:oleObj name="公式" r:id="rId2" imgW="1752480" imgH="457200" progId="Equation.3">
                   <p:embed/>
                   <p:pic>
                     <p:nvPicPr>
@@ -32928,7 +35166,7 @@
                       <p:nvPr/>
                     </p:nvPicPr>
                     <p:blipFill>
-                      <a:blip r:embed="rId4">
+                      <a:blip r:embed="rId3">
                         <a:extLst>
                           <a:ext uri="{28A0092B-C50C-407E-A947-70E740481C1C}">
                             <a14:useLocalDpi xmlns:a14="http://schemas.microsoft.com/office/drawing/2010/main" val="0"/>
@@ -33124,6 +35362,39 @@
           </a:p>
         </p:txBody>
       </p:sp>
+      <p:sp>
+        <p:nvSpPr>
+          <p:cNvPr id="8" name="Rectangle 2">
+            <a:extLst>
+              <a:ext uri="{FF2B5EF4-FFF2-40B4-BE49-F238E27FC236}">
+                <a16:creationId xmlns:a16="http://schemas.microsoft.com/office/drawing/2014/main" id="{DA4C90B3-9553-4D83-9228-2E5B7B26DBF7}"/>
+              </a:ext>
+            </a:extLst>
+          </p:cNvPr>
+          <p:cNvSpPr>
+            <a:spLocks noGrp="1" noChangeArrowheads="1"/>
+          </p:cNvSpPr>
+          <p:nvPr>
+            <p:ph type="title"/>
+          </p:nvPr>
+        </p:nvSpPr>
+        <p:spPr>
+          <a:xfrm>
+            <a:off x="2592925" y="624110"/>
+            <a:ext cx="8911687" cy="1280890"/>
+          </a:xfrm>
+        </p:spPr>
+        <p:txBody>
+          <a:bodyPr/>
+          <a:lstStyle/>
+          <a:p>
+            <a:r>
+              <a:rPr lang="zh-CN" altLang="en-US" dirty="0"/>
+              <a:t>二、算法复杂性</a:t>
+            </a:r>
+          </a:p>
+        </p:txBody>
+      </p:sp>
     </p:spTree>
   </p:cSld>
   <p:clrMapOvr>
@@ -33226,15 +35497,9 @@
       </p:grpSpPr>
       <p:sp>
         <p:nvSpPr>
-          <p:cNvPr id="75778" name="Rectangle 2">
-            <a:extLst>
-              <a:ext uri="{FF2B5EF4-FFF2-40B4-BE49-F238E27FC236}">
-                <a16:creationId xmlns:a16="http://schemas.microsoft.com/office/drawing/2014/main" id="{1B34D349-E52C-4352-A336-DDD5BDD3A5F9}"/>
-              </a:ext>
-            </a:extLst>
-          </p:cNvPr>
+          <p:cNvPr id="2" name="标题 1"/>
           <p:cNvSpPr>
-            <a:spLocks noGrp="1" noChangeArrowheads="1"/>
+            <a:spLocks noGrp="1"/>
           </p:cNvSpPr>
           <p:nvPr>
             <p:ph type="title"/>
@@ -33246,7 +35511,7 @@
           <a:lstStyle/>
           <a:p>
             <a:r>
-              <a:rPr lang="zh-CN" altLang="en-US"/>
+              <a:rPr lang="zh-CN" altLang="en-US" dirty="0"/>
               <a:t>二、算法复杂性</a:t>
             </a:r>
           </a:p>
@@ -33254,225 +35519,101 @@
       </p:sp>
       <p:sp>
         <p:nvSpPr>
-          <p:cNvPr id="75779" name="Rectangle 3">
-            <a:extLst>
-              <a:ext uri="{FF2B5EF4-FFF2-40B4-BE49-F238E27FC236}">
-                <a16:creationId xmlns:a16="http://schemas.microsoft.com/office/drawing/2014/main" id="{6FB36020-478C-4779-97C3-4333AC7A6094}"/>
-              </a:ext>
-            </a:extLst>
-          </p:cNvPr>
+          <p:cNvPr id="3" name="内容占位符 2"/>
           <p:cNvSpPr>
-            <a:spLocks noGrp="1" noChangeArrowheads="1"/>
+            <a:spLocks noGrp="1"/>
           </p:cNvSpPr>
           <p:nvPr>
-            <p:ph type="body" sz="half" idx="1"/>
+            <p:ph idx="1"/>
           </p:nvPr>
         </p:nvSpPr>
-        <p:spPr>
-          <a:xfrm>
-            <a:off x="2706689" y="2017713"/>
-            <a:ext cx="7693025" cy="2239962"/>
-          </a:xfrm>
-        </p:spPr>
+        <p:spPr/>
         <p:txBody>
           <a:bodyPr/>
           <a:lstStyle/>
           <a:p>
             <a:r>
-              <a:rPr lang="zh-CN" altLang="en-US"/>
-              <a:t>递推方程的求解</a:t>
+              <a:rPr lang="zh-CN" altLang="en-US" dirty="0"/>
+              <a:t>递推方程求解</a:t>
             </a:r>
+            <a:endParaRPr lang="en-US" altLang="zh-CN" dirty="0"/>
           </a:p>
           <a:p>
             <a:pPr lvl="1"/>
             <a:r>
-              <a:rPr lang="zh-CN" altLang="en-US"/>
-              <a:t>代入法：对结果式进行预测，并用数学归纳法进行证明。</a:t>
+              <a:rPr lang="zh-CN" altLang="en-US" dirty="0"/>
+              <a:t>代入法：通过观察逐一递推的结果，对结果式进行预测，并用数学归纳法进行证明。</a:t>
             </a:r>
           </a:p>
         </p:txBody>
       </p:sp>
-      <p:graphicFrame>
-        <p:nvGraphicFramePr>
-          <p:cNvPr id="75780" name="Object 4">
-            <a:extLst>
-              <a:ext uri="{FF2B5EF4-FFF2-40B4-BE49-F238E27FC236}">
-                <a16:creationId xmlns:a16="http://schemas.microsoft.com/office/drawing/2014/main" id="{5389CA61-28C4-4264-BB34-680EF71E34B7}"/>
-              </a:ext>
-            </a:extLst>
-          </p:cNvPr>
-          <p:cNvGraphicFramePr>
-            <a:graphicFrameLocks noGrp="1" noChangeAspect="1"/>
-          </p:cNvGraphicFramePr>
-          <p:nvPr>
-            <p:ph sz="half" idx="2"/>
-          </p:nvPr>
-        </p:nvGraphicFramePr>
-        <p:xfrm>
-          <a:off x="4152900" y="4429125"/>
-          <a:ext cx="4041775" cy="1069975"/>
-        </p:xfrm>
-        <a:graphic>
-          <a:graphicData uri="http://schemas.openxmlformats.org/presentationml/2006/ole">
-            <mc:AlternateContent xmlns:mc="http://schemas.openxmlformats.org/markup-compatibility/2006">
-              <mc:Choice xmlns:v="urn:schemas-microsoft-com:vml" Requires="v">
-                <p:oleObj spid="_x0000_s75790" name="公式" r:id="rId3" imgW="1726920" imgH="457200" progId="Equation.3">
-                  <p:embed/>
-                </p:oleObj>
-              </mc:Choice>
-              <mc:Fallback>
-                <p:oleObj name="公式" r:id="rId3" imgW="1726920" imgH="457200" progId="Equation.3">
-                  <p:embed/>
-                  <p:pic>
-                    <p:nvPicPr>
-                      <p:cNvPr id="0" name="Object 4"/>
-                      <p:cNvPicPr>
-                        <a:picLocks noChangeAspect="1" noChangeArrowheads="1"/>
-                      </p:cNvPicPr>
-                      <p:nvPr/>
-                    </p:nvPicPr>
-                    <p:blipFill>
-                      <a:blip r:embed="rId4">
-                        <a:extLst>
-                          <a:ext uri="{28A0092B-C50C-407E-A947-70E740481C1C}">
-                            <a14:useLocalDpi xmlns:a14="http://schemas.microsoft.com/office/drawing/2010/main" val="0"/>
-                          </a:ext>
-                        </a:extLst>
-                      </a:blip>
-                      <a:srcRect/>
-                      <a:stretch>
-                        <a:fillRect/>
-                      </a:stretch>
-                    </p:blipFill>
-                    <p:spPr bwMode="auto">
-                      <a:xfrm>
-                        <a:off x="4152900" y="4429125"/>
-                        <a:ext cx="4041775" cy="1069975"/>
-                      </a:xfrm>
-                      <a:prstGeom prst="rect">
-                        <a:avLst/>
-                      </a:prstGeom>
-                      <a:noFill/>
-                      <a:ln>
-                        <a:noFill/>
-                      </a:ln>
-                      <a:effectLst/>
-                      <a:extLst>
-                        <a:ext uri="{909E8E84-426E-40DD-AFC4-6F175D3DCCD1}">
-                          <a14:hiddenFill xmlns:a14="http://schemas.microsoft.com/office/drawing/2010/main">
-                            <a:solidFill>
-                              <a:srgbClr val="FFFFFF"/>
-                            </a:solidFill>
-                          </a14:hiddenFill>
-                        </a:ext>
-                        <a:ext uri="{91240B29-F687-4F45-9708-019B960494DF}">
-                          <a14:hiddenLine xmlns:a14="http://schemas.microsoft.com/office/drawing/2010/main" w="9525">
-                            <a:solidFill>
-                              <a:srgbClr val="000000"/>
-                            </a:solidFill>
-                            <a:miter lim="800000"/>
-                            <a:headEnd/>
-                            <a:tailEnd/>
-                          </a14:hiddenLine>
-                        </a:ext>
-                        <a:ext uri="{AF507438-7753-43E0-B8FC-AC1667EBCBE1}">
-                          <a14:hiddenEffects xmlns:a14="http://schemas.microsoft.com/office/drawing/2010/main">
-                            <a:effectLst>
-                              <a:outerShdw dist="35921" dir="2700000" algn="ctr" rotWithShape="0">
-                                <a:srgbClr val="808080"/>
-                              </a:outerShdw>
-                            </a:effectLst>
-                          </a14:hiddenEffects>
-                        </a:ext>
-                      </a:extLst>
-                    </p:spPr>
-                  </p:pic>
-                </p:oleObj>
-              </mc:Fallback>
-            </mc:AlternateContent>
-          </a:graphicData>
-        </a:graphic>
-      </p:graphicFrame>
+      <p:sp>
+        <p:nvSpPr>
+          <p:cNvPr id="4" name="文本框 3"/>
+          <p:cNvSpPr txBox="1"/>
+          <p:nvPr/>
+        </p:nvSpPr>
+        <p:spPr>
+          <a:xfrm>
+            <a:off x="4732421" y="4652211"/>
+            <a:ext cx="1580882" cy="1477328"/>
+          </a:xfrm>
+          <a:prstGeom prst="rect">
+            <a:avLst/>
+          </a:prstGeom>
+          <a:noFill/>
+        </p:spPr>
+        <p:txBody>
+          <a:bodyPr wrap="none" rtlCol="0">
+            <a:spAutoFit/>
+          </a:bodyPr>
+          <a:lstStyle/>
+          <a:p>
+            <a:r>
+              <a:rPr lang="en-US" altLang="zh-CN" dirty="0"/>
+              <a:t>T(0) = ……</a:t>
+            </a:r>
+          </a:p>
+          <a:p>
+            <a:r>
+              <a:rPr lang="en-US" altLang="zh-CN" dirty="0"/>
+              <a:t>T(1) = ……</a:t>
+            </a:r>
+          </a:p>
+          <a:p>
+            <a:r>
+              <a:rPr lang="en-US" altLang="zh-CN" dirty="0"/>
+              <a:t>T(2) = ……</a:t>
+            </a:r>
+          </a:p>
+          <a:p>
+            <a:r>
+              <a:rPr lang="en-US" altLang="zh-CN" dirty="0"/>
+              <a:t>……</a:t>
+            </a:r>
+          </a:p>
+          <a:p>
+            <a:r>
+              <a:rPr lang="en-US" altLang="zh-CN" dirty="0"/>
+              <a:t>T(n) </a:t>
+            </a:r>
+            <a:r>
+              <a:rPr lang="zh-CN" altLang="en-US" dirty="0"/>
+              <a:t>可能是？</a:t>
+            </a:r>
+          </a:p>
+        </p:txBody>
+      </p:sp>
     </p:spTree>
+    <p:extLst>
+      <p:ext uri="{BB962C8B-B14F-4D97-AF65-F5344CB8AC3E}">
+        <p14:creationId xmlns:p14="http://schemas.microsoft.com/office/powerpoint/2010/main" val="1032267067"/>
+      </p:ext>
+    </p:extLst>
   </p:cSld>
   <p:clrMapOvr>
     <a:masterClrMapping/>
   </p:clrMapOvr>
-  <p:timing>
-    <p:tnLst>
-      <p:par>
-        <p:cTn id="1" dur="indefinite" restart="never" nodeType="tmRoot">
-          <p:childTnLst>
-            <p:seq concurrent="1" nextAc="seek">
-              <p:cTn id="2" dur="indefinite" nodeType="mainSeq">
-                <p:childTnLst>
-                  <p:par>
-                    <p:cTn id="3" fill="hold" nodeType="clickPar">
-                      <p:stCondLst>
-                        <p:cond delay="indefinite"/>
-                      </p:stCondLst>
-                      <p:childTnLst>
-                        <p:par>
-                          <p:cTn id="4" fill="hold" nodeType="withGroup">
-                            <p:stCondLst>
-                              <p:cond delay="0"/>
-                            </p:stCondLst>
-                            <p:childTnLst>
-                              <p:par>
-                                <p:cTn id="5" presetID="1" presetClass="entr" presetSubtype="0" fill="hold" nodeType="clickEffect">
-                                  <p:stCondLst>
-                                    <p:cond delay="0"/>
-                                  </p:stCondLst>
-                                  <p:childTnLst>
-                                    <p:set>
-                                      <p:cBhvr>
-                                        <p:cTn id="6" dur="1" fill="hold">
-                                          <p:stCondLst>
-                                            <p:cond delay="0"/>
-                                          </p:stCondLst>
-                                        </p:cTn>
-                                        <p:tgtEl>
-                                          <p:spTgt spid="75780"/>
-                                        </p:tgtEl>
-                                        <p:attrNameLst>
-                                          <p:attrName>style.visibility</p:attrName>
-                                        </p:attrNameLst>
-                                      </p:cBhvr>
-                                      <p:to>
-                                        <p:strVal val="visible"/>
-                                      </p:to>
-                                    </p:set>
-                                  </p:childTnLst>
-                                </p:cTn>
-                              </p:par>
-                            </p:childTnLst>
-                          </p:cTn>
-                        </p:par>
-                      </p:childTnLst>
-                    </p:cTn>
-                  </p:par>
-                </p:childTnLst>
-              </p:cTn>
-              <p:prevCondLst>
-                <p:cond evt="onPrev" delay="0">
-                  <p:tgtEl>
-                    <p:sldTgt/>
-                  </p:tgtEl>
-                </p:cond>
-              </p:prevCondLst>
-              <p:nextCondLst>
-                <p:cond evt="onNext" delay="0">
-                  <p:tgtEl>
-                    <p:sldTgt/>
-                  </p:tgtEl>
-                </p:cond>
-              </p:nextCondLst>
-            </p:seq>
-          </p:childTnLst>
-        </p:cTn>
-      </p:par>
-    </p:tnLst>
-  </p:timing>
 </p:sld>
 </file>
 
@@ -33493,115 +35634,39 @@
           <a:chExt cx="0" cy="0"/>
         </a:xfrm>
       </p:grpSpPr>
-      <p:sp>
-        <p:nvSpPr>
-          <p:cNvPr id="78850" name="Rectangle 2">
-            <a:extLst>
-              <a:ext uri="{FF2B5EF4-FFF2-40B4-BE49-F238E27FC236}">
-                <a16:creationId xmlns:a16="http://schemas.microsoft.com/office/drawing/2014/main" id="{1933EE16-6F16-4AD0-B78A-3D9FC9FFDA97}"/>
-              </a:ext>
-            </a:extLst>
-          </p:cNvPr>
-          <p:cNvSpPr>
-            <a:spLocks noGrp="1" noChangeArrowheads="1"/>
-          </p:cNvSpPr>
-          <p:nvPr>
-            <p:ph type="title"/>
-          </p:nvPr>
-        </p:nvSpPr>
-        <p:spPr/>
-        <p:txBody>
-          <a:bodyPr/>
-          <a:lstStyle/>
-          <a:p>
-            <a:r>
-              <a:rPr lang="zh-CN" altLang="en-US"/>
-              <a:t>二、算法复杂性</a:t>
-            </a:r>
-          </a:p>
-        </p:txBody>
-      </p:sp>
-      <p:sp>
-        <p:nvSpPr>
-          <p:cNvPr id="78851" name="Rectangle 3">
-            <a:extLst>
-              <a:ext uri="{FF2B5EF4-FFF2-40B4-BE49-F238E27FC236}">
-                <a16:creationId xmlns:a16="http://schemas.microsoft.com/office/drawing/2014/main" id="{87C9B236-88DF-4FA0-922D-1429A3DD3355}"/>
-              </a:ext>
-            </a:extLst>
-          </p:cNvPr>
-          <p:cNvSpPr>
-            <a:spLocks noGrp="1" noChangeArrowheads="1"/>
-          </p:cNvSpPr>
-          <p:nvPr>
-            <p:ph type="body" sz="half" idx="1"/>
-          </p:nvPr>
-        </p:nvSpPr>
-        <p:spPr>
-          <a:xfrm>
-            <a:off x="2590801" y="1981200"/>
-            <a:ext cx="7681913" cy="1447800"/>
-          </a:xfrm>
-        </p:spPr>
-        <p:txBody>
-          <a:bodyPr/>
-          <a:lstStyle/>
-          <a:p>
-            <a:r>
-              <a:rPr lang="zh-CN" altLang="en-US"/>
-              <a:t>递推方程的求解</a:t>
-            </a:r>
-          </a:p>
-          <a:p>
-            <a:pPr lvl="1"/>
-            <a:r>
-              <a:rPr lang="zh-CN" altLang="en-US"/>
-              <a:t>迭代法：将递推式展开，进行级数求和。</a:t>
-            </a:r>
-          </a:p>
-        </p:txBody>
-      </p:sp>
       <p:graphicFrame>
         <p:nvGraphicFramePr>
-          <p:cNvPr id="78853" name="Object 5">
-            <a:extLst>
-              <a:ext uri="{FF2B5EF4-FFF2-40B4-BE49-F238E27FC236}">
-                <a16:creationId xmlns:a16="http://schemas.microsoft.com/office/drawing/2014/main" id="{407CB328-F1DB-4C65-8654-62E923EF34CD}"/>
-              </a:ext>
-            </a:extLst>
-          </p:cNvPr>
+          <p:cNvPr id="2" name="Object 4"/>
           <p:cNvGraphicFramePr>
-            <a:graphicFrameLocks noGrp="1" noChangeAspect="1"/>
+            <a:graphicFrameLocks noChangeAspect="1"/>
           </p:cNvGraphicFramePr>
-          <p:nvPr>
-            <p:ph sz="quarter" idx="2"/>
-          </p:nvPr>
+          <p:nvPr/>
         </p:nvGraphicFramePr>
         <p:xfrm>
-          <a:off x="5375275" y="5661025"/>
-          <a:ext cx="5040313" cy="965200"/>
+          <a:off x="3579228" y="482768"/>
+          <a:ext cx="4164013" cy="1069975"/>
         </p:xfrm>
         <a:graphic>
           <a:graphicData uri="http://schemas.openxmlformats.org/presentationml/2006/ole">
             <mc:AlternateContent xmlns:mc="http://schemas.openxmlformats.org/markup-compatibility/2006">
               <mc:Choice xmlns:v="urn:schemas-microsoft-com:vml" Requires="v">
-                <p:oleObj spid="_x0000_s78873" name="公式" r:id="rId3" imgW="2387520" imgH="457200" progId="Equation.3">
+                <p:oleObj name="公式" r:id="rId2" imgW="1726920" imgH="457200" progId="Equation.3">
                   <p:embed/>
                 </p:oleObj>
               </mc:Choice>
               <mc:Fallback>
-                <p:oleObj name="公式" r:id="rId3" imgW="2387520" imgH="457200" progId="Equation.3">
+                <p:oleObj name="公式" r:id="rId2" imgW="1726920" imgH="457200" progId="Equation.3">
                   <p:embed/>
                   <p:pic>
                     <p:nvPicPr>
-                      <p:cNvPr id="0" name="Object 5"/>
+                      <p:cNvPr id="2" name="Object 4"/>
                       <p:cNvPicPr>
                         <a:picLocks noChangeAspect="1" noChangeArrowheads="1"/>
                       </p:cNvPicPr>
                       <p:nvPr/>
                     </p:nvPicPr>
                     <p:blipFill>
-                      <a:blip r:embed="rId4">
+                      <a:blip r:embed="rId3">
                         <a:extLst>
                           <a:ext uri="{28A0092B-C50C-407E-A947-70E740481C1C}">
                             <a14:useLocalDpi xmlns:a14="http://schemas.microsoft.com/office/drawing/2010/main" val="0"/>
@@ -33615,109 +35680,8 @@
                     </p:blipFill>
                     <p:spPr bwMode="auto">
                       <a:xfrm>
-                        <a:off x="5375275" y="5661025"/>
-                        <a:ext cx="5040313" cy="965200"/>
-                      </a:xfrm>
-                      <a:prstGeom prst="rect">
-                        <a:avLst/>
-                      </a:prstGeom>
-                      <a:noFill/>
-                      <a:ln>
-                        <a:noFill/>
-                      </a:ln>
-                      <a:effectLst/>
-                      <a:extLst>
-                        <a:ext uri="{909E8E84-426E-40DD-AFC4-6F175D3DCCD1}">
-                          <a14:hiddenFill xmlns:a14="http://schemas.microsoft.com/office/drawing/2010/main">
-                            <a:solidFill>
-                              <a:srgbClr val="FFFFFF"/>
-                            </a:solidFill>
-                          </a14:hiddenFill>
-                        </a:ext>
-                        <a:ext uri="{91240B29-F687-4F45-9708-019B960494DF}">
-                          <a14:hiddenLine xmlns:a14="http://schemas.microsoft.com/office/drawing/2010/main" w="9525">
-                            <a:solidFill>
-                              <a:srgbClr val="000000"/>
-                            </a:solidFill>
-                            <a:miter lim="800000"/>
-                            <a:headEnd/>
-                            <a:tailEnd/>
-                          </a14:hiddenLine>
-                        </a:ext>
-                        <a:ext uri="{AF507438-7753-43E0-B8FC-AC1667EBCBE1}">
-                          <a14:hiddenEffects xmlns:a14="http://schemas.microsoft.com/office/drawing/2010/main">
-                            <a:effectLst>
-                              <a:outerShdw dist="35921" dir="2700000" algn="ctr" rotWithShape="0">
-                                <a:srgbClr val="808080"/>
-                              </a:outerShdw>
-                            </a:effectLst>
-                          </a14:hiddenEffects>
-                        </a:ext>
-                      </a:extLst>
-                    </p:spPr>
-                  </p:pic>
-                </p:oleObj>
-              </mc:Fallback>
-            </mc:AlternateContent>
-          </a:graphicData>
-        </a:graphic>
-      </p:graphicFrame>
-      <p:graphicFrame>
-        <p:nvGraphicFramePr>
-          <p:cNvPr id="78855" name="Object 7">
-            <a:extLst>
-              <a:ext uri="{FF2B5EF4-FFF2-40B4-BE49-F238E27FC236}">
-                <a16:creationId xmlns:a16="http://schemas.microsoft.com/office/drawing/2014/main" id="{4636688C-B5FE-49B5-BA89-E612726A1661}"/>
-              </a:ext>
-            </a:extLst>
-          </p:cNvPr>
-          <p:cNvGraphicFramePr>
-            <a:graphicFrameLocks noGrp="1" noChangeAspect="1"/>
-          </p:cNvGraphicFramePr>
-          <p:nvPr>
-            <p:ph sz="quarter" idx="3"/>
-          </p:nvPr>
-        </p:nvGraphicFramePr>
-        <p:xfrm>
-          <a:off x="5375275" y="5661025"/>
-          <a:ext cx="2808288" cy="995363"/>
-        </p:xfrm>
-        <a:graphic>
-          <a:graphicData uri="http://schemas.openxmlformats.org/presentationml/2006/ole">
-            <mc:AlternateContent xmlns:mc="http://schemas.openxmlformats.org/markup-compatibility/2006">
-              <mc:Choice xmlns:v="urn:schemas-microsoft-com:vml" Requires="v">
-                <p:oleObj spid="_x0000_s78874" name="公式" r:id="rId5" imgW="1218960" imgH="431640" progId="Equation.3">
-                  <p:embed/>
-                </p:oleObj>
-              </mc:Choice>
-              <mc:Fallback>
-                <p:oleObj name="公式" r:id="rId5" imgW="1218960" imgH="431640" progId="Equation.3">
-                  <p:embed/>
-                  <p:pic>
-                    <p:nvPicPr>
-                      <p:cNvPr id="0" name="Object 7"/>
-                      <p:cNvPicPr>
-                        <a:picLocks noChangeAspect="1" noChangeArrowheads="1"/>
-                      </p:cNvPicPr>
-                      <p:nvPr/>
-                    </p:nvPicPr>
-                    <p:blipFill>
-                      <a:blip r:embed="rId6">
-                        <a:extLst>
-                          <a:ext uri="{28A0092B-C50C-407E-A947-70E740481C1C}">
-                            <a14:useLocalDpi xmlns:a14="http://schemas.microsoft.com/office/drawing/2010/main" val="0"/>
-                          </a:ext>
-                        </a:extLst>
-                      </a:blip>
-                      <a:srcRect/>
-                      <a:stretch>
-                        <a:fillRect/>
-                      </a:stretch>
-                    </p:blipFill>
-                    <p:spPr bwMode="auto">
-                      <a:xfrm>
-                        <a:off x="5375275" y="5661025"/>
-                        <a:ext cx="2808288" cy="995363"/>
+                        <a:off x="3579228" y="482768"/>
+                        <a:ext cx="4164013" cy="1069975"/>
                       </a:xfrm>
                       <a:prstGeom prst="rect">
                         <a:avLst/>
@@ -33765,140 +35729,201 @@
       </p:graphicFrame>
       <p:sp>
         <p:nvSpPr>
-          <p:cNvPr id="78852" name="Text Box 4">
-            <a:extLst>
-              <a:ext uri="{FF2B5EF4-FFF2-40B4-BE49-F238E27FC236}">
-                <a16:creationId xmlns:a16="http://schemas.microsoft.com/office/drawing/2014/main" id="{259FD909-DFDF-44D7-AB72-669CB0A570CD}"/>
-              </a:ext>
-            </a:extLst>
-          </p:cNvPr>
-          <p:cNvSpPr txBox="1">
-            <a:spLocks noChangeArrowheads="1"/>
-          </p:cNvSpPr>
+          <p:cNvPr id="3" name="文本框 2"/>
+          <p:cNvSpPr txBox="1"/>
           <p:nvPr/>
         </p:nvSpPr>
-        <p:spPr bwMode="auto">
+        <p:spPr>
           <a:xfrm>
-            <a:off x="2782888" y="3429001"/>
-            <a:ext cx="5365750" cy="2530475"/>
+            <a:off x="3579228" y="1973180"/>
+            <a:ext cx="1595309" cy="584775"/>
           </a:xfrm>
           <a:prstGeom prst="rect">
             <a:avLst/>
           </a:prstGeom>
           <a:noFill/>
-          <a:ln>
-            <a:noFill/>
-          </a:ln>
-          <a:effectLst/>
-          <a:extLst>
-            <a:ext uri="{909E8E84-426E-40DD-AFC4-6F175D3DCCD1}">
-              <a14:hiddenFill xmlns:a14="http://schemas.microsoft.com/office/drawing/2010/main">
-                <a:solidFill>
-                  <a:schemeClr val="accent1"/>
-                </a:solidFill>
-              </a14:hiddenFill>
-            </a:ext>
-            <a:ext uri="{91240B29-F687-4F45-9708-019B960494DF}">
-              <a14:hiddenLine xmlns:a14="http://schemas.microsoft.com/office/drawing/2010/main" w="9525" algn="ctr">
-                <a:solidFill>
-                  <a:schemeClr val="tx1"/>
-                </a:solidFill>
-                <a:miter lim="800000"/>
-                <a:headEnd/>
-                <a:tailEnd/>
-              </a14:hiddenLine>
-            </a:ext>
-            <a:ext uri="{AF507438-7753-43E0-B8FC-AC1667EBCBE1}">
-              <a14:hiddenEffects xmlns:a14="http://schemas.microsoft.com/office/drawing/2010/main">
-                <a:effectLst>
-                  <a:outerShdw dist="35921" dir="2700000" algn="ctr" rotWithShape="0">
-                    <a:schemeClr val="bg2"/>
-                  </a:outerShdw>
-                </a:effectLst>
-              </a14:hiddenEffects>
-            </a:ext>
-          </a:extLst>
         </p:spPr>
         <p:txBody>
-          <a:bodyPr wrap="none">
+          <a:bodyPr wrap="none" rtlCol="0">
             <a:spAutoFit/>
           </a:bodyPr>
           <a:lstStyle/>
           <a:p>
             <a:r>
-              <a:rPr lang="en-US" altLang="zh-CN" sz="2000" b="1">
-                <a:latin typeface="Courier New" panose="02070309020205020404" pitchFamily="49" charset="0"/>
-                <a:ea typeface="楷体_GB2312" pitchFamily="49" charset="-122"/>
-              </a:rPr>
-              <a:t>int QSort( List &amp;L, int s, int t )</a:t>
+              <a:rPr lang="en-US" altLang="zh-CN" sz="3200" dirty="0"/>
+              <a:t>T(0) = 0</a:t>
             </a:r>
+            <a:endParaRPr lang="zh-CN" altLang="en-US" sz="3200" dirty="0"/>
           </a:p>
+        </p:txBody>
+      </p:sp>
+      <p:sp>
+        <p:nvSpPr>
+          <p:cNvPr id="4" name="文本框 3"/>
+          <p:cNvSpPr txBox="1"/>
+          <p:nvPr/>
+        </p:nvSpPr>
+        <p:spPr>
+          <a:xfrm>
+            <a:off x="3579228" y="2557955"/>
+            <a:ext cx="1595309" cy="584775"/>
+          </a:xfrm>
+          <a:prstGeom prst="rect">
+            <a:avLst/>
+          </a:prstGeom>
+          <a:noFill/>
+        </p:spPr>
+        <p:txBody>
+          <a:bodyPr wrap="none" rtlCol="0">
+            <a:spAutoFit/>
+          </a:bodyPr>
+          <a:lstStyle/>
           <a:p>
             <a:r>
-              <a:rPr lang="en-US" altLang="zh-CN" sz="2000" b="1">
-                <a:latin typeface="Courier New" panose="02070309020205020404" pitchFamily="49" charset="0"/>
-                <a:ea typeface="楷体_GB2312" pitchFamily="49" charset="-122"/>
-              </a:rPr>
-              <a:t>{</a:t>
+              <a:rPr lang="en-US" altLang="zh-CN" sz="3200" dirty="0"/>
+              <a:t>T(1) = 1</a:t>
             </a:r>
+            <a:endParaRPr lang="zh-CN" altLang="en-US" sz="3200" dirty="0"/>
           </a:p>
+        </p:txBody>
+      </p:sp>
+      <p:sp>
+        <p:nvSpPr>
+          <p:cNvPr id="6" name="文本框 5"/>
+          <p:cNvSpPr txBox="1"/>
+          <p:nvPr/>
+        </p:nvSpPr>
+        <p:spPr>
+          <a:xfrm>
+            <a:off x="3579228" y="3142730"/>
+            <a:ext cx="1595309" cy="584775"/>
+          </a:xfrm>
+          <a:prstGeom prst="rect">
+            <a:avLst/>
+          </a:prstGeom>
+          <a:noFill/>
+        </p:spPr>
+        <p:txBody>
+          <a:bodyPr wrap="none" rtlCol="0">
+            <a:spAutoFit/>
+          </a:bodyPr>
+          <a:lstStyle/>
           <a:p>
             <a:r>
-              <a:rPr lang="en-US" altLang="zh-CN" sz="2000" b="1">
-                <a:latin typeface="Courier New" panose="02070309020205020404" pitchFamily="49" charset="0"/>
-                <a:ea typeface="楷体_GB2312" pitchFamily="49" charset="-122"/>
-              </a:rPr>
-              <a:t>    if (s&gt;=t) return 1;</a:t>
+              <a:rPr lang="en-US" altLang="zh-CN" sz="3200" dirty="0"/>
+              <a:t>T(2) = 3</a:t>
             </a:r>
+            <a:endParaRPr lang="zh-CN" altLang="en-US" sz="3200" dirty="0"/>
           </a:p>
+        </p:txBody>
+      </p:sp>
+      <p:sp>
+        <p:nvSpPr>
+          <p:cNvPr id="7" name="文本框 6"/>
+          <p:cNvSpPr txBox="1"/>
+          <p:nvPr/>
+        </p:nvSpPr>
+        <p:spPr>
+          <a:xfrm>
+            <a:off x="3579228" y="3727505"/>
+            <a:ext cx="1595309" cy="584775"/>
+          </a:xfrm>
+          <a:prstGeom prst="rect">
+            <a:avLst/>
+          </a:prstGeom>
+          <a:noFill/>
+        </p:spPr>
+        <p:txBody>
+          <a:bodyPr wrap="none" rtlCol="0">
+            <a:spAutoFit/>
+          </a:bodyPr>
+          <a:lstStyle/>
           <a:p>
             <a:r>
-              <a:rPr lang="en-US" altLang="zh-CN" sz="2000" b="1">
-                <a:latin typeface="Courier New" panose="02070309020205020404" pitchFamily="49" charset="0"/>
-                <a:ea typeface="楷体_GB2312" pitchFamily="49" charset="-122"/>
-              </a:rPr>
-              <a:t>    int k = Partition( L, s, t );</a:t>
+              <a:rPr lang="en-US" altLang="zh-CN" sz="3200" dirty="0"/>
+              <a:t>T(3) = 7</a:t>
             </a:r>
+            <a:endParaRPr lang="zh-CN" altLang="en-US" sz="3200" dirty="0"/>
           </a:p>
+        </p:txBody>
+      </p:sp>
+      <p:sp>
+        <p:nvSpPr>
+          <p:cNvPr id="8" name="文本框 7"/>
+          <p:cNvSpPr txBox="1"/>
+          <p:nvPr/>
+        </p:nvSpPr>
+        <p:spPr>
+          <a:xfrm>
+            <a:off x="3579228" y="4312280"/>
+            <a:ext cx="1822935" cy="584775"/>
+          </a:xfrm>
+          <a:prstGeom prst="rect">
+            <a:avLst/>
+          </a:prstGeom>
+          <a:noFill/>
+        </p:spPr>
+        <p:txBody>
+          <a:bodyPr wrap="none" rtlCol="0">
+            <a:spAutoFit/>
+          </a:bodyPr>
+          <a:lstStyle/>
           <a:p>
             <a:r>
-              <a:rPr lang="en-US" altLang="zh-CN" sz="2000" b="1">
-                <a:latin typeface="Courier New" panose="02070309020205020404" pitchFamily="49" charset="0"/>
-                <a:ea typeface="楷体_GB2312" pitchFamily="49" charset="-122"/>
-              </a:rPr>
-              <a:t>    QSort( L, s, k-1 );</a:t>
+              <a:rPr lang="en-US" altLang="zh-CN" sz="3200" dirty="0"/>
+              <a:t>T(4) = 15</a:t>
             </a:r>
+            <a:endParaRPr lang="zh-CN" altLang="en-US" sz="3200" dirty="0"/>
           </a:p>
+        </p:txBody>
+      </p:sp>
+      <p:sp>
+        <p:nvSpPr>
+          <p:cNvPr id="9" name="文本框 8"/>
+          <p:cNvSpPr txBox="1"/>
+          <p:nvPr/>
+        </p:nvSpPr>
+        <p:spPr>
+          <a:xfrm>
+            <a:off x="3579227" y="4897055"/>
+            <a:ext cx="2558714" cy="584775"/>
+          </a:xfrm>
+          <a:prstGeom prst="rect">
+            <a:avLst/>
+          </a:prstGeom>
+          <a:noFill/>
+        </p:spPr>
+        <p:txBody>
+          <a:bodyPr wrap="none" rtlCol="0">
+            <a:spAutoFit/>
+          </a:bodyPr>
+          <a:lstStyle/>
           <a:p>
             <a:r>
-              <a:rPr lang="en-US" altLang="zh-CN" sz="2000" b="1">
-                <a:latin typeface="Courier New" panose="02070309020205020404" pitchFamily="49" charset="0"/>
-                <a:ea typeface="楷体_GB2312" pitchFamily="49" charset="-122"/>
-              </a:rPr>
-              <a:t>    QSort( L, k+1, t );</a:t>
+              <a:rPr lang="en-US" altLang="zh-CN" sz="3200" dirty="0"/>
+              <a:t>T(n) = 2</a:t>
             </a:r>
-          </a:p>
-          <a:p>
             <a:r>
-              <a:rPr lang="en-US" altLang="zh-CN" sz="2000" b="1">
-                <a:latin typeface="Courier New" panose="02070309020205020404" pitchFamily="49" charset="0"/>
-                <a:ea typeface="楷体_GB2312" pitchFamily="49" charset="-122"/>
-              </a:rPr>
-              <a:t>    return 1;</a:t>
+              <a:rPr lang="en-US" altLang="zh-CN" sz="3200" baseline="30000" dirty="0"/>
+              <a:t>n</a:t>
             </a:r>
-          </a:p>
-          <a:p>
             <a:r>
-              <a:rPr lang="en-US" altLang="zh-CN" sz="2000" b="1">
-                <a:latin typeface="Courier New" panose="02070309020205020404" pitchFamily="49" charset="0"/>
-                <a:ea typeface="楷体_GB2312" pitchFamily="49" charset="-122"/>
-              </a:rPr>
-              <a:t>}</a:t>
+              <a:rPr lang="en-US" altLang="zh-CN" sz="3200" dirty="0"/>
+              <a:t>-1</a:t>
+            </a:r>
+            <a:r>
+              <a:rPr lang="zh-CN" altLang="en-US" sz="3200" dirty="0"/>
+              <a:t>？</a:t>
             </a:r>
           </a:p>
         </p:txBody>
       </p:sp>
     </p:spTree>
+    <p:extLst>
+      <p:ext uri="{BB962C8B-B14F-4D97-AF65-F5344CB8AC3E}">
+        <p14:creationId xmlns:p14="http://schemas.microsoft.com/office/powerpoint/2010/main" val="835229618"/>
+      </p:ext>
+    </p:extLst>
   </p:cSld>
   <p:clrMapOvr>
     <a:masterClrMapping/>
@@ -33912,19 +35937,19 @@
               <p:cTn id="2" dur="indefinite" nodeType="mainSeq">
                 <p:childTnLst>
                   <p:par>
-                    <p:cTn id="3" fill="hold" nodeType="clickPar">
+                    <p:cTn id="3" fill="hold">
                       <p:stCondLst>
                         <p:cond delay="indefinite"/>
                       </p:stCondLst>
                       <p:childTnLst>
                         <p:par>
-                          <p:cTn id="4" fill="hold" nodeType="withGroup">
+                          <p:cTn id="4" fill="hold">
                             <p:stCondLst>
                               <p:cond delay="0"/>
                             </p:stCondLst>
                             <p:childTnLst>
                               <p:par>
-                                <p:cTn id="5" presetID="1" presetClass="entr" presetSubtype="0" fill="hold" nodeType="clickEffect">
+                                <p:cTn id="5" presetID="1" presetClass="entr" presetSubtype="0" fill="hold" grpId="0" nodeType="clickEffect">
                                   <p:stCondLst>
                                     <p:cond delay="0"/>
                                   </p:stCondLst>
@@ -33937,7 +35962,7 @@
                                           </p:stCondLst>
                                         </p:cTn>
                                         <p:tgtEl>
-                                          <p:spTgt spid="78853"/>
+                                          <p:spTgt spid="3"/>
                                         </p:tgtEl>
                                         <p:attrNameLst>
                                           <p:attrName>style.visibility</p:attrName>
@@ -33948,22 +35973,6 @@
                                       </p:to>
                                     </p:set>
                                   </p:childTnLst>
-                                  <p:subTnLst>
-                                    <p:set>
-                                      <p:cBhvr override="childStyle">
-                                        <p:cTn dur="1" fill="hold" display="0" masterRel="nextClick" afterEffect="1"/>
-                                        <p:tgtEl>
-                                          <p:spTgt spid="78853"/>
-                                        </p:tgtEl>
-                                        <p:attrNameLst>
-                                          <p:attrName>style.visibility</p:attrName>
-                                        </p:attrNameLst>
-                                      </p:cBhvr>
-                                      <p:to>
-                                        <p:strVal val="hidden"/>
-                                      </p:to>
-                                    </p:set>
-                                  </p:subTnLst>
                                 </p:cTn>
                               </p:par>
                             </p:childTnLst>
@@ -33973,19 +35982,19 @@
                     </p:cTn>
                   </p:par>
                   <p:par>
-                    <p:cTn id="7" fill="hold" nodeType="clickPar">
+                    <p:cTn id="7" fill="hold">
                       <p:stCondLst>
                         <p:cond delay="indefinite"/>
                       </p:stCondLst>
                       <p:childTnLst>
                         <p:par>
-                          <p:cTn id="8" fill="hold" nodeType="withGroup">
+                          <p:cTn id="8" fill="hold">
                             <p:stCondLst>
                               <p:cond delay="0"/>
                             </p:stCondLst>
                             <p:childTnLst>
                               <p:par>
-                                <p:cTn id="9" presetID="1" presetClass="entr" presetSubtype="0" fill="hold" nodeType="clickEffect">
+                                <p:cTn id="9" presetID="1" presetClass="entr" presetSubtype="0" fill="hold" grpId="0" nodeType="clickEffect">
                                   <p:stCondLst>
                                     <p:cond delay="0"/>
                                   </p:stCondLst>
@@ -33998,7 +36007,187 @@
                                           </p:stCondLst>
                                         </p:cTn>
                                         <p:tgtEl>
-                                          <p:spTgt spid="78855"/>
+                                          <p:spTgt spid="4"/>
+                                        </p:tgtEl>
+                                        <p:attrNameLst>
+                                          <p:attrName>style.visibility</p:attrName>
+                                        </p:attrNameLst>
+                                      </p:cBhvr>
+                                      <p:to>
+                                        <p:strVal val="visible"/>
+                                      </p:to>
+                                    </p:set>
+                                  </p:childTnLst>
+                                </p:cTn>
+                              </p:par>
+                            </p:childTnLst>
+                          </p:cTn>
+                        </p:par>
+                      </p:childTnLst>
+                    </p:cTn>
+                  </p:par>
+                  <p:par>
+                    <p:cTn id="11" fill="hold">
+                      <p:stCondLst>
+                        <p:cond delay="indefinite"/>
+                      </p:stCondLst>
+                      <p:childTnLst>
+                        <p:par>
+                          <p:cTn id="12" fill="hold">
+                            <p:stCondLst>
+                              <p:cond delay="0"/>
+                            </p:stCondLst>
+                            <p:childTnLst>
+                              <p:par>
+                                <p:cTn id="13" presetID="1" presetClass="entr" presetSubtype="0" fill="hold" grpId="0" nodeType="clickEffect">
+                                  <p:stCondLst>
+                                    <p:cond delay="0"/>
+                                  </p:stCondLst>
+                                  <p:childTnLst>
+                                    <p:set>
+                                      <p:cBhvr>
+                                        <p:cTn id="14" dur="1" fill="hold">
+                                          <p:stCondLst>
+                                            <p:cond delay="0"/>
+                                          </p:stCondLst>
+                                        </p:cTn>
+                                        <p:tgtEl>
+                                          <p:spTgt spid="6"/>
+                                        </p:tgtEl>
+                                        <p:attrNameLst>
+                                          <p:attrName>style.visibility</p:attrName>
+                                        </p:attrNameLst>
+                                      </p:cBhvr>
+                                      <p:to>
+                                        <p:strVal val="visible"/>
+                                      </p:to>
+                                    </p:set>
+                                  </p:childTnLst>
+                                </p:cTn>
+                              </p:par>
+                            </p:childTnLst>
+                          </p:cTn>
+                        </p:par>
+                      </p:childTnLst>
+                    </p:cTn>
+                  </p:par>
+                  <p:par>
+                    <p:cTn id="15" fill="hold">
+                      <p:stCondLst>
+                        <p:cond delay="indefinite"/>
+                      </p:stCondLst>
+                      <p:childTnLst>
+                        <p:par>
+                          <p:cTn id="16" fill="hold">
+                            <p:stCondLst>
+                              <p:cond delay="0"/>
+                            </p:stCondLst>
+                            <p:childTnLst>
+                              <p:par>
+                                <p:cTn id="17" presetID="1" presetClass="entr" presetSubtype="0" fill="hold" grpId="0" nodeType="clickEffect">
+                                  <p:stCondLst>
+                                    <p:cond delay="0"/>
+                                  </p:stCondLst>
+                                  <p:childTnLst>
+                                    <p:set>
+                                      <p:cBhvr>
+                                        <p:cTn id="18" dur="1" fill="hold">
+                                          <p:stCondLst>
+                                            <p:cond delay="0"/>
+                                          </p:stCondLst>
+                                        </p:cTn>
+                                        <p:tgtEl>
+                                          <p:spTgt spid="7"/>
+                                        </p:tgtEl>
+                                        <p:attrNameLst>
+                                          <p:attrName>style.visibility</p:attrName>
+                                        </p:attrNameLst>
+                                      </p:cBhvr>
+                                      <p:to>
+                                        <p:strVal val="visible"/>
+                                      </p:to>
+                                    </p:set>
+                                  </p:childTnLst>
+                                </p:cTn>
+                              </p:par>
+                            </p:childTnLst>
+                          </p:cTn>
+                        </p:par>
+                      </p:childTnLst>
+                    </p:cTn>
+                  </p:par>
+                  <p:par>
+                    <p:cTn id="19" fill="hold">
+                      <p:stCondLst>
+                        <p:cond delay="indefinite"/>
+                      </p:stCondLst>
+                      <p:childTnLst>
+                        <p:par>
+                          <p:cTn id="20" fill="hold">
+                            <p:stCondLst>
+                              <p:cond delay="0"/>
+                            </p:stCondLst>
+                            <p:childTnLst>
+                              <p:par>
+                                <p:cTn id="21" presetID="1" presetClass="entr" presetSubtype="0" fill="hold" grpId="0" nodeType="clickEffect">
+                                  <p:stCondLst>
+                                    <p:cond delay="0"/>
+                                  </p:stCondLst>
+                                  <p:childTnLst>
+                                    <p:set>
+                                      <p:cBhvr>
+                                        <p:cTn id="22" dur="1" fill="hold">
+                                          <p:stCondLst>
+                                            <p:cond delay="0"/>
+                                          </p:stCondLst>
+                                        </p:cTn>
+                                        <p:tgtEl>
+                                          <p:spTgt spid="8"/>
+                                        </p:tgtEl>
+                                        <p:attrNameLst>
+                                          <p:attrName>style.visibility</p:attrName>
+                                        </p:attrNameLst>
+                                      </p:cBhvr>
+                                      <p:to>
+                                        <p:strVal val="visible"/>
+                                      </p:to>
+                                    </p:set>
+                                  </p:childTnLst>
+                                </p:cTn>
+                              </p:par>
+                            </p:childTnLst>
+                          </p:cTn>
+                        </p:par>
+                      </p:childTnLst>
+                    </p:cTn>
+                  </p:par>
+                  <p:par>
+                    <p:cTn id="23" fill="hold">
+                      <p:stCondLst>
+                        <p:cond delay="indefinite"/>
+                      </p:stCondLst>
+                      <p:childTnLst>
+                        <p:par>
+                          <p:cTn id="24" fill="hold">
+                            <p:stCondLst>
+                              <p:cond delay="0"/>
+                            </p:stCondLst>
+                            <p:childTnLst>
+                              <p:par>
+                                <p:cTn id="25" presetID="1" presetClass="entr" presetSubtype="0" fill="hold" grpId="0" nodeType="clickEffect">
+                                  <p:stCondLst>
+                                    <p:cond delay="0"/>
+                                  </p:stCondLst>
+                                  <p:childTnLst>
+                                    <p:set>
+                                      <p:cBhvr>
+                                        <p:cTn id="26" dur="1" fill="hold">
+                                          <p:stCondLst>
+                                            <p:cond delay="0"/>
+                                          </p:stCondLst>
+                                        </p:cTn>
+                                        <p:tgtEl>
+                                          <p:spTgt spid="9"/>
                                         </p:tgtEl>
                                         <p:attrNameLst>
                                           <p:attrName>style.visibility</p:attrName>
@@ -34038,6 +36227,14 @@
         </p:cTn>
       </p:par>
     </p:tnLst>
+    <p:bldLst>
+      <p:bldP spid="3" grpId="0"/>
+      <p:bldP spid="4" grpId="0"/>
+      <p:bldP spid="6" grpId="0"/>
+      <p:bldP spid="7" grpId="0"/>
+      <p:bldP spid="8" grpId="0"/>
+      <p:bldP spid="9" grpId="0"/>
+    </p:bldLst>
   </p:timing>
 </p:sld>
 </file>
@@ -34283,4 +36480,299 @@
     </a:ext>
   </a:extLst>
 </a:theme>
+</file>
+
+<file path=ppt/theme/theme2.xml><?xml version="1.0" encoding="utf-8"?>
+<a:theme xmlns:a="http://schemas.openxmlformats.org/drawingml/2006/main" name="Office 主题​​">
+  <a:themeElements>
+    <a:clrScheme name="Office">
+      <a:dk1>
+        <a:sysClr val="windowText" lastClr="000000"/>
+      </a:dk1>
+      <a:lt1>
+        <a:sysClr val="window" lastClr="FFFFFF"/>
+      </a:lt1>
+      <a:dk2>
+        <a:srgbClr val="44546A"/>
+      </a:dk2>
+      <a:lt2>
+        <a:srgbClr val="E7E6E6"/>
+      </a:lt2>
+      <a:accent1>
+        <a:srgbClr val="4472C4"/>
+      </a:accent1>
+      <a:accent2>
+        <a:srgbClr val="ED7D31"/>
+      </a:accent2>
+      <a:accent3>
+        <a:srgbClr val="A5A5A5"/>
+      </a:accent3>
+      <a:accent4>
+        <a:srgbClr val="FFC000"/>
+      </a:accent4>
+      <a:accent5>
+        <a:srgbClr val="5B9BD5"/>
+      </a:accent5>
+      <a:accent6>
+        <a:srgbClr val="70AD47"/>
+      </a:accent6>
+      <a:hlink>
+        <a:srgbClr val="0563C1"/>
+      </a:hlink>
+      <a:folHlink>
+        <a:srgbClr val="954F72"/>
+      </a:folHlink>
+    </a:clrScheme>
+    <a:fontScheme name="Office">
+      <a:majorFont>
+        <a:latin typeface="等线 Light" panose="020F0302020204030204"/>
+        <a:ea typeface=""/>
+        <a:cs typeface=""/>
+        <a:font script="Jpan" typeface="游ゴシック Light"/>
+        <a:font script="Hang" typeface="맑은 고딕"/>
+        <a:font script="Hans" typeface="等线 Light"/>
+        <a:font script="Hant" typeface="新細明體"/>
+        <a:font script="Arab" typeface="Times New Roman"/>
+        <a:font script="Hebr" typeface="Times New Roman"/>
+        <a:font script="Thai" typeface="Angsana New"/>
+        <a:font script="Ethi" typeface="Nyala"/>
+        <a:font script="Beng" typeface="Vrinda"/>
+        <a:font script="Gujr" typeface="Shruti"/>
+        <a:font script="Khmr" typeface="MoolBoran"/>
+        <a:font script="Knda" typeface="Tunga"/>
+        <a:font script="Guru" typeface="Raavi"/>
+        <a:font script="Cans" typeface="Euphemia"/>
+        <a:font script="Cher" typeface="Plantagenet Cherokee"/>
+        <a:font script="Yiii" typeface="Microsoft Yi Baiti"/>
+        <a:font script="Tibt" typeface="Microsoft Himalaya"/>
+        <a:font script="Thaa" typeface="MV Boli"/>
+        <a:font script="Deva" typeface="Mangal"/>
+        <a:font script="Telu" typeface="Gautami"/>
+        <a:font script="Taml" typeface="Latha"/>
+        <a:font script="Syrc" typeface="Estrangelo Edessa"/>
+        <a:font script="Orya" typeface="Kalinga"/>
+        <a:font script="Mlym" typeface="Kartika"/>
+        <a:font script="Laoo" typeface="DokChampa"/>
+        <a:font script="Sinh" typeface="Iskoola Pota"/>
+        <a:font script="Mong" typeface="Mongolian Baiti"/>
+        <a:font script="Viet" typeface="Times New Roman"/>
+        <a:font script="Uigh" typeface="Microsoft Uighur"/>
+        <a:font script="Geor" typeface="Sylfaen"/>
+        <a:font script="Armn" typeface="Arial"/>
+        <a:font script="Bugi" typeface="Leelawadee UI"/>
+        <a:font script="Bopo" typeface="Microsoft JhengHei"/>
+        <a:font script="Java" typeface="Javanese Text"/>
+        <a:font script="Lisu" typeface="Segoe UI"/>
+        <a:font script="Mymr" typeface="Myanmar Text"/>
+        <a:font script="Nkoo" typeface="Ebrima"/>
+        <a:font script="Olck" typeface="Nirmala UI"/>
+        <a:font script="Osma" typeface="Ebrima"/>
+        <a:font script="Phag" typeface="Phagspa"/>
+        <a:font script="Syrn" typeface="Estrangelo Edessa"/>
+        <a:font script="Syrj" typeface="Estrangelo Edessa"/>
+        <a:font script="Syre" typeface="Estrangelo Edessa"/>
+        <a:font script="Sora" typeface="Nirmala UI"/>
+        <a:font script="Tale" typeface="Microsoft Tai Le"/>
+        <a:font script="Talu" typeface="Microsoft New Tai Lue"/>
+        <a:font script="Tfng" typeface="Ebrima"/>
+      </a:majorFont>
+      <a:minorFont>
+        <a:latin typeface="等线" panose="020F0502020204030204"/>
+        <a:ea typeface=""/>
+        <a:cs typeface=""/>
+        <a:font script="Jpan" typeface="游ゴシック"/>
+        <a:font script="Hang" typeface="맑은 고딕"/>
+        <a:font script="Hans" typeface="等线"/>
+        <a:font script="Hant" typeface="新細明體"/>
+        <a:font script="Arab" typeface="Arial"/>
+        <a:font script="Hebr" typeface="Arial"/>
+        <a:font script="Thai" typeface="Cordia New"/>
+        <a:font script="Ethi" typeface="Nyala"/>
+        <a:font script="Beng" typeface="Vrinda"/>
+        <a:font script="Gujr" typeface="Shruti"/>
+        <a:font script="Khmr" typeface="DaunPenh"/>
+        <a:font script="Knda" typeface="Tunga"/>
+        <a:font script="Guru" typeface="Raavi"/>
+        <a:font script="Cans" typeface="Euphemia"/>
+        <a:font script="Cher" typeface="Plantagenet Cherokee"/>
+        <a:font script="Yiii" typeface="Microsoft Yi Baiti"/>
+        <a:font script="Tibt" typeface="Microsoft Himalaya"/>
+        <a:font script="Thaa" typeface="MV Boli"/>
+        <a:font script="Deva" typeface="Mangal"/>
+        <a:font script="Telu" typeface="Gautami"/>
+        <a:font script="Taml" typeface="Latha"/>
+        <a:font script="Syrc" typeface="Estrangelo Edessa"/>
+        <a:font script="Orya" typeface="Kalinga"/>
+        <a:font script="Mlym" typeface="Kartika"/>
+        <a:font script="Laoo" typeface="DokChampa"/>
+        <a:font script="Sinh" typeface="Iskoola Pota"/>
+        <a:font script="Mong" typeface="Mongolian Baiti"/>
+        <a:font script="Viet" typeface="Arial"/>
+        <a:font script="Uigh" typeface="Microsoft Uighur"/>
+        <a:font script="Geor" typeface="Sylfaen"/>
+        <a:font script="Armn" typeface="Arial"/>
+        <a:font script="Bugi" typeface="Leelawadee UI"/>
+        <a:font script="Bopo" typeface="Microsoft JhengHei"/>
+        <a:font script="Java" typeface="Javanese Text"/>
+        <a:font script="Lisu" typeface="Segoe UI"/>
+        <a:font script="Mymr" typeface="Myanmar Text"/>
+        <a:font script="Nkoo" typeface="Ebrima"/>
+        <a:font script="Olck" typeface="Nirmala UI"/>
+        <a:font script="Osma" typeface="Ebrima"/>
+        <a:font script="Phag" typeface="Phagspa"/>
+        <a:font script="Syrn" typeface="Estrangelo Edessa"/>
+        <a:font script="Syrj" typeface="Estrangelo Edessa"/>
+        <a:font script="Syre" typeface="Estrangelo Edessa"/>
+        <a:font script="Sora" typeface="Nirmala UI"/>
+        <a:font script="Tale" typeface="Microsoft Tai Le"/>
+        <a:font script="Talu" typeface="Microsoft New Tai Lue"/>
+        <a:font script="Tfng" typeface="Ebrima"/>
+      </a:minorFont>
+    </a:fontScheme>
+    <a:fmtScheme name="Office">
+      <a:fillStyleLst>
+        <a:solidFill>
+          <a:schemeClr val="phClr"/>
+        </a:solidFill>
+        <a:gradFill rotWithShape="1">
+          <a:gsLst>
+            <a:gs pos="0">
+              <a:schemeClr val="phClr">
+                <a:lumMod val="110000"/>
+                <a:satMod val="105000"/>
+                <a:tint val="67000"/>
+              </a:schemeClr>
+            </a:gs>
+            <a:gs pos="50000">
+              <a:schemeClr val="phClr">
+                <a:lumMod val="105000"/>
+                <a:satMod val="103000"/>
+                <a:tint val="73000"/>
+              </a:schemeClr>
+            </a:gs>
+            <a:gs pos="100000">
+              <a:schemeClr val="phClr">
+                <a:lumMod val="105000"/>
+                <a:satMod val="109000"/>
+                <a:tint val="81000"/>
+              </a:schemeClr>
+            </a:gs>
+          </a:gsLst>
+          <a:lin ang="5400000" scaled="0"/>
+        </a:gradFill>
+        <a:gradFill rotWithShape="1">
+          <a:gsLst>
+            <a:gs pos="0">
+              <a:schemeClr val="phClr">
+                <a:satMod val="103000"/>
+                <a:lumMod val="102000"/>
+                <a:tint val="94000"/>
+              </a:schemeClr>
+            </a:gs>
+            <a:gs pos="50000">
+              <a:schemeClr val="phClr">
+                <a:satMod val="110000"/>
+                <a:lumMod val="100000"/>
+                <a:shade val="100000"/>
+              </a:schemeClr>
+            </a:gs>
+            <a:gs pos="100000">
+              <a:schemeClr val="phClr">
+                <a:lumMod val="99000"/>
+                <a:satMod val="120000"/>
+                <a:shade val="78000"/>
+              </a:schemeClr>
+            </a:gs>
+          </a:gsLst>
+          <a:lin ang="5400000" scaled="0"/>
+        </a:gradFill>
+      </a:fillStyleLst>
+      <a:lnStyleLst>
+        <a:ln w="6350" cap="flat" cmpd="sng" algn="ctr">
+          <a:solidFill>
+            <a:schemeClr val="phClr"/>
+          </a:solidFill>
+          <a:prstDash val="solid"/>
+          <a:miter lim="800000"/>
+        </a:ln>
+        <a:ln w="12700" cap="flat" cmpd="sng" algn="ctr">
+          <a:solidFill>
+            <a:schemeClr val="phClr"/>
+          </a:solidFill>
+          <a:prstDash val="solid"/>
+          <a:miter lim="800000"/>
+        </a:ln>
+        <a:ln w="19050" cap="flat" cmpd="sng" algn="ctr">
+          <a:solidFill>
+            <a:schemeClr val="phClr"/>
+          </a:solidFill>
+          <a:prstDash val="solid"/>
+          <a:miter lim="800000"/>
+        </a:ln>
+      </a:lnStyleLst>
+      <a:effectStyleLst>
+        <a:effectStyle>
+          <a:effectLst/>
+        </a:effectStyle>
+        <a:effectStyle>
+          <a:effectLst/>
+        </a:effectStyle>
+        <a:effectStyle>
+          <a:effectLst>
+            <a:outerShdw blurRad="57150" dist="19050" dir="5400000" algn="ctr" rotWithShape="0">
+              <a:srgbClr val="000000">
+                <a:alpha val="63000"/>
+              </a:srgbClr>
+            </a:outerShdw>
+          </a:effectLst>
+        </a:effectStyle>
+      </a:effectStyleLst>
+      <a:bgFillStyleLst>
+        <a:solidFill>
+          <a:schemeClr val="phClr"/>
+        </a:solidFill>
+        <a:solidFill>
+          <a:schemeClr val="phClr">
+            <a:tint val="95000"/>
+            <a:satMod val="170000"/>
+          </a:schemeClr>
+        </a:solidFill>
+        <a:gradFill rotWithShape="1">
+          <a:gsLst>
+            <a:gs pos="0">
+              <a:schemeClr val="phClr">
+                <a:tint val="93000"/>
+                <a:satMod val="150000"/>
+                <a:shade val="98000"/>
+                <a:lumMod val="102000"/>
+              </a:schemeClr>
+            </a:gs>
+            <a:gs pos="50000">
+              <a:schemeClr val="phClr">
+                <a:tint val="98000"/>
+                <a:satMod val="130000"/>
+                <a:shade val="90000"/>
+                <a:lumMod val="103000"/>
+              </a:schemeClr>
+            </a:gs>
+            <a:gs pos="100000">
+              <a:schemeClr val="phClr">
+                <a:shade val="63000"/>
+                <a:satMod val="120000"/>
+              </a:schemeClr>
+            </a:gs>
+          </a:gsLst>
+          <a:lin ang="5400000" scaled="0"/>
+        </a:gradFill>
+      </a:bgFillStyleLst>
+    </a:fmtScheme>
+  </a:themeElements>
+  <a:objectDefaults/>
+  <a:extraClrSchemeLst/>
+  <a:extLst>
+    <a:ext uri="{05A4C25C-085E-4340-85A3-A5531E510DB2}">
+      <thm15:themeFamily xmlns:thm15="http://schemas.microsoft.com/office/thememl/2012/main" name="Office Theme" id="{62F939B6-93AF-4DB8-9C6B-D6C7DFDC589F}" vid="{4A3C46E8-61CC-4603-A589-7422A47A8E4A}"/>
+    </a:ext>
+  </a:extLst>
+</a:theme>
 </file>